--- a/Module-3.pptx
+++ b/Module-3.pptx
@@ -45,10 +45,10 @@
     <p:sldId id="295" r:id="rId36"/>
     <p:sldId id="296" r:id="rId37"/>
     <p:sldId id="297" r:id="rId38"/>
-    <p:sldId id="269" r:id="rId39"/>
-    <p:sldId id="262" r:id="rId40"/>
-    <p:sldId id="266" r:id="rId41"/>
-    <p:sldId id="263" r:id="rId42"/>
+    <p:sldId id="298" r:id="rId39"/>
+    <p:sldId id="299" r:id="rId40"/>
+    <p:sldId id="300" r:id="rId41"/>
+    <p:sldId id="262" r:id="rId42"/>
     <p:sldId id="267" r:id="rId43"/>
   </p:sldIdLst>
   <p:sldSz cx="9144000" cy="6858000" type="screen4x3"/>
@@ -1681,6 +1681,1500 @@
 </dgm:colorsDef>
 </file>
 
+<file path=ppt/diagrams/colors3.xml><?xml version="1.0" encoding="utf-8"?>
+<dgm:colorsDef xmlns:dgm="http://schemas.openxmlformats.org/drawingml/2006/diagram" xmlns:a="http://schemas.openxmlformats.org/drawingml/2006/main" uniqueId="urn:microsoft.com/office/officeart/2005/8/colors/accent1_2">
+  <dgm:title val=""/>
+  <dgm:desc val=""/>
+  <dgm:catLst>
+    <dgm:cat type="accent1" pri="11200"/>
+  </dgm:catLst>
+  <dgm:styleLbl name="node0">
+    <dgm:fillClrLst meth="repeat">
+      <a:schemeClr val="accent1"/>
+    </dgm:fillClrLst>
+    <dgm:linClrLst meth="repeat">
+      <a:schemeClr val="lt1"/>
+    </dgm:linClrLst>
+    <dgm:effectClrLst/>
+    <dgm:txLinClrLst/>
+    <dgm:txFillClrLst/>
+    <dgm:txEffectClrLst/>
+  </dgm:styleLbl>
+  <dgm:styleLbl name="alignNode1">
+    <dgm:fillClrLst meth="repeat">
+      <a:schemeClr val="accent1"/>
+    </dgm:fillClrLst>
+    <dgm:linClrLst meth="repeat">
+      <a:schemeClr val="accent1"/>
+    </dgm:linClrLst>
+    <dgm:effectClrLst/>
+    <dgm:txLinClrLst/>
+    <dgm:txFillClrLst/>
+    <dgm:txEffectClrLst/>
+  </dgm:styleLbl>
+  <dgm:styleLbl name="node1">
+    <dgm:fillClrLst meth="repeat">
+      <a:schemeClr val="accent1"/>
+    </dgm:fillClrLst>
+    <dgm:linClrLst meth="repeat">
+      <a:schemeClr val="lt1"/>
+    </dgm:linClrLst>
+    <dgm:effectClrLst/>
+    <dgm:txLinClrLst/>
+    <dgm:txFillClrLst/>
+    <dgm:txEffectClrLst/>
+  </dgm:styleLbl>
+  <dgm:styleLbl name="lnNode1">
+    <dgm:fillClrLst meth="repeat">
+      <a:schemeClr val="accent1"/>
+    </dgm:fillClrLst>
+    <dgm:linClrLst meth="repeat">
+      <a:schemeClr val="lt1"/>
+    </dgm:linClrLst>
+    <dgm:effectClrLst/>
+    <dgm:txLinClrLst/>
+    <dgm:txFillClrLst/>
+    <dgm:txEffectClrLst/>
+  </dgm:styleLbl>
+  <dgm:styleLbl name="vennNode1">
+    <dgm:fillClrLst meth="repeat">
+      <a:schemeClr val="accent1">
+        <a:alpha val="50000"/>
+      </a:schemeClr>
+    </dgm:fillClrLst>
+    <dgm:linClrLst meth="repeat">
+      <a:schemeClr val="lt1"/>
+    </dgm:linClrLst>
+    <dgm:effectClrLst/>
+    <dgm:txLinClrLst/>
+    <dgm:txFillClrLst/>
+    <dgm:txEffectClrLst/>
+  </dgm:styleLbl>
+  <dgm:styleLbl name="node2">
+    <dgm:fillClrLst meth="repeat">
+      <a:schemeClr val="accent1"/>
+    </dgm:fillClrLst>
+    <dgm:linClrLst meth="repeat">
+      <a:schemeClr val="lt1"/>
+    </dgm:linClrLst>
+    <dgm:effectClrLst/>
+    <dgm:txLinClrLst/>
+    <dgm:txFillClrLst/>
+    <dgm:txEffectClrLst/>
+  </dgm:styleLbl>
+  <dgm:styleLbl name="node3">
+    <dgm:fillClrLst meth="repeat">
+      <a:schemeClr val="accent1"/>
+    </dgm:fillClrLst>
+    <dgm:linClrLst meth="repeat">
+      <a:schemeClr val="lt1"/>
+    </dgm:linClrLst>
+    <dgm:effectClrLst/>
+    <dgm:txLinClrLst/>
+    <dgm:txFillClrLst/>
+    <dgm:txEffectClrLst/>
+  </dgm:styleLbl>
+  <dgm:styleLbl name="node4">
+    <dgm:fillClrLst meth="repeat">
+      <a:schemeClr val="accent1"/>
+    </dgm:fillClrLst>
+    <dgm:linClrLst meth="repeat">
+      <a:schemeClr val="lt1"/>
+    </dgm:linClrLst>
+    <dgm:effectClrLst/>
+    <dgm:txLinClrLst/>
+    <dgm:txFillClrLst/>
+    <dgm:txEffectClrLst/>
+  </dgm:styleLbl>
+  <dgm:styleLbl name="fgImgPlace1">
+    <dgm:fillClrLst meth="repeat">
+      <a:schemeClr val="accent1">
+        <a:tint val="50000"/>
+      </a:schemeClr>
+    </dgm:fillClrLst>
+    <dgm:linClrLst meth="repeat">
+      <a:schemeClr val="lt1"/>
+    </dgm:linClrLst>
+    <dgm:effectClrLst/>
+    <dgm:txLinClrLst/>
+    <dgm:txFillClrLst meth="repeat">
+      <a:schemeClr val="lt1"/>
+    </dgm:txFillClrLst>
+    <dgm:txEffectClrLst/>
+  </dgm:styleLbl>
+  <dgm:styleLbl name="alignImgPlace1">
+    <dgm:fillClrLst meth="repeat">
+      <a:schemeClr val="accent1">
+        <a:tint val="50000"/>
+      </a:schemeClr>
+    </dgm:fillClrLst>
+    <dgm:linClrLst meth="repeat">
+      <a:schemeClr val="lt1"/>
+    </dgm:linClrLst>
+    <dgm:effectClrLst/>
+    <dgm:txLinClrLst/>
+    <dgm:txFillClrLst meth="repeat">
+      <a:schemeClr val="lt1"/>
+    </dgm:txFillClrLst>
+    <dgm:txEffectClrLst/>
+  </dgm:styleLbl>
+  <dgm:styleLbl name="bgImgPlace1">
+    <dgm:fillClrLst meth="repeat">
+      <a:schemeClr val="accent1">
+        <a:tint val="50000"/>
+      </a:schemeClr>
+    </dgm:fillClrLst>
+    <dgm:linClrLst meth="repeat">
+      <a:schemeClr val="lt1"/>
+    </dgm:linClrLst>
+    <dgm:effectClrLst/>
+    <dgm:txLinClrLst/>
+    <dgm:txFillClrLst meth="repeat">
+      <a:schemeClr val="lt1"/>
+    </dgm:txFillClrLst>
+    <dgm:txEffectClrLst/>
+  </dgm:styleLbl>
+  <dgm:styleLbl name="sibTrans2D1">
+    <dgm:fillClrLst meth="repeat">
+      <a:schemeClr val="accent1">
+        <a:tint val="60000"/>
+      </a:schemeClr>
+    </dgm:fillClrLst>
+    <dgm:linClrLst meth="repeat">
+      <a:schemeClr val="accent1">
+        <a:tint val="60000"/>
+      </a:schemeClr>
+    </dgm:linClrLst>
+    <dgm:effectClrLst/>
+    <dgm:txLinClrLst/>
+    <dgm:txFillClrLst/>
+    <dgm:txEffectClrLst/>
+  </dgm:styleLbl>
+  <dgm:styleLbl name="fgSibTrans2D1">
+    <dgm:fillClrLst meth="repeat">
+      <a:schemeClr val="accent1">
+        <a:tint val="60000"/>
+      </a:schemeClr>
+    </dgm:fillClrLst>
+    <dgm:linClrLst meth="repeat">
+      <a:schemeClr val="accent1">
+        <a:tint val="60000"/>
+      </a:schemeClr>
+    </dgm:linClrLst>
+    <dgm:effectClrLst/>
+    <dgm:txLinClrLst/>
+    <dgm:txFillClrLst/>
+    <dgm:txEffectClrLst/>
+  </dgm:styleLbl>
+  <dgm:styleLbl name="bgSibTrans2D1">
+    <dgm:fillClrLst meth="repeat">
+      <a:schemeClr val="accent1">
+        <a:tint val="60000"/>
+      </a:schemeClr>
+    </dgm:fillClrLst>
+    <dgm:linClrLst meth="repeat">
+      <a:schemeClr val="accent1">
+        <a:tint val="60000"/>
+      </a:schemeClr>
+    </dgm:linClrLst>
+    <dgm:effectClrLst/>
+    <dgm:txLinClrLst/>
+    <dgm:txFillClrLst/>
+    <dgm:txEffectClrLst/>
+  </dgm:styleLbl>
+  <dgm:styleLbl name="sibTrans1D1">
+    <dgm:fillClrLst meth="repeat">
+      <a:schemeClr val="accent1"/>
+    </dgm:fillClrLst>
+    <dgm:linClrLst meth="repeat">
+      <a:schemeClr val="accent1"/>
+    </dgm:linClrLst>
+    <dgm:effectClrLst/>
+    <dgm:txLinClrLst/>
+    <dgm:txFillClrLst meth="repeat">
+      <a:schemeClr val="tx1"/>
+    </dgm:txFillClrLst>
+    <dgm:txEffectClrLst/>
+  </dgm:styleLbl>
+  <dgm:styleLbl name="callout">
+    <dgm:fillClrLst meth="repeat">
+      <a:schemeClr val="accent1"/>
+    </dgm:fillClrLst>
+    <dgm:linClrLst meth="repeat">
+      <a:schemeClr val="accent1">
+        <a:tint val="50000"/>
+      </a:schemeClr>
+    </dgm:linClrLst>
+    <dgm:effectClrLst/>
+    <dgm:txLinClrLst/>
+    <dgm:txFillClrLst meth="repeat">
+      <a:schemeClr val="tx1"/>
+    </dgm:txFillClrLst>
+    <dgm:txEffectClrLst/>
+  </dgm:styleLbl>
+  <dgm:styleLbl name="asst0">
+    <dgm:fillClrLst meth="repeat">
+      <a:schemeClr val="accent1"/>
+    </dgm:fillClrLst>
+    <dgm:linClrLst meth="repeat">
+      <a:schemeClr val="lt1"/>
+    </dgm:linClrLst>
+    <dgm:effectClrLst/>
+    <dgm:txLinClrLst/>
+    <dgm:txFillClrLst/>
+    <dgm:txEffectClrLst/>
+  </dgm:styleLbl>
+  <dgm:styleLbl name="asst1">
+    <dgm:fillClrLst meth="repeat">
+      <a:schemeClr val="accent1"/>
+    </dgm:fillClrLst>
+    <dgm:linClrLst meth="repeat">
+      <a:schemeClr val="lt1"/>
+    </dgm:linClrLst>
+    <dgm:effectClrLst/>
+    <dgm:txLinClrLst/>
+    <dgm:txFillClrLst/>
+    <dgm:txEffectClrLst/>
+  </dgm:styleLbl>
+  <dgm:styleLbl name="asst2">
+    <dgm:fillClrLst meth="repeat">
+      <a:schemeClr val="accent1"/>
+    </dgm:fillClrLst>
+    <dgm:linClrLst meth="repeat">
+      <a:schemeClr val="lt1"/>
+    </dgm:linClrLst>
+    <dgm:effectClrLst/>
+    <dgm:txLinClrLst/>
+    <dgm:txFillClrLst/>
+    <dgm:txEffectClrLst/>
+  </dgm:styleLbl>
+  <dgm:styleLbl name="asst3">
+    <dgm:fillClrLst meth="repeat">
+      <a:schemeClr val="accent1"/>
+    </dgm:fillClrLst>
+    <dgm:linClrLst meth="repeat">
+      <a:schemeClr val="lt1"/>
+    </dgm:linClrLst>
+    <dgm:effectClrLst/>
+    <dgm:txLinClrLst/>
+    <dgm:txFillClrLst/>
+    <dgm:txEffectClrLst/>
+  </dgm:styleLbl>
+  <dgm:styleLbl name="asst4">
+    <dgm:fillClrLst meth="repeat">
+      <a:schemeClr val="accent1"/>
+    </dgm:fillClrLst>
+    <dgm:linClrLst meth="repeat">
+      <a:schemeClr val="lt1"/>
+    </dgm:linClrLst>
+    <dgm:effectClrLst/>
+    <dgm:txLinClrLst/>
+    <dgm:txFillClrLst/>
+    <dgm:txEffectClrLst/>
+  </dgm:styleLbl>
+  <dgm:styleLbl name="parChTrans2D1">
+    <dgm:fillClrLst meth="repeat">
+      <a:schemeClr val="accent1">
+        <a:tint val="60000"/>
+      </a:schemeClr>
+    </dgm:fillClrLst>
+    <dgm:linClrLst meth="repeat">
+      <a:schemeClr val="accent1">
+        <a:tint val="60000"/>
+      </a:schemeClr>
+    </dgm:linClrLst>
+    <dgm:effectClrLst/>
+    <dgm:txLinClrLst/>
+    <dgm:txFillClrLst meth="repeat">
+      <a:schemeClr val="lt1"/>
+    </dgm:txFillClrLst>
+    <dgm:txEffectClrLst/>
+  </dgm:styleLbl>
+  <dgm:styleLbl name="parChTrans2D2">
+    <dgm:fillClrLst meth="repeat">
+      <a:schemeClr val="accent1"/>
+    </dgm:fillClrLst>
+    <dgm:linClrLst meth="repeat">
+      <a:schemeClr val="accent1"/>
+    </dgm:linClrLst>
+    <dgm:effectClrLst/>
+    <dgm:txLinClrLst/>
+    <dgm:txFillClrLst meth="repeat">
+      <a:schemeClr val="lt1"/>
+    </dgm:txFillClrLst>
+    <dgm:txEffectClrLst/>
+  </dgm:styleLbl>
+  <dgm:styleLbl name="parChTrans2D3">
+    <dgm:fillClrLst meth="repeat">
+      <a:schemeClr val="accent1"/>
+    </dgm:fillClrLst>
+    <dgm:linClrLst meth="repeat">
+      <a:schemeClr val="accent1"/>
+    </dgm:linClrLst>
+    <dgm:effectClrLst/>
+    <dgm:txLinClrLst/>
+    <dgm:txFillClrLst meth="repeat">
+      <a:schemeClr val="lt1"/>
+    </dgm:txFillClrLst>
+    <dgm:txEffectClrLst/>
+  </dgm:styleLbl>
+  <dgm:styleLbl name="parChTrans2D4">
+    <dgm:fillClrLst meth="repeat">
+      <a:schemeClr val="accent1"/>
+    </dgm:fillClrLst>
+    <dgm:linClrLst meth="repeat">
+      <a:schemeClr val="accent1"/>
+    </dgm:linClrLst>
+    <dgm:effectClrLst/>
+    <dgm:txLinClrLst/>
+    <dgm:txFillClrLst meth="repeat">
+      <a:schemeClr val="lt1"/>
+    </dgm:txFillClrLst>
+    <dgm:txEffectClrLst/>
+  </dgm:styleLbl>
+  <dgm:styleLbl name="parChTrans1D1">
+    <dgm:fillClrLst meth="repeat">
+      <a:schemeClr val="accent1"/>
+    </dgm:fillClrLst>
+    <dgm:linClrLst meth="repeat">
+      <a:schemeClr val="accent1">
+        <a:shade val="60000"/>
+      </a:schemeClr>
+    </dgm:linClrLst>
+    <dgm:effectClrLst/>
+    <dgm:txLinClrLst/>
+    <dgm:txFillClrLst meth="repeat">
+      <a:schemeClr val="tx1"/>
+    </dgm:txFillClrLst>
+    <dgm:txEffectClrLst/>
+  </dgm:styleLbl>
+  <dgm:styleLbl name="parChTrans1D2">
+    <dgm:fillClrLst meth="repeat">
+      <a:schemeClr val="accent1"/>
+    </dgm:fillClrLst>
+    <dgm:linClrLst meth="repeat">
+      <a:schemeClr val="accent1">
+        <a:shade val="60000"/>
+      </a:schemeClr>
+    </dgm:linClrLst>
+    <dgm:effectClrLst/>
+    <dgm:txLinClrLst/>
+    <dgm:txFillClrLst meth="repeat">
+      <a:schemeClr val="tx1"/>
+    </dgm:txFillClrLst>
+    <dgm:txEffectClrLst/>
+  </dgm:styleLbl>
+  <dgm:styleLbl name="parChTrans1D3">
+    <dgm:fillClrLst meth="repeat">
+      <a:schemeClr val="accent1"/>
+    </dgm:fillClrLst>
+    <dgm:linClrLst meth="repeat">
+      <a:schemeClr val="accent1">
+        <a:shade val="80000"/>
+      </a:schemeClr>
+    </dgm:linClrLst>
+    <dgm:effectClrLst/>
+    <dgm:txLinClrLst/>
+    <dgm:txFillClrLst meth="repeat">
+      <a:schemeClr val="tx1"/>
+    </dgm:txFillClrLst>
+    <dgm:txEffectClrLst/>
+  </dgm:styleLbl>
+  <dgm:styleLbl name="parChTrans1D4">
+    <dgm:fillClrLst meth="repeat">
+      <a:schemeClr val="accent1"/>
+    </dgm:fillClrLst>
+    <dgm:linClrLst meth="repeat">
+      <a:schemeClr val="accent1">
+        <a:shade val="80000"/>
+      </a:schemeClr>
+    </dgm:linClrLst>
+    <dgm:effectClrLst/>
+    <dgm:txLinClrLst/>
+    <dgm:txFillClrLst meth="repeat">
+      <a:schemeClr val="tx1"/>
+    </dgm:txFillClrLst>
+    <dgm:txEffectClrLst/>
+  </dgm:styleLbl>
+  <dgm:styleLbl name="fgAcc1">
+    <dgm:fillClrLst meth="repeat">
+      <a:schemeClr val="lt1">
+        <a:alpha val="90000"/>
+      </a:schemeClr>
+    </dgm:fillClrLst>
+    <dgm:linClrLst meth="repeat">
+      <a:schemeClr val="accent1"/>
+    </dgm:linClrLst>
+    <dgm:effectClrLst/>
+    <dgm:txLinClrLst/>
+    <dgm:txFillClrLst meth="repeat">
+      <a:schemeClr val="dk1"/>
+    </dgm:txFillClrLst>
+    <dgm:txEffectClrLst/>
+  </dgm:styleLbl>
+  <dgm:styleLbl name="conFgAcc1">
+    <dgm:fillClrLst meth="repeat">
+      <a:schemeClr val="lt1">
+        <a:alpha val="90000"/>
+      </a:schemeClr>
+    </dgm:fillClrLst>
+    <dgm:linClrLst meth="repeat">
+      <a:schemeClr val="accent1"/>
+    </dgm:linClrLst>
+    <dgm:effectClrLst/>
+    <dgm:txLinClrLst/>
+    <dgm:txFillClrLst meth="repeat">
+      <a:schemeClr val="dk1"/>
+    </dgm:txFillClrLst>
+    <dgm:txEffectClrLst/>
+  </dgm:styleLbl>
+  <dgm:styleLbl name="alignAcc1">
+    <dgm:fillClrLst meth="repeat">
+      <a:schemeClr val="lt1">
+        <a:alpha val="90000"/>
+      </a:schemeClr>
+    </dgm:fillClrLst>
+    <dgm:linClrLst meth="repeat">
+      <a:schemeClr val="accent1"/>
+    </dgm:linClrLst>
+    <dgm:effectClrLst/>
+    <dgm:txLinClrLst/>
+    <dgm:txFillClrLst meth="repeat">
+      <a:schemeClr val="dk1"/>
+    </dgm:txFillClrLst>
+    <dgm:txEffectClrLst/>
+  </dgm:styleLbl>
+  <dgm:styleLbl name="trAlignAcc1">
+    <dgm:fillClrLst meth="repeat">
+      <a:schemeClr val="lt1">
+        <a:alpha val="40000"/>
+      </a:schemeClr>
+    </dgm:fillClrLst>
+    <dgm:linClrLst meth="repeat">
+      <a:schemeClr val="accent1"/>
+    </dgm:linClrLst>
+    <dgm:effectClrLst/>
+    <dgm:txLinClrLst/>
+    <dgm:txFillClrLst meth="repeat">
+      <a:schemeClr val="dk1"/>
+    </dgm:txFillClrLst>
+    <dgm:txEffectClrLst/>
+  </dgm:styleLbl>
+  <dgm:styleLbl name="bgAcc1">
+    <dgm:fillClrLst meth="repeat">
+      <a:schemeClr val="lt1">
+        <a:alpha val="90000"/>
+      </a:schemeClr>
+    </dgm:fillClrLst>
+    <dgm:linClrLst meth="repeat">
+      <a:schemeClr val="accent1"/>
+    </dgm:linClrLst>
+    <dgm:effectClrLst/>
+    <dgm:txLinClrLst/>
+    <dgm:txFillClrLst meth="repeat">
+      <a:schemeClr val="dk1"/>
+    </dgm:txFillClrLst>
+    <dgm:txEffectClrLst/>
+  </dgm:styleLbl>
+  <dgm:styleLbl name="solidFgAcc1">
+    <dgm:fillClrLst meth="repeat">
+      <a:schemeClr val="lt1"/>
+    </dgm:fillClrLst>
+    <dgm:linClrLst meth="repeat">
+      <a:schemeClr val="accent1"/>
+    </dgm:linClrLst>
+    <dgm:effectClrLst/>
+    <dgm:txLinClrLst/>
+    <dgm:txFillClrLst meth="repeat">
+      <a:schemeClr val="dk1"/>
+    </dgm:txFillClrLst>
+    <dgm:txEffectClrLst/>
+  </dgm:styleLbl>
+  <dgm:styleLbl name="solidAlignAcc1">
+    <dgm:fillClrLst meth="repeat">
+      <a:schemeClr val="lt1"/>
+    </dgm:fillClrLst>
+    <dgm:linClrLst meth="repeat">
+      <a:schemeClr val="accent1"/>
+    </dgm:linClrLst>
+    <dgm:effectClrLst/>
+    <dgm:txLinClrLst/>
+    <dgm:txFillClrLst meth="repeat">
+      <a:schemeClr val="dk1"/>
+    </dgm:txFillClrLst>
+    <dgm:txEffectClrLst/>
+  </dgm:styleLbl>
+  <dgm:styleLbl name="solidBgAcc1">
+    <dgm:fillClrLst meth="repeat">
+      <a:schemeClr val="lt1"/>
+    </dgm:fillClrLst>
+    <dgm:linClrLst meth="repeat">
+      <a:schemeClr val="accent1"/>
+    </dgm:linClrLst>
+    <dgm:effectClrLst/>
+    <dgm:txLinClrLst/>
+    <dgm:txFillClrLst meth="repeat">
+      <a:schemeClr val="dk1"/>
+    </dgm:txFillClrLst>
+    <dgm:txEffectClrLst/>
+  </dgm:styleLbl>
+  <dgm:styleLbl name="fgAccFollowNode1">
+    <dgm:fillClrLst meth="repeat">
+      <a:schemeClr val="accent1">
+        <a:alpha val="90000"/>
+        <a:tint val="40000"/>
+      </a:schemeClr>
+    </dgm:fillClrLst>
+    <dgm:linClrLst meth="repeat">
+      <a:schemeClr val="accent1">
+        <a:alpha val="90000"/>
+        <a:tint val="40000"/>
+      </a:schemeClr>
+    </dgm:linClrLst>
+    <dgm:effectClrLst/>
+    <dgm:txLinClrLst/>
+    <dgm:txFillClrLst meth="repeat">
+      <a:schemeClr val="dk1"/>
+    </dgm:txFillClrLst>
+    <dgm:txEffectClrLst/>
+  </dgm:styleLbl>
+  <dgm:styleLbl name="alignAccFollowNode1">
+    <dgm:fillClrLst meth="repeat">
+      <a:schemeClr val="accent1">
+        <a:alpha val="90000"/>
+        <a:tint val="40000"/>
+      </a:schemeClr>
+    </dgm:fillClrLst>
+    <dgm:linClrLst meth="repeat">
+      <a:schemeClr val="accent1">
+        <a:alpha val="90000"/>
+        <a:tint val="40000"/>
+      </a:schemeClr>
+    </dgm:linClrLst>
+    <dgm:effectClrLst/>
+    <dgm:txLinClrLst/>
+    <dgm:txFillClrLst meth="repeat">
+      <a:schemeClr val="dk1"/>
+    </dgm:txFillClrLst>
+    <dgm:txEffectClrLst/>
+  </dgm:styleLbl>
+  <dgm:styleLbl name="bgAccFollowNode1">
+    <dgm:fillClrLst meth="repeat">
+      <a:schemeClr val="accent1">
+        <a:alpha val="90000"/>
+        <a:tint val="40000"/>
+      </a:schemeClr>
+    </dgm:fillClrLst>
+    <dgm:linClrLst meth="repeat">
+      <a:schemeClr val="accent1">
+        <a:alpha val="90000"/>
+        <a:tint val="40000"/>
+      </a:schemeClr>
+    </dgm:linClrLst>
+    <dgm:effectClrLst/>
+    <dgm:txLinClrLst/>
+    <dgm:txFillClrLst meth="repeat">
+      <a:schemeClr val="dk1"/>
+    </dgm:txFillClrLst>
+    <dgm:txEffectClrLst/>
+  </dgm:styleLbl>
+  <dgm:styleLbl name="fgAcc0">
+    <dgm:fillClrLst meth="repeat">
+      <a:schemeClr val="lt1">
+        <a:alpha val="90000"/>
+      </a:schemeClr>
+    </dgm:fillClrLst>
+    <dgm:linClrLst meth="repeat">
+      <a:schemeClr val="accent1"/>
+    </dgm:linClrLst>
+    <dgm:effectClrLst/>
+    <dgm:txLinClrLst/>
+    <dgm:txFillClrLst meth="repeat">
+      <a:schemeClr val="dk1"/>
+    </dgm:txFillClrLst>
+    <dgm:txEffectClrLst/>
+  </dgm:styleLbl>
+  <dgm:styleLbl name="fgAcc2">
+    <dgm:fillClrLst meth="repeat">
+      <a:schemeClr val="lt1">
+        <a:alpha val="90000"/>
+      </a:schemeClr>
+    </dgm:fillClrLst>
+    <dgm:linClrLst meth="repeat">
+      <a:schemeClr val="accent1"/>
+    </dgm:linClrLst>
+    <dgm:effectClrLst/>
+    <dgm:txLinClrLst/>
+    <dgm:txFillClrLst meth="repeat">
+      <a:schemeClr val="dk1"/>
+    </dgm:txFillClrLst>
+    <dgm:txEffectClrLst/>
+  </dgm:styleLbl>
+  <dgm:styleLbl name="fgAcc3">
+    <dgm:fillClrLst meth="repeat">
+      <a:schemeClr val="lt1">
+        <a:alpha val="90000"/>
+      </a:schemeClr>
+    </dgm:fillClrLst>
+    <dgm:linClrLst meth="repeat">
+      <a:schemeClr val="accent1"/>
+    </dgm:linClrLst>
+    <dgm:effectClrLst/>
+    <dgm:txLinClrLst/>
+    <dgm:txFillClrLst meth="repeat">
+      <a:schemeClr val="dk1"/>
+    </dgm:txFillClrLst>
+    <dgm:txEffectClrLst/>
+  </dgm:styleLbl>
+  <dgm:styleLbl name="fgAcc4">
+    <dgm:fillClrLst meth="repeat">
+      <a:schemeClr val="lt1">
+        <a:alpha val="90000"/>
+      </a:schemeClr>
+    </dgm:fillClrLst>
+    <dgm:linClrLst meth="repeat">
+      <a:schemeClr val="accent1"/>
+    </dgm:linClrLst>
+    <dgm:effectClrLst/>
+    <dgm:txLinClrLst/>
+    <dgm:txFillClrLst meth="repeat">
+      <a:schemeClr val="dk1"/>
+    </dgm:txFillClrLst>
+    <dgm:txEffectClrLst/>
+  </dgm:styleLbl>
+  <dgm:styleLbl name="bgShp">
+    <dgm:fillClrLst meth="repeat">
+      <a:schemeClr val="accent1">
+        <a:tint val="40000"/>
+      </a:schemeClr>
+    </dgm:fillClrLst>
+    <dgm:linClrLst meth="repeat">
+      <a:schemeClr val="accent1"/>
+    </dgm:linClrLst>
+    <dgm:effectClrLst/>
+    <dgm:txLinClrLst/>
+    <dgm:txFillClrLst meth="repeat">
+      <a:schemeClr val="dk1"/>
+    </dgm:txFillClrLst>
+    <dgm:txEffectClrLst/>
+  </dgm:styleLbl>
+  <dgm:styleLbl name="dkBgShp">
+    <dgm:fillClrLst meth="repeat">
+      <a:schemeClr val="accent1">
+        <a:shade val="80000"/>
+      </a:schemeClr>
+    </dgm:fillClrLst>
+    <dgm:linClrLst meth="repeat">
+      <a:schemeClr val="accent1"/>
+    </dgm:linClrLst>
+    <dgm:effectClrLst/>
+    <dgm:txLinClrLst/>
+    <dgm:txFillClrLst meth="repeat">
+      <a:schemeClr val="lt1"/>
+    </dgm:txFillClrLst>
+    <dgm:txEffectClrLst/>
+  </dgm:styleLbl>
+  <dgm:styleLbl name="trBgShp">
+    <dgm:fillClrLst meth="repeat">
+      <a:schemeClr val="accent1">
+        <a:tint val="50000"/>
+        <a:alpha val="40000"/>
+      </a:schemeClr>
+    </dgm:fillClrLst>
+    <dgm:linClrLst meth="repeat">
+      <a:schemeClr val="accent1"/>
+    </dgm:linClrLst>
+    <dgm:effectClrLst/>
+    <dgm:txLinClrLst/>
+    <dgm:txFillClrLst meth="repeat">
+      <a:schemeClr val="lt1"/>
+    </dgm:txFillClrLst>
+    <dgm:txEffectClrLst/>
+  </dgm:styleLbl>
+  <dgm:styleLbl name="fgShp">
+    <dgm:fillClrLst meth="repeat">
+      <a:schemeClr val="accent1">
+        <a:tint val="60000"/>
+      </a:schemeClr>
+    </dgm:fillClrLst>
+    <dgm:linClrLst meth="repeat">
+      <a:schemeClr val="lt1"/>
+    </dgm:linClrLst>
+    <dgm:effectClrLst/>
+    <dgm:txLinClrLst/>
+    <dgm:txFillClrLst meth="repeat">
+      <a:schemeClr val="dk1"/>
+    </dgm:txFillClrLst>
+    <dgm:txEffectClrLst/>
+  </dgm:styleLbl>
+  <dgm:styleLbl name="revTx">
+    <dgm:fillClrLst meth="repeat">
+      <a:schemeClr val="lt1">
+        <a:alpha val="0"/>
+      </a:schemeClr>
+    </dgm:fillClrLst>
+    <dgm:linClrLst meth="repeat">
+      <a:schemeClr val="dk1">
+        <a:alpha val="0"/>
+      </a:schemeClr>
+    </dgm:linClrLst>
+    <dgm:effectClrLst/>
+    <dgm:txLinClrLst/>
+    <dgm:txFillClrLst meth="repeat">
+      <a:schemeClr val="tx1"/>
+    </dgm:txFillClrLst>
+    <dgm:txEffectClrLst/>
+  </dgm:styleLbl>
+</dgm:colorsDef>
+</file>
+
+<file path=ppt/diagrams/colors4.xml><?xml version="1.0" encoding="utf-8"?>
+<dgm:colorsDef xmlns:dgm="http://schemas.openxmlformats.org/drawingml/2006/diagram" xmlns:a="http://schemas.openxmlformats.org/drawingml/2006/main" uniqueId="urn:microsoft.com/office/officeart/2005/8/colors/accent1_2">
+  <dgm:title val=""/>
+  <dgm:desc val=""/>
+  <dgm:catLst>
+    <dgm:cat type="accent1" pri="11200"/>
+  </dgm:catLst>
+  <dgm:styleLbl name="node0">
+    <dgm:fillClrLst meth="repeat">
+      <a:schemeClr val="accent1"/>
+    </dgm:fillClrLst>
+    <dgm:linClrLst meth="repeat">
+      <a:schemeClr val="lt1"/>
+    </dgm:linClrLst>
+    <dgm:effectClrLst/>
+    <dgm:txLinClrLst/>
+    <dgm:txFillClrLst/>
+    <dgm:txEffectClrLst/>
+  </dgm:styleLbl>
+  <dgm:styleLbl name="alignNode1">
+    <dgm:fillClrLst meth="repeat">
+      <a:schemeClr val="accent1"/>
+    </dgm:fillClrLst>
+    <dgm:linClrLst meth="repeat">
+      <a:schemeClr val="accent1"/>
+    </dgm:linClrLst>
+    <dgm:effectClrLst/>
+    <dgm:txLinClrLst/>
+    <dgm:txFillClrLst/>
+    <dgm:txEffectClrLst/>
+  </dgm:styleLbl>
+  <dgm:styleLbl name="node1">
+    <dgm:fillClrLst meth="repeat">
+      <a:schemeClr val="accent1"/>
+    </dgm:fillClrLst>
+    <dgm:linClrLst meth="repeat">
+      <a:schemeClr val="lt1"/>
+    </dgm:linClrLst>
+    <dgm:effectClrLst/>
+    <dgm:txLinClrLst/>
+    <dgm:txFillClrLst/>
+    <dgm:txEffectClrLst/>
+  </dgm:styleLbl>
+  <dgm:styleLbl name="lnNode1">
+    <dgm:fillClrLst meth="repeat">
+      <a:schemeClr val="accent1"/>
+    </dgm:fillClrLst>
+    <dgm:linClrLst meth="repeat">
+      <a:schemeClr val="lt1"/>
+    </dgm:linClrLst>
+    <dgm:effectClrLst/>
+    <dgm:txLinClrLst/>
+    <dgm:txFillClrLst/>
+    <dgm:txEffectClrLst/>
+  </dgm:styleLbl>
+  <dgm:styleLbl name="vennNode1">
+    <dgm:fillClrLst meth="repeat">
+      <a:schemeClr val="accent1">
+        <a:alpha val="50000"/>
+      </a:schemeClr>
+    </dgm:fillClrLst>
+    <dgm:linClrLst meth="repeat">
+      <a:schemeClr val="lt1"/>
+    </dgm:linClrLst>
+    <dgm:effectClrLst/>
+    <dgm:txLinClrLst/>
+    <dgm:txFillClrLst/>
+    <dgm:txEffectClrLst/>
+  </dgm:styleLbl>
+  <dgm:styleLbl name="node2">
+    <dgm:fillClrLst meth="repeat">
+      <a:schemeClr val="accent1"/>
+    </dgm:fillClrLst>
+    <dgm:linClrLst meth="repeat">
+      <a:schemeClr val="lt1"/>
+    </dgm:linClrLst>
+    <dgm:effectClrLst/>
+    <dgm:txLinClrLst/>
+    <dgm:txFillClrLst/>
+    <dgm:txEffectClrLst/>
+  </dgm:styleLbl>
+  <dgm:styleLbl name="node3">
+    <dgm:fillClrLst meth="repeat">
+      <a:schemeClr val="accent1"/>
+    </dgm:fillClrLst>
+    <dgm:linClrLst meth="repeat">
+      <a:schemeClr val="lt1"/>
+    </dgm:linClrLst>
+    <dgm:effectClrLst/>
+    <dgm:txLinClrLst/>
+    <dgm:txFillClrLst/>
+    <dgm:txEffectClrLst/>
+  </dgm:styleLbl>
+  <dgm:styleLbl name="node4">
+    <dgm:fillClrLst meth="repeat">
+      <a:schemeClr val="accent1"/>
+    </dgm:fillClrLst>
+    <dgm:linClrLst meth="repeat">
+      <a:schemeClr val="lt1"/>
+    </dgm:linClrLst>
+    <dgm:effectClrLst/>
+    <dgm:txLinClrLst/>
+    <dgm:txFillClrLst/>
+    <dgm:txEffectClrLst/>
+  </dgm:styleLbl>
+  <dgm:styleLbl name="fgImgPlace1">
+    <dgm:fillClrLst meth="repeat">
+      <a:schemeClr val="accent1">
+        <a:tint val="50000"/>
+      </a:schemeClr>
+    </dgm:fillClrLst>
+    <dgm:linClrLst meth="repeat">
+      <a:schemeClr val="lt1"/>
+    </dgm:linClrLst>
+    <dgm:effectClrLst/>
+    <dgm:txLinClrLst/>
+    <dgm:txFillClrLst meth="repeat">
+      <a:schemeClr val="lt1"/>
+    </dgm:txFillClrLst>
+    <dgm:txEffectClrLst/>
+  </dgm:styleLbl>
+  <dgm:styleLbl name="alignImgPlace1">
+    <dgm:fillClrLst meth="repeat">
+      <a:schemeClr val="accent1">
+        <a:tint val="50000"/>
+      </a:schemeClr>
+    </dgm:fillClrLst>
+    <dgm:linClrLst meth="repeat">
+      <a:schemeClr val="lt1"/>
+    </dgm:linClrLst>
+    <dgm:effectClrLst/>
+    <dgm:txLinClrLst/>
+    <dgm:txFillClrLst meth="repeat">
+      <a:schemeClr val="lt1"/>
+    </dgm:txFillClrLst>
+    <dgm:txEffectClrLst/>
+  </dgm:styleLbl>
+  <dgm:styleLbl name="bgImgPlace1">
+    <dgm:fillClrLst meth="repeat">
+      <a:schemeClr val="accent1">
+        <a:tint val="50000"/>
+      </a:schemeClr>
+    </dgm:fillClrLst>
+    <dgm:linClrLst meth="repeat">
+      <a:schemeClr val="lt1"/>
+    </dgm:linClrLst>
+    <dgm:effectClrLst/>
+    <dgm:txLinClrLst/>
+    <dgm:txFillClrLst meth="repeat">
+      <a:schemeClr val="lt1"/>
+    </dgm:txFillClrLst>
+    <dgm:txEffectClrLst/>
+  </dgm:styleLbl>
+  <dgm:styleLbl name="sibTrans2D1">
+    <dgm:fillClrLst meth="repeat">
+      <a:schemeClr val="accent1">
+        <a:tint val="60000"/>
+      </a:schemeClr>
+    </dgm:fillClrLst>
+    <dgm:linClrLst meth="repeat">
+      <a:schemeClr val="accent1">
+        <a:tint val="60000"/>
+      </a:schemeClr>
+    </dgm:linClrLst>
+    <dgm:effectClrLst/>
+    <dgm:txLinClrLst/>
+    <dgm:txFillClrLst/>
+    <dgm:txEffectClrLst/>
+  </dgm:styleLbl>
+  <dgm:styleLbl name="fgSibTrans2D1">
+    <dgm:fillClrLst meth="repeat">
+      <a:schemeClr val="accent1">
+        <a:tint val="60000"/>
+      </a:schemeClr>
+    </dgm:fillClrLst>
+    <dgm:linClrLst meth="repeat">
+      <a:schemeClr val="accent1">
+        <a:tint val="60000"/>
+      </a:schemeClr>
+    </dgm:linClrLst>
+    <dgm:effectClrLst/>
+    <dgm:txLinClrLst/>
+    <dgm:txFillClrLst/>
+    <dgm:txEffectClrLst/>
+  </dgm:styleLbl>
+  <dgm:styleLbl name="bgSibTrans2D1">
+    <dgm:fillClrLst meth="repeat">
+      <a:schemeClr val="accent1">
+        <a:tint val="60000"/>
+      </a:schemeClr>
+    </dgm:fillClrLst>
+    <dgm:linClrLst meth="repeat">
+      <a:schemeClr val="accent1">
+        <a:tint val="60000"/>
+      </a:schemeClr>
+    </dgm:linClrLst>
+    <dgm:effectClrLst/>
+    <dgm:txLinClrLst/>
+    <dgm:txFillClrLst/>
+    <dgm:txEffectClrLst/>
+  </dgm:styleLbl>
+  <dgm:styleLbl name="sibTrans1D1">
+    <dgm:fillClrLst meth="repeat">
+      <a:schemeClr val="accent1"/>
+    </dgm:fillClrLst>
+    <dgm:linClrLst meth="repeat">
+      <a:schemeClr val="accent1"/>
+    </dgm:linClrLst>
+    <dgm:effectClrLst/>
+    <dgm:txLinClrLst/>
+    <dgm:txFillClrLst meth="repeat">
+      <a:schemeClr val="tx1"/>
+    </dgm:txFillClrLst>
+    <dgm:txEffectClrLst/>
+  </dgm:styleLbl>
+  <dgm:styleLbl name="callout">
+    <dgm:fillClrLst meth="repeat">
+      <a:schemeClr val="accent1"/>
+    </dgm:fillClrLst>
+    <dgm:linClrLst meth="repeat">
+      <a:schemeClr val="accent1">
+        <a:tint val="50000"/>
+      </a:schemeClr>
+    </dgm:linClrLst>
+    <dgm:effectClrLst/>
+    <dgm:txLinClrLst/>
+    <dgm:txFillClrLst meth="repeat">
+      <a:schemeClr val="tx1"/>
+    </dgm:txFillClrLst>
+    <dgm:txEffectClrLst/>
+  </dgm:styleLbl>
+  <dgm:styleLbl name="asst0">
+    <dgm:fillClrLst meth="repeat">
+      <a:schemeClr val="accent1"/>
+    </dgm:fillClrLst>
+    <dgm:linClrLst meth="repeat">
+      <a:schemeClr val="lt1"/>
+    </dgm:linClrLst>
+    <dgm:effectClrLst/>
+    <dgm:txLinClrLst/>
+    <dgm:txFillClrLst/>
+    <dgm:txEffectClrLst/>
+  </dgm:styleLbl>
+  <dgm:styleLbl name="asst1">
+    <dgm:fillClrLst meth="repeat">
+      <a:schemeClr val="accent1"/>
+    </dgm:fillClrLst>
+    <dgm:linClrLst meth="repeat">
+      <a:schemeClr val="lt1"/>
+    </dgm:linClrLst>
+    <dgm:effectClrLst/>
+    <dgm:txLinClrLst/>
+    <dgm:txFillClrLst/>
+    <dgm:txEffectClrLst/>
+  </dgm:styleLbl>
+  <dgm:styleLbl name="asst2">
+    <dgm:fillClrLst meth="repeat">
+      <a:schemeClr val="accent1"/>
+    </dgm:fillClrLst>
+    <dgm:linClrLst meth="repeat">
+      <a:schemeClr val="lt1"/>
+    </dgm:linClrLst>
+    <dgm:effectClrLst/>
+    <dgm:txLinClrLst/>
+    <dgm:txFillClrLst/>
+    <dgm:txEffectClrLst/>
+  </dgm:styleLbl>
+  <dgm:styleLbl name="asst3">
+    <dgm:fillClrLst meth="repeat">
+      <a:schemeClr val="accent1"/>
+    </dgm:fillClrLst>
+    <dgm:linClrLst meth="repeat">
+      <a:schemeClr val="lt1"/>
+    </dgm:linClrLst>
+    <dgm:effectClrLst/>
+    <dgm:txLinClrLst/>
+    <dgm:txFillClrLst/>
+    <dgm:txEffectClrLst/>
+  </dgm:styleLbl>
+  <dgm:styleLbl name="asst4">
+    <dgm:fillClrLst meth="repeat">
+      <a:schemeClr val="accent1"/>
+    </dgm:fillClrLst>
+    <dgm:linClrLst meth="repeat">
+      <a:schemeClr val="lt1"/>
+    </dgm:linClrLst>
+    <dgm:effectClrLst/>
+    <dgm:txLinClrLst/>
+    <dgm:txFillClrLst/>
+    <dgm:txEffectClrLst/>
+  </dgm:styleLbl>
+  <dgm:styleLbl name="parChTrans2D1">
+    <dgm:fillClrLst meth="repeat">
+      <a:schemeClr val="accent1">
+        <a:tint val="60000"/>
+      </a:schemeClr>
+    </dgm:fillClrLst>
+    <dgm:linClrLst meth="repeat">
+      <a:schemeClr val="accent1">
+        <a:tint val="60000"/>
+      </a:schemeClr>
+    </dgm:linClrLst>
+    <dgm:effectClrLst/>
+    <dgm:txLinClrLst/>
+    <dgm:txFillClrLst meth="repeat">
+      <a:schemeClr val="lt1"/>
+    </dgm:txFillClrLst>
+    <dgm:txEffectClrLst/>
+  </dgm:styleLbl>
+  <dgm:styleLbl name="parChTrans2D2">
+    <dgm:fillClrLst meth="repeat">
+      <a:schemeClr val="accent1"/>
+    </dgm:fillClrLst>
+    <dgm:linClrLst meth="repeat">
+      <a:schemeClr val="accent1"/>
+    </dgm:linClrLst>
+    <dgm:effectClrLst/>
+    <dgm:txLinClrLst/>
+    <dgm:txFillClrLst meth="repeat">
+      <a:schemeClr val="lt1"/>
+    </dgm:txFillClrLst>
+    <dgm:txEffectClrLst/>
+  </dgm:styleLbl>
+  <dgm:styleLbl name="parChTrans2D3">
+    <dgm:fillClrLst meth="repeat">
+      <a:schemeClr val="accent1"/>
+    </dgm:fillClrLst>
+    <dgm:linClrLst meth="repeat">
+      <a:schemeClr val="accent1"/>
+    </dgm:linClrLst>
+    <dgm:effectClrLst/>
+    <dgm:txLinClrLst/>
+    <dgm:txFillClrLst meth="repeat">
+      <a:schemeClr val="lt1"/>
+    </dgm:txFillClrLst>
+    <dgm:txEffectClrLst/>
+  </dgm:styleLbl>
+  <dgm:styleLbl name="parChTrans2D4">
+    <dgm:fillClrLst meth="repeat">
+      <a:schemeClr val="accent1"/>
+    </dgm:fillClrLst>
+    <dgm:linClrLst meth="repeat">
+      <a:schemeClr val="accent1"/>
+    </dgm:linClrLst>
+    <dgm:effectClrLst/>
+    <dgm:txLinClrLst/>
+    <dgm:txFillClrLst meth="repeat">
+      <a:schemeClr val="lt1"/>
+    </dgm:txFillClrLst>
+    <dgm:txEffectClrLst/>
+  </dgm:styleLbl>
+  <dgm:styleLbl name="parChTrans1D1">
+    <dgm:fillClrLst meth="repeat">
+      <a:schemeClr val="accent1"/>
+    </dgm:fillClrLst>
+    <dgm:linClrLst meth="repeat">
+      <a:schemeClr val="accent1">
+        <a:shade val="60000"/>
+      </a:schemeClr>
+    </dgm:linClrLst>
+    <dgm:effectClrLst/>
+    <dgm:txLinClrLst/>
+    <dgm:txFillClrLst meth="repeat">
+      <a:schemeClr val="tx1"/>
+    </dgm:txFillClrLst>
+    <dgm:txEffectClrLst/>
+  </dgm:styleLbl>
+  <dgm:styleLbl name="parChTrans1D2">
+    <dgm:fillClrLst meth="repeat">
+      <a:schemeClr val="accent1"/>
+    </dgm:fillClrLst>
+    <dgm:linClrLst meth="repeat">
+      <a:schemeClr val="accent1">
+        <a:shade val="60000"/>
+      </a:schemeClr>
+    </dgm:linClrLst>
+    <dgm:effectClrLst/>
+    <dgm:txLinClrLst/>
+    <dgm:txFillClrLst meth="repeat">
+      <a:schemeClr val="tx1"/>
+    </dgm:txFillClrLst>
+    <dgm:txEffectClrLst/>
+  </dgm:styleLbl>
+  <dgm:styleLbl name="parChTrans1D3">
+    <dgm:fillClrLst meth="repeat">
+      <a:schemeClr val="accent1"/>
+    </dgm:fillClrLst>
+    <dgm:linClrLst meth="repeat">
+      <a:schemeClr val="accent1">
+        <a:shade val="80000"/>
+      </a:schemeClr>
+    </dgm:linClrLst>
+    <dgm:effectClrLst/>
+    <dgm:txLinClrLst/>
+    <dgm:txFillClrLst meth="repeat">
+      <a:schemeClr val="tx1"/>
+    </dgm:txFillClrLst>
+    <dgm:txEffectClrLst/>
+  </dgm:styleLbl>
+  <dgm:styleLbl name="parChTrans1D4">
+    <dgm:fillClrLst meth="repeat">
+      <a:schemeClr val="accent1"/>
+    </dgm:fillClrLst>
+    <dgm:linClrLst meth="repeat">
+      <a:schemeClr val="accent1">
+        <a:shade val="80000"/>
+      </a:schemeClr>
+    </dgm:linClrLst>
+    <dgm:effectClrLst/>
+    <dgm:txLinClrLst/>
+    <dgm:txFillClrLst meth="repeat">
+      <a:schemeClr val="tx1"/>
+    </dgm:txFillClrLst>
+    <dgm:txEffectClrLst/>
+  </dgm:styleLbl>
+  <dgm:styleLbl name="fgAcc1">
+    <dgm:fillClrLst meth="repeat">
+      <a:schemeClr val="lt1">
+        <a:alpha val="90000"/>
+      </a:schemeClr>
+    </dgm:fillClrLst>
+    <dgm:linClrLst meth="repeat">
+      <a:schemeClr val="accent1"/>
+    </dgm:linClrLst>
+    <dgm:effectClrLst/>
+    <dgm:txLinClrLst/>
+    <dgm:txFillClrLst meth="repeat">
+      <a:schemeClr val="dk1"/>
+    </dgm:txFillClrLst>
+    <dgm:txEffectClrLst/>
+  </dgm:styleLbl>
+  <dgm:styleLbl name="conFgAcc1">
+    <dgm:fillClrLst meth="repeat">
+      <a:schemeClr val="lt1">
+        <a:alpha val="90000"/>
+      </a:schemeClr>
+    </dgm:fillClrLst>
+    <dgm:linClrLst meth="repeat">
+      <a:schemeClr val="accent1"/>
+    </dgm:linClrLst>
+    <dgm:effectClrLst/>
+    <dgm:txLinClrLst/>
+    <dgm:txFillClrLst meth="repeat">
+      <a:schemeClr val="dk1"/>
+    </dgm:txFillClrLst>
+    <dgm:txEffectClrLst/>
+  </dgm:styleLbl>
+  <dgm:styleLbl name="alignAcc1">
+    <dgm:fillClrLst meth="repeat">
+      <a:schemeClr val="lt1">
+        <a:alpha val="90000"/>
+      </a:schemeClr>
+    </dgm:fillClrLst>
+    <dgm:linClrLst meth="repeat">
+      <a:schemeClr val="accent1"/>
+    </dgm:linClrLst>
+    <dgm:effectClrLst/>
+    <dgm:txLinClrLst/>
+    <dgm:txFillClrLst meth="repeat">
+      <a:schemeClr val="dk1"/>
+    </dgm:txFillClrLst>
+    <dgm:txEffectClrLst/>
+  </dgm:styleLbl>
+  <dgm:styleLbl name="trAlignAcc1">
+    <dgm:fillClrLst meth="repeat">
+      <a:schemeClr val="lt1">
+        <a:alpha val="40000"/>
+      </a:schemeClr>
+    </dgm:fillClrLst>
+    <dgm:linClrLst meth="repeat">
+      <a:schemeClr val="accent1"/>
+    </dgm:linClrLst>
+    <dgm:effectClrLst/>
+    <dgm:txLinClrLst/>
+    <dgm:txFillClrLst meth="repeat">
+      <a:schemeClr val="dk1"/>
+    </dgm:txFillClrLst>
+    <dgm:txEffectClrLst/>
+  </dgm:styleLbl>
+  <dgm:styleLbl name="bgAcc1">
+    <dgm:fillClrLst meth="repeat">
+      <a:schemeClr val="lt1">
+        <a:alpha val="90000"/>
+      </a:schemeClr>
+    </dgm:fillClrLst>
+    <dgm:linClrLst meth="repeat">
+      <a:schemeClr val="accent1"/>
+    </dgm:linClrLst>
+    <dgm:effectClrLst/>
+    <dgm:txLinClrLst/>
+    <dgm:txFillClrLst meth="repeat">
+      <a:schemeClr val="dk1"/>
+    </dgm:txFillClrLst>
+    <dgm:txEffectClrLst/>
+  </dgm:styleLbl>
+  <dgm:styleLbl name="solidFgAcc1">
+    <dgm:fillClrLst meth="repeat">
+      <a:schemeClr val="lt1"/>
+    </dgm:fillClrLst>
+    <dgm:linClrLst meth="repeat">
+      <a:schemeClr val="accent1"/>
+    </dgm:linClrLst>
+    <dgm:effectClrLst/>
+    <dgm:txLinClrLst/>
+    <dgm:txFillClrLst meth="repeat">
+      <a:schemeClr val="dk1"/>
+    </dgm:txFillClrLst>
+    <dgm:txEffectClrLst/>
+  </dgm:styleLbl>
+  <dgm:styleLbl name="solidAlignAcc1">
+    <dgm:fillClrLst meth="repeat">
+      <a:schemeClr val="lt1"/>
+    </dgm:fillClrLst>
+    <dgm:linClrLst meth="repeat">
+      <a:schemeClr val="accent1"/>
+    </dgm:linClrLst>
+    <dgm:effectClrLst/>
+    <dgm:txLinClrLst/>
+    <dgm:txFillClrLst meth="repeat">
+      <a:schemeClr val="dk1"/>
+    </dgm:txFillClrLst>
+    <dgm:txEffectClrLst/>
+  </dgm:styleLbl>
+  <dgm:styleLbl name="solidBgAcc1">
+    <dgm:fillClrLst meth="repeat">
+      <a:schemeClr val="lt1"/>
+    </dgm:fillClrLst>
+    <dgm:linClrLst meth="repeat">
+      <a:schemeClr val="accent1"/>
+    </dgm:linClrLst>
+    <dgm:effectClrLst/>
+    <dgm:txLinClrLst/>
+    <dgm:txFillClrLst meth="repeat">
+      <a:schemeClr val="dk1"/>
+    </dgm:txFillClrLst>
+    <dgm:txEffectClrLst/>
+  </dgm:styleLbl>
+  <dgm:styleLbl name="fgAccFollowNode1">
+    <dgm:fillClrLst meth="repeat">
+      <a:schemeClr val="accent1">
+        <a:alpha val="90000"/>
+        <a:tint val="40000"/>
+      </a:schemeClr>
+    </dgm:fillClrLst>
+    <dgm:linClrLst meth="repeat">
+      <a:schemeClr val="accent1">
+        <a:alpha val="90000"/>
+        <a:tint val="40000"/>
+      </a:schemeClr>
+    </dgm:linClrLst>
+    <dgm:effectClrLst/>
+    <dgm:txLinClrLst/>
+    <dgm:txFillClrLst meth="repeat">
+      <a:schemeClr val="dk1"/>
+    </dgm:txFillClrLst>
+    <dgm:txEffectClrLst/>
+  </dgm:styleLbl>
+  <dgm:styleLbl name="alignAccFollowNode1">
+    <dgm:fillClrLst meth="repeat">
+      <a:schemeClr val="accent1">
+        <a:alpha val="90000"/>
+        <a:tint val="40000"/>
+      </a:schemeClr>
+    </dgm:fillClrLst>
+    <dgm:linClrLst meth="repeat">
+      <a:schemeClr val="accent1">
+        <a:alpha val="90000"/>
+        <a:tint val="40000"/>
+      </a:schemeClr>
+    </dgm:linClrLst>
+    <dgm:effectClrLst/>
+    <dgm:txLinClrLst/>
+    <dgm:txFillClrLst meth="repeat">
+      <a:schemeClr val="dk1"/>
+    </dgm:txFillClrLst>
+    <dgm:txEffectClrLst/>
+  </dgm:styleLbl>
+  <dgm:styleLbl name="bgAccFollowNode1">
+    <dgm:fillClrLst meth="repeat">
+      <a:schemeClr val="accent1">
+        <a:alpha val="90000"/>
+        <a:tint val="40000"/>
+      </a:schemeClr>
+    </dgm:fillClrLst>
+    <dgm:linClrLst meth="repeat">
+      <a:schemeClr val="accent1">
+        <a:alpha val="90000"/>
+        <a:tint val="40000"/>
+      </a:schemeClr>
+    </dgm:linClrLst>
+    <dgm:effectClrLst/>
+    <dgm:txLinClrLst/>
+    <dgm:txFillClrLst meth="repeat">
+      <a:schemeClr val="dk1"/>
+    </dgm:txFillClrLst>
+    <dgm:txEffectClrLst/>
+  </dgm:styleLbl>
+  <dgm:styleLbl name="fgAcc0">
+    <dgm:fillClrLst meth="repeat">
+      <a:schemeClr val="lt1">
+        <a:alpha val="90000"/>
+      </a:schemeClr>
+    </dgm:fillClrLst>
+    <dgm:linClrLst meth="repeat">
+      <a:schemeClr val="accent1"/>
+    </dgm:linClrLst>
+    <dgm:effectClrLst/>
+    <dgm:txLinClrLst/>
+    <dgm:txFillClrLst meth="repeat">
+      <a:schemeClr val="dk1"/>
+    </dgm:txFillClrLst>
+    <dgm:txEffectClrLst/>
+  </dgm:styleLbl>
+  <dgm:styleLbl name="fgAcc2">
+    <dgm:fillClrLst meth="repeat">
+      <a:schemeClr val="lt1">
+        <a:alpha val="90000"/>
+      </a:schemeClr>
+    </dgm:fillClrLst>
+    <dgm:linClrLst meth="repeat">
+      <a:schemeClr val="accent1"/>
+    </dgm:linClrLst>
+    <dgm:effectClrLst/>
+    <dgm:txLinClrLst/>
+    <dgm:txFillClrLst meth="repeat">
+      <a:schemeClr val="dk1"/>
+    </dgm:txFillClrLst>
+    <dgm:txEffectClrLst/>
+  </dgm:styleLbl>
+  <dgm:styleLbl name="fgAcc3">
+    <dgm:fillClrLst meth="repeat">
+      <a:schemeClr val="lt1">
+        <a:alpha val="90000"/>
+      </a:schemeClr>
+    </dgm:fillClrLst>
+    <dgm:linClrLst meth="repeat">
+      <a:schemeClr val="accent1"/>
+    </dgm:linClrLst>
+    <dgm:effectClrLst/>
+    <dgm:txLinClrLst/>
+    <dgm:txFillClrLst meth="repeat">
+      <a:schemeClr val="dk1"/>
+    </dgm:txFillClrLst>
+    <dgm:txEffectClrLst/>
+  </dgm:styleLbl>
+  <dgm:styleLbl name="fgAcc4">
+    <dgm:fillClrLst meth="repeat">
+      <a:schemeClr val="lt1">
+        <a:alpha val="90000"/>
+      </a:schemeClr>
+    </dgm:fillClrLst>
+    <dgm:linClrLst meth="repeat">
+      <a:schemeClr val="accent1"/>
+    </dgm:linClrLst>
+    <dgm:effectClrLst/>
+    <dgm:txLinClrLst/>
+    <dgm:txFillClrLst meth="repeat">
+      <a:schemeClr val="dk1"/>
+    </dgm:txFillClrLst>
+    <dgm:txEffectClrLst/>
+  </dgm:styleLbl>
+  <dgm:styleLbl name="bgShp">
+    <dgm:fillClrLst meth="repeat">
+      <a:schemeClr val="accent1">
+        <a:tint val="40000"/>
+      </a:schemeClr>
+    </dgm:fillClrLst>
+    <dgm:linClrLst meth="repeat">
+      <a:schemeClr val="accent1"/>
+    </dgm:linClrLst>
+    <dgm:effectClrLst/>
+    <dgm:txLinClrLst/>
+    <dgm:txFillClrLst meth="repeat">
+      <a:schemeClr val="dk1"/>
+    </dgm:txFillClrLst>
+    <dgm:txEffectClrLst/>
+  </dgm:styleLbl>
+  <dgm:styleLbl name="dkBgShp">
+    <dgm:fillClrLst meth="repeat">
+      <a:schemeClr val="accent1">
+        <a:shade val="80000"/>
+      </a:schemeClr>
+    </dgm:fillClrLst>
+    <dgm:linClrLst meth="repeat">
+      <a:schemeClr val="accent1"/>
+    </dgm:linClrLst>
+    <dgm:effectClrLst/>
+    <dgm:txLinClrLst/>
+    <dgm:txFillClrLst meth="repeat">
+      <a:schemeClr val="lt1"/>
+    </dgm:txFillClrLst>
+    <dgm:txEffectClrLst/>
+  </dgm:styleLbl>
+  <dgm:styleLbl name="trBgShp">
+    <dgm:fillClrLst meth="repeat">
+      <a:schemeClr val="accent1">
+        <a:tint val="50000"/>
+        <a:alpha val="40000"/>
+      </a:schemeClr>
+    </dgm:fillClrLst>
+    <dgm:linClrLst meth="repeat">
+      <a:schemeClr val="accent1"/>
+    </dgm:linClrLst>
+    <dgm:effectClrLst/>
+    <dgm:txLinClrLst/>
+    <dgm:txFillClrLst meth="repeat">
+      <a:schemeClr val="lt1"/>
+    </dgm:txFillClrLst>
+    <dgm:txEffectClrLst/>
+  </dgm:styleLbl>
+  <dgm:styleLbl name="fgShp">
+    <dgm:fillClrLst meth="repeat">
+      <a:schemeClr val="accent1">
+        <a:tint val="60000"/>
+      </a:schemeClr>
+    </dgm:fillClrLst>
+    <dgm:linClrLst meth="repeat">
+      <a:schemeClr val="lt1"/>
+    </dgm:linClrLst>
+    <dgm:effectClrLst/>
+    <dgm:txLinClrLst/>
+    <dgm:txFillClrLst meth="repeat">
+      <a:schemeClr val="dk1"/>
+    </dgm:txFillClrLst>
+    <dgm:txEffectClrLst/>
+  </dgm:styleLbl>
+  <dgm:styleLbl name="revTx">
+    <dgm:fillClrLst meth="repeat">
+      <a:schemeClr val="lt1">
+        <a:alpha val="0"/>
+      </a:schemeClr>
+    </dgm:fillClrLst>
+    <dgm:linClrLst meth="repeat">
+      <a:schemeClr val="dk1">
+        <a:alpha val="0"/>
+      </a:schemeClr>
+    </dgm:linClrLst>
+    <dgm:effectClrLst/>
+    <dgm:txLinClrLst/>
+    <dgm:txFillClrLst meth="repeat">
+      <a:schemeClr val="tx1"/>
+    </dgm:txFillClrLst>
+    <dgm:txEffectClrLst/>
+  </dgm:styleLbl>
+</dgm:colorsDef>
+</file>
+
 <file path=ppt/diagrams/data1.xml><?xml version="1.0" encoding="utf-8"?>
 <dgm:dataModel xmlns:dgm="http://schemas.openxmlformats.org/drawingml/2006/diagram" xmlns:a="http://schemas.openxmlformats.org/drawingml/2006/main">
   <dgm:ptLst>
@@ -2276,6 +3770,13 @@
         </dgm:presLayoutVars>
       </dgm:prSet>
       <dgm:spPr/>
+      <dgm:t>
+        <a:bodyPr/>
+        <a:lstStyle/>
+        <a:p>
+          <a:endParaRPr lang="en-US"/>
+        </a:p>
+      </dgm:t>
     </dgm:pt>
     <dgm:pt modelId="{ED34243C-5E76-446D-B5F1-F37051B3C30E}" type="pres">
       <dgm:prSet presAssocID="{EE7B43E7-69C3-4E86-B486-207360C2D362}" presName="hierRoot1" presStyleCnt="0">
@@ -2307,6 +3808,13 @@
     <dgm:pt modelId="{A21A5FC0-3703-4919-8B5F-6775A9DEBB13}" type="pres">
       <dgm:prSet presAssocID="{EE7B43E7-69C3-4E86-B486-207360C2D362}" presName="rootConnector1" presStyleLbl="node1" presStyleIdx="0" presStyleCnt="0"/>
       <dgm:spPr/>
+      <dgm:t>
+        <a:bodyPr/>
+        <a:lstStyle/>
+        <a:p>
+          <a:endParaRPr lang="en-US"/>
+        </a:p>
+      </dgm:t>
     </dgm:pt>
     <dgm:pt modelId="{99163451-4C06-4300-BD65-B7B5142A4E46}" type="pres">
       <dgm:prSet presAssocID="{EE7B43E7-69C3-4E86-B486-207360C2D362}" presName="hierChild2" presStyleCnt="0"/>
@@ -2315,6 +3823,13 @@
     <dgm:pt modelId="{6DFC1EC5-2857-47F6-B840-254B86342C0F}" type="pres">
       <dgm:prSet presAssocID="{2523010B-6842-4F2A-870B-DE4B480AA326}" presName="Name37" presStyleLbl="parChTrans1D2" presStyleIdx="0" presStyleCnt="3"/>
       <dgm:spPr/>
+      <dgm:t>
+        <a:bodyPr/>
+        <a:lstStyle/>
+        <a:p>
+          <a:endParaRPr lang="en-US"/>
+        </a:p>
+      </dgm:t>
     </dgm:pt>
     <dgm:pt modelId="{874F0053-AA8B-4023-8FBB-D304E61C702D}" type="pres">
       <dgm:prSet presAssocID="{92092959-8837-48A4-8E1C-AEE5FD504C26}" presName="hierRoot2" presStyleCnt="0">
@@ -2346,6 +3861,13 @@
     <dgm:pt modelId="{063AC62E-70D0-4695-B220-3F6EDE814DBD}" type="pres">
       <dgm:prSet presAssocID="{92092959-8837-48A4-8E1C-AEE5FD504C26}" presName="rootConnector" presStyleLbl="node2" presStyleIdx="0" presStyleCnt="3"/>
       <dgm:spPr/>
+      <dgm:t>
+        <a:bodyPr/>
+        <a:lstStyle/>
+        <a:p>
+          <a:endParaRPr lang="en-US"/>
+        </a:p>
+      </dgm:t>
     </dgm:pt>
     <dgm:pt modelId="{CFF8536D-75DA-4A16-8289-A55D8A983486}" type="pres">
       <dgm:prSet presAssocID="{92092959-8837-48A4-8E1C-AEE5FD504C26}" presName="hierChild4" presStyleCnt="0"/>
@@ -2358,6 +3880,13 @@
     <dgm:pt modelId="{636D8386-EC04-43CA-AAA9-CD51689E8873}" type="pres">
       <dgm:prSet presAssocID="{CCF0DE9C-3B7D-4488-ADF6-2CAA481786F6}" presName="Name37" presStyleLbl="parChTrans1D2" presStyleIdx="1" presStyleCnt="3"/>
       <dgm:spPr/>
+      <dgm:t>
+        <a:bodyPr/>
+        <a:lstStyle/>
+        <a:p>
+          <a:endParaRPr lang="en-US"/>
+        </a:p>
+      </dgm:t>
     </dgm:pt>
     <dgm:pt modelId="{71132FCB-F2B2-4DF8-825D-BED96F19AD73}" type="pres">
       <dgm:prSet presAssocID="{3261805C-4253-4FFF-8DF8-958C69271B95}" presName="hierRoot2" presStyleCnt="0">
@@ -2378,10 +3907,24 @@
         </dgm:presLayoutVars>
       </dgm:prSet>
       <dgm:spPr/>
+      <dgm:t>
+        <a:bodyPr/>
+        <a:lstStyle/>
+        <a:p>
+          <a:endParaRPr lang="en-US"/>
+        </a:p>
+      </dgm:t>
     </dgm:pt>
     <dgm:pt modelId="{7EB738FC-6AEC-4A68-B867-96BB18ADCE5B}" type="pres">
       <dgm:prSet presAssocID="{3261805C-4253-4FFF-8DF8-958C69271B95}" presName="rootConnector" presStyleLbl="node2" presStyleIdx="1" presStyleCnt="3"/>
       <dgm:spPr/>
+      <dgm:t>
+        <a:bodyPr/>
+        <a:lstStyle/>
+        <a:p>
+          <a:endParaRPr lang="en-US"/>
+        </a:p>
+      </dgm:t>
     </dgm:pt>
     <dgm:pt modelId="{51A770BB-E15E-4420-90D5-B3D50232E3B4}" type="pres">
       <dgm:prSet presAssocID="{3261805C-4253-4FFF-8DF8-958C69271B95}" presName="hierChild4" presStyleCnt="0"/>
@@ -2394,6 +3937,13 @@
     <dgm:pt modelId="{0E2825C3-1358-403D-9025-47353411C9B9}" type="pres">
       <dgm:prSet presAssocID="{FAB15048-4765-4DFD-A9EA-655730811A32}" presName="Name37" presStyleLbl="parChTrans1D2" presStyleIdx="2" presStyleCnt="3"/>
       <dgm:spPr/>
+      <dgm:t>
+        <a:bodyPr/>
+        <a:lstStyle/>
+        <a:p>
+          <a:endParaRPr lang="en-US"/>
+        </a:p>
+      </dgm:t>
     </dgm:pt>
     <dgm:pt modelId="{263873E7-3D1D-4D13-B479-229777EE4929}" type="pres">
       <dgm:prSet presAssocID="{09A4F87B-59FF-499D-AF05-A2A06A450BB2}" presName="hierRoot2" presStyleCnt="0">
@@ -2425,6 +3975,13 @@
     <dgm:pt modelId="{DD2ABBCB-26F0-4819-AB4C-785C6B4BEBC9}" type="pres">
       <dgm:prSet presAssocID="{09A4F87B-59FF-499D-AF05-A2A06A450BB2}" presName="rootConnector" presStyleLbl="node2" presStyleIdx="2" presStyleCnt="3"/>
       <dgm:spPr/>
+      <dgm:t>
+        <a:bodyPr/>
+        <a:lstStyle/>
+        <a:p>
+          <a:endParaRPr lang="en-US"/>
+        </a:p>
+      </dgm:t>
     </dgm:pt>
     <dgm:pt modelId="{A2A3056A-567D-4CAE-8DA5-0AB97A9FAE2D}" type="pres">
       <dgm:prSet presAssocID="{09A4F87B-59FF-499D-AF05-A2A06A450BB2}" presName="hierChild4" presStyleCnt="0"/>
@@ -2483,6 +4040,1016 @@
     <dgm:cxn modelId="{B088E688-32D6-46ED-B4BE-FAE58B3F40F4}" type="presParOf" srcId="{263873E7-3D1D-4D13-B479-229777EE4929}" destId="{A2A3056A-567D-4CAE-8DA5-0AB97A9FAE2D}" srcOrd="1" destOrd="0" presId="urn:microsoft.com/office/officeart/2005/8/layout/orgChart1"/>
     <dgm:cxn modelId="{6DF99239-1DE1-4F6D-9658-CF85A3F12A45}" type="presParOf" srcId="{263873E7-3D1D-4D13-B479-229777EE4929}" destId="{3BCB151E-76FF-4DCA-A7D8-3B25295C7CFF}" srcOrd="2" destOrd="0" presId="urn:microsoft.com/office/officeart/2005/8/layout/orgChart1"/>
     <dgm:cxn modelId="{B779870D-CB7F-4596-BF1C-03FB09A32557}" type="presParOf" srcId="{ED34243C-5E76-446D-B5F1-F37051B3C30E}" destId="{4764DB2E-8C4B-4B1E-A652-650AAA2FB2D8}" srcOrd="2" destOrd="0" presId="urn:microsoft.com/office/officeart/2005/8/layout/orgChart1"/>
+  </dgm:cxnLst>
+  <dgm:bg/>
+  <dgm:whole/>
+  <dgm:extLst>
+    <a:ext uri="http://schemas.microsoft.com/office/drawing/2008/diagram">
+      <dsp:dataModelExt xmlns:dsp="http://schemas.microsoft.com/office/drawing/2008/diagram" xmlns="" relId="rId6" minVer="http://schemas.openxmlformats.org/drawingml/2006/diagram"/>
+    </a:ext>
+  </dgm:extLst>
+</dgm:dataModel>
+</file>
+
+<file path=ppt/diagrams/data3.xml><?xml version="1.0" encoding="utf-8"?>
+<dgm:dataModel xmlns:dgm="http://schemas.openxmlformats.org/drawingml/2006/diagram" xmlns:a="http://schemas.openxmlformats.org/drawingml/2006/main">
+  <dgm:ptLst>
+    <dgm:pt modelId="{17371362-0DB1-47D1-8166-34AB49D73B02}" type="doc">
+      <dgm:prSet loTypeId="urn:microsoft.com/office/officeart/2005/8/layout/chevron2" loCatId="list" qsTypeId="urn:microsoft.com/office/officeart/2005/8/quickstyle/simple1" qsCatId="simple" csTypeId="urn:microsoft.com/office/officeart/2005/8/colors/accent1_2" csCatId="accent1" phldr="1"/>
+      <dgm:spPr/>
+      <dgm:t>
+        <a:bodyPr/>
+        <a:lstStyle/>
+        <a:p>
+          <a:endParaRPr lang="en-US"/>
+        </a:p>
+      </dgm:t>
+    </dgm:pt>
+    <dgm:pt modelId="{CF7EFA33-F2AA-4F26-8DA0-E432A4E8920D}">
+      <dgm:prSet phldrT="[Text]"/>
+      <dgm:spPr/>
+      <dgm:t>
+        <a:bodyPr/>
+        <a:lstStyle/>
+        <a:p>
+          <a:r>
+            <a:rPr lang="en-US" dirty="0" smtClean="0"/>
+            <a:t>Data Forwarding</a:t>
+          </a:r>
+          <a:endParaRPr lang="en-US" dirty="0"/>
+        </a:p>
+      </dgm:t>
+    </dgm:pt>
+    <dgm:pt modelId="{B9E0A827-68A6-4ECA-A10A-6786A496BAB5}" type="parTrans" cxnId="{B782B652-1F6D-4E34-8E81-2D4FFE173CE6}">
+      <dgm:prSet/>
+      <dgm:spPr/>
+      <dgm:t>
+        <a:bodyPr/>
+        <a:lstStyle/>
+        <a:p>
+          <a:endParaRPr lang="en-US"/>
+        </a:p>
+      </dgm:t>
+    </dgm:pt>
+    <dgm:pt modelId="{FCB37DD2-E13C-4E03-90EC-CA8447208BEC}" type="sibTrans" cxnId="{B782B652-1F6D-4E34-8E81-2D4FFE173CE6}">
+      <dgm:prSet/>
+      <dgm:spPr/>
+      <dgm:t>
+        <a:bodyPr/>
+        <a:lstStyle/>
+        <a:p>
+          <a:endParaRPr lang="en-US"/>
+        </a:p>
+      </dgm:t>
+    </dgm:pt>
+    <dgm:pt modelId="{1C8E2727-4F52-4090-819A-8E4842F1B5EB}">
+      <dgm:prSet phldrT="[Text]"/>
+      <dgm:spPr/>
+      <dgm:t>
+        <a:bodyPr/>
+        <a:lstStyle/>
+        <a:p>
+          <a:r>
+            <a:rPr lang="en-US" b="0" i="0" dirty="0" smtClean="0"/>
+            <a:t>If these two </a:t>
+          </a:r>
+          <a:r>
+            <a:rPr lang="en-US" b="0" i="0" dirty="0" smtClean="0">
+              <a:hlinkClick xmlns:r="http://schemas.openxmlformats.org/officeDocument/2006/relationships" r:id="rId1" tooltip="Assembly language"/>
+            </a:rPr>
+            <a:t>assembly</a:t>
+          </a:r>
+          <a:r>
+            <a:rPr lang="en-US" b="0" i="0" dirty="0" smtClean="0"/>
+            <a:t> </a:t>
+          </a:r>
+          <a:r>
+            <a:rPr lang="en-US" b="0" i="0" dirty="0" err="1" smtClean="0"/>
+            <a:t>pseudocode</a:t>
+          </a:r>
+          <a:r>
+            <a:rPr lang="en-US" b="0" i="0" dirty="0" smtClean="0"/>
+            <a:t> instructions run in a pipeline, after fetching and decoding the second instruction, the pipeline stalls, waiting until the result of the addition is written and read.</a:t>
+          </a:r>
+          <a:endParaRPr lang="en-US" dirty="0"/>
+        </a:p>
+      </dgm:t>
+    </dgm:pt>
+    <dgm:pt modelId="{5A2158F8-7636-4B5D-BEC6-068AAE62E90C}" type="parTrans" cxnId="{232628A5-26FD-4319-A6E7-D4B422720FD0}">
+      <dgm:prSet/>
+      <dgm:spPr/>
+      <dgm:t>
+        <a:bodyPr/>
+        <a:lstStyle/>
+        <a:p>
+          <a:endParaRPr lang="en-US"/>
+        </a:p>
+      </dgm:t>
+    </dgm:pt>
+    <dgm:pt modelId="{9644812C-CB74-4A18-A325-E4D836828785}" type="sibTrans" cxnId="{232628A5-26FD-4319-A6E7-D4B422720FD0}">
+      <dgm:prSet/>
+      <dgm:spPr/>
+      <dgm:t>
+        <a:bodyPr/>
+        <a:lstStyle/>
+        <a:p>
+          <a:endParaRPr lang="en-US"/>
+        </a:p>
+      </dgm:t>
+    </dgm:pt>
+    <dgm:pt modelId="{9919BF40-3716-4033-B684-28F69F535367}">
+      <dgm:prSet phldrT="[Text]"/>
+      <dgm:spPr/>
+      <dgm:t>
+        <a:bodyPr/>
+        <a:lstStyle/>
+        <a:p>
+          <a:r>
+            <a:rPr lang="en-US" dirty="0" smtClean="0"/>
+            <a:t>Pipe Line bubbling</a:t>
+          </a:r>
+          <a:endParaRPr lang="en-US" dirty="0"/>
+        </a:p>
+      </dgm:t>
+    </dgm:pt>
+    <dgm:pt modelId="{E09DD31C-24BD-4ADD-A369-4F7F6DD4ADBE}" type="parTrans" cxnId="{24FFA571-F2BC-4DC4-BDD4-64889DD60D81}">
+      <dgm:prSet/>
+      <dgm:spPr/>
+      <dgm:t>
+        <a:bodyPr/>
+        <a:lstStyle/>
+        <a:p>
+          <a:endParaRPr lang="en-US"/>
+        </a:p>
+      </dgm:t>
+    </dgm:pt>
+    <dgm:pt modelId="{293720F2-24AF-4215-9BA3-154470F44840}" type="sibTrans" cxnId="{24FFA571-F2BC-4DC4-BDD4-64889DD60D81}">
+      <dgm:prSet/>
+      <dgm:spPr/>
+      <dgm:t>
+        <a:bodyPr/>
+        <a:lstStyle/>
+        <a:p>
+          <a:endParaRPr lang="en-US"/>
+        </a:p>
+      </dgm:t>
+    </dgm:pt>
+    <dgm:pt modelId="{B4B4CDB6-F918-4DC4-AE64-23BF43770B17}">
+      <dgm:prSet phldrT="[Text]"/>
+      <dgm:spPr/>
+      <dgm:t>
+        <a:bodyPr/>
+        <a:lstStyle/>
+        <a:p>
+          <a:r>
+            <a:rPr lang="en-US" b="0" i="0" dirty="0" smtClean="0"/>
+            <a:t>Is a method to preclude data, structural, and branch </a:t>
+          </a:r>
+          <a:r>
+            <a:rPr lang="en-US" b="0" i="0" dirty="0" err="1" smtClean="0"/>
+            <a:t>hazards.As</a:t>
+          </a:r>
+          <a:r>
+            <a:rPr lang="en-US" b="0" i="0" dirty="0" smtClean="0"/>
+            <a:t> instructions are fetched, control logic determines whether a hazard could/will occur. If this is true, then the control logic inserts s (</a:t>
+          </a:r>
+          <a:r>
+            <a:rPr lang="en-US" dirty="0" smtClean="0">
+              <a:hlinkClick xmlns:r="http://schemas.openxmlformats.org/officeDocument/2006/relationships" r:id="rId2" tooltip="NOP"/>
+            </a:rPr>
+            <a:t>NOP</a:t>
+          </a:r>
+          <a:r>
+            <a:rPr lang="en-US" b="0" i="0" dirty="0" smtClean="0"/>
+            <a:t>s) into the pipeline. Thus, before the next instruction (which would cause the hazard) executes, the prior one will have had sufficient time to finish and prevent the hazard.</a:t>
+          </a:r>
+          <a:endParaRPr lang="en-US" dirty="0"/>
+        </a:p>
+      </dgm:t>
+    </dgm:pt>
+    <dgm:pt modelId="{40DBF8B4-7409-4B60-8210-6B0C9AB839F8}" type="parTrans" cxnId="{942BBF77-D620-404D-A8C5-A069D15BE0C7}">
+      <dgm:prSet/>
+      <dgm:spPr/>
+      <dgm:t>
+        <a:bodyPr/>
+        <a:lstStyle/>
+        <a:p>
+          <a:endParaRPr lang="en-US"/>
+        </a:p>
+      </dgm:t>
+    </dgm:pt>
+    <dgm:pt modelId="{2F43FDA5-53E1-4CDB-9836-FD78B3E5967E}" type="sibTrans" cxnId="{942BBF77-D620-404D-A8C5-A069D15BE0C7}">
+      <dgm:prSet/>
+      <dgm:spPr/>
+      <dgm:t>
+        <a:bodyPr/>
+        <a:lstStyle/>
+        <a:p>
+          <a:endParaRPr lang="en-US"/>
+        </a:p>
+      </dgm:t>
+    </dgm:pt>
+    <dgm:pt modelId="{A86A61DC-0961-4A61-9191-E5B9C8C4A8F4}" type="pres">
+      <dgm:prSet presAssocID="{17371362-0DB1-47D1-8166-34AB49D73B02}" presName="linearFlow" presStyleCnt="0">
+        <dgm:presLayoutVars>
+          <dgm:dir/>
+          <dgm:animLvl val="lvl"/>
+          <dgm:resizeHandles val="exact"/>
+        </dgm:presLayoutVars>
+      </dgm:prSet>
+      <dgm:spPr/>
+      <dgm:t>
+        <a:bodyPr/>
+        <a:lstStyle/>
+        <a:p>
+          <a:endParaRPr lang="en-US"/>
+        </a:p>
+      </dgm:t>
+    </dgm:pt>
+    <dgm:pt modelId="{B445CC08-54DF-4BD1-B83B-EEC34E4313D4}" type="pres">
+      <dgm:prSet presAssocID="{CF7EFA33-F2AA-4F26-8DA0-E432A4E8920D}" presName="composite" presStyleCnt="0"/>
+      <dgm:spPr/>
+    </dgm:pt>
+    <dgm:pt modelId="{9B505BF4-973C-46CC-8959-1B7633973B88}" type="pres">
+      <dgm:prSet presAssocID="{CF7EFA33-F2AA-4F26-8DA0-E432A4E8920D}" presName="parentText" presStyleLbl="alignNode1" presStyleIdx="0" presStyleCnt="2">
+        <dgm:presLayoutVars>
+          <dgm:chMax val="1"/>
+          <dgm:bulletEnabled val="1"/>
+        </dgm:presLayoutVars>
+      </dgm:prSet>
+      <dgm:spPr/>
+      <dgm:t>
+        <a:bodyPr/>
+        <a:lstStyle/>
+        <a:p>
+          <a:endParaRPr lang="en-US"/>
+        </a:p>
+      </dgm:t>
+    </dgm:pt>
+    <dgm:pt modelId="{82FBDEAA-ABDC-4D78-816C-79063DA88E1C}" type="pres">
+      <dgm:prSet presAssocID="{CF7EFA33-F2AA-4F26-8DA0-E432A4E8920D}" presName="descendantText" presStyleLbl="alignAcc1" presStyleIdx="0" presStyleCnt="2">
+        <dgm:presLayoutVars>
+          <dgm:bulletEnabled val="1"/>
+        </dgm:presLayoutVars>
+      </dgm:prSet>
+      <dgm:spPr/>
+      <dgm:t>
+        <a:bodyPr/>
+        <a:lstStyle/>
+        <a:p>
+          <a:endParaRPr lang="en-US"/>
+        </a:p>
+      </dgm:t>
+    </dgm:pt>
+    <dgm:pt modelId="{D45B1F9E-7922-4923-87BF-1F9A5E53E44F}" type="pres">
+      <dgm:prSet presAssocID="{FCB37DD2-E13C-4E03-90EC-CA8447208BEC}" presName="sp" presStyleCnt="0"/>
+      <dgm:spPr/>
+    </dgm:pt>
+    <dgm:pt modelId="{B021542E-85F9-4A81-9461-71B61A8E264C}" type="pres">
+      <dgm:prSet presAssocID="{9919BF40-3716-4033-B684-28F69F535367}" presName="composite" presStyleCnt="0"/>
+      <dgm:spPr/>
+    </dgm:pt>
+    <dgm:pt modelId="{F5C97CEC-AA40-4A82-A288-47AB3C8230AE}" type="pres">
+      <dgm:prSet presAssocID="{9919BF40-3716-4033-B684-28F69F535367}" presName="parentText" presStyleLbl="alignNode1" presStyleIdx="1" presStyleCnt="2" custLinFactNeighborY="2726">
+        <dgm:presLayoutVars>
+          <dgm:chMax val="1"/>
+          <dgm:bulletEnabled val="1"/>
+        </dgm:presLayoutVars>
+      </dgm:prSet>
+      <dgm:spPr/>
+      <dgm:t>
+        <a:bodyPr/>
+        <a:lstStyle/>
+        <a:p>
+          <a:endParaRPr lang="en-US"/>
+        </a:p>
+      </dgm:t>
+    </dgm:pt>
+    <dgm:pt modelId="{F79FECFD-A9D6-4F0A-B697-FED0972B216B}" type="pres">
+      <dgm:prSet presAssocID="{9919BF40-3716-4033-B684-28F69F535367}" presName="descendantText" presStyleLbl="alignAcc1" presStyleIdx="1" presStyleCnt="2" custLinFactNeighborY="-626">
+        <dgm:presLayoutVars>
+          <dgm:bulletEnabled val="1"/>
+        </dgm:presLayoutVars>
+      </dgm:prSet>
+      <dgm:spPr/>
+      <dgm:t>
+        <a:bodyPr/>
+        <a:lstStyle/>
+        <a:p>
+          <a:endParaRPr lang="en-US"/>
+        </a:p>
+      </dgm:t>
+    </dgm:pt>
+  </dgm:ptLst>
+  <dgm:cxnLst>
+    <dgm:cxn modelId="{B782B652-1F6D-4E34-8E81-2D4FFE173CE6}" srcId="{17371362-0DB1-47D1-8166-34AB49D73B02}" destId="{CF7EFA33-F2AA-4F26-8DA0-E432A4E8920D}" srcOrd="0" destOrd="0" parTransId="{B9E0A827-68A6-4ECA-A10A-6786A496BAB5}" sibTransId="{FCB37DD2-E13C-4E03-90EC-CA8447208BEC}"/>
+    <dgm:cxn modelId="{232628A5-26FD-4319-A6E7-D4B422720FD0}" srcId="{CF7EFA33-F2AA-4F26-8DA0-E432A4E8920D}" destId="{1C8E2727-4F52-4090-819A-8E4842F1B5EB}" srcOrd="0" destOrd="0" parTransId="{5A2158F8-7636-4B5D-BEC6-068AAE62E90C}" sibTransId="{9644812C-CB74-4A18-A325-E4D836828785}"/>
+    <dgm:cxn modelId="{C165FF8D-7BFD-412F-9497-395054258231}" type="presOf" srcId="{CF7EFA33-F2AA-4F26-8DA0-E432A4E8920D}" destId="{9B505BF4-973C-46CC-8959-1B7633973B88}" srcOrd="0" destOrd="0" presId="urn:microsoft.com/office/officeart/2005/8/layout/chevron2"/>
+    <dgm:cxn modelId="{24FFA571-F2BC-4DC4-BDD4-64889DD60D81}" srcId="{17371362-0DB1-47D1-8166-34AB49D73B02}" destId="{9919BF40-3716-4033-B684-28F69F535367}" srcOrd="1" destOrd="0" parTransId="{E09DD31C-24BD-4ADD-A369-4F7F6DD4ADBE}" sibTransId="{293720F2-24AF-4215-9BA3-154470F44840}"/>
+    <dgm:cxn modelId="{0B9F9659-FCAE-4FEE-88AF-E1C59075ECA9}" type="presOf" srcId="{17371362-0DB1-47D1-8166-34AB49D73B02}" destId="{A86A61DC-0961-4A61-9191-E5B9C8C4A8F4}" srcOrd="0" destOrd="0" presId="urn:microsoft.com/office/officeart/2005/8/layout/chevron2"/>
+    <dgm:cxn modelId="{942BBF77-D620-404D-A8C5-A069D15BE0C7}" srcId="{9919BF40-3716-4033-B684-28F69F535367}" destId="{B4B4CDB6-F918-4DC4-AE64-23BF43770B17}" srcOrd="0" destOrd="0" parTransId="{40DBF8B4-7409-4B60-8210-6B0C9AB839F8}" sibTransId="{2F43FDA5-53E1-4CDB-9836-FD78B3E5967E}"/>
+    <dgm:cxn modelId="{D043FA10-E6C9-4DA3-9863-9770C49F9F00}" type="presOf" srcId="{1C8E2727-4F52-4090-819A-8E4842F1B5EB}" destId="{82FBDEAA-ABDC-4D78-816C-79063DA88E1C}" srcOrd="0" destOrd="0" presId="urn:microsoft.com/office/officeart/2005/8/layout/chevron2"/>
+    <dgm:cxn modelId="{729BE8E6-19BF-409E-BA2C-A86E646891B9}" type="presOf" srcId="{9919BF40-3716-4033-B684-28F69F535367}" destId="{F5C97CEC-AA40-4A82-A288-47AB3C8230AE}" srcOrd="0" destOrd="0" presId="urn:microsoft.com/office/officeart/2005/8/layout/chevron2"/>
+    <dgm:cxn modelId="{1E6B3E0F-CA78-4703-A2F2-BB1CD7697B0B}" type="presOf" srcId="{B4B4CDB6-F918-4DC4-AE64-23BF43770B17}" destId="{F79FECFD-A9D6-4F0A-B697-FED0972B216B}" srcOrd="0" destOrd="0" presId="urn:microsoft.com/office/officeart/2005/8/layout/chevron2"/>
+    <dgm:cxn modelId="{EB16F2F5-AD8A-4A11-A4B0-8B426446EEC1}" type="presParOf" srcId="{A86A61DC-0961-4A61-9191-E5B9C8C4A8F4}" destId="{B445CC08-54DF-4BD1-B83B-EEC34E4313D4}" srcOrd="0" destOrd="0" presId="urn:microsoft.com/office/officeart/2005/8/layout/chevron2"/>
+    <dgm:cxn modelId="{34E750A0-3379-47A3-8CEF-F18FABD4014F}" type="presParOf" srcId="{B445CC08-54DF-4BD1-B83B-EEC34E4313D4}" destId="{9B505BF4-973C-46CC-8959-1B7633973B88}" srcOrd="0" destOrd="0" presId="urn:microsoft.com/office/officeart/2005/8/layout/chevron2"/>
+    <dgm:cxn modelId="{837756B6-A2AF-4D5D-A2E1-4A4BDF735AE4}" type="presParOf" srcId="{B445CC08-54DF-4BD1-B83B-EEC34E4313D4}" destId="{82FBDEAA-ABDC-4D78-816C-79063DA88E1C}" srcOrd="1" destOrd="0" presId="urn:microsoft.com/office/officeart/2005/8/layout/chevron2"/>
+    <dgm:cxn modelId="{3B7AC18F-B893-4DC1-B00B-6437C75A1CC1}" type="presParOf" srcId="{A86A61DC-0961-4A61-9191-E5B9C8C4A8F4}" destId="{D45B1F9E-7922-4923-87BF-1F9A5E53E44F}" srcOrd="1" destOrd="0" presId="urn:microsoft.com/office/officeart/2005/8/layout/chevron2"/>
+    <dgm:cxn modelId="{A4B6AF3F-442F-44AF-8C52-012ADC6D74E0}" type="presParOf" srcId="{A86A61DC-0961-4A61-9191-E5B9C8C4A8F4}" destId="{B021542E-85F9-4A81-9461-71B61A8E264C}" srcOrd="2" destOrd="0" presId="urn:microsoft.com/office/officeart/2005/8/layout/chevron2"/>
+    <dgm:cxn modelId="{15AE8E82-ECDC-4953-9C33-3CC3ECFC9E82}" type="presParOf" srcId="{B021542E-85F9-4A81-9461-71B61A8E264C}" destId="{F5C97CEC-AA40-4A82-A288-47AB3C8230AE}" srcOrd="0" destOrd="0" presId="urn:microsoft.com/office/officeart/2005/8/layout/chevron2"/>
+    <dgm:cxn modelId="{7766F5DB-2285-4320-8B87-18546DB8D7D4}" type="presParOf" srcId="{B021542E-85F9-4A81-9461-71B61A8E264C}" destId="{F79FECFD-A9D6-4F0A-B697-FED0972B216B}" srcOrd="1" destOrd="0" presId="urn:microsoft.com/office/officeart/2005/8/layout/chevron2"/>
+  </dgm:cxnLst>
+  <dgm:bg/>
+  <dgm:whole/>
+  <dgm:extLst>
+    <a:ext uri="http://schemas.microsoft.com/office/drawing/2008/diagram">
+      <dsp:dataModelExt xmlns:dsp="http://schemas.microsoft.com/office/drawing/2008/diagram" xmlns="" relId="rId6" minVer="http://schemas.openxmlformats.org/drawingml/2006/diagram"/>
+    </a:ext>
+  </dgm:extLst>
+</dgm:dataModel>
+</file>
+
+<file path=ppt/diagrams/data4.xml><?xml version="1.0" encoding="utf-8"?>
+<dgm:dataModel xmlns:dgm="http://schemas.openxmlformats.org/drawingml/2006/diagram" xmlns:a="http://schemas.openxmlformats.org/drawingml/2006/main">
+  <dgm:ptLst>
+    <dgm:pt modelId="{235E9DA2-74E2-41DC-B7CC-1A29E30267CF}" type="doc">
+      <dgm:prSet loTypeId="urn:microsoft.com/office/officeart/2005/8/layout/chevron2" loCatId="list" qsTypeId="urn:microsoft.com/office/officeart/2005/8/quickstyle/simple1" qsCatId="simple" csTypeId="urn:microsoft.com/office/officeart/2005/8/colors/accent1_2" csCatId="accent1" phldr="1"/>
+      <dgm:spPr/>
+      <dgm:t>
+        <a:bodyPr/>
+        <a:lstStyle/>
+        <a:p>
+          <a:endParaRPr lang="en-US"/>
+        </a:p>
+      </dgm:t>
+    </dgm:pt>
+    <dgm:pt modelId="{C0077EC5-1710-4950-81C2-02F70A7E150B}">
+      <dgm:prSet phldrT="[Text]"/>
+      <dgm:spPr/>
+      <dgm:t>
+        <a:bodyPr/>
+        <a:lstStyle/>
+        <a:p>
+          <a:r>
+            <a:rPr lang="en-US" dirty="0" smtClean="0"/>
+            <a:t>Fetch</a:t>
+          </a:r>
+          <a:endParaRPr lang="en-US" dirty="0"/>
+        </a:p>
+      </dgm:t>
+    </dgm:pt>
+    <dgm:pt modelId="{D2AE0162-3B70-4306-B566-BFA26BC8A955}" type="parTrans" cxnId="{7F4DFD72-AAB4-48CC-98CE-5C390F01FCE8}">
+      <dgm:prSet/>
+      <dgm:spPr/>
+      <dgm:t>
+        <a:bodyPr/>
+        <a:lstStyle/>
+        <a:p>
+          <a:endParaRPr lang="en-US"/>
+        </a:p>
+      </dgm:t>
+    </dgm:pt>
+    <dgm:pt modelId="{604359D1-B23F-42A4-A137-5830DB34682D}" type="sibTrans" cxnId="{7F4DFD72-AAB4-48CC-98CE-5C390F01FCE8}">
+      <dgm:prSet/>
+      <dgm:spPr/>
+      <dgm:t>
+        <a:bodyPr/>
+        <a:lstStyle/>
+        <a:p>
+          <a:endParaRPr lang="en-US"/>
+        </a:p>
+      </dgm:t>
+    </dgm:pt>
+    <dgm:pt modelId="{5400EE2D-1C3F-4576-B124-258AF83DEE21}">
+      <dgm:prSet phldrT="[Text]" custT="1"/>
+      <dgm:spPr/>
+      <dgm:t>
+        <a:bodyPr/>
+        <a:lstStyle/>
+        <a:p>
+          <a:r>
+            <a:rPr lang="en-US" sz="2800" dirty="0" smtClean="0"/>
+            <a:t>Instruction is fetched from memory (</a:t>
+          </a:r>
+          <a:r>
+            <a:rPr lang="en-US" sz="2800" b="1" dirty="0" smtClean="0"/>
+            <a:t>Bus</a:t>
+          </a:r>
+          <a:r>
+            <a:rPr lang="en-US" sz="2800" dirty="0" smtClean="0"/>
+            <a:t>)</a:t>
+          </a:r>
+          <a:endParaRPr lang="en-US" sz="2800" dirty="0"/>
+        </a:p>
+      </dgm:t>
+    </dgm:pt>
+    <dgm:pt modelId="{F30F621B-C98B-4286-A026-A911EBD6A33D}" type="parTrans" cxnId="{8ADF8C99-0EE0-4650-A7C1-3994567A905A}">
+      <dgm:prSet/>
+      <dgm:spPr/>
+      <dgm:t>
+        <a:bodyPr/>
+        <a:lstStyle/>
+        <a:p>
+          <a:endParaRPr lang="en-US"/>
+        </a:p>
+      </dgm:t>
+    </dgm:pt>
+    <dgm:pt modelId="{65B86EB9-46CE-4255-9353-D47E50032199}" type="sibTrans" cxnId="{8ADF8C99-0EE0-4650-A7C1-3994567A905A}">
+      <dgm:prSet/>
+      <dgm:spPr/>
+      <dgm:t>
+        <a:bodyPr/>
+        <a:lstStyle/>
+        <a:p>
+          <a:endParaRPr lang="en-US"/>
+        </a:p>
+      </dgm:t>
+    </dgm:pt>
+    <dgm:pt modelId="{CA66EB0D-A93F-42D4-8450-E13D0A53542B}">
+      <dgm:prSet phldrT="[Text]"/>
+      <dgm:spPr/>
+      <dgm:t>
+        <a:bodyPr/>
+        <a:lstStyle/>
+        <a:p>
+          <a:r>
+            <a:rPr lang="en-US" dirty="0" smtClean="0"/>
+            <a:t>Decode</a:t>
+          </a:r>
+          <a:endParaRPr lang="en-US" dirty="0"/>
+        </a:p>
+      </dgm:t>
+    </dgm:pt>
+    <dgm:pt modelId="{28CFEC3E-8122-402C-930E-4A730B82C5CC}" type="parTrans" cxnId="{1617A9A8-C8C0-4DC7-8B55-14804D033BA4}">
+      <dgm:prSet/>
+      <dgm:spPr/>
+      <dgm:t>
+        <a:bodyPr/>
+        <a:lstStyle/>
+        <a:p>
+          <a:endParaRPr lang="en-US"/>
+        </a:p>
+      </dgm:t>
+    </dgm:pt>
+    <dgm:pt modelId="{EDD807A5-4C3D-4FB3-99F0-C374C4516338}" type="sibTrans" cxnId="{1617A9A8-C8C0-4DC7-8B55-14804D033BA4}">
+      <dgm:prSet/>
+      <dgm:spPr/>
+      <dgm:t>
+        <a:bodyPr/>
+        <a:lstStyle/>
+        <a:p>
+          <a:endParaRPr lang="en-US"/>
+        </a:p>
+      </dgm:t>
+    </dgm:pt>
+    <dgm:pt modelId="{AAE28DC4-A22B-4B93-9C95-4F087D08F35C}">
+      <dgm:prSet phldrT="[Text]" custT="1"/>
+      <dgm:spPr/>
+      <dgm:t>
+        <a:bodyPr/>
+        <a:lstStyle/>
+        <a:p>
+          <a:r>
+            <a:rPr lang="en-US" sz="2400" dirty="0" smtClean="0"/>
+            <a:t>Instruction is decoded using hard wire </a:t>
+          </a:r>
+          <a:r>
+            <a:rPr lang="en-US" sz="2400" b="1" dirty="0" smtClean="0"/>
+            <a:t>Decoder</a:t>
+          </a:r>
+          <a:endParaRPr lang="en-US" sz="2400" dirty="0"/>
+        </a:p>
+      </dgm:t>
+    </dgm:pt>
+    <dgm:pt modelId="{4DAA60DC-2DC7-4CFF-A490-464DD364E649}" type="parTrans" cxnId="{E01D6BAD-1F3D-4117-8225-13C0F453A4B9}">
+      <dgm:prSet/>
+      <dgm:spPr/>
+      <dgm:t>
+        <a:bodyPr/>
+        <a:lstStyle/>
+        <a:p>
+          <a:endParaRPr lang="en-US"/>
+        </a:p>
+      </dgm:t>
+    </dgm:pt>
+    <dgm:pt modelId="{63B0334B-F787-4A1A-A03D-FCF7D1B4A2D7}" type="sibTrans" cxnId="{E01D6BAD-1F3D-4117-8225-13C0F453A4B9}">
+      <dgm:prSet/>
+      <dgm:spPr/>
+      <dgm:t>
+        <a:bodyPr/>
+        <a:lstStyle/>
+        <a:p>
+          <a:endParaRPr lang="en-US"/>
+        </a:p>
+      </dgm:t>
+    </dgm:pt>
+    <dgm:pt modelId="{FF9A2DC6-DB9A-4923-85EB-9207F8A6BAC0}">
+      <dgm:prSet phldrT="[Text]"/>
+      <dgm:spPr/>
+      <dgm:t>
+        <a:bodyPr/>
+        <a:lstStyle/>
+        <a:p>
+          <a:r>
+            <a:rPr lang="en-US" dirty="0" smtClean="0"/>
+            <a:t>Execute</a:t>
+          </a:r>
+          <a:endParaRPr lang="en-US" dirty="0"/>
+        </a:p>
+      </dgm:t>
+    </dgm:pt>
+    <dgm:pt modelId="{4059CC6E-4C4D-4ED5-A7FD-810626A01078}" type="parTrans" cxnId="{D64B5659-FBBE-4B19-B9AC-89CB578888A5}">
+      <dgm:prSet/>
+      <dgm:spPr/>
+      <dgm:t>
+        <a:bodyPr/>
+        <a:lstStyle/>
+        <a:p>
+          <a:endParaRPr lang="en-US"/>
+        </a:p>
+      </dgm:t>
+    </dgm:pt>
+    <dgm:pt modelId="{A8B07DAC-038F-4643-A3E5-3FFEC2865305}" type="sibTrans" cxnId="{D64B5659-FBBE-4B19-B9AC-89CB578888A5}">
+      <dgm:prSet/>
+      <dgm:spPr/>
+      <dgm:t>
+        <a:bodyPr/>
+        <a:lstStyle/>
+        <a:p>
+          <a:endParaRPr lang="en-US"/>
+        </a:p>
+      </dgm:t>
+    </dgm:pt>
+    <dgm:pt modelId="{663B893B-959A-422B-98ED-D31A4F579564}">
+      <dgm:prSet phldrT="[Text]"/>
+      <dgm:spPr/>
+      <dgm:t>
+        <a:bodyPr/>
+        <a:lstStyle/>
+        <a:p>
+          <a:endParaRPr lang="en-US" sz="1000" dirty="0"/>
+        </a:p>
+      </dgm:t>
+    </dgm:pt>
+    <dgm:pt modelId="{DBEF19E4-901A-49CF-B3E0-8E5D6BC45283}" type="parTrans" cxnId="{4C8147B9-0EE9-47F7-A96C-389EC583D0DA}">
+      <dgm:prSet/>
+      <dgm:spPr/>
+      <dgm:t>
+        <a:bodyPr/>
+        <a:lstStyle/>
+        <a:p>
+          <a:endParaRPr lang="en-US"/>
+        </a:p>
+      </dgm:t>
+    </dgm:pt>
+    <dgm:pt modelId="{D41A6B47-C02B-4F00-A8BE-82187D46E77E}" type="sibTrans" cxnId="{4C8147B9-0EE9-47F7-A96C-389EC583D0DA}">
+      <dgm:prSet/>
+      <dgm:spPr/>
+      <dgm:t>
+        <a:bodyPr/>
+        <a:lstStyle/>
+        <a:p>
+          <a:endParaRPr lang="en-US"/>
+        </a:p>
+      </dgm:t>
+    </dgm:pt>
+    <dgm:pt modelId="{17307D99-B5AC-4022-A3A3-1AA7B2122834}">
+      <dgm:prSet phldrT="[Text]"/>
+      <dgm:spPr/>
+      <dgm:t>
+        <a:bodyPr/>
+        <a:lstStyle/>
+        <a:p>
+          <a:r>
+            <a:rPr lang="en-US" dirty="0" smtClean="0"/>
+            <a:t>Memory</a:t>
+          </a:r>
+          <a:endParaRPr lang="en-US" dirty="0"/>
+        </a:p>
+      </dgm:t>
+    </dgm:pt>
+    <dgm:pt modelId="{337411B1-F3C4-44C2-93F3-72AC2C800248}" type="parTrans" cxnId="{8A1169D3-781D-455E-97CB-6EF0365E456A}">
+      <dgm:prSet/>
+      <dgm:spPr/>
+      <dgm:t>
+        <a:bodyPr/>
+        <a:lstStyle/>
+        <a:p>
+          <a:endParaRPr lang="en-US"/>
+        </a:p>
+      </dgm:t>
+    </dgm:pt>
+    <dgm:pt modelId="{DDCF4D60-54C0-4DE4-A999-9E1BE3D24B91}" type="sibTrans" cxnId="{8A1169D3-781D-455E-97CB-6EF0365E456A}">
+      <dgm:prSet/>
+      <dgm:spPr/>
+      <dgm:t>
+        <a:bodyPr/>
+        <a:lstStyle/>
+        <a:p>
+          <a:endParaRPr lang="en-US"/>
+        </a:p>
+      </dgm:t>
+    </dgm:pt>
+    <dgm:pt modelId="{6F4E7ADF-1352-4483-A65A-33EA35616EDB}">
+      <dgm:prSet/>
+      <dgm:spPr/>
+      <dgm:t>
+        <a:bodyPr/>
+        <a:lstStyle/>
+        <a:p>
+          <a:endParaRPr lang="en-US" sz="1000"/>
+        </a:p>
+      </dgm:t>
+    </dgm:pt>
+    <dgm:pt modelId="{48005CC5-5EBB-460E-88BC-9938788C9464}" type="parTrans" cxnId="{E7A20FFF-A31F-4EF6-BAD3-FAE30D83C4EE}">
+      <dgm:prSet/>
+      <dgm:spPr/>
+    </dgm:pt>
+    <dgm:pt modelId="{75239D41-609F-4E36-8678-E6D5D498FD16}" type="sibTrans" cxnId="{E7A20FFF-A31F-4EF6-BAD3-FAE30D83C4EE}">
+      <dgm:prSet/>
+      <dgm:spPr/>
+    </dgm:pt>
+    <dgm:pt modelId="{27548531-11F6-44EF-8C1A-C8A3F6A12567}">
+      <dgm:prSet/>
+      <dgm:spPr/>
+      <dgm:t>
+        <a:bodyPr/>
+        <a:lstStyle/>
+        <a:p>
+          <a:endParaRPr lang="en-US" sz="1000" dirty="0"/>
+        </a:p>
+      </dgm:t>
+    </dgm:pt>
+    <dgm:pt modelId="{7BD4A20F-C792-4056-9655-F030BD932FC0}" type="parTrans" cxnId="{7DE65859-EB7A-48EC-907B-5B08006F2C06}">
+      <dgm:prSet/>
+      <dgm:spPr/>
+    </dgm:pt>
+    <dgm:pt modelId="{459DD959-100D-4F42-AF1A-9150CF277916}" type="sibTrans" cxnId="{7DE65859-EB7A-48EC-907B-5B08006F2C06}">
+      <dgm:prSet/>
+      <dgm:spPr/>
+    </dgm:pt>
+    <dgm:pt modelId="{102C7B61-5223-4200-BE50-690BDA6E0154}">
+      <dgm:prSet phldrT="[Text]"/>
+      <dgm:spPr/>
+      <dgm:t>
+        <a:bodyPr/>
+        <a:lstStyle/>
+        <a:p>
+          <a:r>
+            <a:rPr lang="en-US" dirty="0" smtClean="0"/>
+            <a:t>Results written back to memory</a:t>
+          </a:r>
+          <a:endParaRPr lang="en-US" dirty="0"/>
+        </a:p>
+      </dgm:t>
+    </dgm:pt>
+    <dgm:pt modelId="{DE82F122-EC24-4068-8E70-5C7CFF1A10A9}" type="parTrans" cxnId="{8205E020-E6ED-49C5-A560-39CA7C2BDE4C}">
+      <dgm:prSet/>
+      <dgm:spPr/>
+    </dgm:pt>
+    <dgm:pt modelId="{FF8FBEAD-BCC9-47E2-9999-2C44182926A5}" type="sibTrans" cxnId="{8205E020-E6ED-49C5-A560-39CA7C2BDE4C}">
+      <dgm:prSet/>
+      <dgm:spPr/>
+    </dgm:pt>
+    <dgm:pt modelId="{4C788146-913B-4EE0-9C32-1A4C898DC69B}">
+      <dgm:prSet phldrT="[Text]"/>
+      <dgm:spPr/>
+      <dgm:t>
+        <a:bodyPr/>
+        <a:lstStyle/>
+        <a:p>
+          <a:r>
+            <a:rPr lang="en-US" dirty="0" smtClean="0"/>
+            <a:t>Register write back</a:t>
+          </a:r>
+          <a:endParaRPr lang="en-US" dirty="0"/>
+        </a:p>
+      </dgm:t>
+    </dgm:pt>
+    <dgm:pt modelId="{FFEBE0D0-31FC-4701-B328-70564C2B739F}" type="parTrans" cxnId="{2C02C571-715C-46F3-BDFF-76321B5D3690}">
+      <dgm:prSet/>
+      <dgm:spPr/>
+    </dgm:pt>
+    <dgm:pt modelId="{9C48666B-22A5-403E-A77E-EB8D2A72ECFA}" type="sibTrans" cxnId="{2C02C571-715C-46F3-BDFF-76321B5D3690}">
+      <dgm:prSet/>
+      <dgm:spPr/>
+    </dgm:pt>
+    <dgm:pt modelId="{86F89F85-2BE6-4116-B289-A6AAFC2F3046}">
+      <dgm:prSet phldrT="[Text]"/>
+      <dgm:spPr/>
+      <dgm:t>
+        <a:bodyPr/>
+        <a:lstStyle/>
+        <a:p>
+          <a:r>
+            <a:rPr lang="en-US" dirty="0" smtClean="0"/>
+            <a:t>Memory Access ( Results written to memory)</a:t>
+          </a:r>
+          <a:endParaRPr lang="en-US" dirty="0"/>
+        </a:p>
+      </dgm:t>
+    </dgm:pt>
+    <dgm:pt modelId="{98065B09-B666-43B4-BDE2-C4C0330DE780}" type="parTrans" cxnId="{A17ABD73-BE50-4E8D-A21A-E3BCEBDF7DFB}">
+      <dgm:prSet/>
+      <dgm:spPr/>
+    </dgm:pt>
+    <dgm:pt modelId="{9AABE545-0464-4067-B66B-F367AF948F0F}" type="sibTrans" cxnId="{A17ABD73-BE50-4E8D-A21A-E3BCEBDF7DFB}">
+      <dgm:prSet/>
+      <dgm:spPr/>
+    </dgm:pt>
+    <dgm:pt modelId="{D376163E-51E1-4816-9A12-03863B191403}">
+      <dgm:prSet custT="1"/>
+      <dgm:spPr/>
+      <dgm:t>
+        <a:bodyPr/>
+        <a:lstStyle/>
+        <a:p>
+          <a:r>
+            <a:rPr lang="en-US" sz="2400" dirty="0" smtClean="0"/>
+            <a:t>Instruction is executed – through the data path</a:t>
+          </a:r>
+          <a:endParaRPr lang="en-US" sz="2400" dirty="0"/>
+        </a:p>
+      </dgm:t>
+    </dgm:pt>
+    <dgm:pt modelId="{6DFF3C25-A585-4229-B00B-69244E4063B7}" type="parTrans" cxnId="{5E596065-5AAE-453F-AD1E-77948E4408E4}">
+      <dgm:prSet/>
+      <dgm:spPr/>
+      <dgm:t>
+        <a:bodyPr/>
+        <a:lstStyle/>
+        <a:p>
+          <a:endParaRPr lang="en-US"/>
+        </a:p>
+      </dgm:t>
+    </dgm:pt>
+    <dgm:pt modelId="{35A41337-D1C4-4776-A499-9A24702AF339}" type="sibTrans" cxnId="{5E596065-5AAE-453F-AD1E-77948E4408E4}">
+      <dgm:prSet/>
+      <dgm:spPr/>
+      <dgm:t>
+        <a:bodyPr/>
+        <a:lstStyle/>
+        <a:p>
+          <a:endParaRPr lang="en-US"/>
+        </a:p>
+      </dgm:t>
+    </dgm:pt>
+    <dgm:pt modelId="{DD38E141-06A5-4B8E-A069-44B80A20E811}" type="pres">
+      <dgm:prSet presAssocID="{235E9DA2-74E2-41DC-B7CC-1A29E30267CF}" presName="linearFlow" presStyleCnt="0">
+        <dgm:presLayoutVars>
+          <dgm:dir/>
+          <dgm:animLvl val="lvl"/>
+          <dgm:resizeHandles val="exact"/>
+        </dgm:presLayoutVars>
+      </dgm:prSet>
+      <dgm:spPr/>
+      <dgm:t>
+        <a:bodyPr/>
+        <a:lstStyle/>
+        <a:p>
+          <a:endParaRPr lang="en-US"/>
+        </a:p>
+      </dgm:t>
+    </dgm:pt>
+    <dgm:pt modelId="{7D04FB8B-19F7-43A4-A299-55C99F95CEFF}" type="pres">
+      <dgm:prSet presAssocID="{C0077EC5-1710-4950-81C2-02F70A7E150B}" presName="composite" presStyleCnt="0"/>
+      <dgm:spPr/>
+    </dgm:pt>
+    <dgm:pt modelId="{DEF18E15-0B8D-436B-93A2-29DF8F3A19EC}" type="pres">
+      <dgm:prSet presAssocID="{C0077EC5-1710-4950-81C2-02F70A7E150B}" presName="parentText" presStyleLbl="alignNode1" presStyleIdx="0" presStyleCnt="5">
+        <dgm:presLayoutVars>
+          <dgm:chMax val="1"/>
+          <dgm:bulletEnabled val="1"/>
+        </dgm:presLayoutVars>
+      </dgm:prSet>
+      <dgm:spPr/>
+      <dgm:t>
+        <a:bodyPr/>
+        <a:lstStyle/>
+        <a:p>
+          <a:endParaRPr lang="en-US"/>
+        </a:p>
+      </dgm:t>
+    </dgm:pt>
+    <dgm:pt modelId="{6811D898-C111-42C2-A077-2C02A901C7DC}" type="pres">
+      <dgm:prSet presAssocID="{C0077EC5-1710-4950-81C2-02F70A7E150B}" presName="descendantText" presStyleLbl="alignAcc1" presStyleIdx="0" presStyleCnt="5">
+        <dgm:presLayoutVars>
+          <dgm:bulletEnabled val="1"/>
+        </dgm:presLayoutVars>
+      </dgm:prSet>
+      <dgm:spPr/>
+      <dgm:t>
+        <a:bodyPr/>
+        <a:lstStyle/>
+        <a:p>
+          <a:endParaRPr lang="en-US"/>
+        </a:p>
+      </dgm:t>
+    </dgm:pt>
+    <dgm:pt modelId="{93C77461-2913-4CD9-AFEB-2AB3D139E5D2}" type="pres">
+      <dgm:prSet presAssocID="{604359D1-B23F-42A4-A137-5830DB34682D}" presName="sp" presStyleCnt="0"/>
+      <dgm:spPr/>
+    </dgm:pt>
+    <dgm:pt modelId="{1C08C93E-5285-4AC6-AE98-D316CAAB66D3}" type="pres">
+      <dgm:prSet presAssocID="{CA66EB0D-A93F-42D4-8450-E13D0A53542B}" presName="composite" presStyleCnt="0"/>
+      <dgm:spPr/>
+    </dgm:pt>
+    <dgm:pt modelId="{27FF30B0-81E2-4EC1-A91C-70802FF81894}" type="pres">
+      <dgm:prSet presAssocID="{CA66EB0D-A93F-42D4-8450-E13D0A53542B}" presName="parentText" presStyleLbl="alignNode1" presStyleIdx="1" presStyleCnt="5">
+        <dgm:presLayoutVars>
+          <dgm:chMax val="1"/>
+          <dgm:bulletEnabled val="1"/>
+        </dgm:presLayoutVars>
+      </dgm:prSet>
+      <dgm:spPr/>
+      <dgm:t>
+        <a:bodyPr/>
+        <a:lstStyle/>
+        <a:p>
+          <a:endParaRPr lang="en-US"/>
+        </a:p>
+      </dgm:t>
+    </dgm:pt>
+    <dgm:pt modelId="{FE4DA7BC-7143-4BAE-A82D-455FD9E5B993}" type="pres">
+      <dgm:prSet presAssocID="{CA66EB0D-A93F-42D4-8450-E13D0A53542B}" presName="descendantText" presStyleLbl="alignAcc1" presStyleIdx="1" presStyleCnt="5">
+        <dgm:presLayoutVars>
+          <dgm:bulletEnabled val="1"/>
+        </dgm:presLayoutVars>
+      </dgm:prSet>
+      <dgm:spPr/>
+      <dgm:t>
+        <a:bodyPr/>
+        <a:lstStyle/>
+        <a:p>
+          <a:endParaRPr lang="en-US"/>
+        </a:p>
+      </dgm:t>
+    </dgm:pt>
+    <dgm:pt modelId="{7343306D-A210-4913-AFC5-AD3AA6162AAB}" type="pres">
+      <dgm:prSet presAssocID="{EDD807A5-4C3D-4FB3-99F0-C374C4516338}" presName="sp" presStyleCnt="0"/>
+      <dgm:spPr/>
+    </dgm:pt>
+    <dgm:pt modelId="{81E18637-5983-43A1-B8A7-F81DE6F9B4CB}" type="pres">
+      <dgm:prSet presAssocID="{FF9A2DC6-DB9A-4923-85EB-9207F8A6BAC0}" presName="composite" presStyleCnt="0"/>
+      <dgm:spPr/>
+    </dgm:pt>
+    <dgm:pt modelId="{15A8B3CB-C900-4304-927B-DB9FCD82D700}" type="pres">
+      <dgm:prSet presAssocID="{FF9A2DC6-DB9A-4923-85EB-9207F8A6BAC0}" presName="parentText" presStyleLbl="alignNode1" presStyleIdx="2" presStyleCnt="5">
+        <dgm:presLayoutVars>
+          <dgm:chMax val="1"/>
+          <dgm:bulletEnabled val="1"/>
+        </dgm:presLayoutVars>
+      </dgm:prSet>
+      <dgm:spPr/>
+      <dgm:t>
+        <a:bodyPr/>
+        <a:lstStyle/>
+        <a:p>
+          <a:endParaRPr lang="en-US"/>
+        </a:p>
+      </dgm:t>
+    </dgm:pt>
+    <dgm:pt modelId="{2EDB870F-62BE-4B55-A844-62E59BB964D3}" type="pres">
+      <dgm:prSet presAssocID="{FF9A2DC6-DB9A-4923-85EB-9207F8A6BAC0}" presName="descendantText" presStyleLbl="alignAcc1" presStyleIdx="2" presStyleCnt="5">
+        <dgm:presLayoutVars>
+          <dgm:bulletEnabled val="1"/>
+        </dgm:presLayoutVars>
+      </dgm:prSet>
+      <dgm:spPr/>
+      <dgm:t>
+        <a:bodyPr/>
+        <a:lstStyle/>
+        <a:p>
+          <a:endParaRPr lang="en-US"/>
+        </a:p>
+      </dgm:t>
+    </dgm:pt>
+    <dgm:pt modelId="{267E1824-2A04-4B46-97AA-BDC921CE65D5}" type="pres">
+      <dgm:prSet presAssocID="{A8B07DAC-038F-4643-A3E5-3FFEC2865305}" presName="sp" presStyleCnt="0"/>
+      <dgm:spPr/>
+    </dgm:pt>
+    <dgm:pt modelId="{31E4C558-42A1-46DC-A39E-EC84CA587C58}" type="pres">
+      <dgm:prSet presAssocID="{17307D99-B5AC-4022-A3A3-1AA7B2122834}" presName="composite" presStyleCnt="0"/>
+      <dgm:spPr/>
+    </dgm:pt>
+    <dgm:pt modelId="{DB40B450-C5E7-4B85-A6B0-4D763583D259}" type="pres">
+      <dgm:prSet presAssocID="{17307D99-B5AC-4022-A3A3-1AA7B2122834}" presName="parentText" presStyleLbl="alignNode1" presStyleIdx="3" presStyleCnt="5">
+        <dgm:presLayoutVars>
+          <dgm:chMax val="1"/>
+          <dgm:bulletEnabled val="1"/>
+        </dgm:presLayoutVars>
+      </dgm:prSet>
+      <dgm:spPr/>
+      <dgm:t>
+        <a:bodyPr/>
+        <a:lstStyle/>
+        <a:p>
+          <a:endParaRPr lang="en-US"/>
+        </a:p>
+      </dgm:t>
+    </dgm:pt>
+    <dgm:pt modelId="{31DD6389-5B03-417E-B4D0-6FAF4A990FA0}" type="pres">
+      <dgm:prSet presAssocID="{17307D99-B5AC-4022-A3A3-1AA7B2122834}" presName="descendantText" presStyleLbl="alignAcc1" presStyleIdx="3" presStyleCnt="5">
+        <dgm:presLayoutVars>
+          <dgm:bulletEnabled val="1"/>
+        </dgm:presLayoutVars>
+      </dgm:prSet>
+      <dgm:spPr/>
+      <dgm:t>
+        <a:bodyPr/>
+        <a:lstStyle/>
+        <a:p>
+          <a:endParaRPr lang="en-US"/>
+        </a:p>
+      </dgm:t>
+    </dgm:pt>
+    <dgm:pt modelId="{75EBCA09-9880-420F-BE56-E302BA736F0E}" type="pres">
+      <dgm:prSet presAssocID="{DDCF4D60-54C0-4DE4-A999-9E1BE3D24B91}" presName="sp" presStyleCnt="0"/>
+      <dgm:spPr/>
+    </dgm:pt>
+    <dgm:pt modelId="{0E59FC3B-1FE8-4BC8-9438-7623CEB3B10B}" type="pres">
+      <dgm:prSet presAssocID="{4C788146-913B-4EE0-9C32-1A4C898DC69B}" presName="composite" presStyleCnt="0"/>
+      <dgm:spPr/>
+    </dgm:pt>
+    <dgm:pt modelId="{4D96F2C5-7469-48A7-8DC9-0E539BE24082}" type="pres">
+      <dgm:prSet presAssocID="{4C788146-913B-4EE0-9C32-1A4C898DC69B}" presName="parentText" presStyleLbl="alignNode1" presStyleIdx="4" presStyleCnt="5">
+        <dgm:presLayoutVars>
+          <dgm:chMax val="1"/>
+          <dgm:bulletEnabled val="1"/>
+        </dgm:presLayoutVars>
+      </dgm:prSet>
+      <dgm:spPr/>
+      <dgm:t>
+        <a:bodyPr/>
+        <a:lstStyle/>
+        <a:p>
+          <a:endParaRPr lang="en-US"/>
+        </a:p>
+      </dgm:t>
+    </dgm:pt>
+    <dgm:pt modelId="{B38CB224-B23B-41AB-B772-B5156B5FA090}" type="pres">
+      <dgm:prSet presAssocID="{4C788146-913B-4EE0-9C32-1A4C898DC69B}" presName="descendantText" presStyleLbl="alignAcc1" presStyleIdx="4" presStyleCnt="5">
+        <dgm:presLayoutVars>
+          <dgm:bulletEnabled val="1"/>
+        </dgm:presLayoutVars>
+      </dgm:prSet>
+      <dgm:spPr/>
+      <dgm:t>
+        <a:bodyPr/>
+        <a:lstStyle/>
+        <a:p>
+          <a:endParaRPr lang="en-US"/>
+        </a:p>
+      </dgm:t>
+    </dgm:pt>
+  </dgm:ptLst>
+  <dgm:cxnLst>
+    <dgm:cxn modelId="{C9DC0E94-6CB9-4069-B2A8-7F3D62AB6641}" type="presOf" srcId="{D376163E-51E1-4816-9A12-03863B191403}" destId="{2EDB870F-62BE-4B55-A844-62E59BB964D3}" srcOrd="0" destOrd="1" presId="urn:microsoft.com/office/officeart/2005/8/layout/chevron2"/>
+    <dgm:cxn modelId="{93383A95-9ABD-4DC6-86BC-39F209A95072}" type="presOf" srcId="{FF9A2DC6-DB9A-4923-85EB-9207F8A6BAC0}" destId="{15A8B3CB-C900-4304-927B-DB9FCD82D700}" srcOrd="0" destOrd="0" presId="urn:microsoft.com/office/officeart/2005/8/layout/chevron2"/>
+    <dgm:cxn modelId="{7F4DFD72-AAB4-48CC-98CE-5C390F01FCE8}" srcId="{235E9DA2-74E2-41DC-B7CC-1A29E30267CF}" destId="{C0077EC5-1710-4950-81C2-02F70A7E150B}" srcOrd="0" destOrd="0" parTransId="{D2AE0162-3B70-4306-B566-BFA26BC8A955}" sibTransId="{604359D1-B23F-42A4-A137-5830DB34682D}"/>
+    <dgm:cxn modelId="{D64B5659-FBBE-4B19-B9AC-89CB578888A5}" srcId="{235E9DA2-74E2-41DC-B7CC-1A29E30267CF}" destId="{FF9A2DC6-DB9A-4923-85EB-9207F8A6BAC0}" srcOrd="2" destOrd="0" parTransId="{4059CC6E-4C4D-4ED5-A7FD-810626A01078}" sibTransId="{A8B07DAC-038F-4643-A3E5-3FFEC2865305}"/>
+    <dgm:cxn modelId="{1617A9A8-C8C0-4DC7-8B55-14804D033BA4}" srcId="{235E9DA2-74E2-41DC-B7CC-1A29E30267CF}" destId="{CA66EB0D-A93F-42D4-8450-E13D0A53542B}" srcOrd="1" destOrd="0" parTransId="{28CFEC3E-8122-402C-930E-4A730B82C5CC}" sibTransId="{EDD807A5-4C3D-4FB3-99F0-C374C4516338}"/>
+    <dgm:cxn modelId="{97FBA785-D3B1-4E3B-BBF0-63CE2D40AD54}" type="presOf" srcId="{102C7B61-5223-4200-BE50-690BDA6E0154}" destId="{B38CB224-B23B-41AB-B772-B5156B5FA090}" srcOrd="0" destOrd="0" presId="urn:microsoft.com/office/officeart/2005/8/layout/chevron2"/>
+    <dgm:cxn modelId="{5921E44F-27F3-417A-AE0D-28790A11ABC3}" type="presOf" srcId="{86F89F85-2BE6-4116-B289-A6AAFC2F3046}" destId="{31DD6389-5B03-417E-B4D0-6FAF4A990FA0}" srcOrd="0" destOrd="0" presId="urn:microsoft.com/office/officeart/2005/8/layout/chevron2"/>
+    <dgm:cxn modelId="{44C075CD-4EBD-4C11-A871-5E078C89B1EE}" type="presOf" srcId="{5400EE2D-1C3F-4576-B124-258AF83DEE21}" destId="{6811D898-C111-42C2-A077-2C02A901C7DC}" srcOrd="0" destOrd="0" presId="urn:microsoft.com/office/officeart/2005/8/layout/chevron2"/>
+    <dgm:cxn modelId="{8A1169D3-781D-455E-97CB-6EF0365E456A}" srcId="{235E9DA2-74E2-41DC-B7CC-1A29E30267CF}" destId="{17307D99-B5AC-4022-A3A3-1AA7B2122834}" srcOrd="3" destOrd="0" parTransId="{337411B1-F3C4-44C2-93F3-72AC2C800248}" sibTransId="{DDCF4D60-54C0-4DE4-A999-9E1BE3D24B91}"/>
+    <dgm:cxn modelId="{2C02C571-715C-46F3-BDFF-76321B5D3690}" srcId="{235E9DA2-74E2-41DC-B7CC-1A29E30267CF}" destId="{4C788146-913B-4EE0-9C32-1A4C898DC69B}" srcOrd="4" destOrd="0" parTransId="{FFEBE0D0-31FC-4701-B328-70564C2B739F}" sibTransId="{9C48666B-22A5-403E-A77E-EB8D2A72ECFA}"/>
+    <dgm:cxn modelId="{5E596065-5AAE-453F-AD1E-77948E4408E4}" srcId="{FF9A2DC6-DB9A-4923-85EB-9207F8A6BAC0}" destId="{D376163E-51E1-4816-9A12-03863B191403}" srcOrd="1" destOrd="0" parTransId="{6DFF3C25-A585-4229-B00B-69244E4063B7}" sibTransId="{35A41337-D1C4-4776-A499-9A24702AF339}"/>
+    <dgm:cxn modelId="{E0ECB15D-7521-4A5D-835C-614D53D68CAC}" type="presOf" srcId="{CA66EB0D-A93F-42D4-8450-E13D0A53542B}" destId="{27FF30B0-81E2-4EC1-A91C-70802FF81894}" srcOrd="0" destOrd="0" presId="urn:microsoft.com/office/officeart/2005/8/layout/chevron2"/>
+    <dgm:cxn modelId="{93B0CCAB-76DC-494B-B5D7-5FB295E71DD7}" type="presOf" srcId="{27548531-11F6-44EF-8C1A-C8A3F6A12567}" destId="{2EDB870F-62BE-4B55-A844-62E59BB964D3}" srcOrd="0" destOrd="2" presId="urn:microsoft.com/office/officeart/2005/8/layout/chevron2"/>
+    <dgm:cxn modelId="{F491C05F-FF79-49DE-AAD6-CFC25A776EC3}" type="presOf" srcId="{AAE28DC4-A22B-4B93-9C95-4F087D08F35C}" destId="{FE4DA7BC-7143-4BAE-A82D-455FD9E5B993}" srcOrd="0" destOrd="0" presId="urn:microsoft.com/office/officeart/2005/8/layout/chevron2"/>
+    <dgm:cxn modelId="{8205E020-E6ED-49C5-A560-39CA7C2BDE4C}" srcId="{4C788146-913B-4EE0-9C32-1A4C898DC69B}" destId="{102C7B61-5223-4200-BE50-690BDA6E0154}" srcOrd="0" destOrd="0" parTransId="{DE82F122-EC24-4068-8E70-5C7CFF1A10A9}" sibTransId="{FF8FBEAD-BCC9-47E2-9999-2C44182926A5}"/>
+    <dgm:cxn modelId="{8333B058-B862-4161-BFB5-7D7DAC45E327}" type="presOf" srcId="{235E9DA2-74E2-41DC-B7CC-1A29E30267CF}" destId="{DD38E141-06A5-4B8E-A069-44B80A20E811}" srcOrd="0" destOrd="0" presId="urn:microsoft.com/office/officeart/2005/8/layout/chevron2"/>
+    <dgm:cxn modelId="{A17ABD73-BE50-4E8D-A21A-E3BCEBDF7DFB}" srcId="{17307D99-B5AC-4022-A3A3-1AA7B2122834}" destId="{86F89F85-2BE6-4116-B289-A6AAFC2F3046}" srcOrd="0" destOrd="0" parTransId="{98065B09-B666-43B4-BDE2-C4C0330DE780}" sibTransId="{9AABE545-0464-4067-B66B-F367AF948F0F}"/>
+    <dgm:cxn modelId="{0518D441-DFB7-48D6-82D7-931D0A036F32}" type="presOf" srcId="{663B893B-959A-422B-98ED-D31A4F579564}" destId="{2EDB870F-62BE-4B55-A844-62E59BB964D3}" srcOrd="0" destOrd="3" presId="urn:microsoft.com/office/officeart/2005/8/layout/chevron2"/>
+    <dgm:cxn modelId="{058078C0-7092-455C-8003-6AAC493E387D}" type="presOf" srcId="{C0077EC5-1710-4950-81C2-02F70A7E150B}" destId="{DEF18E15-0B8D-436B-93A2-29DF8F3A19EC}" srcOrd="0" destOrd="0" presId="urn:microsoft.com/office/officeart/2005/8/layout/chevron2"/>
+    <dgm:cxn modelId="{E01D6BAD-1F3D-4117-8225-13C0F453A4B9}" srcId="{CA66EB0D-A93F-42D4-8450-E13D0A53542B}" destId="{AAE28DC4-A22B-4B93-9C95-4F087D08F35C}" srcOrd="0" destOrd="0" parTransId="{4DAA60DC-2DC7-4CFF-A490-464DD364E649}" sibTransId="{63B0334B-F787-4A1A-A03D-FCF7D1B4A2D7}"/>
+    <dgm:cxn modelId="{77B0C7CA-C149-4E1E-ACCC-A1755234A63E}" type="presOf" srcId="{6F4E7ADF-1352-4483-A65A-33EA35616EDB}" destId="{2EDB870F-62BE-4B55-A844-62E59BB964D3}" srcOrd="0" destOrd="0" presId="urn:microsoft.com/office/officeart/2005/8/layout/chevron2"/>
+    <dgm:cxn modelId="{E7A20FFF-A31F-4EF6-BAD3-FAE30D83C4EE}" srcId="{FF9A2DC6-DB9A-4923-85EB-9207F8A6BAC0}" destId="{6F4E7ADF-1352-4483-A65A-33EA35616EDB}" srcOrd="0" destOrd="0" parTransId="{48005CC5-5EBB-460E-88BC-9938788C9464}" sibTransId="{75239D41-609F-4E36-8678-E6D5D498FD16}"/>
+    <dgm:cxn modelId="{916D6AE1-D936-4AD2-B419-F8F49200A40A}" type="presOf" srcId="{4C788146-913B-4EE0-9C32-1A4C898DC69B}" destId="{4D96F2C5-7469-48A7-8DC9-0E539BE24082}" srcOrd="0" destOrd="0" presId="urn:microsoft.com/office/officeart/2005/8/layout/chevron2"/>
+    <dgm:cxn modelId="{8ADF8C99-0EE0-4650-A7C1-3994567A905A}" srcId="{C0077EC5-1710-4950-81C2-02F70A7E150B}" destId="{5400EE2D-1C3F-4576-B124-258AF83DEE21}" srcOrd="0" destOrd="0" parTransId="{F30F621B-C98B-4286-A026-A911EBD6A33D}" sibTransId="{65B86EB9-46CE-4255-9353-D47E50032199}"/>
+    <dgm:cxn modelId="{7DE65859-EB7A-48EC-907B-5B08006F2C06}" srcId="{FF9A2DC6-DB9A-4923-85EB-9207F8A6BAC0}" destId="{27548531-11F6-44EF-8C1A-C8A3F6A12567}" srcOrd="2" destOrd="0" parTransId="{7BD4A20F-C792-4056-9655-F030BD932FC0}" sibTransId="{459DD959-100D-4F42-AF1A-9150CF277916}"/>
+    <dgm:cxn modelId="{4C8147B9-0EE9-47F7-A96C-389EC583D0DA}" srcId="{FF9A2DC6-DB9A-4923-85EB-9207F8A6BAC0}" destId="{663B893B-959A-422B-98ED-D31A4F579564}" srcOrd="3" destOrd="0" parTransId="{DBEF19E4-901A-49CF-B3E0-8E5D6BC45283}" sibTransId="{D41A6B47-C02B-4F00-A8BE-82187D46E77E}"/>
+    <dgm:cxn modelId="{4C9DBD17-9D11-498B-9D38-7CA84AEFA574}" type="presOf" srcId="{17307D99-B5AC-4022-A3A3-1AA7B2122834}" destId="{DB40B450-C5E7-4B85-A6B0-4D763583D259}" srcOrd="0" destOrd="0" presId="urn:microsoft.com/office/officeart/2005/8/layout/chevron2"/>
+    <dgm:cxn modelId="{F426A1EC-F26F-4DAA-8D8F-389D2186F3F4}" type="presParOf" srcId="{DD38E141-06A5-4B8E-A069-44B80A20E811}" destId="{7D04FB8B-19F7-43A4-A299-55C99F95CEFF}" srcOrd="0" destOrd="0" presId="urn:microsoft.com/office/officeart/2005/8/layout/chevron2"/>
+    <dgm:cxn modelId="{D16A38C3-5A30-4596-9238-0DCC561FD050}" type="presParOf" srcId="{7D04FB8B-19F7-43A4-A299-55C99F95CEFF}" destId="{DEF18E15-0B8D-436B-93A2-29DF8F3A19EC}" srcOrd="0" destOrd="0" presId="urn:microsoft.com/office/officeart/2005/8/layout/chevron2"/>
+    <dgm:cxn modelId="{3AC74975-1A6A-4053-92B6-2B457390AC64}" type="presParOf" srcId="{7D04FB8B-19F7-43A4-A299-55C99F95CEFF}" destId="{6811D898-C111-42C2-A077-2C02A901C7DC}" srcOrd="1" destOrd="0" presId="urn:microsoft.com/office/officeart/2005/8/layout/chevron2"/>
+    <dgm:cxn modelId="{5194DB60-5314-4C73-924F-624F9EE56B13}" type="presParOf" srcId="{DD38E141-06A5-4B8E-A069-44B80A20E811}" destId="{93C77461-2913-4CD9-AFEB-2AB3D139E5D2}" srcOrd="1" destOrd="0" presId="urn:microsoft.com/office/officeart/2005/8/layout/chevron2"/>
+    <dgm:cxn modelId="{078CA12F-AD44-41D6-8B7C-09397D0A4768}" type="presParOf" srcId="{DD38E141-06A5-4B8E-A069-44B80A20E811}" destId="{1C08C93E-5285-4AC6-AE98-D316CAAB66D3}" srcOrd="2" destOrd="0" presId="urn:microsoft.com/office/officeart/2005/8/layout/chevron2"/>
+    <dgm:cxn modelId="{A7B47302-DF4B-4D30-B73F-A9D178BE780B}" type="presParOf" srcId="{1C08C93E-5285-4AC6-AE98-D316CAAB66D3}" destId="{27FF30B0-81E2-4EC1-A91C-70802FF81894}" srcOrd="0" destOrd="0" presId="urn:microsoft.com/office/officeart/2005/8/layout/chevron2"/>
+    <dgm:cxn modelId="{1E310A7A-DB59-4CEC-94B2-F3472D104765}" type="presParOf" srcId="{1C08C93E-5285-4AC6-AE98-D316CAAB66D3}" destId="{FE4DA7BC-7143-4BAE-A82D-455FD9E5B993}" srcOrd="1" destOrd="0" presId="urn:microsoft.com/office/officeart/2005/8/layout/chevron2"/>
+    <dgm:cxn modelId="{30312295-D39B-4D8F-BBF3-4FAA2F5FFB59}" type="presParOf" srcId="{DD38E141-06A5-4B8E-A069-44B80A20E811}" destId="{7343306D-A210-4913-AFC5-AD3AA6162AAB}" srcOrd="3" destOrd="0" presId="urn:microsoft.com/office/officeart/2005/8/layout/chevron2"/>
+    <dgm:cxn modelId="{2145DE46-0BD9-479C-8D9F-8C9704C57FCD}" type="presParOf" srcId="{DD38E141-06A5-4B8E-A069-44B80A20E811}" destId="{81E18637-5983-43A1-B8A7-F81DE6F9B4CB}" srcOrd="4" destOrd="0" presId="urn:microsoft.com/office/officeart/2005/8/layout/chevron2"/>
+    <dgm:cxn modelId="{5A73425D-0A1D-4F4F-A635-2E306A1860AE}" type="presParOf" srcId="{81E18637-5983-43A1-B8A7-F81DE6F9B4CB}" destId="{15A8B3CB-C900-4304-927B-DB9FCD82D700}" srcOrd="0" destOrd="0" presId="urn:microsoft.com/office/officeart/2005/8/layout/chevron2"/>
+    <dgm:cxn modelId="{EC1D8168-594C-4AE7-A37A-1B111FCAE64F}" type="presParOf" srcId="{81E18637-5983-43A1-B8A7-F81DE6F9B4CB}" destId="{2EDB870F-62BE-4B55-A844-62E59BB964D3}" srcOrd="1" destOrd="0" presId="urn:microsoft.com/office/officeart/2005/8/layout/chevron2"/>
+    <dgm:cxn modelId="{43BAA9D1-B7C4-4488-8F52-A3F56FE3051A}" type="presParOf" srcId="{DD38E141-06A5-4B8E-A069-44B80A20E811}" destId="{267E1824-2A04-4B46-97AA-BDC921CE65D5}" srcOrd="5" destOrd="0" presId="urn:microsoft.com/office/officeart/2005/8/layout/chevron2"/>
+    <dgm:cxn modelId="{FE22D049-BA77-40CB-8C7B-AF994941375A}" type="presParOf" srcId="{DD38E141-06A5-4B8E-A069-44B80A20E811}" destId="{31E4C558-42A1-46DC-A39E-EC84CA587C58}" srcOrd="6" destOrd="0" presId="urn:microsoft.com/office/officeart/2005/8/layout/chevron2"/>
+    <dgm:cxn modelId="{3C400877-BB8E-45E2-9D2A-D4A50816DB35}" type="presParOf" srcId="{31E4C558-42A1-46DC-A39E-EC84CA587C58}" destId="{DB40B450-C5E7-4B85-A6B0-4D763583D259}" srcOrd="0" destOrd="0" presId="urn:microsoft.com/office/officeart/2005/8/layout/chevron2"/>
+    <dgm:cxn modelId="{A1153579-BD9D-4E93-A22F-BA7F9A78FE1E}" type="presParOf" srcId="{31E4C558-42A1-46DC-A39E-EC84CA587C58}" destId="{31DD6389-5B03-417E-B4D0-6FAF4A990FA0}" srcOrd="1" destOrd="0" presId="urn:microsoft.com/office/officeart/2005/8/layout/chevron2"/>
+    <dgm:cxn modelId="{D05D9BAB-6A10-4CB3-A2F3-53F1B6FDA546}" type="presParOf" srcId="{DD38E141-06A5-4B8E-A069-44B80A20E811}" destId="{75EBCA09-9880-420F-BE56-E302BA736F0E}" srcOrd="7" destOrd="0" presId="urn:microsoft.com/office/officeart/2005/8/layout/chevron2"/>
+    <dgm:cxn modelId="{2E7DD7F4-1213-438B-B9C6-49339C0288D4}" type="presParOf" srcId="{DD38E141-06A5-4B8E-A069-44B80A20E811}" destId="{0E59FC3B-1FE8-4BC8-9438-7623CEB3B10B}" srcOrd="8" destOrd="0" presId="urn:microsoft.com/office/officeart/2005/8/layout/chevron2"/>
+    <dgm:cxn modelId="{9C3F276F-09AD-40CB-BDBD-DEBF87810C4B}" type="presParOf" srcId="{0E59FC3B-1FE8-4BC8-9438-7623CEB3B10B}" destId="{4D96F2C5-7469-48A7-8DC9-0E539BE24082}" srcOrd="0" destOrd="0" presId="urn:microsoft.com/office/officeart/2005/8/layout/chevron2"/>
+    <dgm:cxn modelId="{F8241E0E-0C39-4AD1-AE74-7AE48E4E288A}" type="presParOf" srcId="{0E59FC3B-1FE8-4BC8-9438-7623CEB3B10B}" destId="{B38CB224-B23B-41AB-B772-B5156B5FA090}" srcOrd="1" destOrd="0" presId="urn:microsoft.com/office/officeart/2005/8/layout/chevron2"/>
   </dgm:cxnLst>
   <dgm:bg/>
   <dgm:whole/>
@@ -3488,6 +6055,1201 @@
       <dsp:txXfrm>
         <a:off x="5553468" y="2704733"/>
         <a:ext cx="2294604" cy="1147302"/>
+      </dsp:txXfrm>
+    </dsp:sp>
+  </dsp:spTree>
+</dsp:drawing>
+</file>
+
+<file path=ppt/diagrams/drawing3.xml><?xml version="1.0" encoding="utf-8"?>
+<dsp:drawing xmlns:dgm="http://schemas.openxmlformats.org/drawingml/2006/diagram" xmlns:a="http://schemas.openxmlformats.org/drawingml/2006/main" xmlns:dsp="http://schemas.microsoft.com/office/drawing/2008/diagram">
+  <dsp:spTree>
+    <dsp:nvGrpSpPr>
+      <dsp:cNvPr id="0" name=""/>
+      <dsp:cNvGrpSpPr/>
+    </dsp:nvGrpSpPr>
+    <dsp:grpSpPr/>
+    <dsp:sp modelId="{9B505BF4-973C-46CC-8959-1B7633973B88}">
+      <dsp:nvSpPr>
+        <dsp:cNvPr id="0" name=""/>
+        <dsp:cNvSpPr/>
+      </dsp:nvSpPr>
+      <dsp:spPr>
+        <a:xfrm rot="5400000">
+          <a:off x="-421146" y="421485"/>
+          <a:ext cx="2807642" cy="1965349"/>
+        </a:xfrm>
+        <a:prstGeom prst="chevron">
+          <a:avLst/>
+        </a:prstGeom>
+        <a:solidFill>
+          <a:schemeClr val="accent1">
+            <a:hueOff val="0"/>
+            <a:satOff val="0"/>
+            <a:lumOff val="0"/>
+            <a:alphaOff val="0"/>
+          </a:schemeClr>
+        </a:solidFill>
+        <a:ln w="25400" cap="flat" cmpd="sng" algn="ctr">
+          <a:solidFill>
+            <a:schemeClr val="accent1">
+              <a:hueOff val="0"/>
+              <a:satOff val="0"/>
+              <a:lumOff val="0"/>
+              <a:alphaOff val="0"/>
+            </a:schemeClr>
+          </a:solidFill>
+          <a:prstDash val="solid"/>
+        </a:ln>
+        <a:effectLst/>
+      </dsp:spPr>
+      <dsp:style>
+        <a:lnRef idx="2">
+          <a:scrgbClr r="0" g="0" b="0"/>
+        </a:lnRef>
+        <a:fillRef idx="1">
+          <a:scrgbClr r="0" g="0" b="0"/>
+        </a:fillRef>
+        <a:effectRef idx="0">
+          <a:scrgbClr r="0" g="0" b="0"/>
+        </a:effectRef>
+        <a:fontRef idx="minor">
+          <a:schemeClr val="lt1"/>
+        </a:fontRef>
+      </dsp:style>
+      <dsp:txBody>
+        <a:bodyPr spcFirstLastPara="0" vert="horz" wrap="square" lIns="19050" tIns="19050" rIns="19050" bIns="19050" numCol="1" spcCol="1270" anchor="ctr" anchorCtr="0">
+          <a:noAutofit/>
+        </a:bodyPr>
+        <a:lstStyle/>
+        <a:p>
+          <a:pPr lvl="0" algn="ctr" defTabSz="1333500">
+            <a:lnSpc>
+              <a:spcPct val="90000"/>
+            </a:lnSpc>
+            <a:spcBef>
+              <a:spcPct val="0"/>
+            </a:spcBef>
+            <a:spcAft>
+              <a:spcPct val="35000"/>
+            </a:spcAft>
+          </a:pPr>
+          <a:r>
+            <a:rPr lang="en-US" sz="3000" kern="1200" dirty="0" smtClean="0"/>
+            <a:t>Data Forwarding</a:t>
+          </a:r>
+          <a:endParaRPr lang="en-US" sz="3000" kern="1200" dirty="0"/>
+        </a:p>
+      </dsp:txBody>
+      <dsp:txXfrm rot="5400000">
+        <a:off x="-421146" y="421485"/>
+        <a:ext cx="2807642" cy="1965349"/>
+      </dsp:txXfrm>
+    </dsp:sp>
+    <dsp:sp modelId="{82FBDEAA-ABDC-4D78-816C-79063DA88E1C}">
+      <dsp:nvSpPr>
+        <dsp:cNvPr id="0" name=""/>
+        <dsp:cNvSpPr/>
+      </dsp:nvSpPr>
+      <dsp:spPr>
+        <a:xfrm rot="5400000">
+          <a:off x="4261191" y="-2295501"/>
+          <a:ext cx="1824967" cy="6416650"/>
+        </a:xfrm>
+        <a:prstGeom prst="round2SameRect">
+          <a:avLst/>
+        </a:prstGeom>
+        <a:solidFill>
+          <a:schemeClr val="lt1">
+            <a:alpha val="90000"/>
+            <a:hueOff val="0"/>
+            <a:satOff val="0"/>
+            <a:lumOff val="0"/>
+            <a:alphaOff val="0"/>
+          </a:schemeClr>
+        </a:solidFill>
+        <a:ln w="25400" cap="flat" cmpd="sng" algn="ctr">
+          <a:solidFill>
+            <a:schemeClr val="accent1">
+              <a:hueOff val="0"/>
+              <a:satOff val="0"/>
+              <a:lumOff val="0"/>
+              <a:alphaOff val="0"/>
+            </a:schemeClr>
+          </a:solidFill>
+          <a:prstDash val="solid"/>
+        </a:ln>
+        <a:effectLst/>
+      </dsp:spPr>
+      <dsp:style>
+        <a:lnRef idx="2">
+          <a:scrgbClr r="0" g="0" b="0"/>
+        </a:lnRef>
+        <a:fillRef idx="1">
+          <a:scrgbClr r="0" g="0" b="0"/>
+        </a:fillRef>
+        <a:effectRef idx="0">
+          <a:scrgbClr r="0" g="0" b="0"/>
+        </a:effectRef>
+        <a:fontRef idx="minor"/>
+      </dsp:style>
+      <dsp:txBody>
+        <a:bodyPr spcFirstLastPara="0" vert="horz" wrap="square" lIns="120904" tIns="10795" rIns="10795" bIns="10795" numCol="1" spcCol="1270" anchor="ctr" anchorCtr="0">
+          <a:noAutofit/>
+        </a:bodyPr>
+        <a:lstStyle/>
+        <a:p>
+          <a:pPr marL="171450" lvl="1" indent="-171450" algn="l" defTabSz="755650">
+            <a:lnSpc>
+              <a:spcPct val="90000"/>
+            </a:lnSpc>
+            <a:spcBef>
+              <a:spcPct val="0"/>
+            </a:spcBef>
+            <a:spcAft>
+              <a:spcPct val="15000"/>
+            </a:spcAft>
+            <a:buChar char="••"/>
+          </a:pPr>
+          <a:r>
+            <a:rPr lang="en-US" sz="1700" b="0" i="0" kern="1200" dirty="0" smtClean="0"/>
+            <a:t>If these two </a:t>
+          </a:r>
+          <a:r>
+            <a:rPr lang="en-US" sz="1700" b="0" i="0" kern="1200" dirty="0" smtClean="0">
+              <a:hlinkClick xmlns:r="http://schemas.openxmlformats.org/officeDocument/2006/relationships" r:id="rId1" tooltip="Assembly language"/>
+            </a:rPr>
+            <a:t>assembly</a:t>
+          </a:r>
+          <a:r>
+            <a:rPr lang="en-US" sz="1700" b="0" i="0" kern="1200" dirty="0" smtClean="0"/>
+            <a:t> </a:t>
+          </a:r>
+          <a:r>
+            <a:rPr lang="en-US" sz="1700" b="0" i="0" kern="1200" dirty="0" err="1" smtClean="0"/>
+            <a:t>pseudocode</a:t>
+          </a:r>
+          <a:r>
+            <a:rPr lang="en-US" sz="1700" b="0" i="0" kern="1200" dirty="0" smtClean="0"/>
+            <a:t> instructions run in a pipeline, after fetching and decoding the second instruction, the pipeline stalls, waiting until the result of the addition is written and read.</a:t>
+          </a:r>
+          <a:endParaRPr lang="en-US" sz="1700" kern="1200" dirty="0"/>
+        </a:p>
+      </dsp:txBody>
+      <dsp:txXfrm rot="5400000">
+        <a:off x="4261191" y="-2295501"/>
+        <a:ext cx="1824967" cy="6416650"/>
+      </dsp:txXfrm>
+    </dsp:sp>
+    <dsp:sp modelId="{F5C97CEC-AA40-4A82-A288-47AB3C8230AE}">
+      <dsp:nvSpPr>
+        <dsp:cNvPr id="0" name=""/>
+        <dsp:cNvSpPr/>
+      </dsp:nvSpPr>
+      <dsp:spPr>
+        <a:xfrm rot="5400000">
+          <a:off x="-421146" y="2947503"/>
+          <a:ext cx="2807642" cy="1965349"/>
+        </a:xfrm>
+        <a:prstGeom prst="chevron">
+          <a:avLst/>
+        </a:prstGeom>
+        <a:solidFill>
+          <a:schemeClr val="accent1">
+            <a:hueOff val="0"/>
+            <a:satOff val="0"/>
+            <a:lumOff val="0"/>
+            <a:alphaOff val="0"/>
+          </a:schemeClr>
+        </a:solidFill>
+        <a:ln w="25400" cap="flat" cmpd="sng" algn="ctr">
+          <a:solidFill>
+            <a:schemeClr val="accent1">
+              <a:hueOff val="0"/>
+              <a:satOff val="0"/>
+              <a:lumOff val="0"/>
+              <a:alphaOff val="0"/>
+            </a:schemeClr>
+          </a:solidFill>
+          <a:prstDash val="solid"/>
+        </a:ln>
+        <a:effectLst/>
+      </dsp:spPr>
+      <dsp:style>
+        <a:lnRef idx="2">
+          <a:scrgbClr r="0" g="0" b="0"/>
+        </a:lnRef>
+        <a:fillRef idx="1">
+          <a:scrgbClr r="0" g="0" b="0"/>
+        </a:fillRef>
+        <a:effectRef idx="0">
+          <a:scrgbClr r="0" g="0" b="0"/>
+        </a:effectRef>
+        <a:fontRef idx="minor">
+          <a:schemeClr val="lt1"/>
+        </a:fontRef>
+      </dsp:style>
+      <dsp:txBody>
+        <a:bodyPr spcFirstLastPara="0" vert="horz" wrap="square" lIns="19050" tIns="19050" rIns="19050" bIns="19050" numCol="1" spcCol="1270" anchor="ctr" anchorCtr="0">
+          <a:noAutofit/>
+        </a:bodyPr>
+        <a:lstStyle/>
+        <a:p>
+          <a:pPr lvl="0" algn="ctr" defTabSz="1333500">
+            <a:lnSpc>
+              <a:spcPct val="90000"/>
+            </a:lnSpc>
+            <a:spcBef>
+              <a:spcPct val="0"/>
+            </a:spcBef>
+            <a:spcAft>
+              <a:spcPct val="35000"/>
+            </a:spcAft>
+          </a:pPr>
+          <a:r>
+            <a:rPr lang="en-US" sz="3000" kern="1200" dirty="0" smtClean="0"/>
+            <a:t>Pipe Line bubbling</a:t>
+          </a:r>
+          <a:endParaRPr lang="en-US" sz="3000" kern="1200" dirty="0"/>
+        </a:p>
+      </dsp:txBody>
+      <dsp:txXfrm rot="5400000">
+        <a:off x="-421146" y="2947503"/>
+        <a:ext cx="2807642" cy="1965349"/>
+      </dsp:txXfrm>
+    </dsp:sp>
+    <dsp:sp modelId="{F79FECFD-A9D6-4F0A-B697-FED0972B216B}">
+      <dsp:nvSpPr>
+        <dsp:cNvPr id="0" name=""/>
+        <dsp:cNvSpPr/>
+      </dsp:nvSpPr>
+      <dsp:spPr>
+        <a:xfrm rot="5400000">
+          <a:off x="4261191" y="218752"/>
+          <a:ext cx="1824967" cy="6416650"/>
+        </a:xfrm>
+        <a:prstGeom prst="round2SameRect">
+          <a:avLst/>
+        </a:prstGeom>
+        <a:solidFill>
+          <a:schemeClr val="lt1">
+            <a:alpha val="90000"/>
+            <a:hueOff val="0"/>
+            <a:satOff val="0"/>
+            <a:lumOff val="0"/>
+            <a:alphaOff val="0"/>
+          </a:schemeClr>
+        </a:solidFill>
+        <a:ln w="25400" cap="flat" cmpd="sng" algn="ctr">
+          <a:solidFill>
+            <a:schemeClr val="accent1">
+              <a:hueOff val="0"/>
+              <a:satOff val="0"/>
+              <a:lumOff val="0"/>
+              <a:alphaOff val="0"/>
+            </a:schemeClr>
+          </a:solidFill>
+          <a:prstDash val="solid"/>
+        </a:ln>
+        <a:effectLst/>
+      </dsp:spPr>
+      <dsp:style>
+        <a:lnRef idx="2">
+          <a:scrgbClr r="0" g="0" b="0"/>
+        </a:lnRef>
+        <a:fillRef idx="1">
+          <a:scrgbClr r="0" g="0" b="0"/>
+        </a:fillRef>
+        <a:effectRef idx="0">
+          <a:scrgbClr r="0" g="0" b="0"/>
+        </a:effectRef>
+        <a:fontRef idx="minor"/>
+      </dsp:style>
+      <dsp:txBody>
+        <a:bodyPr spcFirstLastPara="0" vert="horz" wrap="square" lIns="120904" tIns="10795" rIns="10795" bIns="10795" numCol="1" spcCol="1270" anchor="ctr" anchorCtr="0">
+          <a:noAutofit/>
+        </a:bodyPr>
+        <a:lstStyle/>
+        <a:p>
+          <a:pPr marL="171450" lvl="1" indent="-171450" algn="l" defTabSz="755650">
+            <a:lnSpc>
+              <a:spcPct val="90000"/>
+            </a:lnSpc>
+            <a:spcBef>
+              <a:spcPct val="0"/>
+            </a:spcBef>
+            <a:spcAft>
+              <a:spcPct val="15000"/>
+            </a:spcAft>
+            <a:buChar char="••"/>
+          </a:pPr>
+          <a:r>
+            <a:rPr lang="en-US" sz="1700" b="0" i="0" kern="1200" dirty="0" smtClean="0"/>
+            <a:t>Is a method to preclude data, structural, and branch </a:t>
+          </a:r>
+          <a:r>
+            <a:rPr lang="en-US" sz="1700" b="0" i="0" kern="1200" dirty="0" err="1" smtClean="0"/>
+            <a:t>hazards.As</a:t>
+          </a:r>
+          <a:r>
+            <a:rPr lang="en-US" sz="1700" b="0" i="0" kern="1200" dirty="0" smtClean="0"/>
+            <a:t> instructions are fetched, control logic determines whether a hazard could/will occur. If this is true, then the control logic inserts s (</a:t>
+          </a:r>
+          <a:r>
+            <a:rPr lang="en-US" sz="1700" kern="1200" dirty="0" smtClean="0">
+              <a:hlinkClick xmlns:r="http://schemas.openxmlformats.org/officeDocument/2006/relationships" r:id="rId2" tooltip="NOP"/>
+            </a:rPr>
+            <a:t>NOP</a:t>
+          </a:r>
+          <a:r>
+            <a:rPr lang="en-US" sz="1700" b="0" i="0" kern="1200" dirty="0" smtClean="0"/>
+            <a:t>s) into the pipeline. Thus, before the next instruction (which would cause the hazard) executes, the prior one will have had sufficient time to finish and prevent the hazard.</a:t>
+          </a:r>
+          <a:endParaRPr lang="en-US" sz="1700" kern="1200" dirty="0"/>
+        </a:p>
+      </dsp:txBody>
+      <dsp:txXfrm rot="5400000">
+        <a:off x="4261191" y="218752"/>
+        <a:ext cx="1824967" cy="6416650"/>
+      </dsp:txXfrm>
+    </dsp:sp>
+  </dsp:spTree>
+</dsp:drawing>
+</file>
+
+<file path=ppt/diagrams/drawing4.xml><?xml version="1.0" encoding="utf-8"?>
+<dsp:drawing xmlns:dgm="http://schemas.openxmlformats.org/drawingml/2006/diagram" xmlns:a="http://schemas.openxmlformats.org/drawingml/2006/main" xmlns:dsp="http://schemas.microsoft.com/office/drawing/2008/diagram">
+  <dsp:spTree>
+    <dsp:nvGrpSpPr>
+      <dsp:cNvPr id="0" name=""/>
+      <dsp:cNvGrpSpPr/>
+    </dsp:nvGrpSpPr>
+    <dsp:grpSpPr/>
+    <dsp:sp modelId="{DEF18E15-0B8D-436B-93A2-29DF8F3A19EC}">
+      <dsp:nvSpPr>
+        <dsp:cNvPr id="0" name=""/>
+        <dsp:cNvSpPr/>
+      </dsp:nvSpPr>
+      <dsp:spPr>
+        <a:xfrm rot="5400000">
+          <a:off x="-169286" y="171992"/>
+          <a:ext cx="1128576" cy="790003"/>
+        </a:xfrm>
+        <a:prstGeom prst="chevron">
+          <a:avLst/>
+        </a:prstGeom>
+        <a:solidFill>
+          <a:schemeClr val="accent1">
+            <a:hueOff val="0"/>
+            <a:satOff val="0"/>
+            <a:lumOff val="0"/>
+            <a:alphaOff val="0"/>
+          </a:schemeClr>
+        </a:solidFill>
+        <a:ln w="25400" cap="flat" cmpd="sng" algn="ctr">
+          <a:solidFill>
+            <a:schemeClr val="accent1">
+              <a:hueOff val="0"/>
+              <a:satOff val="0"/>
+              <a:lumOff val="0"/>
+              <a:alphaOff val="0"/>
+            </a:schemeClr>
+          </a:solidFill>
+          <a:prstDash val="solid"/>
+        </a:ln>
+        <a:effectLst/>
+      </dsp:spPr>
+      <dsp:style>
+        <a:lnRef idx="2">
+          <a:scrgbClr r="0" g="0" b="0"/>
+        </a:lnRef>
+        <a:fillRef idx="1">
+          <a:scrgbClr r="0" g="0" b="0"/>
+        </a:fillRef>
+        <a:effectRef idx="0">
+          <a:scrgbClr r="0" g="0" b="0"/>
+        </a:effectRef>
+        <a:fontRef idx="minor">
+          <a:schemeClr val="lt1"/>
+        </a:fontRef>
+      </dsp:style>
+      <dsp:txBody>
+        <a:bodyPr spcFirstLastPara="0" vert="horz" wrap="square" lIns="7620" tIns="7620" rIns="7620" bIns="7620" numCol="1" spcCol="1270" anchor="ctr" anchorCtr="0">
+          <a:noAutofit/>
+        </a:bodyPr>
+        <a:lstStyle/>
+        <a:p>
+          <a:pPr lvl="0" algn="ctr" defTabSz="533400">
+            <a:lnSpc>
+              <a:spcPct val="90000"/>
+            </a:lnSpc>
+            <a:spcBef>
+              <a:spcPct val="0"/>
+            </a:spcBef>
+            <a:spcAft>
+              <a:spcPct val="35000"/>
+            </a:spcAft>
+          </a:pPr>
+          <a:r>
+            <a:rPr lang="en-US" sz="1200" kern="1200" dirty="0" smtClean="0"/>
+            <a:t>Fetch</a:t>
+          </a:r>
+          <a:endParaRPr lang="en-US" sz="1200" kern="1200" dirty="0"/>
+        </a:p>
+      </dsp:txBody>
+      <dsp:txXfrm rot="5400000">
+        <a:off x="-169286" y="171992"/>
+        <a:ext cx="1128576" cy="790003"/>
+      </dsp:txXfrm>
+    </dsp:sp>
+    <dsp:sp modelId="{6811D898-C111-42C2-A077-2C02A901C7DC}">
+      <dsp:nvSpPr>
+        <dsp:cNvPr id="0" name=""/>
+        <dsp:cNvSpPr/>
+      </dsp:nvSpPr>
+      <dsp:spPr>
+        <a:xfrm rot="5400000">
+          <a:off x="4257314" y="-3464605"/>
+          <a:ext cx="733574" cy="7668196"/>
+        </a:xfrm>
+        <a:prstGeom prst="round2SameRect">
+          <a:avLst/>
+        </a:prstGeom>
+        <a:solidFill>
+          <a:schemeClr val="lt1">
+            <a:alpha val="90000"/>
+            <a:hueOff val="0"/>
+            <a:satOff val="0"/>
+            <a:lumOff val="0"/>
+            <a:alphaOff val="0"/>
+          </a:schemeClr>
+        </a:solidFill>
+        <a:ln w="25400" cap="flat" cmpd="sng" algn="ctr">
+          <a:solidFill>
+            <a:schemeClr val="accent1">
+              <a:hueOff val="0"/>
+              <a:satOff val="0"/>
+              <a:lumOff val="0"/>
+              <a:alphaOff val="0"/>
+            </a:schemeClr>
+          </a:solidFill>
+          <a:prstDash val="solid"/>
+        </a:ln>
+        <a:effectLst/>
+      </dsp:spPr>
+      <dsp:style>
+        <a:lnRef idx="2">
+          <a:scrgbClr r="0" g="0" b="0"/>
+        </a:lnRef>
+        <a:fillRef idx="1">
+          <a:scrgbClr r="0" g="0" b="0"/>
+        </a:fillRef>
+        <a:effectRef idx="0">
+          <a:scrgbClr r="0" g="0" b="0"/>
+        </a:effectRef>
+        <a:fontRef idx="minor"/>
+      </dsp:style>
+      <dsp:txBody>
+        <a:bodyPr spcFirstLastPara="0" vert="horz" wrap="square" lIns="199136" tIns="17780" rIns="17780" bIns="17780" numCol="1" spcCol="1270" anchor="ctr" anchorCtr="0">
+          <a:noAutofit/>
+        </a:bodyPr>
+        <a:lstStyle/>
+        <a:p>
+          <a:pPr marL="285750" lvl="1" indent="-285750" algn="l" defTabSz="1244600">
+            <a:lnSpc>
+              <a:spcPct val="90000"/>
+            </a:lnSpc>
+            <a:spcBef>
+              <a:spcPct val="0"/>
+            </a:spcBef>
+            <a:spcAft>
+              <a:spcPct val="15000"/>
+            </a:spcAft>
+            <a:buChar char="••"/>
+          </a:pPr>
+          <a:r>
+            <a:rPr lang="en-US" sz="2800" kern="1200" dirty="0" smtClean="0"/>
+            <a:t>Instruction is fetched from memory (</a:t>
+          </a:r>
+          <a:r>
+            <a:rPr lang="en-US" sz="2800" b="1" kern="1200" dirty="0" smtClean="0"/>
+            <a:t>Bus</a:t>
+          </a:r>
+          <a:r>
+            <a:rPr lang="en-US" sz="2800" kern="1200" dirty="0" smtClean="0"/>
+            <a:t>)</a:t>
+          </a:r>
+          <a:endParaRPr lang="en-US" sz="2800" kern="1200" dirty="0"/>
+        </a:p>
+      </dsp:txBody>
+      <dsp:txXfrm rot="5400000">
+        <a:off x="4257314" y="-3464605"/>
+        <a:ext cx="733574" cy="7668196"/>
+      </dsp:txXfrm>
+    </dsp:sp>
+    <dsp:sp modelId="{27FF30B0-81E2-4EC1-A91C-70802FF81894}">
+      <dsp:nvSpPr>
+        <dsp:cNvPr id="0" name=""/>
+        <dsp:cNvSpPr/>
+      </dsp:nvSpPr>
+      <dsp:spPr>
+        <a:xfrm rot="5400000">
+          <a:off x="-169286" y="1183895"/>
+          <a:ext cx="1128576" cy="790003"/>
+        </a:xfrm>
+        <a:prstGeom prst="chevron">
+          <a:avLst/>
+        </a:prstGeom>
+        <a:solidFill>
+          <a:schemeClr val="accent1">
+            <a:hueOff val="0"/>
+            <a:satOff val="0"/>
+            <a:lumOff val="0"/>
+            <a:alphaOff val="0"/>
+          </a:schemeClr>
+        </a:solidFill>
+        <a:ln w="25400" cap="flat" cmpd="sng" algn="ctr">
+          <a:solidFill>
+            <a:schemeClr val="accent1">
+              <a:hueOff val="0"/>
+              <a:satOff val="0"/>
+              <a:lumOff val="0"/>
+              <a:alphaOff val="0"/>
+            </a:schemeClr>
+          </a:solidFill>
+          <a:prstDash val="solid"/>
+        </a:ln>
+        <a:effectLst/>
+      </dsp:spPr>
+      <dsp:style>
+        <a:lnRef idx="2">
+          <a:scrgbClr r="0" g="0" b="0"/>
+        </a:lnRef>
+        <a:fillRef idx="1">
+          <a:scrgbClr r="0" g="0" b="0"/>
+        </a:fillRef>
+        <a:effectRef idx="0">
+          <a:scrgbClr r="0" g="0" b="0"/>
+        </a:effectRef>
+        <a:fontRef idx="minor">
+          <a:schemeClr val="lt1"/>
+        </a:fontRef>
+      </dsp:style>
+      <dsp:txBody>
+        <a:bodyPr spcFirstLastPara="0" vert="horz" wrap="square" lIns="7620" tIns="7620" rIns="7620" bIns="7620" numCol="1" spcCol="1270" anchor="ctr" anchorCtr="0">
+          <a:noAutofit/>
+        </a:bodyPr>
+        <a:lstStyle/>
+        <a:p>
+          <a:pPr lvl="0" algn="ctr" defTabSz="533400">
+            <a:lnSpc>
+              <a:spcPct val="90000"/>
+            </a:lnSpc>
+            <a:spcBef>
+              <a:spcPct val="0"/>
+            </a:spcBef>
+            <a:spcAft>
+              <a:spcPct val="35000"/>
+            </a:spcAft>
+          </a:pPr>
+          <a:r>
+            <a:rPr lang="en-US" sz="1200" kern="1200" dirty="0" smtClean="0"/>
+            <a:t>Decode</a:t>
+          </a:r>
+          <a:endParaRPr lang="en-US" sz="1200" kern="1200" dirty="0"/>
+        </a:p>
+      </dsp:txBody>
+      <dsp:txXfrm rot="5400000">
+        <a:off x="-169286" y="1183895"/>
+        <a:ext cx="1128576" cy="790003"/>
+      </dsp:txXfrm>
+    </dsp:sp>
+    <dsp:sp modelId="{FE4DA7BC-7143-4BAE-A82D-455FD9E5B993}">
+      <dsp:nvSpPr>
+        <dsp:cNvPr id="0" name=""/>
+        <dsp:cNvSpPr/>
+      </dsp:nvSpPr>
+      <dsp:spPr>
+        <a:xfrm rot="5400000">
+          <a:off x="4257314" y="-2452702"/>
+          <a:ext cx="733574" cy="7668196"/>
+        </a:xfrm>
+        <a:prstGeom prst="round2SameRect">
+          <a:avLst/>
+        </a:prstGeom>
+        <a:solidFill>
+          <a:schemeClr val="lt1">
+            <a:alpha val="90000"/>
+            <a:hueOff val="0"/>
+            <a:satOff val="0"/>
+            <a:lumOff val="0"/>
+            <a:alphaOff val="0"/>
+          </a:schemeClr>
+        </a:solidFill>
+        <a:ln w="25400" cap="flat" cmpd="sng" algn="ctr">
+          <a:solidFill>
+            <a:schemeClr val="accent1">
+              <a:hueOff val="0"/>
+              <a:satOff val="0"/>
+              <a:lumOff val="0"/>
+              <a:alphaOff val="0"/>
+            </a:schemeClr>
+          </a:solidFill>
+          <a:prstDash val="solid"/>
+        </a:ln>
+        <a:effectLst/>
+      </dsp:spPr>
+      <dsp:style>
+        <a:lnRef idx="2">
+          <a:scrgbClr r="0" g="0" b="0"/>
+        </a:lnRef>
+        <a:fillRef idx="1">
+          <a:scrgbClr r="0" g="0" b="0"/>
+        </a:fillRef>
+        <a:effectRef idx="0">
+          <a:scrgbClr r="0" g="0" b="0"/>
+        </a:effectRef>
+        <a:fontRef idx="minor"/>
+      </dsp:style>
+      <dsp:txBody>
+        <a:bodyPr spcFirstLastPara="0" vert="horz" wrap="square" lIns="170688" tIns="15240" rIns="15240" bIns="15240" numCol="1" spcCol="1270" anchor="ctr" anchorCtr="0">
+          <a:noAutofit/>
+        </a:bodyPr>
+        <a:lstStyle/>
+        <a:p>
+          <a:pPr marL="228600" lvl="1" indent="-228600" algn="l" defTabSz="1066800">
+            <a:lnSpc>
+              <a:spcPct val="90000"/>
+            </a:lnSpc>
+            <a:spcBef>
+              <a:spcPct val="0"/>
+            </a:spcBef>
+            <a:spcAft>
+              <a:spcPct val="15000"/>
+            </a:spcAft>
+            <a:buChar char="••"/>
+          </a:pPr>
+          <a:r>
+            <a:rPr lang="en-US" sz="2400" kern="1200" dirty="0" smtClean="0"/>
+            <a:t>Instruction is decoded using hard wire </a:t>
+          </a:r>
+          <a:r>
+            <a:rPr lang="en-US" sz="2400" b="1" kern="1200" dirty="0" smtClean="0"/>
+            <a:t>Decoder</a:t>
+          </a:r>
+          <a:endParaRPr lang="en-US" sz="2400" kern="1200" dirty="0"/>
+        </a:p>
+      </dsp:txBody>
+      <dsp:txXfrm rot="5400000">
+        <a:off x="4257314" y="-2452702"/>
+        <a:ext cx="733574" cy="7668196"/>
+      </dsp:txXfrm>
+    </dsp:sp>
+    <dsp:sp modelId="{15A8B3CB-C900-4304-927B-DB9FCD82D700}">
+      <dsp:nvSpPr>
+        <dsp:cNvPr id="0" name=""/>
+        <dsp:cNvSpPr/>
+      </dsp:nvSpPr>
+      <dsp:spPr>
+        <a:xfrm rot="5400000">
+          <a:off x="-169286" y="2195798"/>
+          <a:ext cx="1128576" cy="790003"/>
+        </a:xfrm>
+        <a:prstGeom prst="chevron">
+          <a:avLst/>
+        </a:prstGeom>
+        <a:solidFill>
+          <a:schemeClr val="accent1">
+            <a:hueOff val="0"/>
+            <a:satOff val="0"/>
+            <a:lumOff val="0"/>
+            <a:alphaOff val="0"/>
+          </a:schemeClr>
+        </a:solidFill>
+        <a:ln w="25400" cap="flat" cmpd="sng" algn="ctr">
+          <a:solidFill>
+            <a:schemeClr val="accent1">
+              <a:hueOff val="0"/>
+              <a:satOff val="0"/>
+              <a:lumOff val="0"/>
+              <a:alphaOff val="0"/>
+            </a:schemeClr>
+          </a:solidFill>
+          <a:prstDash val="solid"/>
+        </a:ln>
+        <a:effectLst/>
+      </dsp:spPr>
+      <dsp:style>
+        <a:lnRef idx="2">
+          <a:scrgbClr r="0" g="0" b="0"/>
+        </a:lnRef>
+        <a:fillRef idx="1">
+          <a:scrgbClr r="0" g="0" b="0"/>
+        </a:fillRef>
+        <a:effectRef idx="0">
+          <a:scrgbClr r="0" g="0" b="0"/>
+        </a:effectRef>
+        <a:fontRef idx="minor">
+          <a:schemeClr val="lt1"/>
+        </a:fontRef>
+      </dsp:style>
+      <dsp:txBody>
+        <a:bodyPr spcFirstLastPara="0" vert="horz" wrap="square" lIns="7620" tIns="7620" rIns="7620" bIns="7620" numCol="1" spcCol="1270" anchor="ctr" anchorCtr="0">
+          <a:noAutofit/>
+        </a:bodyPr>
+        <a:lstStyle/>
+        <a:p>
+          <a:pPr lvl="0" algn="ctr" defTabSz="533400">
+            <a:lnSpc>
+              <a:spcPct val="90000"/>
+            </a:lnSpc>
+            <a:spcBef>
+              <a:spcPct val="0"/>
+            </a:spcBef>
+            <a:spcAft>
+              <a:spcPct val="35000"/>
+            </a:spcAft>
+          </a:pPr>
+          <a:r>
+            <a:rPr lang="en-US" sz="1200" kern="1200" dirty="0" smtClean="0"/>
+            <a:t>Execute</a:t>
+          </a:r>
+          <a:endParaRPr lang="en-US" sz="1200" kern="1200" dirty="0"/>
+        </a:p>
+      </dsp:txBody>
+      <dsp:txXfrm rot="5400000">
+        <a:off x="-169286" y="2195798"/>
+        <a:ext cx="1128576" cy="790003"/>
+      </dsp:txXfrm>
+    </dsp:sp>
+    <dsp:sp modelId="{2EDB870F-62BE-4B55-A844-62E59BB964D3}">
+      <dsp:nvSpPr>
+        <dsp:cNvPr id="0" name=""/>
+        <dsp:cNvSpPr/>
+      </dsp:nvSpPr>
+      <dsp:spPr>
+        <a:xfrm rot="5400000">
+          <a:off x="4257314" y="-1440799"/>
+          <a:ext cx="733574" cy="7668196"/>
+        </a:xfrm>
+        <a:prstGeom prst="round2SameRect">
+          <a:avLst/>
+        </a:prstGeom>
+        <a:solidFill>
+          <a:schemeClr val="lt1">
+            <a:alpha val="90000"/>
+            <a:hueOff val="0"/>
+            <a:satOff val="0"/>
+            <a:lumOff val="0"/>
+            <a:alphaOff val="0"/>
+          </a:schemeClr>
+        </a:solidFill>
+        <a:ln w="25400" cap="flat" cmpd="sng" algn="ctr">
+          <a:solidFill>
+            <a:schemeClr val="accent1">
+              <a:hueOff val="0"/>
+              <a:satOff val="0"/>
+              <a:lumOff val="0"/>
+              <a:alphaOff val="0"/>
+            </a:schemeClr>
+          </a:solidFill>
+          <a:prstDash val="solid"/>
+        </a:ln>
+        <a:effectLst/>
+      </dsp:spPr>
+      <dsp:style>
+        <a:lnRef idx="2">
+          <a:scrgbClr r="0" g="0" b="0"/>
+        </a:lnRef>
+        <a:fillRef idx="1">
+          <a:scrgbClr r="0" g="0" b="0"/>
+        </a:fillRef>
+        <a:effectRef idx="0">
+          <a:scrgbClr r="0" g="0" b="0"/>
+        </a:effectRef>
+        <a:fontRef idx="minor"/>
+      </dsp:style>
+      <dsp:txBody>
+        <a:bodyPr spcFirstLastPara="0" vert="horz" wrap="square" lIns="170688" tIns="15240" rIns="15240" bIns="15240" numCol="1" spcCol="1270" anchor="ctr" anchorCtr="0">
+          <a:noAutofit/>
+        </a:bodyPr>
+        <a:lstStyle/>
+        <a:p>
+          <a:pPr marL="57150" lvl="1" indent="-57150" algn="l" defTabSz="444500">
+            <a:lnSpc>
+              <a:spcPct val="90000"/>
+            </a:lnSpc>
+            <a:spcBef>
+              <a:spcPct val="0"/>
+            </a:spcBef>
+            <a:spcAft>
+              <a:spcPct val="15000"/>
+            </a:spcAft>
+            <a:buChar char="••"/>
+          </a:pPr>
+          <a:endParaRPr lang="en-US" sz="1000" kern="1200"/>
+        </a:p>
+        <a:p>
+          <a:pPr marL="228600" lvl="1" indent="-228600" algn="l" defTabSz="1066800">
+            <a:lnSpc>
+              <a:spcPct val="90000"/>
+            </a:lnSpc>
+            <a:spcBef>
+              <a:spcPct val="0"/>
+            </a:spcBef>
+            <a:spcAft>
+              <a:spcPct val="15000"/>
+            </a:spcAft>
+            <a:buChar char="••"/>
+          </a:pPr>
+          <a:r>
+            <a:rPr lang="en-US" sz="2400" kern="1200" dirty="0" smtClean="0"/>
+            <a:t>Instruction is executed – through the data path</a:t>
+          </a:r>
+          <a:endParaRPr lang="en-US" sz="2400" kern="1200" dirty="0"/>
+        </a:p>
+        <a:p>
+          <a:pPr marL="57150" lvl="1" indent="-57150" algn="l" defTabSz="444500">
+            <a:lnSpc>
+              <a:spcPct val="90000"/>
+            </a:lnSpc>
+            <a:spcBef>
+              <a:spcPct val="0"/>
+            </a:spcBef>
+            <a:spcAft>
+              <a:spcPct val="15000"/>
+            </a:spcAft>
+            <a:buChar char="••"/>
+          </a:pPr>
+          <a:endParaRPr lang="en-US" sz="1000" kern="1200" dirty="0"/>
+        </a:p>
+        <a:p>
+          <a:pPr marL="57150" lvl="1" indent="-57150" algn="l" defTabSz="444500">
+            <a:lnSpc>
+              <a:spcPct val="90000"/>
+            </a:lnSpc>
+            <a:spcBef>
+              <a:spcPct val="0"/>
+            </a:spcBef>
+            <a:spcAft>
+              <a:spcPct val="15000"/>
+            </a:spcAft>
+            <a:buChar char="••"/>
+          </a:pPr>
+          <a:endParaRPr lang="en-US" sz="1000" kern="1200" dirty="0"/>
+        </a:p>
+      </dsp:txBody>
+      <dsp:txXfrm rot="5400000">
+        <a:off x="4257314" y="-1440799"/>
+        <a:ext cx="733574" cy="7668196"/>
+      </dsp:txXfrm>
+    </dsp:sp>
+    <dsp:sp modelId="{DB40B450-C5E7-4B85-A6B0-4D763583D259}">
+      <dsp:nvSpPr>
+        <dsp:cNvPr id="0" name=""/>
+        <dsp:cNvSpPr/>
+      </dsp:nvSpPr>
+      <dsp:spPr>
+        <a:xfrm rot="5400000">
+          <a:off x="-169286" y="3207701"/>
+          <a:ext cx="1128576" cy="790003"/>
+        </a:xfrm>
+        <a:prstGeom prst="chevron">
+          <a:avLst/>
+        </a:prstGeom>
+        <a:solidFill>
+          <a:schemeClr val="accent1">
+            <a:hueOff val="0"/>
+            <a:satOff val="0"/>
+            <a:lumOff val="0"/>
+            <a:alphaOff val="0"/>
+          </a:schemeClr>
+        </a:solidFill>
+        <a:ln w="25400" cap="flat" cmpd="sng" algn="ctr">
+          <a:solidFill>
+            <a:schemeClr val="accent1">
+              <a:hueOff val="0"/>
+              <a:satOff val="0"/>
+              <a:lumOff val="0"/>
+              <a:alphaOff val="0"/>
+            </a:schemeClr>
+          </a:solidFill>
+          <a:prstDash val="solid"/>
+        </a:ln>
+        <a:effectLst/>
+      </dsp:spPr>
+      <dsp:style>
+        <a:lnRef idx="2">
+          <a:scrgbClr r="0" g="0" b="0"/>
+        </a:lnRef>
+        <a:fillRef idx="1">
+          <a:scrgbClr r="0" g="0" b="0"/>
+        </a:fillRef>
+        <a:effectRef idx="0">
+          <a:scrgbClr r="0" g="0" b="0"/>
+        </a:effectRef>
+        <a:fontRef idx="minor">
+          <a:schemeClr val="lt1"/>
+        </a:fontRef>
+      </dsp:style>
+      <dsp:txBody>
+        <a:bodyPr spcFirstLastPara="0" vert="horz" wrap="square" lIns="7620" tIns="7620" rIns="7620" bIns="7620" numCol="1" spcCol="1270" anchor="ctr" anchorCtr="0">
+          <a:noAutofit/>
+        </a:bodyPr>
+        <a:lstStyle/>
+        <a:p>
+          <a:pPr lvl="0" algn="ctr" defTabSz="533400">
+            <a:lnSpc>
+              <a:spcPct val="90000"/>
+            </a:lnSpc>
+            <a:spcBef>
+              <a:spcPct val="0"/>
+            </a:spcBef>
+            <a:spcAft>
+              <a:spcPct val="35000"/>
+            </a:spcAft>
+          </a:pPr>
+          <a:r>
+            <a:rPr lang="en-US" sz="1200" kern="1200" dirty="0" smtClean="0"/>
+            <a:t>Memory</a:t>
+          </a:r>
+          <a:endParaRPr lang="en-US" sz="1200" kern="1200" dirty="0"/>
+        </a:p>
+      </dsp:txBody>
+      <dsp:txXfrm rot="5400000">
+        <a:off x="-169286" y="3207701"/>
+        <a:ext cx="1128576" cy="790003"/>
+      </dsp:txXfrm>
+    </dsp:sp>
+    <dsp:sp modelId="{31DD6389-5B03-417E-B4D0-6FAF4A990FA0}">
+      <dsp:nvSpPr>
+        <dsp:cNvPr id="0" name=""/>
+        <dsp:cNvSpPr/>
+      </dsp:nvSpPr>
+      <dsp:spPr>
+        <a:xfrm rot="5400000">
+          <a:off x="4257314" y="-428896"/>
+          <a:ext cx="733574" cy="7668196"/>
+        </a:xfrm>
+        <a:prstGeom prst="round2SameRect">
+          <a:avLst/>
+        </a:prstGeom>
+        <a:solidFill>
+          <a:schemeClr val="lt1">
+            <a:alpha val="90000"/>
+            <a:hueOff val="0"/>
+            <a:satOff val="0"/>
+            <a:lumOff val="0"/>
+            <a:alphaOff val="0"/>
+          </a:schemeClr>
+        </a:solidFill>
+        <a:ln w="25400" cap="flat" cmpd="sng" algn="ctr">
+          <a:solidFill>
+            <a:schemeClr val="accent1">
+              <a:hueOff val="0"/>
+              <a:satOff val="0"/>
+              <a:lumOff val="0"/>
+              <a:alphaOff val="0"/>
+            </a:schemeClr>
+          </a:solidFill>
+          <a:prstDash val="solid"/>
+        </a:ln>
+        <a:effectLst/>
+      </dsp:spPr>
+      <dsp:style>
+        <a:lnRef idx="2">
+          <a:scrgbClr r="0" g="0" b="0"/>
+        </a:lnRef>
+        <a:fillRef idx="1">
+          <a:scrgbClr r="0" g="0" b="0"/>
+        </a:fillRef>
+        <a:effectRef idx="0">
+          <a:scrgbClr r="0" g="0" b="0"/>
+        </a:effectRef>
+        <a:fontRef idx="minor"/>
+      </dsp:style>
+      <dsp:txBody>
+        <a:bodyPr spcFirstLastPara="0" vert="horz" wrap="square" lIns="199136" tIns="17780" rIns="17780" bIns="17780" numCol="1" spcCol="1270" anchor="ctr" anchorCtr="0">
+          <a:noAutofit/>
+        </a:bodyPr>
+        <a:lstStyle/>
+        <a:p>
+          <a:pPr marL="285750" lvl="1" indent="-285750" algn="l" defTabSz="1244600">
+            <a:lnSpc>
+              <a:spcPct val="90000"/>
+            </a:lnSpc>
+            <a:spcBef>
+              <a:spcPct val="0"/>
+            </a:spcBef>
+            <a:spcAft>
+              <a:spcPct val="15000"/>
+            </a:spcAft>
+            <a:buChar char="••"/>
+          </a:pPr>
+          <a:r>
+            <a:rPr lang="en-US" sz="2800" kern="1200" dirty="0" smtClean="0"/>
+            <a:t>Memory Access ( Results written to memory)</a:t>
+          </a:r>
+          <a:endParaRPr lang="en-US" sz="2800" kern="1200" dirty="0"/>
+        </a:p>
+      </dsp:txBody>
+      <dsp:txXfrm rot="5400000">
+        <a:off x="4257314" y="-428896"/>
+        <a:ext cx="733574" cy="7668196"/>
+      </dsp:txXfrm>
+    </dsp:sp>
+    <dsp:sp modelId="{4D96F2C5-7469-48A7-8DC9-0E539BE24082}">
+      <dsp:nvSpPr>
+        <dsp:cNvPr id="0" name=""/>
+        <dsp:cNvSpPr/>
+      </dsp:nvSpPr>
+      <dsp:spPr>
+        <a:xfrm rot="5400000">
+          <a:off x="-169286" y="4219604"/>
+          <a:ext cx="1128576" cy="790003"/>
+        </a:xfrm>
+        <a:prstGeom prst="chevron">
+          <a:avLst/>
+        </a:prstGeom>
+        <a:solidFill>
+          <a:schemeClr val="accent1">
+            <a:hueOff val="0"/>
+            <a:satOff val="0"/>
+            <a:lumOff val="0"/>
+            <a:alphaOff val="0"/>
+          </a:schemeClr>
+        </a:solidFill>
+        <a:ln w="25400" cap="flat" cmpd="sng" algn="ctr">
+          <a:solidFill>
+            <a:schemeClr val="accent1">
+              <a:hueOff val="0"/>
+              <a:satOff val="0"/>
+              <a:lumOff val="0"/>
+              <a:alphaOff val="0"/>
+            </a:schemeClr>
+          </a:solidFill>
+          <a:prstDash val="solid"/>
+        </a:ln>
+        <a:effectLst/>
+      </dsp:spPr>
+      <dsp:style>
+        <a:lnRef idx="2">
+          <a:scrgbClr r="0" g="0" b="0"/>
+        </a:lnRef>
+        <a:fillRef idx="1">
+          <a:scrgbClr r="0" g="0" b="0"/>
+        </a:fillRef>
+        <a:effectRef idx="0">
+          <a:scrgbClr r="0" g="0" b="0"/>
+        </a:effectRef>
+        <a:fontRef idx="minor">
+          <a:schemeClr val="lt1"/>
+        </a:fontRef>
+      </dsp:style>
+      <dsp:txBody>
+        <a:bodyPr spcFirstLastPara="0" vert="horz" wrap="square" lIns="7620" tIns="7620" rIns="7620" bIns="7620" numCol="1" spcCol="1270" anchor="ctr" anchorCtr="0">
+          <a:noAutofit/>
+        </a:bodyPr>
+        <a:lstStyle/>
+        <a:p>
+          <a:pPr lvl="0" algn="ctr" defTabSz="533400">
+            <a:lnSpc>
+              <a:spcPct val="90000"/>
+            </a:lnSpc>
+            <a:spcBef>
+              <a:spcPct val="0"/>
+            </a:spcBef>
+            <a:spcAft>
+              <a:spcPct val="35000"/>
+            </a:spcAft>
+          </a:pPr>
+          <a:r>
+            <a:rPr lang="en-US" sz="1200" kern="1200" dirty="0" smtClean="0"/>
+            <a:t>Register write back</a:t>
+          </a:r>
+          <a:endParaRPr lang="en-US" sz="1200" kern="1200" dirty="0"/>
+        </a:p>
+      </dsp:txBody>
+      <dsp:txXfrm rot="5400000">
+        <a:off x="-169286" y="4219604"/>
+        <a:ext cx="1128576" cy="790003"/>
+      </dsp:txXfrm>
+    </dsp:sp>
+    <dsp:sp modelId="{B38CB224-B23B-41AB-B772-B5156B5FA090}">
+      <dsp:nvSpPr>
+        <dsp:cNvPr id="0" name=""/>
+        <dsp:cNvSpPr/>
+      </dsp:nvSpPr>
+      <dsp:spPr>
+        <a:xfrm rot="5400000">
+          <a:off x="4257314" y="583007"/>
+          <a:ext cx="733574" cy="7668196"/>
+        </a:xfrm>
+        <a:prstGeom prst="round2SameRect">
+          <a:avLst/>
+        </a:prstGeom>
+        <a:solidFill>
+          <a:schemeClr val="lt1">
+            <a:alpha val="90000"/>
+            <a:hueOff val="0"/>
+            <a:satOff val="0"/>
+            <a:lumOff val="0"/>
+            <a:alphaOff val="0"/>
+          </a:schemeClr>
+        </a:solidFill>
+        <a:ln w="25400" cap="flat" cmpd="sng" algn="ctr">
+          <a:solidFill>
+            <a:schemeClr val="accent1">
+              <a:hueOff val="0"/>
+              <a:satOff val="0"/>
+              <a:lumOff val="0"/>
+              <a:alphaOff val="0"/>
+            </a:schemeClr>
+          </a:solidFill>
+          <a:prstDash val="solid"/>
+        </a:ln>
+        <a:effectLst/>
+      </dsp:spPr>
+      <dsp:style>
+        <a:lnRef idx="2">
+          <a:scrgbClr r="0" g="0" b="0"/>
+        </a:lnRef>
+        <a:fillRef idx="1">
+          <a:scrgbClr r="0" g="0" b="0"/>
+        </a:fillRef>
+        <a:effectRef idx="0">
+          <a:scrgbClr r="0" g="0" b="0"/>
+        </a:effectRef>
+        <a:fontRef idx="minor"/>
+      </dsp:style>
+      <dsp:txBody>
+        <a:bodyPr spcFirstLastPara="0" vert="horz" wrap="square" lIns="199136" tIns="17780" rIns="17780" bIns="17780" numCol="1" spcCol="1270" anchor="ctr" anchorCtr="0">
+          <a:noAutofit/>
+        </a:bodyPr>
+        <a:lstStyle/>
+        <a:p>
+          <a:pPr marL="285750" lvl="1" indent="-285750" algn="l" defTabSz="1244600">
+            <a:lnSpc>
+              <a:spcPct val="90000"/>
+            </a:lnSpc>
+            <a:spcBef>
+              <a:spcPct val="0"/>
+            </a:spcBef>
+            <a:spcAft>
+              <a:spcPct val="15000"/>
+            </a:spcAft>
+            <a:buChar char="••"/>
+          </a:pPr>
+          <a:r>
+            <a:rPr lang="en-US" sz="2800" kern="1200" dirty="0" smtClean="0"/>
+            <a:t>Results written back to memory</a:t>
+          </a:r>
+          <a:endParaRPr lang="en-US" sz="2800" kern="1200" dirty="0"/>
+        </a:p>
+      </dsp:txBody>
+      <dsp:txXfrm rot="5400000">
+        <a:off x="4257314" y="583007"/>
+        <a:ext cx="733574" cy="7668196"/>
       </dsp:txXfrm>
     </dsp:sp>
   </dsp:spTree>
@@ -4896,6 +8658,518 @@
 </dgm:layoutDef>
 </file>
 
+<file path=ppt/diagrams/layout3.xml><?xml version="1.0" encoding="utf-8"?>
+<dgm:layoutDef xmlns:dgm="http://schemas.openxmlformats.org/drawingml/2006/diagram" xmlns:a="http://schemas.openxmlformats.org/drawingml/2006/main" uniqueId="urn:microsoft.com/office/officeart/2005/8/layout/chevron2">
+  <dgm:title val=""/>
+  <dgm:desc val=""/>
+  <dgm:catLst>
+    <dgm:cat type="process" pri="12000"/>
+    <dgm:cat type="list" pri="16000"/>
+    <dgm:cat type="convert" pri="11000"/>
+  </dgm:catLst>
+  <dgm:sampData>
+    <dgm:dataModel>
+      <dgm:ptLst>
+        <dgm:pt modelId="0" type="doc"/>
+        <dgm:pt modelId="1">
+          <dgm:prSet phldr="1"/>
+        </dgm:pt>
+        <dgm:pt modelId="11">
+          <dgm:prSet phldr="1"/>
+        </dgm:pt>
+        <dgm:pt modelId="12">
+          <dgm:prSet phldr="1"/>
+        </dgm:pt>
+        <dgm:pt modelId="2">
+          <dgm:prSet phldr="1"/>
+        </dgm:pt>
+        <dgm:pt modelId="21">
+          <dgm:prSet phldr="1"/>
+        </dgm:pt>
+        <dgm:pt modelId="22">
+          <dgm:prSet phldr="1"/>
+        </dgm:pt>
+        <dgm:pt modelId="3">
+          <dgm:prSet phldr="1"/>
+        </dgm:pt>
+        <dgm:pt modelId="31">
+          <dgm:prSet phldr="1"/>
+        </dgm:pt>
+        <dgm:pt modelId="32">
+          <dgm:prSet phldr="1"/>
+        </dgm:pt>
+      </dgm:ptLst>
+      <dgm:cxnLst>
+        <dgm:cxn modelId="4" srcId="0" destId="1" srcOrd="0" destOrd="0"/>
+        <dgm:cxn modelId="5" srcId="0" destId="2" srcOrd="1" destOrd="0"/>
+        <dgm:cxn modelId="6" srcId="0" destId="3" srcOrd="2" destOrd="0"/>
+        <dgm:cxn modelId="13" srcId="1" destId="11" srcOrd="0" destOrd="0"/>
+        <dgm:cxn modelId="14" srcId="1" destId="12" srcOrd="1" destOrd="0"/>
+        <dgm:cxn modelId="23" srcId="2" destId="21" srcOrd="0" destOrd="0"/>
+        <dgm:cxn modelId="24" srcId="2" destId="22" srcOrd="1" destOrd="0"/>
+        <dgm:cxn modelId="33" srcId="3" destId="31" srcOrd="0" destOrd="0"/>
+        <dgm:cxn modelId="34" srcId="3" destId="32" srcOrd="1" destOrd="0"/>
+      </dgm:cxnLst>
+      <dgm:bg/>
+      <dgm:whole/>
+    </dgm:dataModel>
+  </dgm:sampData>
+  <dgm:styleData>
+    <dgm:dataModel>
+      <dgm:ptLst>
+        <dgm:pt modelId="0" type="doc"/>
+        <dgm:pt modelId="1"/>
+      </dgm:ptLst>
+      <dgm:cxnLst>
+        <dgm:cxn modelId="4" srcId="0" destId="1" srcOrd="0" destOrd="0"/>
+      </dgm:cxnLst>
+      <dgm:bg/>
+      <dgm:whole/>
+    </dgm:dataModel>
+  </dgm:styleData>
+  <dgm:clrData>
+    <dgm:dataModel>
+      <dgm:ptLst>
+        <dgm:pt modelId="0" type="doc"/>
+        <dgm:pt modelId="1"/>
+        <dgm:pt modelId="11"/>
+        <dgm:pt modelId="2"/>
+        <dgm:pt modelId="21"/>
+        <dgm:pt modelId="3"/>
+        <dgm:pt modelId="31"/>
+        <dgm:pt modelId="4"/>
+        <dgm:pt modelId="41"/>
+      </dgm:ptLst>
+      <dgm:cxnLst>
+        <dgm:cxn modelId="5" srcId="0" destId="1" srcOrd="0" destOrd="0"/>
+        <dgm:cxn modelId="6" srcId="0" destId="2" srcOrd="1" destOrd="0"/>
+        <dgm:cxn modelId="7" srcId="0" destId="3" srcOrd="2" destOrd="0"/>
+        <dgm:cxn modelId="8" srcId="0" destId="4" srcOrd="3" destOrd="0"/>
+        <dgm:cxn modelId="13" srcId="1" destId="11" srcOrd="0" destOrd="0"/>
+        <dgm:cxn modelId="23" srcId="2" destId="21" srcOrd="0" destOrd="0"/>
+        <dgm:cxn modelId="33" srcId="3" destId="31" srcOrd="0" destOrd="0"/>
+        <dgm:cxn modelId="43" srcId="4" destId="41" srcOrd="0" destOrd="0"/>
+      </dgm:cxnLst>
+      <dgm:bg/>
+      <dgm:whole/>
+    </dgm:dataModel>
+  </dgm:clrData>
+  <dgm:layoutNode name="linearFlow">
+    <dgm:varLst>
+      <dgm:dir/>
+      <dgm:animLvl val="lvl"/>
+      <dgm:resizeHandles val="exact"/>
+    </dgm:varLst>
+    <dgm:alg type="lin">
+      <dgm:param type="linDir" val="fromT"/>
+      <dgm:param type="nodeHorzAlign" val="l"/>
+    </dgm:alg>
+    <dgm:shape xmlns:r="http://schemas.openxmlformats.org/officeDocument/2006/relationships" r:blip="">
+      <dgm:adjLst/>
+    </dgm:shape>
+    <dgm:presOf/>
+    <dgm:constrLst>
+      <dgm:constr type="h" for="ch" forName="composite" refType="h"/>
+      <dgm:constr type="w" for="ch" forName="composite" refType="w"/>
+      <dgm:constr type="h" for="des" forName="parentText" op="equ"/>
+      <dgm:constr type="h" for="ch" forName="sp" val="-14.88"/>
+      <dgm:constr type="h" for="ch" forName="sp" refType="w" refFor="des" refForName="parentText" op="gte" fact="-0.3"/>
+      <dgm:constr type="primFontSz" for="des" forName="parentText" op="equ" val="65"/>
+      <dgm:constr type="primFontSz" for="des" forName="descendantText" op="equ" val="65"/>
+    </dgm:constrLst>
+    <dgm:ruleLst/>
+    <dgm:forEach name="Name0" axis="ch" ptType="node">
+      <dgm:layoutNode name="composite">
+        <dgm:alg type="composite"/>
+        <dgm:shape xmlns:r="http://schemas.openxmlformats.org/officeDocument/2006/relationships" r:blip="">
+          <dgm:adjLst/>
+        </dgm:shape>
+        <dgm:presOf/>
+        <dgm:choose name="Name1">
+          <dgm:if name="Name2" func="var" arg="dir" op="equ" val="norm">
+            <dgm:constrLst>
+              <dgm:constr type="t" for="ch" forName="parentText"/>
+              <dgm:constr type="l" for="ch" forName="parentText"/>
+              <dgm:constr type="w" for="ch" forName="parentText" refType="w" fact="0.4"/>
+              <dgm:constr type="h" for="ch" forName="parentText" refType="h"/>
+              <dgm:constr type="w" for="ch" forName="parentText" refType="w" op="lte" fact="0.5"/>
+              <dgm:constr type="w" for="ch" forName="parentText" refType="h" refFor="ch" refForName="parentText" op="lte" fact="0.7"/>
+              <dgm:constr type="h" for="ch" forName="parentText" refType="w" refFor="ch" refForName="parentText" op="lte" fact="3"/>
+              <dgm:constr type="l" for="ch" forName="descendantText" refType="w" refFor="ch" refForName="parentText"/>
+              <dgm:constr type="w" for="ch" forName="descendantText" refType="w"/>
+              <dgm:constr type="wOff" for="ch" forName="descendantText" refType="w" refFor="ch" refForName="parentText" fact="-1"/>
+              <dgm:constr type="t" for="ch" forName="descendantText"/>
+              <dgm:constr type="b" for="ch" forName="descendantText" refType="h" refFor="ch" refForName="parentText"/>
+              <dgm:constr type="bOff" for="ch" forName="descendantText" refType="w" refFor="ch" refForName="parentText" fact="-0.5"/>
+            </dgm:constrLst>
+          </dgm:if>
+          <dgm:else name="Name3">
+            <dgm:constrLst>
+              <dgm:constr type="t" for="ch" forName="parentText"/>
+              <dgm:constr type="r" for="ch" forName="parentText" refType="w"/>
+              <dgm:constr type="w" for="ch" forName="parentText" refType="w" fact="0.4"/>
+              <dgm:constr type="h" for="ch" forName="parentText" refType="h"/>
+              <dgm:constr type="w" for="ch" forName="parentText" refType="w" op="lte" fact="0.5"/>
+              <dgm:constr type="w" for="ch" forName="parentText" refType="h" refFor="ch" refForName="parentText" op="lte" fact="0.7"/>
+              <dgm:constr type="h" for="ch" forName="parentText" refType="w" refFor="ch" refForName="parentText" op="lte" fact="3"/>
+              <dgm:constr type="l" for="ch" forName="descendantText"/>
+              <dgm:constr type="w" for="ch" forName="descendantText" refType="w"/>
+              <dgm:constr type="wOff" for="ch" forName="descendantText" refType="w" refFor="ch" refForName="parentText" fact="-1"/>
+              <dgm:constr type="t" for="ch" forName="descendantText"/>
+              <dgm:constr type="b" for="ch" forName="descendantText" refType="h" refFor="ch" refForName="parentText"/>
+              <dgm:constr type="bOff" for="ch" forName="descendantText" refType="w" refFor="ch" refForName="parentText" fact="-0.5"/>
+            </dgm:constrLst>
+          </dgm:else>
+        </dgm:choose>
+        <dgm:ruleLst/>
+        <dgm:layoutNode name="parentText" styleLbl="alignNode1">
+          <dgm:varLst>
+            <dgm:chMax val="1"/>
+            <dgm:bulletEnabled val="1"/>
+          </dgm:varLst>
+          <dgm:alg type="tx"/>
+          <dgm:shape xmlns:r="http://schemas.openxmlformats.org/officeDocument/2006/relationships" rot="90" type="chevron" r:blip="">
+            <dgm:adjLst/>
+          </dgm:shape>
+          <dgm:presOf axis="self" ptType="node"/>
+          <dgm:constrLst>
+            <dgm:constr type="lMarg" refType="primFontSz" fact="0.05"/>
+            <dgm:constr type="rMarg" refType="primFontSz" fact="0.05"/>
+            <dgm:constr type="tMarg" refType="primFontSz" fact="0.05"/>
+            <dgm:constr type="bMarg" refType="primFontSz" fact="0.05"/>
+          </dgm:constrLst>
+          <dgm:ruleLst>
+            <dgm:rule type="h" val="100" fact="NaN" max="NaN"/>
+            <dgm:rule type="primFontSz" val="24" fact="NaN" max="NaN"/>
+            <dgm:rule type="h" val="110" fact="NaN" max="NaN"/>
+            <dgm:rule type="primFontSz" val="18" fact="NaN" max="NaN"/>
+            <dgm:rule type="h" val="INF" fact="NaN" max="NaN"/>
+            <dgm:rule type="primFontSz" val="5" fact="NaN" max="NaN"/>
+          </dgm:ruleLst>
+        </dgm:layoutNode>
+        <dgm:layoutNode name="descendantText" styleLbl="alignAcc1">
+          <dgm:varLst>
+            <dgm:bulletEnabled val="1"/>
+          </dgm:varLst>
+          <dgm:choose name="Name4">
+            <dgm:if name="Name5" func="var" arg="dir" op="equ" val="norm">
+              <dgm:alg type="tx">
+                <dgm:param type="stBulletLvl" val="1"/>
+                <dgm:param type="txAnchorVertCh" val="mid"/>
+              </dgm:alg>
+              <dgm:shape xmlns:r="http://schemas.openxmlformats.org/officeDocument/2006/relationships" rot="90" type="round2SameRect" r:blip="">
+                <dgm:adjLst/>
+              </dgm:shape>
+            </dgm:if>
+            <dgm:else name="Name6">
+              <dgm:alg type="tx">
+                <dgm:param type="stBulletLvl" val="1"/>
+                <dgm:param type="txAnchorVertCh" val="mid"/>
+              </dgm:alg>
+              <dgm:shape xmlns:r="http://schemas.openxmlformats.org/officeDocument/2006/relationships" rot="-90" type="round2SameRect" r:blip="">
+                <dgm:adjLst/>
+              </dgm:shape>
+            </dgm:else>
+          </dgm:choose>
+          <dgm:presOf axis="des" ptType="node"/>
+          <dgm:choose name="Name7">
+            <dgm:if name="Name8" func="var" arg="dir" op="equ" val="norm">
+              <dgm:constrLst>
+                <dgm:constr type="secFontSz" refType="primFontSz"/>
+                <dgm:constr type="tMarg" refType="primFontSz" fact="0.05"/>
+                <dgm:constr type="bMarg" refType="primFontSz" fact="0.05"/>
+                <dgm:constr type="rMarg" refType="primFontSz" fact="0.05"/>
+              </dgm:constrLst>
+            </dgm:if>
+            <dgm:else name="Name9">
+              <dgm:constrLst>
+                <dgm:constr type="secFontSz" refType="primFontSz"/>
+                <dgm:constr type="tMarg" refType="primFontSz" fact="0.05"/>
+                <dgm:constr type="bMarg" refType="primFontSz" fact="0.05"/>
+                <dgm:constr type="lMarg" refType="primFontSz" fact="0.05"/>
+              </dgm:constrLst>
+            </dgm:else>
+          </dgm:choose>
+          <dgm:ruleLst>
+            <dgm:rule type="primFontSz" val="5" fact="NaN" max="NaN"/>
+          </dgm:ruleLst>
+        </dgm:layoutNode>
+      </dgm:layoutNode>
+      <dgm:forEach name="Name10" axis="followSib" ptType="sibTrans" cnt="1">
+        <dgm:layoutNode name="sp">
+          <dgm:alg type="sp"/>
+          <dgm:shape xmlns:r="http://schemas.openxmlformats.org/officeDocument/2006/relationships" r:blip="">
+            <dgm:adjLst/>
+          </dgm:shape>
+          <dgm:presOf axis="self"/>
+          <dgm:constrLst>
+            <dgm:constr type="w" val="1"/>
+            <dgm:constr type="h" val="37.5"/>
+          </dgm:constrLst>
+          <dgm:ruleLst/>
+        </dgm:layoutNode>
+      </dgm:forEach>
+    </dgm:forEach>
+  </dgm:layoutNode>
+</dgm:layoutDef>
+</file>
+
+<file path=ppt/diagrams/layout4.xml><?xml version="1.0" encoding="utf-8"?>
+<dgm:layoutDef xmlns:dgm="http://schemas.openxmlformats.org/drawingml/2006/diagram" xmlns:a="http://schemas.openxmlformats.org/drawingml/2006/main" uniqueId="urn:microsoft.com/office/officeart/2005/8/layout/chevron2">
+  <dgm:title val=""/>
+  <dgm:desc val=""/>
+  <dgm:catLst>
+    <dgm:cat type="process" pri="12000"/>
+    <dgm:cat type="list" pri="16000"/>
+    <dgm:cat type="convert" pri="11000"/>
+  </dgm:catLst>
+  <dgm:sampData>
+    <dgm:dataModel>
+      <dgm:ptLst>
+        <dgm:pt modelId="0" type="doc"/>
+        <dgm:pt modelId="1">
+          <dgm:prSet phldr="1"/>
+        </dgm:pt>
+        <dgm:pt modelId="11">
+          <dgm:prSet phldr="1"/>
+        </dgm:pt>
+        <dgm:pt modelId="12">
+          <dgm:prSet phldr="1"/>
+        </dgm:pt>
+        <dgm:pt modelId="2">
+          <dgm:prSet phldr="1"/>
+        </dgm:pt>
+        <dgm:pt modelId="21">
+          <dgm:prSet phldr="1"/>
+        </dgm:pt>
+        <dgm:pt modelId="22">
+          <dgm:prSet phldr="1"/>
+        </dgm:pt>
+        <dgm:pt modelId="3">
+          <dgm:prSet phldr="1"/>
+        </dgm:pt>
+        <dgm:pt modelId="31">
+          <dgm:prSet phldr="1"/>
+        </dgm:pt>
+        <dgm:pt modelId="32">
+          <dgm:prSet phldr="1"/>
+        </dgm:pt>
+      </dgm:ptLst>
+      <dgm:cxnLst>
+        <dgm:cxn modelId="4" srcId="0" destId="1" srcOrd="0" destOrd="0"/>
+        <dgm:cxn modelId="5" srcId="0" destId="2" srcOrd="1" destOrd="0"/>
+        <dgm:cxn modelId="6" srcId="0" destId="3" srcOrd="2" destOrd="0"/>
+        <dgm:cxn modelId="13" srcId="1" destId="11" srcOrd="0" destOrd="0"/>
+        <dgm:cxn modelId="14" srcId="1" destId="12" srcOrd="1" destOrd="0"/>
+        <dgm:cxn modelId="23" srcId="2" destId="21" srcOrd="0" destOrd="0"/>
+        <dgm:cxn modelId="24" srcId="2" destId="22" srcOrd="1" destOrd="0"/>
+        <dgm:cxn modelId="33" srcId="3" destId="31" srcOrd="0" destOrd="0"/>
+        <dgm:cxn modelId="34" srcId="3" destId="32" srcOrd="1" destOrd="0"/>
+      </dgm:cxnLst>
+      <dgm:bg/>
+      <dgm:whole/>
+    </dgm:dataModel>
+  </dgm:sampData>
+  <dgm:styleData>
+    <dgm:dataModel>
+      <dgm:ptLst>
+        <dgm:pt modelId="0" type="doc"/>
+        <dgm:pt modelId="1"/>
+      </dgm:ptLst>
+      <dgm:cxnLst>
+        <dgm:cxn modelId="4" srcId="0" destId="1" srcOrd="0" destOrd="0"/>
+      </dgm:cxnLst>
+      <dgm:bg/>
+      <dgm:whole/>
+    </dgm:dataModel>
+  </dgm:styleData>
+  <dgm:clrData>
+    <dgm:dataModel>
+      <dgm:ptLst>
+        <dgm:pt modelId="0" type="doc"/>
+        <dgm:pt modelId="1"/>
+        <dgm:pt modelId="11"/>
+        <dgm:pt modelId="2"/>
+        <dgm:pt modelId="21"/>
+        <dgm:pt modelId="3"/>
+        <dgm:pt modelId="31"/>
+        <dgm:pt modelId="4"/>
+        <dgm:pt modelId="41"/>
+      </dgm:ptLst>
+      <dgm:cxnLst>
+        <dgm:cxn modelId="5" srcId="0" destId="1" srcOrd="0" destOrd="0"/>
+        <dgm:cxn modelId="6" srcId="0" destId="2" srcOrd="1" destOrd="0"/>
+        <dgm:cxn modelId="7" srcId="0" destId="3" srcOrd="2" destOrd="0"/>
+        <dgm:cxn modelId="8" srcId="0" destId="4" srcOrd="3" destOrd="0"/>
+        <dgm:cxn modelId="13" srcId="1" destId="11" srcOrd="0" destOrd="0"/>
+        <dgm:cxn modelId="23" srcId="2" destId="21" srcOrd="0" destOrd="0"/>
+        <dgm:cxn modelId="33" srcId="3" destId="31" srcOrd="0" destOrd="0"/>
+        <dgm:cxn modelId="43" srcId="4" destId="41" srcOrd="0" destOrd="0"/>
+      </dgm:cxnLst>
+      <dgm:bg/>
+      <dgm:whole/>
+    </dgm:dataModel>
+  </dgm:clrData>
+  <dgm:layoutNode name="linearFlow">
+    <dgm:varLst>
+      <dgm:dir/>
+      <dgm:animLvl val="lvl"/>
+      <dgm:resizeHandles val="exact"/>
+    </dgm:varLst>
+    <dgm:alg type="lin">
+      <dgm:param type="linDir" val="fromT"/>
+      <dgm:param type="nodeHorzAlign" val="l"/>
+    </dgm:alg>
+    <dgm:shape xmlns:r="http://schemas.openxmlformats.org/officeDocument/2006/relationships" r:blip="">
+      <dgm:adjLst/>
+    </dgm:shape>
+    <dgm:presOf/>
+    <dgm:constrLst>
+      <dgm:constr type="h" for="ch" forName="composite" refType="h"/>
+      <dgm:constr type="w" for="ch" forName="composite" refType="w"/>
+      <dgm:constr type="h" for="des" forName="parentText" op="equ"/>
+      <dgm:constr type="h" for="ch" forName="sp" val="-14.88"/>
+      <dgm:constr type="h" for="ch" forName="sp" refType="w" refFor="des" refForName="parentText" op="gte" fact="-0.3"/>
+      <dgm:constr type="primFontSz" for="des" forName="parentText" op="equ" val="65"/>
+      <dgm:constr type="primFontSz" for="des" forName="descendantText" op="equ" val="65"/>
+    </dgm:constrLst>
+    <dgm:ruleLst/>
+    <dgm:forEach name="Name0" axis="ch" ptType="node">
+      <dgm:layoutNode name="composite">
+        <dgm:alg type="composite"/>
+        <dgm:shape xmlns:r="http://schemas.openxmlformats.org/officeDocument/2006/relationships" r:blip="">
+          <dgm:adjLst/>
+        </dgm:shape>
+        <dgm:presOf/>
+        <dgm:choose name="Name1">
+          <dgm:if name="Name2" func="var" arg="dir" op="equ" val="norm">
+            <dgm:constrLst>
+              <dgm:constr type="t" for="ch" forName="parentText"/>
+              <dgm:constr type="l" for="ch" forName="parentText"/>
+              <dgm:constr type="w" for="ch" forName="parentText" refType="w" fact="0.4"/>
+              <dgm:constr type="h" for="ch" forName="parentText" refType="h"/>
+              <dgm:constr type="w" for="ch" forName="parentText" refType="w" op="lte" fact="0.5"/>
+              <dgm:constr type="w" for="ch" forName="parentText" refType="h" refFor="ch" refForName="parentText" op="lte" fact="0.7"/>
+              <dgm:constr type="h" for="ch" forName="parentText" refType="w" refFor="ch" refForName="parentText" op="lte" fact="3"/>
+              <dgm:constr type="l" for="ch" forName="descendantText" refType="w" refFor="ch" refForName="parentText"/>
+              <dgm:constr type="w" for="ch" forName="descendantText" refType="w"/>
+              <dgm:constr type="wOff" for="ch" forName="descendantText" refType="w" refFor="ch" refForName="parentText" fact="-1"/>
+              <dgm:constr type="t" for="ch" forName="descendantText"/>
+              <dgm:constr type="b" for="ch" forName="descendantText" refType="h" refFor="ch" refForName="parentText"/>
+              <dgm:constr type="bOff" for="ch" forName="descendantText" refType="w" refFor="ch" refForName="parentText" fact="-0.5"/>
+            </dgm:constrLst>
+          </dgm:if>
+          <dgm:else name="Name3">
+            <dgm:constrLst>
+              <dgm:constr type="t" for="ch" forName="parentText"/>
+              <dgm:constr type="r" for="ch" forName="parentText" refType="w"/>
+              <dgm:constr type="w" for="ch" forName="parentText" refType="w" fact="0.4"/>
+              <dgm:constr type="h" for="ch" forName="parentText" refType="h"/>
+              <dgm:constr type="w" for="ch" forName="parentText" refType="w" op="lte" fact="0.5"/>
+              <dgm:constr type="w" for="ch" forName="parentText" refType="h" refFor="ch" refForName="parentText" op="lte" fact="0.7"/>
+              <dgm:constr type="h" for="ch" forName="parentText" refType="w" refFor="ch" refForName="parentText" op="lte" fact="3"/>
+              <dgm:constr type="l" for="ch" forName="descendantText"/>
+              <dgm:constr type="w" for="ch" forName="descendantText" refType="w"/>
+              <dgm:constr type="wOff" for="ch" forName="descendantText" refType="w" refFor="ch" refForName="parentText" fact="-1"/>
+              <dgm:constr type="t" for="ch" forName="descendantText"/>
+              <dgm:constr type="b" for="ch" forName="descendantText" refType="h" refFor="ch" refForName="parentText"/>
+              <dgm:constr type="bOff" for="ch" forName="descendantText" refType="w" refFor="ch" refForName="parentText" fact="-0.5"/>
+            </dgm:constrLst>
+          </dgm:else>
+        </dgm:choose>
+        <dgm:ruleLst/>
+        <dgm:layoutNode name="parentText" styleLbl="alignNode1">
+          <dgm:varLst>
+            <dgm:chMax val="1"/>
+            <dgm:bulletEnabled val="1"/>
+          </dgm:varLst>
+          <dgm:alg type="tx"/>
+          <dgm:shape xmlns:r="http://schemas.openxmlformats.org/officeDocument/2006/relationships" rot="90" type="chevron" r:blip="">
+            <dgm:adjLst/>
+          </dgm:shape>
+          <dgm:presOf axis="self" ptType="node"/>
+          <dgm:constrLst>
+            <dgm:constr type="lMarg" refType="primFontSz" fact="0.05"/>
+            <dgm:constr type="rMarg" refType="primFontSz" fact="0.05"/>
+            <dgm:constr type="tMarg" refType="primFontSz" fact="0.05"/>
+            <dgm:constr type="bMarg" refType="primFontSz" fact="0.05"/>
+          </dgm:constrLst>
+          <dgm:ruleLst>
+            <dgm:rule type="h" val="100" fact="NaN" max="NaN"/>
+            <dgm:rule type="primFontSz" val="24" fact="NaN" max="NaN"/>
+            <dgm:rule type="h" val="110" fact="NaN" max="NaN"/>
+            <dgm:rule type="primFontSz" val="18" fact="NaN" max="NaN"/>
+            <dgm:rule type="h" val="INF" fact="NaN" max="NaN"/>
+            <dgm:rule type="primFontSz" val="5" fact="NaN" max="NaN"/>
+          </dgm:ruleLst>
+        </dgm:layoutNode>
+        <dgm:layoutNode name="descendantText" styleLbl="alignAcc1">
+          <dgm:varLst>
+            <dgm:bulletEnabled val="1"/>
+          </dgm:varLst>
+          <dgm:choose name="Name4">
+            <dgm:if name="Name5" func="var" arg="dir" op="equ" val="norm">
+              <dgm:alg type="tx">
+                <dgm:param type="stBulletLvl" val="1"/>
+                <dgm:param type="txAnchorVertCh" val="mid"/>
+              </dgm:alg>
+              <dgm:shape xmlns:r="http://schemas.openxmlformats.org/officeDocument/2006/relationships" rot="90" type="round2SameRect" r:blip="">
+                <dgm:adjLst/>
+              </dgm:shape>
+            </dgm:if>
+            <dgm:else name="Name6">
+              <dgm:alg type="tx">
+                <dgm:param type="stBulletLvl" val="1"/>
+                <dgm:param type="txAnchorVertCh" val="mid"/>
+              </dgm:alg>
+              <dgm:shape xmlns:r="http://schemas.openxmlformats.org/officeDocument/2006/relationships" rot="-90" type="round2SameRect" r:blip="">
+                <dgm:adjLst/>
+              </dgm:shape>
+            </dgm:else>
+          </dgm:choose>
+          <dgm:presOf axis="des" ptType="node"/>
+          <dgm:choose name="Name7">
+            <dgm:if name="Name8" func="var" arg="dir" op="equ" val="norm">
+              <dgm:constrLst>
+                <dgm:constr type="secFontSz" refType="primFontSz"/>
+                <dgm:constr type="tMarg" refType="primFontSz" fact="0.05"/>
+                <dgm:constr type="bMarg" refType="primFontSz" fact="0.05"/>
+                <dgm:constr type="rMarg" refType="primFontSz" fact="0.05"/>
+              </dgm:constrLst>
+            </dgm:if>
+            <dgm:else name="Name9">
+              <dgm:constrLst>
+                <dgm:constr type="secFontSz" refType="primFontSz"/>
+                <dgm:constr type="tMarg" refType="primFontSz" fact="0.05"/>
+                <dgm:constr type="bMarg" refType="primFontSz" fact="0.05"/>
+                <dgm:constr type="lMarg" refType="primFontSz" fact="0.05"/>
+              </dgm:constrLst>
+            </dgm:else>
+          </dgm:choose>
+          <dgm:ruleLst>
+            <dgm:rule type="primFontSz" val="5" fact="NaN" max="NaN"/>
+          </dgm:ruleLst>
+        </dgm:layoutNode>
+      </dgm:layoutNode>
+      <dgm:forEach name="Name10" axis="followSib" ptType="sibTrans" cnt="1">
+        <dgm:layoutNode name="sp">
+          <dgm:alg type="sp"/>
+          <dgm:shape xmlns:r="http://schemas.openxmlformats.org/officeDocument/2006/relationships" r:blip="">
+            <dgm:adjLst/>
+          </dgm:shape>
+          <dgm:presOf axis="self"/>
+          <dgm:constrLst>
+            <dgm:constr type="w" val="1"/>
+            <dgm:constr type="h" val="37.5"/>
+          </dgm:constrLst>
+          <dgm:ruleLst/>
+        </dgm:layoutNode>
+      </dgm:forEach>
+    </dgm:forEach>
+  </dgm:layoutNode>
+</dgm:layoutDef>
+</file>
+
 <file path=ppt/diagrams/quickStyle1.xml><?xml version="1.0" encoding="utf-8"?>
 <dgm:styleDef xmlns:dgm="http://schemas.openxmlformats.org/drawingml/2006/diagram" xmlns:a="http://schemas.openxmlformats.org/drawingml/2006/main" uniqueId="urn:microsoft.com/office/officeart/2005/8/quickstyle/simple1">
   <dgm:title val=""/>
@@ -5931,6 +10205,2074 @@
 </file>
 
 <file path=ppt/diagrams/quickStyle2.xml><?xml version="1.0" encoding="utf-8"?>
+<dgm:styleDef xmlns:dgm="http://schemas.openxmlformats.org/drawingml/2006/diagram" xmlns:a="http://schemas.openxmlformats.org/drawingml/2006/main" uniqueId="urn:microsoft.com/office/officeart/2005/8/quickstyle/simple1">
+  <dgm:title val=""/>
+  <dgm:desc val=""/>
+  <dgm:catLst>
+    <dgm:cat type="simple" pri="10100"/>
+  </dgm:catLst>
+  <dgm:scene3d>
+    <a:camera prst="orthographicFront"/>
+    <a:lightRig rig="threePt" dir="t"/>
+  </dgm:scene3d>
+  <dgm:styleLbl name="node0">
+    <dgm:scene3d>
+      <a:camera prst="orthographicFront"/>
+      <a:lightRig rig="threePt" dir="t"/>
+    </dgm:scene3d>
+    <dgm:sp3d/>
+    <dgm:txPr/>
+    <dgm:style>
+      <a:lnRef idx="2">
+        <a:scrgbClr r="0" g="0" b="0"/>
+      </a:lnRef>
+      <a:fillRef idx="1">
+        <a:scrgbClr r="0" g="0" b="0"/>
+      </a:fillRef>
+      <a:effectRef idx="0">
+        <a:scrgbClr r="0" g="0" b="0"/>
+      </a:effectRef>
+      <a:fontRef idx="minor">
+        <a:schemeClr val="lt1"/>
+      </a:fontRef>
+    </dgm:style>
+  </dgm:styleLbl>
+  <dgm:styleLbl name="lnNode1">
+    <dgm:scene3d>
+      <a:camera prst="orthographicFront"/>
+      <a:lightRig rig="threePt" dir="t"/>
+    </dgm:scene3d>
+    <dgm:sp3d/>
+    <dgm:txPr/>
+    <dgm:style>
+      <a:lnRef idx="2">
+        <a:scrgbClr r="0" g="0" b="0"/>
+      </a:lnRef>
+      <a:fillRef idx="1">
+        <a:scrgbClr r="0" g="0" b="0"/>
+      </a:fillRef>
+      <a:effectRef idx="0">
+        <a:scrgbClr r="0" g="0" b="0"/>
+      </a:effectRef>
+      <a:fontRef idx="minor">
+        <a:schemeClr val="lt1"/>
+      </a:fontRef>
+    </dgm:style>
+  </dgm:styleLbl>
+  <dgm:styleLbl name="vennNode1">
+    <dgm:scene3d>
+      <a:camera prst="orthographicFront"/>
+      <a:lightRig rig="threePt" dir="t"/>
+    </dgm:scene3d>
+    <dgm:sp3d/>
+    <dgm:txPr/>
+    <dgm:style>
+      <a:lnRef idx="2">
+        <a:scrgbClr r="0" g="0" b="0"/>
+      </a:lnRef>
+      <a:fillRef idx="1">
+        <a:scrgbClr r="0" g="0" b="0"/>
+      </a:fillRef>
+      <a:effectRef idx="0">
+        <a:scrgbClr r="0" g="0" b="0"/>
+      </a:effectRef>
+      <a:fontRef idx="minor">
+        <a:schemeClr val="tx1"/>
+      </a:fontRef>
+    </dgm:style>
+  </dgm:styleLbl>
+  <dgm:styleLbl name="alignNode1">
+    <dgm:scene3d>
+      <a:camera prst="orthographicFront"/>
+      <a:lightRig rig="threePt" dir="t"/>
+    </dgm:scene3d>
+    <dgm:sp3d/>
+    <dgm:txPr/>
+    <dgm:style>
+      <a:lnRef idx="2">
+        <a:scrgbClr r="0" g="0" b="0"/>
+      </a:lnRef>
+      <a:fillRef idx="1">
+        <a:scrgbClr r="0" g="0" b="0"/>
+      </a:fillRef>
+      <a:effectRef idx="0">
+        <a:scrgbClr r="0" g="0" b="0"/>
+      </a:effectRef>
+      <a:fontRef idx="minor">
+        <a:schemeClr val="lt1"/>
+      </a:fontRef>
+    </dgm:style>
+  </dgm:styleLbl>
+  <dgm:styleLbl name="node1">
+    <dgm:scene3d>
+      <a:camera prst="orthographicFront"/>
+      <a:lightRig rig="threePt" dir="t"/>
+    </dgm:scene3d>
+    <dgm:sp3d/>
+    <dgm:txPr/>
+    <dgm:style>
+      <a:lnRef idx="2">
+        <a:scrgbClr r="0" g="0" b="0"/>
+      </a:lnRef>
+      <a:fillRef idx="1">
+        <a:scrgbClr r="0" g="0" b="0"/>
+      </a:fillRef>
+      <a:effectRef idx="0">
+        <a:scrgbClr r="0" g="0" b="0"/>
+      </a:effectRef>
+      <a:fontRef idx="minor">
+        <a:schemeClr val="lt1"/>
+      </a:fontRef>
+    </dgm:style>
+  </dgm:styleLbl>
+  <dgm:styleLbl name="node2">
+    <dgm:scene3d>
+      <a:camera prst="orthographicFront"/>
+      <a:lightRig rig="threePt" dir="t"/>
+    </dgm:scene3d>
+    <dgm:sp3d/>
+    <dgm:txPr/>
+    <dgm:style>
+      <a:lnRef idx="2">
+        <a:scrgbClr r="0" g="0" b="0"/>
+      </a:lnRef>
+      <a:fillRef idx="1">
+        <a:scrgbClr r="0" g="0" b="0"/>
+      </a:fillRef>
+      <a:effectRef idx="0">
+        <a:scrgbClr r="0" g="0" b="0"/>
+      </a:effectRef>
+      <a:fontRef idx="minor">
+        <a:schemeClr val="lt1"/>
+      </a:fontRef>
+    </dgm:style>
+  </dgm:styleLbl>
+  <dgm:styleLbl name="node3">
+    <dgm:scene3d>
+      <a:camera prst="orthographicFront"/>
+      <a:lightRig rig="threePt" dir="t"/>
+    </dgm:scene3d>
+    <dgm:sp3d/>
+    <dgm:txPr/>
+    <dgm:style>
+      <a:lnRef idx="2">
+        <a:scrgbClr r="0" g="0" b="0"/>
+      </a:lnRef>
+      <a:fillRef idx="1">
+        <a:scrgbClr r="0" g="0" b="0"/>
+      </a:fillRef>
+      <a:effectRef idx="0">
+        <a:scrgbClr r="0" g="0" b="0"/>
+      </a:effectRef>
+      <a:fontRef idx="minor">
+        <a:schemeClr val="lt1"/>
+      </a:fontRef>
+    </dgm:style>
+  </dgm:styleLbl>
+  <dgm:styleLbl name="node4">
+    <dgm:scene3d>
+      <a:camera prst="orthographicFront"/>
+      <a:lightRig rig="threePt" dir="t"/>
+    </dgm:scene3d>
+    <dgm:sp3d/>
+    <dgm:txPr/>
+    <dgm:style>
+      <a:lnRef idx="2">
+        <a:scrgbClr r="0" g="0" b="0"/>
+      </a:lnRef>
+      <a:fillRef idx="1">
+        <a:scrgbClr r="0" g="0" b="0"/>
+      </a:fillRef>
+      <a:effectRef idx="0">
+        <a:scrgbClr r="0" g="0" b="0"/>
+      </a:effectRef>
+      <a:fontRef idx="minor">
+        <a:schemeClr val="lt1"/>
+      </a:fontRef>
+    </dgm:style>
+  </dgm:styleLbl>
+  <dgm:styleLbl name="fgImgPlace1">
+    <dgm:scene3d>
+      <a:camera prst="orthographicFront"/>
+      <a:lightRig rig="threePt" dir="t"/>
+    </dgm:scene3d>
+    <dgm:sp3d/>
+    <dgm:txPr/>
+    <dgm:style>
+      <a:lnRef idx="2">
+        <a:scrgbClr r="0" g="0" b="0"/>
+      </a:lnRef>
+      <a:fillRef idx="1">
+        <a:scrgbClr r="0" g="0" b="0"/>
+      </a:fillRef>
+      <a:effectRef idx="0">
+        <a:scrgbClr r="0" g="0" b="0"/>
+      </a:effectRef>
+      <a:fontRef idx="minor"/>
+    </dgm:style>
+  </dgm:styleLbl>
+  <dgm:styleLbl name="alignImgPlace1">
+    <dgm:scene3d>
+      <a:camera prst="orthographicFront"/>
+      <a:lightRig rig="threePt" dir="t"/>
+    </dgm:scene3d>
+    <dgm:sp3d/>
+    <dgm:txPr/>
+    <dgm:style>
+      <a:lnRef idx="2">
+        <a:scrgbClr r="0" g="0" b="0"/>
+      </a:lnRef>
+      <a:fillRef idx="1">
+        <a:scrgbClr r="0" g="0" b="0"/>
+      </a:fillRef>
+      <a:effectRef idx="0">
+        <a:scrgbClr r="0" g="0" b="0"/>
+      </a:effectRef>
+      <a:fontRef idx="minor"/>
+    </dgm:style>
+  </dgm:styleLbl>
+  <dgm:styleLbl name="bgImgPlace1">
+    <dgm:scene3d>
+      <a:camera prst="orthographicFront"/>
+      <a:lightRig rig="threePt" dir="t"/>
+    </dgm:scene3d>
+    <dgm:sp3d/>
+    <dgm:txPr/>
+    <dgm:style>
+      <a:lnRef idx="2">
+        <a:scrgbClr r="0" g="0" b="0"/>
+      </a:lnRef>
+      <a:fillRef idx="1">
+        <a:scrgbClr r="0" g="0" b="0"/>
+      </a:fillRef>
+      <a:effectRef idx="0">
+        <a:scrgbClr r="0" g="0" b="0"/>
+      </a:effectRef>
+      <a:fontRef idx="minor"/>
+    </dgm:style>
+  </dgm:styleLbl>
+  <dgm:styleLbl name="sibTrans2D1">
+    <dgm:scene3d>
+      <a:camera prst="orthographicFront"/>
+      <a:lightRig rig="threePt" dir="t"/>
+    </dgm:scene3d>
+    <dgm:sp3d/>
+    <dgm:txPr/>
+    <dgm:style>
+      <a:lnRef idx="0">
+        <a:scrgbClr r="0" g="0" b="0"/>
+      </a:lnRef>
+      <a:fillRef idx="1">
+        <a:scrgbClr r="0" g="0" b="0"/>
+      </a:fillRef>
+      <a:effectRef idx="0">
+        <a:scrgbClr r="0" g="0" b="0"/>
+      </a:effectRef>
+      <a:fontRef idx="minor">
+        <a:schemeClr val="lt1"/>
+      </a:fontRef>
+    </dgm:style>
+  </dgm:styleLbl>
+  <dgm:styleLbl name="fgSibTrans2D1">
+    <dgm:scene3d>
+      <a:camera prst="orthographicFront"/>
+      <a:lightRig rig="threePt" dir="t"/>
+    </dgm:scene3d>
+    <dgm:sp3d/>
+    <dgm:txPr/>
+    <dgm:style>
+      <a:lnRef idx="0">
+        <a:scrgbClr r="0" g="0" b="0"/>
+      </a:lnRef>
+      <a:fillRef idx="1">
+        <a:scrgbClr r="0" g="0" b="0"/>
+      </a:fillRef>
+      <a:effectRef idx="0">
+        <a:scrgbClr r="0" g="0" b="0"/>
+      </a:effectRef>
+      <a:fontRef idx="minor">
+        <a:schemeClr val="lt1"/>
+      </a:fontRef>
+    </dgm:style>
+  </dgm:styleLbl>
+  <dgm:styleLbl name="bgSibTrans2D1">
+    <dgm:scene3d>
+      <a:camera prst="orthographicFront"/>
+      <a:lightRig rig="threePt" dir="t"/>
+    </dgm:scene3d>
+    <dgm:sp3d/>
+    <dgm:txPr/>
+    <dgm:style>
+      <a:lnRef idx="0">
+        <a:scrgbClr r="0" g="0" b="0"/>
+      </a:lnRef>
+      <a:fillRef idx="1">
+        <a:scrgbClr r="0" g="0" b="0"/>
+      </a:fillRef>
+      <a:effectRef idx="0">
+        <a:scrgbClr r="0" g="0" b="0"/>
+      </a:effectRef>
+      <a:fontRef idx="minor">
+        <a:schemeClr val="lt1"/>
+      </a:fontRef>
+    </dgm:style>
+  </dgm:styleLbl>
+  <dgm:styleLbl name="sibTrans1D1">
+    <dgm:scene3d>
+      <a:camera prst="orthographicFront"/>
+      <a:lightRig rig="threePt" dir="t"/>
+    </dgm:scene3d>
+    <dgm:sp3d/>
+    <dgm:txPr/>
+    <dgm:style>
+      <a:lnRef idx="1">
+        <a:scrgbClr r="0" g="0" b="0"/>
+      </a:lnRef>
+      <a:fillRef idx="0">
+        <a:scrgbClr r="0" g="0" b="0"/>
+      </a:fillRef>
+      <a:effectRef idx="0">
+        <a:scrgbClr r="0" g="0" b="0"/>
+      </a:effectRef>
+      <a:fontRef idx="minor"/>
+    </dgm:style>
+  </dgm:styleLbl>
+  <dgm:styleLbl name="callout">
+    <dgm:scene3d>
+      <a:camera prst="orthographicFront"/>
+      <a:lightRig rig="threePt" dir="t"/>
+    </dgm:scene3d>
+    <dgm:sp3d/>
+    <dgm:txPr/>
+    <dgm:style>
+      <a:lnRef idx="2">
+        <a:scrgbClr r="0" g="0" b="0"/>
+      </a:lnRef>
+      <a:fillRef idx="1">
+        <a:scrgbClr r="0" g="0" b="0"/>
+      </a:fillRef>
+      <a:effectRef idx="0">
+        <a:scrgbClr r="0" g="0" b="0"/>
+      </a:effectRef>
+      <a:fontRef idx="minor"/>
+    </dgm:style>
+  </dgm:styleLbl>
+  <dgm:styleLbl name="asst0">
+    <dgm:scene3d>
+      <a:camera prst="orthographicFront"/>
+      <a:lightRig rig="threePt" dir="t"/>
+    </dgm:scene3d>
+    <dgm:sp3d/>
+    <dgm:txPr/>
+    <dgm:style>
+      <a:lnRef idx="2">
+        <a:scrgbClr r="0" g="0" b="0"/>
+      </a:lnRef>
+      <a:fillRef idx="1">
+        <a:scrgbClr r="0" g="0" b="0"/>
+      </a:fillRef>
+      <a:effectRef idx="0">
+        <a:scrgbClr r="0" g="0" b="0"/>
+      </a:effectRef>
+      <a:fontRef idx="minor">
+        <a:schemeClr val="lt1"/>
+      </a:fontRef>
+    </dgm:style>
+  </dgm:styleLbl>
+  <dgm:styleLbl name="asst1">
+    <dgm:scene3d>
+      <a:camera prst="orthographicFront"/>
+      <a:lightRig rig="threePt" dir="t"/>
+    </dgm:scene3d>
+    <dgm:sp3d/>
+    <dgm:txPr/>
+    <dgm:style>
+      <a:lnRef idx="2">
+        <a:scrgbClr r="0" g="0" b="0"/>
+      </a:lnRef>
+      <a:fillRef idx="1">
+        <a:scrgbClr r="0" g="0" b="0"/>
+      </a:fillRef>
+      <a:effectRef idx="0">
+        <a:scrgbClr r="0" g="0" b="0"/>
+      </a:effectRef>
+      <a:fontRef idx="minor">
+        <a:schemeClr val="lt1"/>
+      </a:fontRef>
+    </dgm:style>
+  </dgm:styleLbl>
+  <dgm:styleLbl name="asst2">
+    <dgm:scene3d>
+      <a:camera prst="orthographicFront"/>
+      <a:lightRig rig="threePt" dir="t"/>
+    </dgm:scene3d>
+    <dgm:sp3d/>
+    <dgm:txPr/>
+    <dgm:style>
+      <a:lnRef idx="2">
+        <a:scrgbClr r="0" g="0" b="0"/>
+      </a:lnRef>
+      <a:fillRef idx="1">
+        <a:scrgbClr r="0" g="0" b="0"/>
+      </a:fillRef>
+      <a:effectRef idx="0">
+        <a:scrgbClr r="0" g="0" b="0"/>
+      </a:effectRef>
+      <a:fontRef idx="minor">
+        <a:schemeClr val="lt1"/>
+      </a:fontRef>
+    </dgm:style>
+  </dgm:styleLbl>
+  <dgm:styleLbl name="asst3">
+    <dgm:scene3d>
+      <a:camera prst="orthographicFront"/>
+      <a:lightRig rig="threePt" dir="t"/>
+    </dgm:scene3d>
+    <dgm:sp3d/>
+    <dgm:txPr/>
+    <dgm:style>
+      <a:lnRef idx="2">
+        <a:scrgbClr r="0" g="0" b="0"/>
+      </a:lnRef>
+      <a:fillRef idx="1">
+        <a:scrgbClr r="0" g="0" b="0"/>
+      </a:fillRef>
+      <a:effectRef idx="0">
+        <a:scrgbClr r="0" g="0" b="0"/>
+      </a:effectRef>
+      <a:fontRef idx="minor">
+        <a:schemeClr val="lt1"/>
+      </a:fontRef>
+    </dgm:style>
+  </dgm:styleLbl>
+  <dgm:styleLbl name="asst4">
+    <dgm:scene3d>
+      <a:camera prst="orthographicFront"/>
+      <a:lightRig rig="threePt" dir="t"/>
+    </dgm:scene3d>
+    <dgm:sp3d/>
+    <dgm:txPr/>
+    <dgm:style>
+      <a:lnRef idx="2">
+        <a:scrgbClr r="0" g="0" b="0"/>
+      </a:lnRef>
+      <a:fillRef idx="1">
+        <a:scrgbClr r="0" g="0" b="0"/>
+      </a:fillRef>
+      <a:effectRef idx="0">
+        <a:scrgbClr r="0" g="0" b="0"/>
+      </a:effectRef>
+      <a:fontRef idx="minor">
+        <a:schemeClr val="lt1"/>
+      </a:fontRef>
+    </dgm:style>
+  </dgm:styleLbl>
+  <dgm:styleLbl name="parChTrans2D1">
+    <dgm:scene3d>
+      <a:camera prst="orthographicFront"/>
+      <a:lightRig rig="threePt" dir="t"/>
+    </dgm:scene3d>
+    <dgm:sp3d/>
+    <dgm:txPr/>
+    <dgm:style>
+      <a:lnRef idx="2">
+        <a:scrgbClr r="0" g="0" b="0"/>
+      </a:lnRef>
+      <a:fillRef idx="1">
+        <a:scrgbClr r="0" g="0" b="0"/>
+      </a:fillRef>
+      <a:effectRef idx="0">
+        <a:scrgbClr r="0" g="0" b="0"/>
+      </a:effectRef>
+      <a:fontRef idx="minor">
+        <a:schemeClr val="lt1"/>
+      </a:fontRef>
+    </dgm:style>
+  </dgm:styleLbl>
+  <dgm:styleLbl name="parChTrans2D2">
+    <dgm:scene3d>
+      <a:camera prst="orthographicFront"/>
+      <a:lightRig rig="threePt" dir="t"/>
+    </dgm:scene3d>
+    <dgm:sp3d/>
+    <dgm:txPr/>
+    <dgm:style>
+      <a:lnRef idx="2">
+        <a:scrgbClr r="0" g="0" b="0"/>
+      </a:lnRef>
+      <a:fillRef idx="1">
+        <a:scrgbClr r="0" g="0" b="0"/>
+      </a:fillRef>
+      <a:effectRef idx="0">
+        <a:scrgbClr r="0" g="0" b="0"/>
+      </a:effectRef>
+      <a:fontRef idx="minor">
+        <a:schemeClr val="lt1"/>
+      </a:fontRef>
+    </dgm:style>
+  </dgm:styleLbl>
+  <dgm:styleLbl name="parChTrans2D3">
+    <dgm:scene3d>
+      <a:camera prst="orthographicFront"/>
+      <a:lightRig rig="threePt" dir="t"/>
+    </dgm:scene3d>
+    <dgm:sp3d/>
+    <dgm:txPr/>
+    <dgm:style>
+      <a:lnRef idx="2">
+        <a:scrgbClr r="0" g="0" b="0"/>
+      </a:lnRef>
+      <a:fillRef idx="1">
+        <a:scrgbClr r="0" g="0" b="0"/>
+      </a:fillRef>
+      <a:effectRef idx="0">
+        <a:scrgbClr r="0" g="0" b="0"/>
+      </a:effectRef>
+      <a:fontRef idx="minor">
+        <a:schemeClr val="lt1"/>
+      </a:fontRef>
+    </dgm:style>
+  </dgm:styleLbl>
+  <dgm:styleLbl name="parChTrans2D4">
+    <dgm:scene3d>
+      <a:camera prst="orthographicFront"/>
+      <a:lightRig rig="threePt" dir="t"/>
+    </dgm:scene3d>
+    <dgm:sp3d/>
+    <dgm:txPr/>
+    <dgm:style>
+      <a:lnRef idx="2">
+        <a:scrgbClr r="0" g="0" b="0"/>
+      </a:lnRef>
+      <a:fillRef idx="1">
+        <a:scrgbClr r="0" g="0" b="0"/>
+      </a:fillRef>
+      <a:effectRef idx="0">
+        <a:scrgbClr r="0" g="0" b="0"/>
+      </a:effectRef>
+      <a:fontRef idx="minor">
+        <a:schemeClr val="lt1"/>
+      </a:fontRef>
+    </dgm:style>
+  </dgm:styleLbl>
+  <dgm:styleLbl name="parChTrans1D1">
+    <dgm:scene3d>
+      <a:camera prst="orthographicFront"/>
+      <a:lightRig rig="threePt" dir="t"/>
+    </dgm:scene3d>
+    <dgm:sp3d/>
+    <dgm:txPr/>
+    <dgm:style>
+      <a:lnRef idx="2">
+        <a:scrgbClr r="0" g="0" b="0"/>
+      </a:lnRef>
+      <a:fillRef idx="0">
+        <a:scrgbClr r="0" g="0" b="0"/>
+      </a:fillRef>
+      <a:effectRef idx="0">
+        <a:scrgbClr r="0" g="0" b="0"/>
+      </a:effectRef>
+      <a:fontRef idx="minor"/>
+    </dgm:style>
+  </dgm:styleLbl>
+  <dgm:styleLbl name="parChTrans1D2">
+    <dgm:scene3d>
+      <a:camera prst="orthographicFront"/>
+      <a:lightRig rig="threePt" dir="t"/>
+    </dgm:scene3d>
+    <dgm:sp3d/>
+    <dgm:txPr/>
+    <dgm:style>
+      <a:lnRef idx="2">
+        <a:scrgbClr r="0" g="0" b="0"/>
+      </a:lnRef>
+      <a:fillRef idx="0">
+        <a:scrgbClr r="0" g="0" b="0"/>
+      </a:fillRef>
+      <a:effectRef idx="0">
+        <a:scrgbClr r="0" g="0" b="0"/>
+      </a:effectRef>
+      <a:fontRef idx="minor"/>
+    </dgm:style>
+  </dgm:styleLbl>
+  <dgm:styleLbl name="parChTrans1D3">
+    <dgm:scene3d>
+      <a:camera prst="orthographicFront"/>
+      <a:lightRig rig="threePt" dir="t"/>
+    </dgm:scene3d>
+    <dgm:sp3d/>
+    <dgm:txPr/>
+    <dgm:style>
+      <a:lnRef idx="2">
+        <a:scrgbClr r="0" g="0" b="0"/>
+      </a:lnRef>
+      <a:fillRef idx="0">
+        <a:scrgbClr r="0" g="0" b="0"/>
+      </a:fillRef>
+      <a:effectRef idx="0">
+        <a:scrgbClr r="0" g="0" b="0"/>
+      </a:effectRef>
+      <a:fontRef idx="minor"/>
+    </dgm:style>
+  </dgm:styleLbl>
+  <dgm:styleLbl name="parChTrans1D4">
+    <dgm:scene3d>
+      <a:camera prst="orthographicFront"/>
+      <a:lightRig rig="threePt" dir="t"/>
+    </dgm:scene3d>
+    <dgm:sp3d/>
+    <dgm:txPr/>
+    <dgm:style>
+      <a:lnRef idx="2">
+        <a:scrgbClr r="0" g="0" b="0"/>
+      </a:lnRef>
+      <a:fillRef idx="0">
+        <a:scrgbClr r="0" g="0" b="0"/>
+      </a:fillRef>
+      <a:effectRef idx="0">
+        <a:scrgbClr r="0" g="0" b="0"/>
+      </a:effectRef>
+      <a:fontRef idx="minor"/>
+    </dgm:style>
+  </dgm:styleLbl>
+  <dgm:styleLbl name="fgAcc1">
+    <dgm:scene3d>
+      <a:camera prst="orthographicFront"/>
+      <a:lightRig rig="threePt" dir="t"/>
+    </dgm:scene3d>
+    <dgm:sp3d/>
+    <dgm:txPr/>
+    <dgm:style>
+      <a:lnRef idx="2">
+        <a:scrgbClr r="0" g="0" b="0"/>
+      </a:lnRef>
+      <a:fillRef idx="1">
+        <a:scrgbClr r="0" g="0" b="0"/>
+      </a:fillRef>
+      <a:effectRef idx="0">
+        <a:scrgbClr r="0" g="0" b="0"/>
+      </a:effectRef>
+      <a:fontRef idx="minor"/>
+    </dgm:style>
+  </dgm:styleLbl>
+  <dgm:styleLbl name="conFgAcc1">
+    <dgm:scene3d>
+      <a:camera prst="orthographicFront"/>
+      <a:lightRig rig="threePt" dir="t"/>
+    </dgm:scene3d>
+    <dgm:sp3d/>
+    <dgm:txPr/>
+    <dgm:style>
+      <a:lnRef idx="2">
+        <a:scrgbClr r="0" g="0" b="0"/>
+      </a:lnRef>
+      <a:fillRef idx="1">
+        <a:scrgbClr r="0" g="0" b="0"/>
+      </a:fillRef>
+      <a:effectRef idx="0">
+        <a:scrgbClr r="0" g="0" b="0"/>
+      </a:effectRef>
+      <a:fontRef idx="minor"/>
+    </dgm:style>
+  </dgm:styleLbl>
+  <dgm:styleLbl name="alignAcc1">
+    <dgm:scene3d>
+      <a:camera prst="orthographicFront"/>
+      <a:lightRig rig="threePt" dir="t"/>
+    </dgm:scene3d>
+    <dgm:sp3d/>
+    <dgm:txPr/>
+    <dgm:style>
+      <a:lnRef idx="2">
+        <a:scrgbClr r="0" g="0" b="0"/>
+      </a:lnRef>
+      <a:fillRef idx="1">
+        <a:scrgbClr r="0" g="0" b="0"/>
+      </a:fillRef>
+      <a:effectRef idx="0">
+        <a:scrgbClr r="0" g="0" b="0"/>
+      </a:effectRef>
+      <a:fontRef idx="minor"/>
+    </dgm:style>
+  </dgm:styleLbl>
+  <dgm:styleLbl name="trAlignAcc1">
+    <dgm:scene3d>
+      <a:camera prst="orthographicFront"/>
+      <a:lightRig rig="threePt" dir="t"/>
+    </dgm:scene3d>
+    <dgm:sp3d/>
+    <dgm:txPr/>
+    <dgm:style>
+      <a:lnRef idx="1">
+        <a:scrgbClr r="0" g="0" b="0"/>
+      </a:lnRef>
+      <a:fillRef idx="1">
+        <a:scrgbClr r="0" g="0" b="0"/>
+      </a:fillRef>
+      <a:effectRef idx="0">
+        <a:scrgbClr r="0" g="0" b="0"/>
+      </a:effectRef>
+      <a:fontRef idx="minor"/>
+    </dgm:style>
+  </dgm:styleLbl>
+  <dgm:styleLbl name="bgAcc1">
+    <dgm:scene3d>
+      <a:camera prst="orthographicFront"/>
+      <a:lightRig rig="threePt" dir="t"/>
+    </dgm:scene3d>
+    <dgm:sp3d/>
+    <dgm:txPr/>
+    <dgm:style>
+      <a:lnRef idx="2">
+        <a:scrgbClr r="0" g="0" b="0"/>
+      </a:lnRef>
+      <a:fillRef idx="1">
+        <a:scrgbClr r="0" g="0" b="0"/>
+      </a:fillRef>
+      <a:effectRef idx="0">
+        <a:scrgbClr r="0" g="0" b="0"/>
+      </a:effectRef>
+      <a:fontRef idx="minor"/>
+    </dgm:style>
+  </dgm:styleLbl>
+  <dgm:styleLbl name="solidFgAcc1">
+    <dgm:scene3d>
+      <a:camera prst="orthographicFront"/>
+      <a:lightRig rig="threePt" dir="t"/>
+    </dgm:scene3d>
+    <dgm:sp3d/>
+    <dgm:txPr/>
+    <dgm:style>
+      <a:lnRef idx="2">
+        <a:scrgbClr r="0" g="0" b="0"/>
+      </a:lnRef>
+      <a:fillRef idx="1">
+        <a:scrgbClr r="0" g="0" b="0"/>
+      </a:fillRef>
+      <a:effectRef idx="0">
+        <a:scrgbClr r="0" g="0" b="0"/>
+      </a:effectRef>
+      <a:fontRef idx="minor"/>
+    </dgm:style>
+  </dgm:styleLbl>
+  <dgm:styleLbl name="solidAlignAcc1">
+    <dgm:scene3d>
+      <a:camera prst="orthographicFront"/>
+      <a:lightRig rig="threePt" dir="t"/>
+    </dgm:scene3d>
+    <dgm:sp3d/>
+    <dgm:txPr/>
+    <dgm:style>
+      <a:lnRef idx="2">
+        <a:scrgbClr r="0" g="0" b="0"/>
+      </a:lnRef>
+      <a:fillRef idx="1">
+        <a:scrgbClr r="0" g="0" b="0"/>
+      </a:fillRef>
+      <a:effectRef idx="0">
+        <a:scrgbClr r="0" g="0" b="0"/>
+      </a:effectRef>
+      <a:fontRef idx="minor"/>
+    </dgm:style>
+  </dgm:styleLbl>
+  <dgm:styleLbl name="solidBgAcc1">
+    <dgm:scene3d>
+      <a:camera prst="orthographicFront"/>
+      <a:lightRig rig="threePt" dir="t"/>
+    </dgm:scene3d>
+    <dgm:sp3d/>
+    <dgm:txPr/>
+    <dgm:style>
+      <a:lnRef idx="2">
+        <a:scrgbClr r="0" g="0" b="0"/>
+      </a:lnRef>
+      <a:fillRef idx="1">
+        <a:scrgbClr r="0" g="0" b="0"/>
+      </a:fillRef>
+      <a:effectRef idx="0">
+        <a:scrgbClr r="0" g="0" b="0"/>
+      </a:effectRef>
+      <a:fontRef idx="minor"/>
+    </dgm:style>
+  </dgm:styleLbl>
+  <dgm:styleLbl name="fgAccFollowNode1">
+    <dgm:scene3d>
+      <a:camera prst="orthographicFront"/>
+      <a:lightRig rig="threePt" dir="t"/>
+    </dgm:scene3d>
+    <dgm:sp3d/>
+    <dgm:txPr/>
+    <dgm:style>
+      <a:lnRef idx="2">
+        <a:scrgbClr r="0" g="0" b="0"/>
+      </a:lnRef>
+      <a:fillRef idx="1">
+        <a:scrgbClr r="0" g="0" b="0"/>
+      </a:fillRef>
+      <a:effectRef idx="0">
+        <a:scrgbClr r="0" g="0" b="0"/>
+      </a:effectRef>
+      <a:fontRef idx="minor"/>
+    </dgm:style>
+  </dgm:styleLbl>
+  <dgm:styleLbl name="alignAccFollowNode1">
+    <dgm:scene3d>
+      <a:camera prst="orthographicFront"/>
+      <a:lightRig rig="threePt" dir="t"/>
+    </dgm:scene3d>
+    <dgm:sp3d/>
+    <dgm:txPr/>
+    <dgm:style>
+      <a:lnRef idx="2">
+        <a:scrgbClr r="0" g="0" b="0"/>
+      </a:lnRef>
+      <a:fillRef idx="1">
+        <a:scrgbClr r="0" g="0" b="0"/>
+      </a:fillRef>
+      <a:effectRef idx="0">
+        <a:scrgbClr r="0" g="0" b="0"/>
+      </a:effectRef>
+      <a:fontRef idx="minor"/>
+    </dgm:style>
+  </dgm:styleLbl>
+  <dgm:styleLbl name="bgAccFollowNode1">
+    <dgm:scene3d>
+      <a:camera prst="orthographicFront"/>
+      <a:lightRig rig="threePt" dir="t"/>
+    </dgm:scene3d>
+    <dgm:sp3d/>
+    <dgm:txPr/>
+    <dgm:style>
+      <a:lnRef idx="2">
+        <a:scrgbClr r="0" g="0" b="0"/>
+      </a:lnRef>
+      <a:fillRef idx="1">
+        <a:scrgbClr r="0" g="0" b="0"/>
+      </a:fillRef>
+      <a:effectRef idx="0">
+        <a:scrgbClr r="0" g="0" b="0"/>
+      </a:effectRef>
+      <a:fontRef idx="minor"/>
+    </dgm:style>
+  </dgm:styleLbl>
+  <dgm:styleLbl name="fgAcc0">
+    <dgm:scene3d>
+      <a:camera prst="orthographicFront"/>
+      <a:lightRig rig="threePt" dir="t"/>
+    </dgm:scene3d>
+    <dgm:sp3d/>
+    <dgm:txPr/>
+    <dgm:style>
+      <a:lnRef idx="2">
+        <a:scrgbClr r="0" g="0" b="0"/>
+      </a:lnRef>
+      <a:fillRef idx="1">
+        <a:scrgbClr r="0" g="0" b="0"/>
+      </a:fillRef>
+      <a:effectRef idx="0">
+        <a:scrgbClr r="0" g="0" b="0"/>
+      </a:effectRef>
+      <a:fontRef idx="minor"/>
+    </dgm:style>
+  </dgm:styleLbl>
+  <dgm:styleLbl name="fgAcc2">
+    <dgm:scene3d>
+      <a:camera prst="orthographicFront"/>
+      <a:lightRig rig="threePt" dir="t"/>
+    </dgm:scene3d>
+    <dgm:sp3d/>
+    <dgm:txPr/>
+    <dgm:style>
+      <a:lnRef idx="2">
+        <a:scrgbClr r="0" g="0" b="0"/>
+      </a:lnRef>
+      <a:fillRef idx="1">
+        <a:scrgbClr r="0" g="0" b="0"/>
+      </a:fillRef>
+      <a:effectRef idx="0">
+        <a:scrgbClr r="0" g="0" b="0"/>
+      </a:effectRef>
+      <a:fontRef idx="minor"/>
+    </dgm:style>
+  </dgm:styleLbl>
+  <dgm:styleLbl name="fgAcc3">
+    <dgm:scene3d>
+      <a:camera prst="orthographicFront"/>
+      <a:lightRig rig="threePt" dir="t"/>
+    </dgm:scene3d>
+    <dgm:sp3d/>
+    <dgm:txPr/>
+    <dgm:style>
+      <a:lnRef idx="2">
+        <a:scrgbClr r="0" g="0" b="0"/>
+      </a:lnRef>
+      <a:fillRef idx="1">
+        <a:scrgbClr r="0" g="0" b="0"/>
+      </a:fillRef>
+      <a:effectRef idx="0">
+        <a:scrgbClr r="0" g="0" b="0"/>
+      </a:effectRef>
+      <a:fontRef idx="minor"/>
+    </dgm:style>
+  </dgm:styleLbl>
+  <dgm:styleLbl name="fgAcc4">
+    <dgm:scene3d>
+      <a:camera prst="orthographicFront"/>
+      <a:lightRig rig="threePt" dir="t"/>
+    </dgm:scene3d>
+    <dgm:sp3d/>
+    <dgm:txPr/>
+    <dgm:style>
+      <a:lnRef idx="2">
+        <a:scrgbClr r="0" g="0" b="0"/>
+      </a:lnRef>
+      <a:fillRef idx="1">
+        <a:scrgbClr r="0" g="0" b="0"/>
+      </a:fillRef>
+      <a:effectRef idx="0">
+        <a:scrgbClr r="0" g="0" b="0"/>
+      </a:effectRef>
+      <a:fontRef idx="minor"/>
+    </dgm:style>
+  </dgm:styleLbl>
+  <dgm:styleLbl name="bgShp">
+    <dgm:scene3d>
+      <a:camera prst="orthographicFront"/>
+      <a:lightRig rig="threePt" dir="t"/>
+    </dgm:scene3d>
+    <dgm:sp3d/>
+    <dgm:txPr/>
+    <dgm:style>
+      <a:lnRef idx="0">
+        <a:scrgbClr r="0" g="0" b="0"/>
+      </a:lnRef>
+      <a:fillRef idx="1">
+        <a:scrgbClr r="0" g="0" b="0"/>
+      </a:fillRef>
+      <a:effectRef idx="0">
+        <a:scrgbClr r="0" g="0" b="0"/>
+      </a:effectRef>
+      <a:fontRef idx="minor"/>
+    </dgm:style>
+  </dgm:styleLbl>
+  <dgm:styleLbl name="dkBgShp">
+    <dgm:scene3d>
+      <a:camera prst="orthographicFront"/>
+      <a:lightRig rig="threePt" dir="t"/>
+    </dgm:scene3d>
+    <dgm:sp3d/>
+    <dgm:txPr/>
+    <dgm:style>
+      <a:lnRef idx="0">
+        <a:scrgbClr r="0" g="0" b="0"/>
+      </a:lnRef>
+      <a:fillRef idx="1">
+        <a:scrgbClr r="0" g="0" b="0"/>
+      </a:fillRef>
+      <a:effectRef idx="0">
+        <a:scrgbClr r="0" g="0" b="0"/>
+      </a:effectRef>
+      <a:fontRef idx="minor"/>
+    </dgm:style>
+  </dgm:styleLbl>
+  <dgm:styleLbl name="trBgShp">
+    <dgm:scene3d>
+      <a:camera prst="orthographicFront"/>
+      <a:lightRig rig="threePt" dir="t"/>
+    </dgm:scene3d>
+    <dgm:sp3d/>
+    <dgm:txPr/>
+    <dgm:style>
+      <a:lnRef idx="0">
+        <a:scrgbClr r="0" g="0" b="0"/>
+      </a:lnRef>
+      <a:fillRef idx="1">
+        <a:scrgbClr r="0" g="0" b="0"/>
+      </a:fillRef>
+      <a:effectRef idx="0">
+        <a:scrgbClr r="0" g="0" b="0"/>
+      </a:effectRef>
+      <a:fontRef idx="minor"/>
+    </dgm:style>
+  </dgm:styleLbl>
+  <dgm:styleLbl name="fgShp">
+    <dgm:scene3d>
+      <a:camera prst="orthographicFront"/>
+      <a:lightRig rig="threePt" dir="t"/>
+    </dgm:scene3d>
+    <dgm:sp3d/>
+    <dgm:txPr/>
+    <dgm:style>
+      <a:lnRef idx="2">
+        <a:scrgbClr r="0" g="0" b="0"/>
+      </a:lnRef>
+      <a:fillRef idx="1">
+        <a:scrgbClr r="0" g="0" b="0"/>
+      </a:fillRef>
+      <a:effectRef idx="0">
+        <a:scrgbClr r="0" g="0" b="0"/>
+      </a:effectRef>
+      <a:fontRef idx="minor"/>
+    </dgm:style>
+  </dgm:styleLbl>
+  <dgm:styleLbl name="revTx">
+    <dgm:scene3d>
+      <a:camera prst="orthographicFront"/>
+      <a:lightRig rig="threePt" dir="t"/>
+    </dgm:scene3d>
+    <dgm:sp3d/>
+    <dgm:txPr/>
+    <dgm:style>
+      <a:lnRef idx="0">
+        <a:scrgbClr r="0" g="0" b="0"/>
+      </a:lnRef>
+      <a:fillRef idx="0">
+        <a:scrgbClr r="0" g="0" b="0"/>
+      </a:fillRef>
+      <a:effectRef idx="0">
+        <a:scrgbClr r="0" g="0" b="0"/>
+      </a:effectRef>
+      <a:fontRef idx="minor"/>
+    </dgm:style>
+  </dgm:styleLbl>
+</dgm:styleDef>
+</file>
+
+<file path=ppt/diagrams/quickStyle3.xml><?xml version="1.0" encoding="utf-8"?>
+<dgm:styleDef xmlns:dgm="http://schemas.openxmlformats.org/drawingml/2006/diagram" xmlns:a="http://schemas.openxmlformats.org/drawingml/2006/main" uniqueId="urn:microsoft.com/office/officeart/2005/8/quickstyle/simple1">
+  <dgm:title val=""/>
+  <dgm:desc val=""/>
+  <dgm:catLst>
+    <dgm:cat type="simple" pri="10100"/>
+  </dgm:catLst>
+  <dgm:scene3d>
+    <a:camera prst="orthographicFront"/>
+    <a:lightRig rig="threePt" dir="t"/>
+  </dgm:scene3d>
+  <dgm:styleLbl name="node0">
+    <dgm:scene3d>
+      <a:camera prst="orthographicFront"/>
+      <a:lightRig rig="threePt" dir="t"/>
+    </dgm:scene3d>
+    <dgm:sp3d/>
+    <dgm:txPr/>
+    <dgm:style>
+      <a:lnRef idx="2">
+        <a:scrgbClr r="0" g="0" b="0"/>
+      </a:lnRef>
+      <a:fillRef idx="1">
+        <a:scrgbClr r="0" g="0" b="0"/>
+      </a:fillRef>
+      <a:effectRef idx="0">
+        <a:scrgbClr r="0" g="0" b="0"/>
+      </a:effectRef>
+      <a:fontRef idx="minor">
+        <a:schemeClr val="lt1"/>
+      </a:fontRef>
+    </dgm:style>
+  </dgm:styleLbl>
+  <dgm:styleLbl name="lnNode1">
+    <dgm:scene3d>
+      <a:camera prst="orthographicFront"/>
+      <a:lightRig rig="threePt" dir="t"/>
+    </dgm:scene3d>
+    <dgm:sp3d/>
+    <dgm:txPr/>
+    <dgm:style>
+      <a:lnRef idx="2">
+        <a:scrgbClr r="0" g="0" b="0"/>
+      </a:lnRef>
+      <a:fillRef idx="1">
+        <a:scrgbClr r="0" g="0" b="0"/>
+      </a:fillRef>
+      <a:effectRef idx="0">
+        <a:scrgbClr r="0" g="0" b="0"/>
+      </a:effectRef>
+      <a:fontRef idx="minor">
+        <a:schemeClr val="lt1"/>
+      </a:fontRef>
+    </dgm:style>
+  </dgm:styleLbl>
+  <dgm:styleLbl name="vennNode1">
+    <dgm:scene3d>
+      <a:camera prst="orthographicFront"/>
+      <a:lightRig rig="threePt" dir="t"/>
+    </dgm:scene3d>
+    <dgm:sp3d/>
+    <dgm:txPr/>
+    <dgm:style>
+      <a:lnRef idx="2">
+        <a:scrgbClr r="0" g="0" b="0"/>
+      </a:lnRef>
+      <a:fillRef idx="1">
+        <a:scrgbClr r="0" g="0" b="0"/>
+      </a:fillRef>
+      <a:effectRef idx="0">
+        <a:scrgbClr r="0" g="0" b="0"/>
+      </a:effectRef>
+      <a:fontRef idx="minor">
+        <a:schemeClr val="tx1"/>
+      </a:fontRef>
+    </dgm:style>
+  </dgm:styleLbl>
+  <dgm:styleLbl name="alignNode1">
+    <dgm:scene3d>
+      <a:camera prst="orthographicFront"/>
+      <a:lightRig rig="threePt" dir="t"/>
+    </dgm:scene3d>
+    <dgm:sp3d/>
+    <dgm:txPr/>
+    <dgm:style>
+      <a:lnRef idx="2">
+        <a:scrgbClr r="0" g="0" b="0"/>
+      </a:lnRef>
+      <a:fillRef idx="1">
+        <a:scrgbClr r="0" g="0" b="0"/>
+      </a:fillRef>
+      <a:effectRef idx="0">
+        <a:scrgbClr r="0" g="0" b="0"/>
+      </a:effectRef>
+      <a:fontRef idx="minor">
+        <a:schemeClr val="lt1"/>
+      </a:fontRef>
+    </dgm:style>
+  </dgm:styleLbl>
+  <dgm:styleLbl name="node1">
+    <dgm:scene3d>
+      <a:camera prst="orthographicFront"/>
+      <a:lightRig rig="threePt" dir="t"/>
+    </dgm:scene3d>
+    <dgm:sp3d/>
+    <dgm:txPr/>
+    <dgm:style>
+      <a:lnRef idx="2">
+        <a:scrgbClr r="0" g="0" b="0"/>
+      </a:lnRef>
+      <a:fillRef idx="1">
+        <a:scrgbClr r="0" g="0" b="0"/>
+      </a:fillRef>
+      <a:effectRef idx="0">
+        <a:scrgbClr r="0" g="0" b="0"/>
+      </a:effectRef>
+      <a:fontRef idx="minor">
+        <a:schemeClr val="lt1"/>
+      </a:fontRef>
+    </dgm:style>
+  </dgm:styleLbl>
+  <dgm:styleLbl name="node2">
+    <dgm:scene3d>
+      <a:camera prst="orthographicFront"/>
+      <a:lightRig rig="threePt" dir="t"/>
+    </dgm:scene3d>
+    <dgm:sp3d/>
+    <dgm:txPr/>
+    <dgm:style>
+      <a:lnRef idx="2">
+        <a:scrgbClr r="0" g="0" b="0"/>
+      </a:lnRef>
+      <a:fillRef idx="1">
+        <a:scrgbClr r="0" g="0" b="0"/>
+      </a:fillRef>
+      <a:effectRef idx="0">
+        <a:scrgbClr r="0" g="0" b="0"/>
+      </a:effectRef>
+      <a:fontRef idx="minor">
+        <a:schemeClr val="lt1"/>
+      </a:fontRef>
+    </dgm:style>
+  </dgm:styleLbl>
+  <dgm:styleLbl name="node3">
+    <dgm:scene3d>
+      <a:camera prst="orthographicFront"/>
+      <a:lightRig rig="threePt" dir="t"/>
+    </dgm:scene3d>
+    <dgm:sp3d/>
+    <dgm:txPr/>
+    <dgm:style>
+      <a:lnRef idx="2">
+        <a:scrgbClr r="0" g="0" b="0"/>
+      </a:lnRef>
+      <a:fillRef idx="1">
+        <a:scrgbClr r="0" g="0" b="0"/>
+      </a:fillRef>
+      <a:effectRef idx="0">
+        <a:scrgbClr r="0" g="0" b="0"/>
+      </a:effectRef>
+      <a:fontRef idx="minor">
+        <a:schemeClr val="lt1"/>
+      </a:fontRef>
+    </dgm:style>
+  </dgm:styleLbl>
+  <dgm:styleLbl name="node4">
+    <dgm:scene3d>
+      <a:camera prst="orthographicFront"/>
+      <a:lightRig rig="threePt" dir="t"/>
+    </dgm:scene3d>
+    <dgm:sp3d/>
+    <dgm:txPr/>
+    <dgm:style>
+      <a:lnRef idx="2">
+        <a:scrgbClr r="0" g="0" b="0"/>
+      </a:lnRef>
+      <a:fillRef idx="1">
+        <a:scrgbClr r="0" g="0" b="0"/>
+      </a:fillRef>
+      <a:effectRef idx="0">
+        <a:scrgbClr r="0" g="0" b="0"/>
+      </a:effectRef>
+      <a:fontRef idx="minor">
+        <a:schemeClr val="lt1"/>
+      </a:fontRef>
+    </dgm:style>
+  </dgm:styleLbl>
+  <dgm:styleLbl name="fgImgPlace1">
+    <dgm:scene3d>
+      <a:camera prst="orthographicFront"/>
+      <a:lightRig rig="threePt" dir="t"/>
+    </dgm:scene3d>
+    <dgm:sp3d/>
+    <dgm:txPr/>
+    <dgm:style>
+      <a:lnRef idx="2">
+        <a:scrgbClr r="0" g="0" b="0"/>
+      </a:lnRef>
+      <a:fillRef idx="1">
+        <a:scrgbClr r="0" g="0" b="0"/>
+      </a:fillRef>
+      <a:effectRef idx="0">
+        <a:scrgbClr r="0" g="0" b="0"/>
+      </a:effectRef>
+      <a:fontRef idx="minor"/>
+    </dgm:style>
+  </dgm:styleLbl>
+  <dgm:styleLbl name="alignImgPlace1">
+    <dgm:scene3d>
+      <a:camera prst="orthographicFront"/>
+      <a:lightRig rig="threePt" dir="t"/>
+    </dgm:scene3d>
+    <dgm:sp3d/>
+    <dgm:txPr/>
+    <dgm:style>
+      <a:lnRef idx="2">
+        <a:scrgbClr r="0" g="0" b="0"/>
+      </a:lnRef>
+      <a:fillRef idx="1">
+        <a:scrgbClr r="0" g="0" b="0"/>
+      </a:fillRef>
+      <a:effectRef idx="0">
+        <a:scrgbClr r="0" g="0" b="0"/>
+      </a:effectRef>
+      <a:fontRef idx="minor"/>
+    </dgm:style>
+  </dgm:styleLbl>
+  <dgm:styleLbl name="bgImgPlace1">
+    <dgm:scene3d>
+      <a:camera prst="orthographicFront"/>
+      <a:lightRig rig="threePt" dir="t"/>
+    </dgm:scene3d>
+    <dgm:sp3d/>
+    <dgm:txPr/>
+    <dgm:style>
+      <a:lnRef idx="2">
+        <a:scrgbClr r="0" g="0" b="0"/>
+      </a:lnRef>
+      <a:fillRef idx="1">
+        <a:scrgbClr r="0" g="0" b="0"/>
+      </a:fillRef>
+      <a:effectRef idx="0">
+        <a:scrgbClr r="0" g="0" b="0"/>
+      </a:effectRef>
+      <a:fontRef idx="minor"/>
+    </dgm:style>
+  </dgm:styleLbl>
+  <dgm:styleLbl name="sibTrans2D1">
+    <dgm:scene3d>
+      <a:camera prst="orthographicFront"/>
+      <a:lightRig rig="threePt" dir="t"/>
+    </dgm:scene3d>
+    <dgm:sp3d/>
+    <dgm:txPr/>
+    <dgm:style>
+      <a:lnRef idx="0">
+        <a:scrgbClr r="0" g="0" b="0"/>
+      </a:lnRef>
+      <a:fillRef idx="1">
+        <a:scrgbClr r="0" g="0" b="0"/>
+      </a:fillRef>
+      <a:effectRef idx="0">
+        <a:scrgbClr r="0" g="0" b="0"/>
+      </a:effectRef>
+      <a:fontRef idx="minor">
+        <a:schemeClr val="lt1"/>
+      </a:fontRef>
+    </dgm:style>
+  </dgm:styleLbl>
+  <dgm:styleLbl name="fgSibTrans2D1">
+    <dgm:scene3d>
+      <a:camera prst="orthographicFront"/>
+      <a:lightRig rig="threePt" dir="t"/>
+    </dgm:scene3d>
+    <dgm:sp3d/>
+    <dgm:txPr/>
+    <dgm:style>
+      <a:lnRef idx="0">
+        <a:scrgbClr r="0" g="0" b="0"/>
+      </a:lnRef>
+      <a:fillRef idx="1">
+        <a:scrgbClr r="0" g="0" b="0"/>
+      </a:fillRef>
+      <a:effectRef idx="0">
+        <a:scrgbClr r="0" g="0" b="0"/>
+      </a:effectRef>
+      <a:fontRef idx="minor">
+        <a:schemeClr val="lt1"/>
+      </a:fontRef>
+    </dgm:style>
+  </dgm:styleLbl>
+  <dgm:styleLbl name="bgSibTrans2D1">
+    <dgm:scene3d>
+      <a:camera prst="orthographicFront"/>
+      <a:lightRig rig="threePt" dir="t"/>
+    </dgm:scene3d>
+    <dgm:sp3d/>
+    <dgm:txPr/>
+    <dgm:style>
+      <a:lnRef idx="0">
+        <a:scrgbClr r="0" g="0" b="0"/>
+      </a:lnRef>
+      <a:fillRef idx="1">
+        <a:scrgbClr r="0" g="0" b="0"/>
+      </a:fillRef>
+      <a:effectRef idx="0">
+        <a:scrgbClr r="0" g="0" b="0"/>
+      </a:effectRef>
+      <a:fontRef idx="minor">
+        <a:schemeClr val="lt1"/>
+      </a:fontRef>
+    </dgm:style>
+  </dgm:styleLbl>
+  <dgm:styleLbl name="sibTrans1D1">
+    <dgm:scene3d>
+      <a:camera prst="orthographicFront"/>
+      <a:lightRig rig="threePt" dir="t"/>
+    </dgm:scene3d>
+    <dgm:sp3d/>
+    <dgm:txPr/>
+    <dgm:style>
+      <a:lnRef idx="1">
+        <a:scrgbClr r="0" g="0" b="0"/>
+      </a:lnRef>
+      <a:fillRef idx="0">
+        <a:scrgbClr r="0" g="0" b="0"/>
+      </a:fillRef>
+      <a:effectRef idx="0">
+        <a:scrgbClr r="0" g="0" b="0"/>
+      </a:effectRef>
+      <a:fontRef idx="minor"/>
+    </dgm:style>
+  </dgm:styleLbl>
+  <dgm:styleLbl name="callout">
+    <dgm:scene3d>
+      <a:camera prst="orthographicFront"/>
+      <a:lightRig rig="threePt" dir="t"/>
+    </dgm:scene3d>
+    <dgm:sp3d/>
+    <dgm:txPr/>
+    <dgm:style>
+      <a:lnRef idx="2">
+        <a:scrgbClr r="0" g="0" b="0"/>
+      </a:lnRef>
+      <a:fillRef idx="1">
+        <a:scrgbClr r="0" g="0" b="0"/>
+      </a:fillRef>
+      <a:effectRef idx="0">
+        <a:scrgbClr r="0" g="0" b="0"/>
+      </a:effectRef>
+      <a:fontRef idx="minor"/>
+    </dgm:style>
+  </dgm:styleLbl>
+  <dgm:styleLbl name="asst0">
+    <dgm:scene3d>
+      <a:camera prst="orthographicFront"/>
+      <a:lightRig rig="threePt" dir="t"/>
+    </dgm:scene3d>
+    <dgm:sp3d/>
+    <dgm:txPr/>
+    <dgm:style>
+      <a:lnRef idx="2">
+        <a:scrgbClr r="0" g="0" b="0"/>
+      </a:lnRef>
+      <a:fillRef idx="1">
+        <a:scrgbClr r="0" g="0" b="0"/>
+      </a:fillRef>
+      <a:effectRef idx="0">
+        <a:scrgbClr r="0" g="0" b="0"/>
+      </a:effectRef>
+      <a:fontRef idx="minor">
+        <a:schemeClr val="lt1"/>
+      </a:fontRef>
+    </dgm:style>
+  </dgm:styleLbl>
+  <dgm:styleLbl name="asst1">
+    <dgm:scene3d>
+      <a:camera prst="orthographicFront"/>
+      <a:lightRig rig="threePt" dir="t"/>
+    </dgm:scene3d>
+    <dgm:sp3d/>
+    <dgm:txPr/>
+    <dgm:style>
+      <a:lnRef idx="2">
+        <a:scrgbClr r="0" g="0" b="0"/>
+      </a:lnRef>
+      <a:fillRef idx="1">
+        <a:scrgbClr r="0" g="0" b="0"/>
+      </a:fillRef>
+      <a:effectRef idx="0">
+        <a:scrgbClr r="0" g="0" b="0"/>
+      </a:effectRef>
+      <a:fontRef idx="minor">
+        <a:schemeClr val="lt1"/>
+      </a:fontRef>
+    </dgm:style>
+  </dgm:styleLbl>
+  <dgm:styleLbl name="asst2">
+    <dgm:scene3d>
+      <a:camera prst="orthographicFront"/>
+      <a:lightRig rig="threePt" dir="t"/>
+    </dgm:scene3d>
+    <dgm:sp3d/>
+    <dgm:txPr/>
+    <dgm:style>
+      <a:lnRef idx="2">
+        <a:scrgbClr r="0" g="0" b="0"/>
+      </a:lnRef>
+      <a:fillRef idx="1">
+        <a:scrgbClr r="0" g="0" b="0"/>
+      </a:fillRef>
+      <a:effectRef idx="0">
+        <a:scrgbClr r="0" g="0" b="0"/>
+      </a:effectRef>
+      <a:fontRef idx="minor">
+        <a:schemeClr val="lt1"/>
+      </a:fontRef>
+    </dgm:style>
+  </dgm:styleLbl>
+  <dgm:styleLbl name="asst3">
+    <dgm:scene3d>
+      <a:camera prst="orthographicFront"/>
+      <a:lightRig rig="threePt" dir="t"/>
+    </dgm:scene3d>
+    <dgm:sp3d/>
+    <dgm:txPr/>
+    <dgm:style>
+      <a:lnRef idx="2">
+        <a:scrgbClr r="0" g="0" b="0"/>
+      </a:lnRef>
+      <a:fillRef idx="1">
+        <a:scrgbClr r="0" g="0" b="0"/>
+      </a:fillRef>
+      <a:effectRef idx="0">
+        <a:scrgbClr r="0" g="0" b="0"/>
+      </a:effectRef>
+      <a:fontRef idx="minor">
+        <a:schemeClr val="lt1"/>
+      </a:fontRef>
+    </dgm:style>
+  </dgm:styleLbl>
+  <dgm:styleLbl name="asst4">
+    <dgm:scene3d>
+      <a:camera prst="orthographicFront"/>
+      <a:lightRig rig="threePt" dir="t"/>
+    </dgm:scene3d>
+    <dgm:sp3d/>
+    <dgm:txPr/>
+    <dgm:style>
+      <a:lnRef idx="2">
+        <a:scrgbClr r="0" g="0" b="0"/>
+      </a:lnRef>
+      <a:fillRef idx="1">
+        <a:scrgbClr r="0" g="0" b="0"/>
+      </a:fillRef>
+      <a:effectRef idx="0">
+        <a:scrgbClr r="0" g="0" b="0"/>
+      </a:effectRef>
+      <a:fontRef idx="minor">
+        <a:schemeClr val="lt1"/>
+      </a:fontRef>
+    </dgm:style>
+  </dgm:styleLbl>
+  <dgm:styleLbl name="parChTrans2D1">
+    <dgm:scene3d>
+      <a:camera prst="orthographicFront"/>
+      <a:lightRig rig="threePt" dir="t"/>
+    </dgm:scene3d>
+    <dgm:sp3d/>
+    <dgm:txPr/>
+    <dgm:style>
+      <a:lnRef idx="2">
+        <a:scrgbClr r="0" g="0" b="0"/>
+      </a:lnRef>
+      <a:fillRef idx="1">
+        <a:scrgbClr r="0" g="0" b="0"/>
+      </a:fillRef>
+      <a:effectRef idx="0">
+        <a:scrgbClr r="0" g="0" b="0"/>
+      </a:effectRef>
+      <a:fontRef idx="minor">
+        <a:schemeClr val="lt1"/>
+      </a:fontRef>
+    </dgm:style>
+  </dgm:styleLbl>
+  <dgm:styleLbl name="parChTrans2D2">
+    <dgm:scene3d>
+      <a:camera prst="orthographicFront"/>
+      <a:lightRig rig="threePt" dir="t"/>
+    </dgm:scene3d>
+    <dgm:sp3d/>
+    <dgm:txPr/>
+    <dgm:style>
+      <a:lnRef idx="2">
+        <a:scrgbClr r="0" g="0" b="0"/>
+      </a:lnRef>
+      <a:fillRef idx="1">
+        <a:scrgbClr r="0" g="0" b="0"/>
+      </a:fillRef>
+      <a:effectRef idx="0">
+        <a:scrgbClr r="0" g="0" b="0"/>
+      </a:effectRef>
+      <a:fontRef idx="minor">
+        <a:schemeClr val="lt1"/>
+      </a:fontRef>
+    </dgm:style>
+  </dgm:styleLbl>
+  <dgm:styleLbl name="parChTrans2D3">
+    <dgm:scene3d>
+      <a:camera prst="orthographicFront"/>
+      <a:lightRig rig="threePt" dir="t"/>
+    </dgm:scene3d>
+    <dgm:sp3d/>
+    <dgm:txPr/>
+    <dgm:style>
+      <a:lnRef idx="2">
+        <a:scrgbClr r="0" g="0" b="0"/>
+      </a:lnRef>
+      <a:fillRef idx="1">
+        <a:scrgbClr r="0" g="0" b="0"/>
+      </a:fillRef>
+      <a:effectRef idx="0">
+        <a:scrgbClr r="0" g="0" b="0"/>
+      </a:effectRef>
+      <a:fontRef idx="minor">
+        <a:schemeClr val="lt1"/>
+      </a:fontRef>
+    </dgm:style>
+  </dgm:styleLbl>
+  <dgm:styleLbl name="parChTrans2D4">
+    <dgm:scene3d>
+      <a:camera prst="orthographicFront"/>
+      <a:lightRig rig="threePt" dir="t"/>
+    </dgm:scene3d>
+    <dgm:sp3d/>
+    <dgm:txPr/>
+    <dgm:style>
+      <a:lnRef idx="2">
+        <a:scrgbClr r="0" g="0" b="0"/>
+      </a:lnRef>
+      <a:fillRef idx="1">
+        <a:scrgbClr r="0" g="0" b="0"/>
+      </a:fillRef>
+      <a:effectRef idx="0">
+        <a:scrgbClr r="0" g="0" b="0"/>
+      </a:effectRef>
+      <a:fontRef idx="minor">
+        <a:schemeClr val="lt1"/>
+      </a:fontRef>
+    </dgm:style>
+  </dgm:styleLbl>
+  <dgm:styleLbl name="parChTrans1D1">
+    <dgm:scene3d>
+      <a:camera prst="orthographicFront"/>
+      <a:lightRig rig="threePt" dir="t"/>
+    </dgm:scene3d>
+    <dgm:sp3d/>
+    <dgm:txPr/>
+    <dgm:style>
+      <a:lnRef idx="2">
+        <a:scrgbClr r="0" g="0" b="0"/>
+      </a:lnRef>
+      <a:fillRef idx="0">
+        <a:scrgbClr r="0" g="0" b="0"/>
+      </a:fillRef>
+      <a:effectRef idx="0">
+        <a:scrgbClr r="0" g="0" b="0"/>
+      </a:effectRef>
+      <a:fontRef idx="minor"/>
+    </dgm:style>
+  </dgm:styleLbl>
+  <dgm:styleLbl name="parChTrans1D2">
+    <dgm:scene3d>
+      <a:camera prst="orthographicFront"/>
+      <a:lightRig rig="threePt" dir="t"/>
+    </dgm:scene3d>
+    <dgm:sp3d/>
+    <dgm:txPr/>
+    <dgm:style>
+      <a:lnRef idx="2">
+        <a:scrgbClr r="0" g="0" b="0"/>
+      </a:lnRef>
+      <a:fillRef idx="0">
+        <a:scrgbClr r="0" g="0" b="0"/>
+      </a:fillRef>
+      <a:effectRef idx="0">
+        <a:scrgbClr r="0" g="0" b="0"/>
+      </a:effectRef>
+      <a:fontRef idx="minor"/>
+    </dgm:style>
+  </dgm:styleLbl>
+  <dgm:styleLbl name="parChTrans1D3">
+    <dgm:scene3d>
+      <a:camera prst="orthographicFront"/>
+      <a:lightRig rig="threePt" dir="t"/>
+    </dgm:scene3d>
+    <dgm:sp3d/>
+    <dgm:txPr/>
+    <dgm:style>
+      <a:lnRef idx="2">
+        <a:scrgbClr r="0" g="0" b="0"/>
+      </a:lnRef>
+      <a:fillRef idx="0">
+        <a:scrgbClr r="0" g="0" b="0"/>
+      </a:fillRef>
+      <a:effectRef idx="0">
+        <a:scrgbClr r="0" g="0" b="0"/>
+      </a:effectRef>
+      <a:fontRef idx="minor"/>
+    </dgm:style>
+  </dgm:styleLbl>
+  <dgm:styleLbl name="parChTrans1D4">
+    <dgm:scene3d>
+      <a:camera prst="orthographicFront"/>
+      <a:lightRig rig="threePt" dir="t"/>
+    </dgm:scene3d>
+    <dgm:sp3d/>
+    <dgm:txPr/>
+    <dgm:style>
+      <a:lnRef idx="2">
+        <a:scrgbClr r="0" g="0" b="0"/>
+      </a:lnRef>
+      <a:fillRef idx="0">
+        <a:scrgbClr r="0" g="0" b="0"/>
+      </a:fillRef>
+      <a:effectRef idx="0">
+        <a:scrgbClr r="0" g="0" b="0"/>
+      </a:effectRef>
+      <a:fontRef idx="minor"/>
+    </dgm:style>
+  </dgm:styleLbl>
+  <dgm:styleLbl name="fgAcc1">
+    <dgm:scene3d>
+      <a:camera prst="orthographicFront"/>
+      <a:lightRig rig="threePt" dir="t"/>
+    </dgm:scene3d>
+    <dgm:sp3d/>
+    <dgm:txPr/>
+    <dgm:style>
+      <a:lnRef idx="2">
+        <a:scrgbClr r="0" g="0" b="0"/>
+      </a:lnRef>
+      <a:fillRef idx="1">
+        <a:scrgbClr r="0" g="0" b="0"/>
+      </a:fillRef>
+      <a:effectRef idx="0">
+        <a:scrgbClr r="0" g="0" b="0"/>
+      </a:effectRef>
+      <a:fontRef idx="minor"/>
+    </dgm:style>
+  </dgm:styleLbl>
+  <dgm:styleLbl name="conFgAcc1">
+    <dgm:scene3d>
+      <a:camera prst="orthographicFront"/>
+      <a:lightRig rig="threePt" dir="t"/>
+    </dgm:scene3d>
+    <dgm:sp3d/>
+    <dgm:txPr/>
+    <dgm:style>
+      <a:lnRef idx="2">
+        <a:scrgbClr r="0" g="0" b="0"/>
+      </a:lnRef>
+      <a:fillRef idx="1">
+        <a:scrgbClr r="0" g="0" b="0"/>
+      </a:fillRef>
+      <a:effectRef idx="0">
+        <a:scrgbClr r="0" g="0" b="0"/>
+      </a:effectRef>
+      <a:fontRef idx="minor"/>
+    </dgm:style>
+  </dgm:styleLbl>
+  <dgm:styleLbl name="alignAcc1">
+    <dgm:scene3d>
+      <a:camera prst="orthographicFront"/>
+      <a:lightRig rig="threePt" dir="t"/>
+    </dgm:scene3d>
+    <dgm:sp3d/>
+    <dgm:txPr/>
+    <dgm:style>
+      <a:lnRef idx="2">
+        <a:scrgbClr r="0" g="0" b="0"/>
+      </a:lnRef>
+      <a:fillRef idx="1">
+        <a:scrgbClr r="0" g="0" b="0"/>
+      </a:fillRef>
+      <a:effectRef idx="0">
+        <a:scrgbClr r="0" g="0" b="0"/>
+      </a:effectRef>
+      <a:fontRef idx="minor"/>
+    </dgm:style>
+  </dgm:styleLbl>
+  <dgm:styleLbl name="trAlignAcc1">
+    <dgm:scene3d>
+      <a:camera prst="orthographicFront"/>
+      <a:lightRig rig="threePt" dir="t"/>
+    </dgm:scene3d>
+    <dgm:sp3d/>
+    <dgm:txPr/>
+    <dgm:style>
+      <a:lnRef idx="1">
+        <a:scrgbClr r="0" g="0" b="0"/>
+      </a:lnRef>
+      <a:fillRef idx="1">
+        <a:scrgbClr r="0" g="0" b="0"/>
+      </a:fillRef>
+      <a:effectRef idx="0">
+        <a:scrgbClr r="0" g="0" b="0"/>
+      </a:effectRef>
+      <a:fontRef idx="minor"/>
+    </dgm:style>
+  </dgm:styleLbl>
+  <dgm:styleLbl name="bgAcc1">
+    <dgm:scene3d>
+      <a:camera prst="orthographicFront"/>
+      <a:lightRig rig="threePt" dir="t"/>
+    </dgm:scene3d>
+    <dgm:sp3d/>
+    <dgm:txPr/>
+    <dgm:style>
+      <a:lnRef idx="2">
+        <a:scrgbClr r="0" g="0" b="0"/>
+      </a:lnRef>
+      <a:fillRef idx="1">
+        <a:scrgbClr r="0" g="0" b="0"/>
+      </a:fillRef>
+      <a:effectRef idx="0">
+        <a:scrgbClr r="0" g="0" b="0"/>
+      </a:effectRef>
+      <a:fontRef idx="minor"/>
+    </dgm:style>
+  </dgm:styleLbl>
+  <dgm:styleLbl name="solidFgAcc1">
+    <dgm:scene3d>
+      <a:camera prst="orthographicFront"/>
+      <a:lightRig rig="threePt" dir="t"/>
+    </dgm:scene3d>
+    <dgm:sp3d/>
+    <dgm:txPr/>
+    <dgm:style>
+      <a:lnRef idx="2">
+        <a:scrgbClr r="0" g="0" b="0"/>
+      </a:lnRef>
+      <a:fillRef idx="1">
+        <a:scrgbClr r="0" g="0" b="0"/>
+      </a:fillRef>
+      <a:effectRef idx="0">
+        <a:scrgbClr r="0" g="0" b="0"/>
+      </a:effectRef>
+      <a:fontRef idx="minor"/>
+    </dgm:style>
+  </dgm:styleLbl>
+  <dgm:styleLbl name="solidAlignAcc1">
+    <dgm:scene3d>
+      <a:camera prst="orthographicFront"/>
+      <a:lightRig rig="threePt" dir="t"/>
+    </dgm:scene3d>
+    <dgm:sp3d/>
+    <dgm:txPr/>
+    <dgm:style>
+      <a:lnRef idx="2">
+        <a:scrgbClr r="0" g="0" b="0"/>
+      </a:lnRef>
+      <a:fillRef idx="1">
+        <a:scrgbClr r="0" g="0" b="0"/>
+      </a:fillRef>
+      <a:effectRef idx="0">
+        <a:scrgbClr r="0" g="0" b="0"/>
+      </a:effectRef>
+      <a:fontRef idx="minor"/>
+    </dgm:style>
+  </dgm:styleLbl>
+  <dgm:styleLbl name="solidBgAcc1">
+    <dgm:scene3d>
+      <a:camera prst="orthographicFront"/>
+      <a:lightRig rig="threePt" dir="t"/>
+    </dgm:scene3d>
+    <dgm:sp3d/>
+    <dgm:txPr/>
+    <dgm:style>
+      <a:lnRef idx="2">
+        <a:scrgbClr r="0" g="0" b="0"/>
+      </a:lnRef>
+      <a:fillRef idx="1">
+        <a:scrgbClr r="0" g="0" b="0"/>
+      </a:fillRef>
+      <a:effectRef idx="0">
+        <a:scrgbClr r="0" g="0" b="0"/>
+      </a:effectRef>
+      <a:fontRef idx="minor"/>
+    </dgm:style>
+  </dgm:styleLbl>
+  <dgm:styleLbl name="fgAccFollowNode1">
+    <dgm:scene3d>
+      <a:camera prst="orthographicFront"/>
+      <a:lightRig rig="threePt" dir="t"/>
+    </dgm:scene3d>
+    <dgm:sp3d/>
+    <dgm:txPr/>
+    <dgm:style>
+      <a:lnRef idx="2">
+        <a:scrgbClr r="0" g="0" b="0"/>
+      </a:lnRef>
+      <a:fillRef idx="1">
+        <a:scrgbClr r="0" g="0" b="0"/>
+      </a:fillRef>
+      <a:effectRef idx="0">
+        <a:scrgbClr r="0" g="0" b="0"/>
+      </a:effectRef>
+      <a:fontRef idx="minor"/>
+    </dgm:style>
+  </dgm:styleLbl>
+  <dgm:styleLbl name="alignAccFollowNode1">
+    <dgm:scene3d>
+      <a:camera prst="orthographicFront"/>
+      <a:lightRig rig="threePt" dir="t"/>
+    </dgm:scene3d>
+    <dgm:sp3d/>
+    <dgm:txPr/>
+    <dgm:style>
+      <a:lnRef idx="2">
+        <a:scrgbClr r="0" g="0" b="0"/>
+      </a:lnRef>
+      <a:fillRef idx="1">
+        <a:scrgbClr r="0" g="0" b="0"/>
+      </a:fillRef>
+      <a:effectRef idx="0">
+        <a:scrgbClr r="0" g="0" b="0"/>
+      </a:effectRef>
+      <a:fontRef idx="minor"/>
+    </dgm:style>
+  </dgm:styleLbl>
+  <dgm:styleLbl name="bgAccFollowNode1">
+    <dgm:scene3d>
+      <a:camera prst="orthographicFront"/>
+      <a:lightRig rig="threePt" dir="t"/>
+    </dgm:scene3d>
+    <dgm:sp3d/>
+    <dgm:txPr/>
+    <dgm:style>
+      <a:lnRef idx="2">
+        <a:scrgbClr r="0" g="0" b="0"/>
+      </a:lnRef>
+      <a:fillRef idx="1">
+        <a:scrgbClr r="0" g="0" b="0"/>
+      </a:fillRef>
+      <a:effectRef idx="0">
+        <a:scrgbClr r="0" g="0" b="0"/>
+      </a:effectRef>
+      <a:fontRef idx="minor"/>
+    </dgm:style>
+  </dgm:styleLbl>
+  <dgm:styleLbl name="fgAcc0">
+    <dgm:scene3d>
+      <a:camera prst="orthographicFront"/>
+      <a:lightRig rig="threePt" dir="t"/>
+    </dgm:scene3d>
+    <dgm:sp3d/>
+    <dgm:txPr/>
+    <dgm:style>
+      <a:lnRef idx="2">
+        <a:scrgbClr r="0" g="0" b="0"/>
+      </a:lnRef>
+      <a:fillRef idx="1">
+        <a:scrgbClr r="0" g="0" b="0"/>
+      </a:fillRef>
+      <a:effectRef idx="0">
+        <a:scrgbClr r="0" g="0" b="0"/>
+      </a:effectRef>
+      <a:fontRef idx="minor"/>
+    </dgm:style>
+  </dgm:styleLbl>
+  <dgm:styleLbl name="fgAcc2">
+    <dgm:scene3d>
+      <a:camera prst="orthographicFront"/>
+      <a:lightRig rig="threePt" dir="t"/>
+    </dgm:scene3d>
+    <dgm:sp3d/>
+    <dgm:txPr/>
+    <dgm:style>
+      <a:lnRef idx="2">
+        <a:scrgbClr r="0" g="0" b="0"/>
+      </a:lnRef>
+      <a:fillRef idx="1">
+        <a:scrgbClr r="0" g="0" b="0"/>
+      </a:fillRef>
+      <a:effectRef idx="0">
+        <a:scrgbClr r="0" g="0" b="0"/>
+      </a:effectRef>
+      <a:fontRef idx="minor"/>
+    </dgm:style>
+  </dgm:styleLbl>
+  <dgm:styleLbl name="fgAcc3">
+    <dgm:scene3d>
+      <a:camera prst="orthographicFront"/>
+      <a:lightRig rig="threePt" dir="t"/>
+    </dgm:scene3d>
+    <dgm:sp3d/>
+    <dgm:txPr/>
+    <dgm:style>
+      <a:lnRef idx="2">
+        <a:scrgbClr r="0" g="0" b="0"/>
+      </a:lnRef>
+      <a:fillRef idx="1">
+        <a:scrgbClr r="0" g="0" b="0"/>
+      </a:fillRef>
+      <a:effectRef idx="0">
+        <a:scrgbClr r="0" g="0" b="0"/>
+      </a:effectRef>
+      <a:fontRef idx="minor"/>
+    </dgm:style>
+  </dgm:styleLbl>
+  <dgm:styleLbl name="fgAcc4">
+    <dgm:scene3d>
+      <a:camera prst="orthographicFront"/>
+      <a:lightRig rig="threePt" dir="t"/>
+    </dgm:scene3d>
+    <dgm:sp3d/>
+    <dgm:txPr/>
+    <dgm:style>
+      <a:lnRef idx="2">
+        <a:scrgbClr r="0" g="0" b="0"/>
+      </a:lnRef>
+      <a:fillRef idx="1">
+        <a:scrgbClr r="0" g="0" b="0"/>
+      </a:fillRef>
+      <a:effectRef idx="0">
+        <a:scrgbClr r="0" g="0" b="0"/>
+      </a:effectRef>
+      <a:fontRef idx="minor"/>
+    </dgm:style>
+  </dgm:styleLbl>
+  <dgm:styleLbl name="bgShp">
+    <dgm:scene3d>
+      <a:camera prst="orthographicFront"/>
+      <a:lightRig rig="threePt" dir="t"/>
+    </dgm:scene3d>
+    <dgm:sp3d/>
+    <dgm:txPr/>
+    <dgm:style>
+      <a:lnRef idx="0">
+        <a:scrgbClr r="0" g="0" b="0"/>
+      </a:lnRef>
+      <a:fillRef idx="1">
+        <a:scrgbClr r="0" g="0" b="0"/>
+      </a:fillRef>
+      <a:effectRef idx="0">
+        <a:scrgbClr r="0" g="0" b="0"/>
+      </a:effectRef>
+      <a:fontRef idx="minor"/>
+    </dgm:style>
+  </dgm:styleLbl>
+  <dgm:styleLbl name="dkBgShp">
+    <dgm:scene3d>
+      <a:camera prst="orthographicFront"/>
+      <a:lightRig rig="threePt" dir="t"/>
+    </dgm:scene3d>
+    <dgm:sp3d/>
+    <dgm:txPr/>
+    <dgm:style>
+      <a:lnRef idx="0">
+        <a:scrgbClr r="0" g="0" b="0"/>
+      </a:lnRef>
+      <a:fillRef idx="1">
+        <a:scrgbClr r="0" g="0" b="0"/>
+      </a:fillRef>
+      <a:effectRef idx="0">
+        <a:scrgbClr r="0" g="0" b="0"/>
+      </a:effectRef>
+      <a:fontRef idx="minor"/>
+    </dgm:style>
+  </dgm:styleLbl>
+  <dgm:styleLbl name="trBgShp">
+    <dgm:scene3d>
+      <a:camera prst="orthographicFront"/>
+      <a:lightRig rig="threePt" dir="t"/>
+    </dgm:scene3d>
+    <dgm:sp3d/>
+    <dgm:txPr/>
+    <dgm:style>
+      <a:lnRef idx="0">
+        <a:scrgbClr r="0" g="0" b="0"/>
+      </a:lnRef>
+      <a:fillRef idx="1">
+        <a:scrgbClr r="0" g="0" b="0"/>
+      </a:fillRef>
+      <a:effectRef idx="0">
+        <a:scrgbClr r="0" g="0" b="0"/>
+      </a:effectRef>
+      <a:fontRef idx="minor"/>
+    </dgm:style>
+  </dgm:styleLbl>
+  <dgm:styleLbl name="fgShp">
+    <dgm:scene3d>
+      <a:camera prst="orthographicFront"/>
+      <a:lightRig rig="threePt" dir="t"/>
+    </dgm:scene3d>
+    <dgm:sp3d/>
+    <dgm:txPr/>
+    <dgm:style>
+      <a:lnRef idx="2">
+        <a:scrgbClr r="0" g="0" b="0"/>
+      </a:lnRef>
+      <a:fillRef idx="1">
+        <a:scrgbClr r="0" g="0" b="0"/>
+      </a:fillRef>
+      <a:effectRef idx="0">
+        <a:scrgbClr r="0" g="0" b="0"/>
+      </a:effectRef>
+      <a:fontRef idx="minor"/>
+    </dgm:style>
+  </dgm:styleLbl>
+  <dgm:styleLbl name="revTx">
+    <dgm:scene3d>
+      <a:camera prst="orthographicFront"/>
+      <a:lightRig rig="threePt" dir="t"/>
+    </dgm:scene3d>
+    <dgm:sp3d/>
+    <dgm:txPr/>
+    <dgm:style>
+      <a:lnRef idx="0">
+        <a:scrgbClr r="0" g="0" b="0"/>
+      </a:lnRef>
+      <a:fillRef idx="0">
+        <a:scrgbClr r="0" g="0" b="0"/>
+      </a:fillRef>
+      <a:effectRef idx="0">
+        <a:scrgbClr r="0" g="0" b="0"/>
+      </a:effectRef>
+      <a:fontRef idx="minor"/>
+    </dgm:style>
+  </dgm:styleLbl>
+</dgm:styleDef>
+</file>
+
+<file path=ppt/diagrams/quickStyle4.xml><?xml version="1.0" encoding="utf-8"?>
 <dgm:styleDef xmlns:dgm="http://schemas.openxmlformats.org/drawingml/2006/diagram" xmlns:a="http://schemas.openxmlformats.org/drawingml/2006/main" uniqueId="urn:microsoft.com/office/officeart/2005/8/quickstyle/simple1">
   <dgm:title val=""/>
   <dgm:desc val=""/>
@@ -36887,15 +43229,7 @@
           <a:p>
             <a:r>
               <a:rPr lang="en-US" sz="2800" dirty="0" smtClean="0"/>
-              <a:t>During, Fetch, Decode, Execute Cycle, more than one  </a:t>
-            </a:r>
-            <a:r>
-              <a:rPr lang="en-US" sz="2800" dirty="0" smtClean="0"/>
-              <a:t>i</a:t>
-            </a:r>
-            <a:r>
-              <a:rPr lang="en-US" sz="2800" dirty="0" smtClean="0"/>
-              <a:t>nstruction is processed in parallel. Hence pipeline is not free from issues that arise to </a:t>
+              <a:t>During, Fetch, Decode, Execute Cycle, more than one  instruction is processed in parallel. Hence pipeline is not free from issues that arise to </a:t>
             </a:r>
             <a:r>
               <a:rPr lang="en-US" sz="2800" i="1" dirty="0" smtClean="0"/>
@@ -37188,6 +43522,1330 @@
           </a:p>
         </p:txBody>
       </p:sp>
+      <p:sp>
+        <p:nvSpPr>
+          <p:cNvPr id="37" name="Rectangle 36"/>
+          <p:cNvSpPr/>
+          <p:nvPr/>
+        </p:nvSpPr>
+        <p:spPr bwMode="auto">
+          <a:xfrm>
+            <a:off x="3215640" y="2669977"/>
+            <a:ext cx="1188720" cy="533400"/>
+          </a:xfrm>
+          <a:prstGeom prst="rect">
+            <a:avLst/>
+          </a:prstGeom>
+          <a:solidFill>
+            <a:schemeClr val="accent1"/>
+          </a:solidFill>
+          <a:ln w="9525" cap="flat" cmpd="sng" algn="ctr">
+            <a:noFill/>
+            <a:prstDash val="solid"/>
+            <a:round/>
+            <a:headEnd type="none" w="med" len="med"/>
+            <a:tailEnd type="none" w="med" len="med"/>
+          </a:ln>
+          <a:effectLst>
+            <a:outerShdw blurRad="44450" dist="27940" dir="5400000" algn="ctr">
+              <a:srgbClr val="000000">
+                <a:alpha val="32000"/>
+              </a:srgbClr>
+            </a:outerShdw>
+          </a:effectLst>
+          <a:scene3d>
+            <a:camera prst="orthographicFront">
+              <a:rot lat="0" lon="0" rev="0"/>
+            </a:camera>
+            <a:lightRig rig="balanced" dir="t">
+              <a:rot lat="0" lon="0" rev="8700000"/>
+            </a:lightRig>
+          </a:scene3d>
+          <a:sp3d>
+            <a:bevelT w="190500" h="38100"/>
+          </a:sp3d>
+        </p:spPr>
+        <p:txBody>
+          <a:bodyPr vert="horz" wrap="square" lIns="91440" tIns="45720" rIns="91440" bIns="45720" numCol="1" rtlCol="0" anchor="t" anchorCtr="0" compatLnSpc="1">
+            <a:prstTxWarp prst="textNoShape">
+              <a:avLst/>
+            </a:prstTxWarp>
+          </a:bodyPr>
+          <a:lstStyle/>
+          <a:p>
+            <a:pPr algn="ctr"/>
+            <a:r>
+              <a:rPr lang="en-US" sz="1600" b="1" dirty="0" smtClean="0"/>
+              <a:t>Fetch</a:t>
+            </a:r>
+            <a:endParaRPr lang="en-US" b="1" dirty="0" smtClean="0"/>
+          </a:p>
+        </p:txBody>
+      </p:sp>
+      <p:sp>
+        <p:nvSpPr>
+          <p:cNvPr id="38" name="Rectangle 37"/>
+          <p:cNvSpPr/>
+          <p:nvPr/>
+        </p:nvSpPr>
+        <p:spPr bwMode="auto">
+          <a:xfrm>
+            <a:off x="4419600" y="2669977"/>
+            <a:ext cx="1188720" cy="533400"/>
+          </a:xfrm>
+          <a:prstGeom prst="rect">
+            <a:avLst/>
+          </a:prstGeom>
+          <a:solidFill>
+            <a:srgbClr val="00B050"/>
+          </a:solidFill>
+          <a:ln w="9525" cap="flat" cmpd="sng" algn="ctr">
+            <a:noFill/>
+            <a:prstDash val="solid"/>
+            <a:round/>
+            <a:headEnd type="none" w="med" len="med"/>
+            <a:tailEnd type="none" w="med" len="med"/>
+          </a:ln>
+          <a:effectLst>
+            <a:outerShdw blurRad="44450" dist="27940" dir="5400000" algn="ctr">
+              <a:srgbClr val="000000">
+                <a:alpha val="32000"/>
+              </a:srgbClr>
+            </a:outerShdw>
+          </a:effectLst>
+          <a:scene3d>
+            <a:camera prst="orthographicFront">
+              <a:rot lat="0" lon="0" rev="0"/>
+            </a:camera>
+            <a:lightRig rig="balanced" dir="t">
+              <a:rot lat="0" lon="0" rev="8700000"/>
+            </a:lightRig>
+          </a:scene3d>
+          <a:sp3d>
+            <a:bevelT w="190500" h="38100"/>
+          </a:sp3d>
+        </p:spPr>
+        <p:txBody>
+          <a:bodyPr vert="horz" wrap="square" lIns="91440" tIns="45720" rIns="91440" bIns="45720" numCol="1" rtlCol="0" anchor="t" anchorCtr="0" compatLnSpc="1">
+            <a:prstTxWarp prst="textNoShape">
+              <a:avLst/>
+            </a:prstTxWarp>
+          </a:bodyPr>
+          <a:lstStyle/>
+          <a:p>
+            <a:pPr marL="0" marR="0" indent="0" algn="ctr" defTabSz="914400" rtl="0" eaLnBrk="0" fontAlgn="base" latinLnBrk="0" hangingPunct="0">
+              <a:lnSpc>
+                <a:spcPct val="100000"/>
+              </a:lnSpc>
+              <a:spcBef>
+                <a:spcPct val="0"/>
+              </a:spcBef>
+              <a:spcAft>
+                <a:spcPct val="0"/>
+              </a:spcAft>
+              <a:buClrTx/>
+              <a:buSzTx/>
+              <a:buFontTx/>
+              <a:buNone/>
+              <a:tabLst/>
+            </a:pPr>
+            <a:r>
+              <a:rPr kumimoji="0" lang="en-US" sz="1800" b="0" i="0" u="none" strike="noStrike" cap="none" normalizeH="0" baseline="0" dirty="0" smtClean="0">
+                <a:ln>
+                  <a:noFill/>
+                </a:ln>
+                <a:solidFill>
+                  <a:schemeClr val="tx1"/>
+                </a:solidFill>
+                <a:effectLst/>
+                <a:latin typeface="Arial" charset="0"/>
+              </a:rPr>
+              <a:t>‘</a:t>
+            </a:r>
+            <a:r>
+              <a:rPr kumimoji="0" lang="en-US" sz="1600" b="0" i="0" u="none" strike="noStrike" cap="none" normalizeH="0" baseline="0" dirty="0" smtClean="0">
+                <a:ln>
+                  <a:noFill/>
+                </a:ln>
+                <a:solidFill>
+                  <a:schemeClr val="tx1"/>
+                </a:solidFill>
+                <a:effectLst/>
+                <a:latin typeface="Arial" charset="0"/>
+              </a:rPr>
+              <a:t>Decode</a:t>
+            </a:r>
+            <a:r>
+              <a:rPr kumimoji="0" lang="en-US" sz="1800" b="0" i="0" u="none" strike="noStrike" cap="none" normalizeH="0" baseline="0" dirty="0" smtClean="0">
+                <a:ln>
+                  <a:noFill/>
+                </a:ln>
+                <a:solidFill>
+                  <a:schemeClr val="tx1"/>
+                </a:solidFill>
+                <a:effectLst/>
+                <a:latin typeface="Arial" charset="0"/>
+              </a:rPr>
+              <a:t>	</a:t>
+            </a:r>
+          </a:p>
+        </p:txBody>
+      </p:sp>
+      <p:sp>
+        <p:nvSpPr>
+          <p:cNvPr id="39" name="Rectangle 38"/>
+          <p:cNvSpPr/>
+          <p:nvPr/>
+        </p:nvSpPr>
+        <p:spPr bwMode="auto">
+          <a:xfrm>
+            <a:off x="5608320" y="2669977"/>
+            <a:ext cx="1188720" cy="533400"/>
+          </a:xfrm>
+          <a:prstGeom prst="rect">
+            <a:avLst/>
+          </a:prstGeom>
+          <a:solidFill>
+            <a:srgbClr val="FF0000"/>
+          </a:solidFill>
+          <a:ln w="9525" cap="flat" cmpd="sng" algn="ctr">
+            <a:noFill/>
+            <a:prstDash val="solid"/>
+            <a:round/>
+            <a:headEnd type="none" w="med" len="med"/>
+            <a:tailEnd type="none" w="med" len="med"/>
+          </a:ln>
+          <a:effectLst>
+            <a:outerShdw blurRad="44450" dist="27940" dir="5400000" algn="ctr">
+              <a:srgbClr val="000000">
+                <a:alpha val="32000"/>
+              </a:srgbClr>
+            </a:outerShdw>
+          </a:effectLst>
+          <a:scene3d>
+            <a:camera prst="orthographicFront">
+              <a:rot lat="0" lon="0" rev="0"/>
+            </a:camera>
+            <a:lightRig rig="balanced" dir="t">
+              <a:rot lat="0" lon="0" rev="8700000"/>
+            </a:lightRig>
+          </a:scene3d>
+          <a:sp3d>
+            <a:bevelT w="190500" h="38100"/>
+          </a:sp3d>
+        </p:spPr>
+        <p:txBody>
+          <a:bodyPr vert="horz" wrap="square" lIns="91440" tIns="45720" rIns="91440" bIns="45720" numCol="1" rtlCol="0" anchor="t" anchorCtr="0" compatLnSpc="1">
+            <a:prstTxWarp prst="textNoShape">
+              <a:avLst/>
+            </a:prstTxWarp>
+          </a:bodyPr>
+          <a:lstStyle/>
+          <a:p>
+            <a:pPr marL="0" marR="0" indent="0" algn="ctr" defTabSz="914400" rtl="0" eaLnBrk="0" fontAlgn="base" latinLnBrk="0" hangingPunct="0">
+              <a:lnSpc>
+                <a:spcPct val="100000"/>
+              </a:lnSpc>
+              <a:spcBef>
+                <a:spcPct val="0"/>
+              </a:spcBef>
+              <a:spcAft>
+                <a:spcPct val="0"/>
+              </a:spcAft>
+              <a:buClrTx/>
+              <a:buSzTx/>
+              <a:buFontTx/>
+              <a:buNone/>
+              <a:tabLst/>
+            </a:pPr>
+            <a:r>
+              <a:rPr kumimoji="0" lang="en-US" sz="1600" b="0" i="0" u="none" strike="noStrike" cap="none" normalizeH="0" baseline="0" dirty="0" smtClean="0">
+                <a:ln>
+                  <a:noFill/>
+                </a:ln>
+                <a:solidFill>
+                  <a:schemeClr val="tx1"/>
+                </a:solidFill>
+                <a:effectLst/>
+                <a:latin typeface="Arial" charset="0"/>
+              </a:rPr>
+              <a:t>Execute</a:t>
+            </a:r>
+            <a:endParaRPr kumimoji="0" lang="en-US" sz="1800" b="0" i="0" u="none" strike="noStrike" cap="none" normalizeH="0" baseline="0" dirty="0" smtClean="0">
+              <a:ln>
+                <a:noFill/>
+              </a:ln>
+              <a:solidFill>
+                <a:schemeClr val="tx1"/>
+              </a:solidFill>
+              <a:effectLst/>
+              <a:latin typeface="Arial" charset="0"/>
+            </a:endParaRPr>
+          </a:p>
+        </p:txBody>
+      </p:sp>
+      <p:sp>
+        <p:nvSpPr>
+          <p:cNvPr id="53" name="TextBox 52"/>
+          <p:cNvSpPr txBox="1"/>
+          <p:nvPr/>
+        </p:nvSpPr>
+        <p:spPr>
+          <a:xfrm>
+            <a:off x="3200400" y="2362200"/>
+            <a:ext cx="1451038" cy="307777"/>
+          </a:xfrm>
+          <a:prstGeom prst="rect">
+            <a:avLst/>
+          </a:prstGeom>
+          <a:noFill/>
+        </p:spPr>
+        <p:txBody>
+          <a:bodyPr wrap="none" rtlCol="0">
+            <a:spAutoFit/>
+          </a:bodyPr>
+          <a:lstStyle/>
+          <a:p>
+            <a:r>
+              <a:rPr lang="en-US" sz="1400" dirty="0" smtClean="0"/>
+              <a:t>ADD R3, R2,R1</a:t>
+            </a:r>
+            <a:endParaRPr lang="en-US" sz="1400" dirty="0"/>
+          </a:p>
+        </p:txBody>
+      </p:sp>
+      <p:sp>
+        <p:nvSpPr>
+          <p:cNvPr id="54" name="TextBox 53"/>
+          <p:cNvSpPr txBox="1"/>
+          <p:nvPr/>
+        </p:nvSpPr>
+        <p:spPr>
+          <a:xfrm>
+            <a:off x="4343400" y="3505200"/>
+            <a:ext cx="1500732" cy="307777"/>
+          </a:xfrm>
+          <a:prstGeom prst="rect">
+            <a:avLst/>
+          </a:prstGeom>
+          <a:noFill/>
+        </p:spPr>
+        <p:txBody>
+          <a:bodyPr wrap="none" rtlCol="0">
+            <a:spAutoFit/>
+          </a:bodyPr>
+          <a:lstStyle/>
+          <a:p>
+            <a:r>
+              <a:rPr lang="en-US" sz="1400" dirty="0" smtClean="0"/>
+              <a:t>ADD R4, R3, R1</a:t>
+            </a:r>
+            <a:endParaRPr lang="en-US" sz="1400" dirty="0"/>
+          </a:p>
+        </p:txBody>
+      </p:sp>
+      <p:cxnSp>
+        <p:nvCxnSpPr>
+          <p:cNvPr id="57" name="Straight Connector 56"/>
+          <p:cNvCxnSpPr/>
+          <p:nvPr/>
+        </p:nvCxnSpPr>
+        <p:spPr bwMode="auto">
+          <a:xfrm>
+            <a:off x="3200400" y="1524000"/>
+            <a:ext cx="0" cy="4878288"/>
+          </a:xfrm>
+          <a:prstGeom prst="line">
+            <a:avLst/>
+          </a:prstGeom>
+          <a:solidFill>
+            <a:schemeClr val="accent1"/>
+          </a:solidFill>
+          <a:ln w="9525" cap="flat" cmpd="sng" algn="ctr">
+            <a:solidFill>
+              <a:schemeClr val="tx1"/>
+            </a:solidFill>
+            <a:prstDash val="dashDot"/>
+            <a:round/>
+            <a:headEnd type="none" w="med" len="med"/>
+            <a:tailEnd type="none" w="med" len="med"/>
+          </a:ln>
+          <a:effectLst/>
+        </p:spPr>
+      </p:cxnSp>
+      <p:cxnSp>
+        <p:nvCxnSpPr>
+          <p:cNvPr id="58" name="Straight Connector 57"/>
+          <p:cNvCxnSpPr/>
+          <p:nvPr/>
+        </p:nvCxnSpPr>
+        <p:spPr bwMode="auto">
+          <a:xfrm>
+            <a:off x="4343400" y="1645920"/>
+            <a:ext cx="0" cy="4725888"/>
+          </a:xfrm>
+          <a:prstGeom prst="line">
+            <a:avLst/>
+          </a:prstGeom>
+          <a:solidFill>
+            <a:schemeClr val="accent1"/>
+          </a:solidFill>
+          <a:ln w="9525" cap="flat" cmpd="sng" algn="ctr">
+            <a:solidFill>
+              <a:schemeClr val="tx1"/>
+            </a:solidFill>
+            <a:prstDash val="dashDot"/>
+            <a:round/>
+            <a:headEnd type="none" w="med" len="med"/>
+            <a:tailEnd type="none" w="med" len="med"/>
+          </a:ln>
+          <a:effectLst/>
+        </p:spPr>
+      </p:cxnSp>
+      <p:cxnSp>
+        <p:nvCxnSpPr>
+          <p:cNvPr id="59" name="Straight Connector 58"/>
+          <p:cNvCxnSpPr/>
+          <p:nvPr/>
+        </p:nvCxnSpPr>
+        <p:spPr bwMode="auto">
+          <a:xfrm>
+            <a:off x="5486400" y="1524000"/>
+            <a:ext cx="0" cy="4878288"/>
+          </a:xfrm>
+          <a:prstGeom prst="line">
+            <a:avLst/>
+          </a:prstGeom>
+          <a:solidFill>
+            <a:schemeClr val="accent1"/>
+          </a:solidFill>
+          <a:ln w="9525" cap="flat" cmpd="sng" algn="ctr">
+            <a:solidFill>
+              <a:schemeClr val="tx1"/>
+            </a:solidFill>
+            <a:prstDash val="dashDot"/>
+            <a:round/>
+            <a:headEnd type="none" w="med" len="med"/>
+            <a:tailEnd type="none" w="med" len="med"/>
+          </a:ln>
+          <a:effectLst/>
+        </p:spPr>
+      </p:cxnSp>
+      <p:cxnSp>
+        <p:nvCxnSpPr>
+          <p:cNvPr id="60" name="Straight Connector 59"/>
+          <p:cNvCxnSpPr/>
+          <p:nvPr/>
+        </p:nvCxnSpPr>
+        <p:spPr bwMode="auto">
+          <a:xfrm flipH="1">
+            <a:off x="6705600" y="1524000"/>
+            <a:ext cx="76200" cy="4878288"/>
+          </a:xfrm>
+          <a:prstGeom prst="line">
+            <a:avLst/>
+          </a:prstGeom>
+          <a:solidFill>
+            <a:schemeClr val="accent1"/>
+          </a:solidFill>
+          <a:ln w="9525" cap="flat" cmpd="sng" algn="ctr">
+            <a:solidFill>
+              <a:schemeClr val="tx1"/>
+            </a:solidFill>
+            <a:prstDash val="dashDot"/>
+            <a:round/>
+            <a:headEnd type="none" w="med" len="med"/>
+            <a:tailEnd type="none" w="med" len="med"/>
+          </a:ln>
+          <a:effectLst/>
+        </p:spPr>
+      </p:cxnSp>
+      <p:sp>
+        <p:nvSpPr>
+          <p:cNvPr id="62" name="TextBox 61"/>
+          <p:cNvSpPr txBox="1"/>
+          <p:nvPr/>
+        </p:nvSpPr>
+        <p:spPr>
+          <a:xfrm>
+            <a:off x="5562600" y="4495800"/>
+            <a:ext cx="1500732" cy="307777"/>
+          </a:xfrm>
+          <a:prstGeom prst="rect">
+            <a:avLst/>
+          </a:prstGeom>
+          <a:noFill/>
+        </p:spPr>
+        <p:txBody>
+          <a:bodyPr wrap="none" rtlCol="0">
+            <a:spAutoFit/>
+          </a:bodyPr>
+          <a:lstStyle/>
+          <a:p>
+            <a:r>
+              <a:rPr lang="en-US" sz="1400" dirty="0" smtClean="0"/>
+              <a:t>ADD R3, R1, R2</a:t>
+            </a:r>
+            <a:endParaRPr lang="en-US" sz="1400" dirty="0"/>
+          </a:p>
+        </p:txBody>
+      </p:sp>
+      <p:sp>
+        <p:nvSpPr>
+          <p:cNvPr id="63" name="TextBox 62"/>
+          <p:cNvSpPr txBox="1"/>
+          <p:nvPr/>
+        </p:nvSpPr>
+        <p:spPr>
+          <a:xfrm>
+            <a:off x="296694" y="6336268"/>
+            <a:ext cx="312906" cy="369332"/>
+          </a:xfrm>
+          <a:prstGeom prst="rect">
+            <a:avLst/>
+          </a:prstGeom>
+          <a:noFill/>
+        </p:spPr>
+        <p:txBody>
+          <a:bodyPr wrap="none" rtlCol="0">
+            <a:spAutoFit/>
+          </a:bodyPr>
+          <a:lstStyle/>
+          <a:p>
+            <a:r>
+              <a:rPr lang="en-US" dirty="0" smtClean="0"/>
+              <a:t>0</a:t>
+            </a:r>
+            <a:endParaRPr lang="en-US" dirty="0"/>
+          </a:p>
+        </p:txBody>
+      </p:sp>
+      <p:sp>
+        <p:nvSpPr>
+          <p:cNvPr id="65" name="TextBox 64"/>
+          <p:cNvSpPr txBox="1"/>
+          <p:nvPr/>
+        </p:nvSpPr>
+        <p:spPr>
+          <a:xfrm>
+            <a:off x="3048000" y="6400800"/>
+            <a:ext cx="312906" cy="369332"/>
+          </a:xfrm>
+          <a:prstGeom prst="rect">
+            <a:avLst/>
+          </a:prstGeom>
+          <a:noFill/>
+        </p:spPr>
+        <p:txBody>
+          <a:bodyPr wrap="none" rtlCol="0">
+            <a:spAutoFit/>
+          </a:bodyPr>
+          <a:lstStyle/>
+          <a:p>
+            <a:r>
+              <a:rPr lang="en-US" dirty="0" smtClean="0"/>
+              <a:t>0</a:t>
+            </a:r>
+            <a:endParaRPr lang="en-US" dirty="0"/>
+          </a:p>
+        </p:txBody>
+      </p:sp>
+      <p:sp>
+        <p:nvSpPr>
+          <p:cNvPr id="66" name="TextBox 65"/>
+          <p:cNvSpPr txBox="1"/>
+          <p:nvPr/>
+        </p:nvSpPr>
+        <p:spPr>
+          <a:xfrm>
+            <a:off x="4267200" y="6370320"/>
+            <a:ext cx="312906" cy="369332"/>
+          </a:xfrm>
+          <a:prstGeom prst="rect">
+            <a:avLst/>
+          </a:prstGeom>
+          <a:noFill/>
+        </p:spPr>
+        <p:txBody>
+          <a:bodyPr wrap="none" rtlCol="0">
+            <a:spAutoFit/>
+          </a:bodyPr>
+          <a:lstStyle/>
+          <a:p>
+            <a:r>
+              <a:rPr lang="en-US" dirty="0" smtClean="0"/>
+              <a:t>1</a:t>
+            </a:r>
+            <a:endParaRPr lang="en-US" dirty="0"/>
+          </a:p>
+        </p:txBody>
+      </p:sp>
+      <p:sp>
+        <p:nvSpPr>
+          <p:cNvPr id="67" name="TextBox 66"/>
+          <p:cNvSpPr txBox="1"/>
+          <p:nvPr/>
+        </p:nvSpPr>
+        <p:spPr>
+          <a:xfrm>
+            <a:off x="5486400" y="6385560"/>
+            <a:ext cx="312906" cy="369332"/>
+          </a:xfrm>
+          <a:prstGeom prst="rect">
+            <a:avLst/>
+          </a:prstGeom>
+          <a:noFill/>
+        </p:spPr>
+        <p:txBody>
+          <a:bodyPr wrap="none" rtlCol="0">
+            <a:spAutoFit/>
+          </a:bodyPr>
+          <a:lstStyle/>
+          <a:p>
+            <a:r>
+              <a:rPr lang="en-US" dirty="0" smtClean="0"/>
+              <a:t>2</a:t>
+            </a:r>
+            <a:endParaRPr lang="en-US" dirty="0"/>
+          </a:p>
+        </p:txBody>
+      </p:sp>
+      <p:sp>
+        <p:nvSpPr>
+          <p:cNvPr id="68" name="TextBox 67"/>
+          <p:cNvSpPr txBox="1"/>
+          <p:nvPr/>
+        </p:nvSpPr>
+        <p:spPr>
+          <a:xfrm>
+            <a:off x="6644640" y="6400800"/>
+            <a:ext cx="312906" cy="369332"/>
+          </a:xfrm>
+          <a:prstGeom prst="rect">
+            <a:avLst/>
+          </a:prstGeom>
+          <a:noFill/>
+        </p:spPr>
+        <p:txBody>
+          <a:bodyPr wrap="none" rtlCol="0">
+            <a:spAutoFit/>
+          </a:bodyPr>
+          <a:lstStyle/>
+          <a:p>
+            <a:r>
+              <a:rPr lang="en-US" dirty="0" smtClean="0"/>
+              <a:t>3</a:t>
+            </a:r>
+            <a:endParaRPr lang="en-US" dirty="0"/>
+          </a:p>
+        </p:txBody>
+      </p:sp>
+      <p:cxnSp>
+        <p:nvCxnSpPr>
+          <p:cNvPr id="69" name="Straight Connector 68"/>
+          <p:cNvCxnSpPr/>
+          <p:nvPr/>
+        </p:nvCxnSpPr>
+        <p:spPr bwMode="auto">
+          <a:xfrm>
+            <a:off x="7924800" y="1600200"/>
+            <a:ext cx="0" cy="4802088"/>
+          </a:xfrm>
+          <a:prstGeom prst="line">
+            <a:avLst/>
+          </a:prstGeom>
+          <a:solidFill>
+            <a:schemeClr val="accent1"/>
+          </a:solidFill>
+          <a:ln w="9525" cap="flat" cmpd="sng" algn="ctr">
+            <a:solidFill>
+              <a:schemeClr val="tx1"/>
+            </a:solidFill>
+            <a:prstDash val="dashDot"/>
+            <a:round/>
+            <a:headEnd type="none" w="med" len="med"/>
+            <a:tailEnd type="none" w="med" len="med"/>
+          </a:ln>
+          <a:effectLst/>
+        </p:spPr>
+      </p:cxnSp>
+      <p:cxnSp>
+        <p:nvCxnSpPr>
+          <p:cNvPr id="72" name="Straight Connector 71"/>
+          <p:cNvCxnSpPr/>
+          <p:nvPr/>
+        </p:nvCxnSpPr>
+        <p:spPr bwMode="auto">
+          <a:xfrm>
+            <a:off x="3200400" y="6400800"/>
+            <a:ext cx="5943600" cy="0"/>
+          </a:xfrm>
+          <a:prstGeom prst="line">
+            <a:avLst/>
+          </a:prstGeom>
+          <a:solidFill>
+            <a:schemeClr val="accent1"/>
+          </a:solidFill>
+          <a:ln w="9525" cap="flat" cmpd="sng" algn="ctr">
+            <a:solidFill>
+              <a:schemeClr val="tx1"/>
+            </a:solidFill>
+            <a:prstDash val="solid"/>
+            <a:round/>
+            <a:headEnd type="none" w="med" len="med"/>
+            <a:tailEnd type="none" w="med" len="med"/>
+          </a:ln>
+          <a:effectLst/>
+        </p:spPr>
+      </p:cxnSp>
+      <p:sp>
+        <p:nvSpPr>
+          <p:cNvPr id="73" name="Rectangle 72"/>
+          <p:cNvSpPr/>
+          <p:nvPr/>
+        </p:nvSpPr>
+        <p:spPr bwMode="auto">
+          <a:xfrm>
+            <a:off x="4343400" y="3733800"/>
+            <a:ext cx="1188720" cy="533400"/>
+          </a:xfrm>
+          <a:prstGeom prst="rect">
+            <a:avLst/>
+          </a:prstGeom>
+          <a:solidFill>
+            <a:schemeClr val="accent1"/>
+          </a:solidFill>
+          <a:ln w="9525" cap="flat" cmpd="sng" algn="ctr">
+            <a:noFill/>
+            <a:prstDash val="solid"/>
+            <a:round/>
+            <a:headEnd type="none" w="med" len="med"/>
+            <a:tailEnd type="none" w="med" len="med"/>
+          </a:ln>
+          <a:effectLst>
+            <a:outerShdw blurRad="44450" dist="27940" dir="5400000" algn="ctr">
+              <a:srgbClr val="000000">
+                <a:alpha val="32000"/>
+              </a:srgbClr>
+            </a:outerShdw>
+          </a:effectLst>
+          <a:scene3d>
+            <a:camera prst="orthographicFront">
+              <a:rot lat="0" lon="0" rev="0"/>
+            </a:camera>
+            <a:lightRig rig="balanced" dir="t">
+              <a:rot lat="0" lon="0" rev="8700000"/>
+            </a:lightRig>
+          </a:scene3d>
+          <a:sp3d>
+            <a:bevelT w="190500" h="38100"/>
+          </a:sp3d>
+        </p:spPr>
+        <p:txBody>
+          <a:bodyPr vert="horz" wrap="square" lIns="91440" tIns="45720" rIns="91440" bIns="45720" numCol="1" rtlCol="0" anchor="t" anchorCtr="0" compatLnSpc="1">
+            <a:prstTxWarp prst="textNoShape">
+              <a:avLst/>
+            </a:prstTxWarp>
+          </a:bodyPr>
+          <a:lstStyle/>
+          <a:p>
+            <a:pPr algn="ctr"/>
+            <a:r>
+              <a:rPr lang="en-US" sz="1600" b="1" dirty="0" smtClean="0"/>
+              <a:t>Fetch</a:t>
+            </a:r>
+            <a:endParaRPr lang="en-US" b="1" dirty="0" smtClean="0"/>
+          </a:p>
+        </p:txBody>
+      </p:sp>
+      <p:sp>
+        <p:nvSpPr>
+          <p:cNvPr id="74" name="Rectangle 73"/>
+          <p:cNvSpPr/>
+          <p:nvPr/>
+        </p:nvSpPr>
+        <p:spPr bwMode="auto">
+          <a:xfrm>
+            <a:off x="5547360" y="3733800"/>
+            <a:ext cx="1188720" cy="533400"/>
+          </a:xfrm>
+          <a:prstGeom prst="rect">
+            <a:avLst/>
+          </a:prstGeom>
+          <a:solidFill>
+            <a:srgbClr val="00B050"/>
+          </a:solidFill>
+          <a:ln w="9525" cap="flat" cmpd="sng" algn="ctr">
+            <a:noFill/>
+            <a:prstDash val="solid"/>
+            <a:round/>
+            <a:headEnd type="none" w="med" len="med"/>
+            <a:tailEnd type="none" w="med" len="med"/>
+          </a:ln>
+          <a:effectLst>
+            <a:outerShdw blurRad="44450" dist="27940" dir="5400000" algn="ctr">
+              <a:srgbClr val="000000">
+                <a:alpha val="32000"/>
+              </a:srgbClr>
+            </a:outerShdw>
+          </a:effectLst>
+          <a:scene3d>
+            <a:camera prst="orthographicFront">
+              <a:rot lat="0" lon="0" rev="0"/>
+            </a:camera>
+            <a:lightRig rig="balanced" dir="t">
+              <a:rot lat="0" lon="0" rev="8700000"/>
+            </a:lightRig>
+          </a:scene3d>
+          <a:sp3d>
+            <a:bevelT w="190500" h="38100"/>
+          </a:sp3d>
+        </p:spPr>
+        <p:txBody>
+          <a:bodyPr vert="horz" wrap="square" lIns="91440" tIns="45720" rIns="91440" bIns="45720" numCol="1" rtlCol="0" anchor="t" anchorCtr="0" compatLnSpc="1">
+            <a:prstTxWarp prst="textNoShape">
+              <a:avLst/>
+            </a:prstTxWarp>
+          </a:bodyPr>
+          <a:lstStyle/>
+          <a:p>
+            <a:pPr marL="0" marR="0" indent="0" algn="ctr" defTabSz="914400" rtl="0" eaLnBrk="0" fontAlgn="base" latinLnBrk="0" hangingPunct="0">
+              <a:lnSpc>
+                <a:spcPct val="100000"/>
+              </a:lnSpc>
+              <a:spcBef>
+                <a:spcPct val="0"/>
+              </a:spcBef>
+              <a:spcAft>
+                <a:spcPct val="0"/>
+              </a:spcAft>
+              <a:buClrTx/>
+              <a:buSzTx/>
+              <a:buFontTx/>
+              <a:buNone/>
+              <a:tabLst/>
+            </a:pPr>
+            <a:r>
+              <a:rPr kumimoji="0" lang="en-US" sz="1800" b="0" i="0" u="none" strike="noStrike" cap="none" normalizeH="0" baseline="0" dirty="0" smtClean="0">
+                <a:ln>
+                  <a:noFill/>
+                </a:ln>
+                <a:solidFill>
+                  <a:schemeClr val="tx1"/>
+                </a:solidFill>
+                <a:effectLst/>
+                <a:latin typeface="Arial" charset="0"/>
+              </a:rPr>
+              <a:t>‘</a:t>
+            </a:r>
+            <a:r>
+              <a:rPr kumimoji="0" lang="en-US" sz="1600" b="0" i="0" u="none" strike="noStrike" cap="none" normalizeH="0" baseline="0" dirty="0" smtClean="0">
+                <a:ln>
+                  <a:noFill/>
+                </a:ln>
+                <a:solidFill>
+                  <a:schemeClr val="tx1"/>
+                </a:solidFill>
+                <a:effectLst/>
+                <a:latin typeface="Arial" charset="0"/>
+              </a:rPr>
+              <a:t>Decode</a:t>
+            </a:r>
+            <a:r>
+              <a:rPr kumimoji="0" lang="en-US" sz="1800" b="0" i="0" u="none" strike="noStrike" cap="none" normalizeH="0" baseline="0" dirty="0" smtClean="0">
+                <a:ln>
+                  <a:noFill/>
+                </a:ln>
+                <a:solidFill>
+                  <a:schemeClr val="tx1"/>
+                </a:solidFill>
+                <a:effectLst/>
+                <a:latin typeface="Arial" charset="0"/>
+              </a:rPr>
+              <a:t>	</a:t>
+            </a:r>
+          </a:p>
+        </p:txBody>
+      </p:sp>
+      <p:sp>
+        <p:nvSpPr>
+          <p:cNvPr id="75" name="Rectangle 74"/>
+          <p:cNvSpPr/>
+          <p:nvPr/>
+        </p:nvSpPr>
+        <p:spPr bwMode="auto">
+          <a:xfrm>
+            <a:off x="6736080" y="3733800"/>
+            <a:ext cx="1188720" cy="533400"/>
+          </a:xfrm>
+          <a:prstGeom prst="rect">
+            <a:avLst/>
+          </a:prstGeom>
+          <a:solidFill>
+            <a:srgbClr val="FF0000"/>
+          </a:solidFill>
+          <a:ln w="9525" cap="flat" cmpd="sng" algn="ctr">
+            <a:noFill/>
+            <a:prstDash val="solid"/>
+            <a:round/>
+            <a:headEnd type="none" w="med" len="med"/>
+            <a:tailEnd type="none" w="med" len="med"/>
+          </a:ln>
+          <a:effectLst>
+            <a:outerShdw blurRad="44450" dist="27940" dir="5400000" algn="ctr">
+              <a:srgbClr val="000000">
+                <a:alpha val="32000"/>
+              </a:srgbClr>
+            </a:outerShdw>
+          </a:effectLst>
+          <a:scene3d>
+            <a:camera prst="orthographicFront">
+              <a:rot lat="0" lon="0" rev="0"/>
+            </a:camera>
+            <a:lightRig rig="balanced" dir="t">
+              <a:rot lat="0" lon="0" rev="8700000"/>
+            </a:lightRig>
+          </a:scene3d>
+          <a:sp3d>
+            <a:bevelT w="190500" h="38100"/>
+          </a:sp3d>
+        </p:spPr>
+        <p:txBody>
+          <a:bodyPr vert="horz" wrap="square" lIns="91440" tIns="45720" rIns="91440" bIns="45720" numCol="1" rtlCol="0" anchor="t" anchorCtr="0" compatLnSpc="1">
+            <a:prstTxWarp prst="textNoShape">
+              <a:avLst/>
+            </a:prstTxWarp>
+          </a:bodyPr>
+          <a:lstStyle/>
+          <a:p>
+            <a:pPr marL="0" marR="0" indent="0" algn="ctr" defTabSz="914400" rtl="0" eaLnBrk="0" fontAlgn="base" latinLnBrk="0" hangingPunct="0">
+              <a:lnSpc>
+                <a:spcPct val="100000"/>
+              </a:lnSpc>
+              <a:spcBef>
+                <a:spcPct val="0"/>
+              </a:spcBef>
+              <a:spcAft>
+                <a:spcPct val="0"/>
+              </a:spcAft>
+              <a:buClrTx/>
+              <a:buSzTx/>
+              <a:buFontTx/>
+              <a:buNone/>
+              <a:tabLst/>
+            </a:pPr>
+            <a:r>
+              <a:rPr kumimoji="0" lang="en-US" sz="1600" b="0" i="0" u="none" strike="noStrike" cap="none" normalizeH="0" baseline="0" dirty="0" smtClean="0">
+                <a:ln>
+                  <a:noFill/>
+                </a:ln>
+                <a:solidFill>
+                  <a:schemeClr val="tx1"/>
+                </a:solidFill>
+                <a:effectLst/>
+                <a:latin typeface="Arial" charset="0"/>
+              </a:rPr>
+              <a:t>Execute</a:t>
+            </a:r>
+            <a:endParaRPr kumimoji="0" lang="en-US" sz="1800" b="0" i="0" u="none" strike="noStrike" cap="none" normalizeH="0" baseline="0" dirty="0" smtClean="0">
+              <a:ln>
+                <a:noFill/>
+              </a:ln>
+              <a:solidFill>
+                <a:schemeClr val="tx1"/>
+              </a:solidFill>
+              <a:effectLst/>
+              <a:latin typeface="Arial" charset="0"/>
+            </a:endParaRPr>
+          </a:p>
+        </p:txBody>
+      </p:sp>
+      <p:sp>
+        <p:nvSpPr>
+          <p:cNvPr id="76" name="Rectangle 75"/>
+          <p:cNvSpPr/>
+          <p:nvPr/>
+        </p:nvSpPr>
+        <p:spPr bwMode="auto">
+          <a:xfrm>
+            <a:off x="5516880" y="4800600"/>
+            <a:ext cx="1188720" cy="533400"/>
+          </a:xfrm>
+          <a:prstGeom prst="rect">
+            <a:avLst/>
+          </a:prstGeom>
+          <a:solidFill>
+            <a:schemeClr val="accent1"/>
+          </a:solidFill>
+          <a:ln w="9525" cap="flat" cmpd="sng" algn="ctr">
+            <a:noFill/>
+            <a:prstDash val="solid"/>
+            <a:round/>
+            <a:headEnd type="none" w="med" len="med"/>
+            <a:tailEnd type="none" w="med" len="med"/>
+          </a:ln>
+          <a:effectLst>
+            <a:outerShdw blurRad="44450" dist="27940" dir="5400000" algn="ctr">
+              <a:srgbClr val="000000">
+                <a:alpha val="32000"/>
+              </a:srgbClr>
+            </a:outerShdw>
+          </a:effectLst>
+          <a:scene3d>
+            <a:camera prst="orthographicFront">
+              <a:rot lat="0" lon="0" rev="0"/>
+            </a:camera>
+            <a:lightRig rig="balanced" dir="t">
+              <a:rot lat="0" lon="0" rev="8700000"/>
+            </a:lightRig>
+          </a:scene3d>
+          <a:sp3d>
+            <a:bevelT w="190500" h="38100"/>
+          </a:sp3d>
+        </p:spPr>
+        <p:txBody>
+          <a:bodyPr vert="horz" wrap="square" lIns="91440" tIns="45720" rIns="91440" bIns="45720" numCol="1" rtlCol="0" anchor="t" anchorCtr="0" compatLnSpc="1">
+            <a:prstTxWarp prst="textNoShape">
+              <a:avLst/>
+            </a:prstTxWarp>
+          </a:bodyPr>
+          <a:lstStyle/>
+          <a:p>
+            <a:pPr algn="ctr"/>
+            <a:r>
+              <a:rPr lang="en-US" sz="1600" b="1" dirty="0" smtClean="0"/>
+              <a:t>Fetch</a:t>
+            </a:r>
+            <a:endParaRPr lang="en-US" b="1" dirty="0" smtClean="0"/>
+          </a:p>
+        </p:txBody>
+      </p:sp>
+      <p:sp>
+        <p:nvSpPr>
+          <p:cNvPr id="77" name="Rectangle 76"/>
+          <p:cNvSpPr/>
+          <p:nvPr/>
+        </p:nvSpPr>
+        <p:spPr bwMode="auto">
+          <a:xfrm>
+            <a:off x="6720840" y="4800600"/>
+            <a:ext cx="1188720" cy="533400"/>
+          </a:xfrm>
+          <a:prstGeom prst="rect">
+            <a:avLst/>
+          </a:prstGeom>
+          <a:solidFill>
+            <a:srgbClr val="00B050"/>
+          </a:solidFill>
+          <a:ln w="9525" cap="flat" cmpd="sng" algn="ctr">
+            <a:noFill/>
+            <a:prstDash val="solid"/>
+            <a:round/>
+            <a:headEnd type="none" w="med" len="med"/>
+            <a:tailEnd type="none" w="med" len="med"/>
+          </a:ln>
+          <a:effectLst>
+            <a:outerShdw blurRad="44450" dist="27940" dir="5400000" algn="ctr">
+              <a:srgbClr val="000000">
+                <a:alpha val="32000"/>
+              </a:srgbClr>
+            </a:outerShdw>
+          </a:effectLst>
+          <a:scene3d>
+            <a:camera prst="orthographicFront">
+              <a:rot lat="0" lon="0" rev="0"/>
+            </a:camera>
+            <a:lightRig rig="balanced" dir="t">
+              <a:rot lat="0" lon="0" rev="8700000"/>
+            </a:lightRig>
+          </a:scene3d>
+          <a:sp3d>
+            <a:bevelT w="190500" h="38100"/>
+          </a:sp3d>
+        </p:spPr>
+        <p:txBody>
+          <a:bodyPr vert="horz" wrap="square" lIns="91440" tIns="45720" rIns="91440" bIns="45720" numCol="1" rtlCol="0" anchor="t" anchorCtr="0" compatLnSpc="1">
+            <a:prstTxWarp prst="textNoShape">
+              <a:avLst/>
+            </a:prstTxWarp>
+          </a:bodyPr>
+          <a:lstStyle/>
+          <a:p>
+            <a:pPr marL="0" marR="0" indent="0" algn="ctr" defTabSz="914400" rtl="0" eaLnBrk="0" fontAlgn="base" latinLnBrk="0" hangingPunct="0">
+              <a:lnSpc>
+                <a:spcPct val="100000"/>
+              </a:lnSpc>
+              <a:spcBef>
+                <a:spcPct val="0"/>
+              </a:spcBef>
+              <a:spcAft>
+                <a:spcPct val="0"/>
+              </a:spcAft>
+              <a:buClrTx/>
+              <a:buSzTx/>
+              <a:buFontTx/>
+              <a:buNone/>
+              <a:tabLst/>
+            </a:pPr>
+            <a:r>
+              <a:rPr kumimoji="0" lang="en-US" sz="1800" b="0" i="0" u="none" strike="noStrike" cap="none" normalizeH="0" baseline="0" dirty="0" smtClean="0">
+                <a:ln>
+                  <a:noFill/>
+                </a:ln>
+                <a:solidFill>
+                  <a:schemeClr val="tx1"/>
+                </a:solidFill>
+                <a:effectLst/>
+                <a:latin typeface="Arial" charset="0"/>
+              </a:rPr>
+              <a:t>‘</a:t>
+            </a:r>
+            <a:r>
+              <a:rPr kumimoji="0" lang="en-US" sz="1600" b="0" i="0" u="none" strike="noStrike" cap="none" normalizeH="0" baseline="0" dirty="0" smtClean="0">
+                <a:ln>
+                  <a:noFill/>
+                </a:ln>
+                <a:solidFill>
+                  <a:schemeClr val="tx1"/>
+                </a:solidFill>
+                <a:effectLst/>
+                <a:latin typeface="Arial" charset="0"/>
+              </a:rPr>
+              <a:t>Decode</a:t>
+            </a:r>
+            <a:r>
+              <a:rPr kumimoji="0" lang="en-US" sz="1800" b="0" i="0" u="none" strike="noStrike" cap="none" normalizeH="0" baseline="0" dirty="0" smtClean="0">
+                <a:ln>
+                  <a:noFill/>
+                </a:ln>
+                <a:solidFill>
+                  <a:schemeClr val="tx1"/>
+                </a:solidFill>
+                <a:effectLst/>
+                <a:latin typeface="Arial" charset="0"/>
+              </a:rPr>
+              <a:t>	</a:t>
+            </a:r>
+          </a:p>
+        </p:txBody>
+      </p:sp>
+      <p:sp>
+        <p:nvSpPr>
+          <p:cNvPr id="78" name="Rectangle 77"/>
+          <p:cNvSpPr/>
+          <p:nvPr/>
+        </p:nvSpPr>
+        <p:spPr bwMode="auto">
+          <a:xfrm>
+            <a:off x="7909560" y="4800600"/>
+            <a:ext cx="1188720" cy="533400"/>
+          </a:xfrm>
+          <a:prstGeom prst="rect">
+            <a:avLst/>
+          </a:prstGeom>
+          <a:solidFill>
+            <a:srgbClr val="FF0000"/>
+          </a:solidFill>
+          <a:ln w="9525" cap="flat" cmpd="sng" algn="ctr">
+            <a:noFill/>
+            <a:prstDash val="solid"/>
+            <a:round/>
+            <a:headEnd type="none" w="med" len="med"/>
+            <a:tailEnd type="none" w="med" len="med"/>
+          </a:ln>
+          <a:effectLst>
+            <a:outerShdw blurRad="44450" dist="27940" dir="5400000" algn="ctr">
+              <a:srgbClr val="000000">
+                <a:alpha val="32000"/>
+              </a:srgbClr>
+            </a:outerShdw>
+          </a:effectLst>
+          <a:scene3d>
+            <a:camera prst="orthographicFront">
+              <a:rot lat="0" lon="0" rev="0"/>
+            </a:camera>
+            <a:lightRig rig="balanced" dir="t">
+              <a:rot lat="0" lon="0" rev="8700000"/>
+            </a:lightRig>
+          </a:scene3d>
+          <a:sp3d>
+            <a:bevelT w="190500" h="38100"/>
+          </a:sp3d>
+        </p:spPr>
+        <p:txBody>
+          <a:bodyPr vert="horz" wrap="square" lIns="91440" tIns="45720" rIns="91440" bIns="45720" numCol="1" rtlCol="0" anchor="t" anchorCtr="0" compatLnSpc="1">
+            <a:prstTxWarp prst="textNoShape">
+              <a:avLst/>
+            </a:prstTxWarp>
+          </a:bodyPr>
+          <a:lstStyle/>
+          <a:p>
+            <a:pPr marL="0" marR="0" indent="0" algn="ctr" defTabSz="914400" rtl="0" eaLnBrk="0" fontAlgn="base" latinLnBrk="0" hangingPunct="0">
+              <a:lnSpc>
+                <a:spcPct val="100000"/>
+              </a:lnSpc>
+              <a:spcBef>
+                <a:spcPct val="0"/>
+              </a:spcBef>
+              <a:spcAft>
+                <a:spcPct val="0"/>
+              </a:spcAft>
+              <a:buClrTx/>
+              <a:buSzTx/>
+              <a:buFontTx/>
+              <a:buNone/>
+              <a:tabLst/>
+            </a:pPr>
+            <a:r>
+              <a:rPr kumimoji="0" lang="en-US" sz="1600" b="0" i="0" u="none" strike="noStrike" cap="none" normalizeH="0" baseline="0" dirty="0" smtClean="0">
+                <a:ln>
+                  <a:noFill/>
+                </a:ln>
+                <a:solidFill>
+                  <a:schemeClr val="tx1"/>
+                </a:solidFill>
+                <a:effectLst/>
+                <a:latin typeface="Arial" charset="0"/>
+              </a:rPr>
+              <a:t>Execute</a:t>
+            </a:r>
+            <a:endParaRPr kumimoji="0" lang="en-US" sz="1800" b="0" i="0" u="none" strike="noStrike" cap="none" normalizeH="0" baseline="0" dirty="0" smtClean="0">
+              <a:ln>
+                <a:noFill/>
+              </a:ln>
+              <a:solidFill>
+                <a:schemeClr val="tx1"/>
+              </a:solidFill>
+              <a:effectLst/>
+              <a:latin typeface="Arial" charset="0"/>
+            </a:endParaRPr>
+          </a:p>
+        </p:txBody>
+      </p:sp>
+      <p:sp>
+        <p:nvSpPr>
+          <p:cNvPr id="80" name="TextBox 79"/>
+          <p:cNvSpPr txBox="1"/>
+          <p:nvPr/>
+        </p:nvSpPr>
+        <p:spPr>
+          <a:xfrm>
+            <a:off x="7916694" y="6400800"/>
+            <a:ext cx="312906" cy="369332"/>
+          </a:xfrm>
+          <a:prstGeom prst="rect">
+            <a:avLst/>
+          </a:prstGeom>
+          <a:noFill/>
+        </p:spPr>
+        <p:txBody>
+          <a:bodyPr wrap="none" rtlCol="0">
+            <a:spAutoFit/>
+          </a:bodyPr>
+          <a:lstStyle/>
+          <a:p>
+            <a:r>
+              <a:rPr lang="en-US" dirty="0" smtClean="0"/>
+              <a:t>4</a:t>
+            </a:r>
+            <a:endParaRPr lang="en-US" dirty="0"/>
+          </a:p>
+        </p:txBody>
+      </p:sp>
+      <p:sp>
+        <p:nvSpPr>
+          <p:cNvPr id="89" name="TextBox 88"/>
+          <p:cNvSpPr txBox="1"/>
+          <p:nvPr/>
+        </p:nvSpPr>
+        <p:spPr>
+          <a:xfrm>
+            <a:off x="381000" y="2362200"/>
+            <a:ext cx="2133600" cy="923330"/>
+          </a:xfrm>
+          <a:prstGeom prst="rect">
+            <a:avLst/>
+          </a:prstGeom>
+          <a:noFill/>
+          <a:ln>
+            <a:solidFill>
+              <a:schemeClr val="accent1"/>
+            </a:solidFill>
+          </a:ln>
+        </p:spPr>
+        <p:txBody>
+          <a:bodyPr wrap="square" rtlCol="0">
+            <a:spAutoFit/>
+          </a:bodyPr>
+          <a:lstStyle/>
+          <a:p>
+            <a:r>
+              <a:rPr lang="en-US" dirty="0" smtClean="0"/>
+              <a:t>ADD R3, R2, R1</a:t>
+            </a:r>
+          </a:p>
+          <a:p>
+            <a:r>
+              <a:rPr lang="en-US" dirty="0" smtClean="0"/>
+              <a:t>ADD R4, R3, R1</a:t>
+            </a:r>
+          </a:p>
+          <a:p>
+            <a:r>
+              <a:rPr lang="en-US" dirty="0" smtClean="0"/>
+              <a:t>ADD R3, R1, R2</a:t>
+            </a:r>
+            <a:endParaRPr lang="en-US" dirty="0"/>
+          </a:p>
+        </p:txBody>
+      </p:sp>
+      <p:sp>
+        <p:nvSpPr>
+          <p:cNvPr id="90" name="TextBox 89"/>
+          <p:cNvSpPr txBox="1"/>
+          <p:nvPr/>
+        </p:nvSpPr>
+        <p:spPr>
+          <a:xfrm>
+            <a:off x="350520" y="4495800"/>
+            <a:ext cx="2634054" cy="923330"/>
+          </a:xfrm>
+          <a:prstGeom prst="rect">
+            <a:avLst/>
+          </a:prstGeom>
+          <a:noFill/>
+          <a:ln>
+            <a:solidFill>
+              <a:schemeClr val="accent1"/>
+            </a:solidFill>
+          </a:ln>
+        </p:spPr>
+        <p:txBody>
+          <a:bodyPr wrap="none" rtlCol="0">
+            <a:spAutoFit/>
+          </a:bodyPr>
+          <a:lstStyle/>
+          <a:p>
+            <a:r>
+              <a:rPr lang="en-US" dirty="0" smtClean="0"/>
+              <a:t>Operands of R3 should</a:t>
+            </a:r>
+          </a:p>
+          <a:p>
+            <a:r>
+              <a:rPr lang="en-US" dirty="0" smtClean="0"/>
+              <a:t>Be ready during decode</a:t>
+            </a:r>
+          </a:p>
+          <a:p>
+            <a:r>
+              <a:rPr lang="en-US" dirty="0" smtClean="0"/>
+              <a:t>phase</a:t>
+            </a:r>
+            <a:endParaRPr lang="en-US" dirty="0"/>
+          </a:p>
+        </p:txBody>
+      </p:sp>
     </p:spTree>
   </p:cSld>
   <p:clrMapOvr>
@@ -37293,6 +44951,82 @@
               <a:ea typeface="+mj-ea"/>
               <a:cs typeface="+mj-cs"/>
             </a:endParaRPr>
+          </a:p>
+        </p:txBody>
+      </p:sp>
+      <p:sp>
+        <p:nvSpPr>
+          <p:cNvPr id="3" name="TextBox 2"/>
+          <p:cNvSpPr txBox="1"/>
+          <p:nvPr/>
+        </p:nvSpPr>
+        <p:spPr>
+          <a:xfrm>
+            <a:off x="257542" y="1676400"/>
+            <a:ext cx="8916223" cy="3416320"/>
+          </a:xfrm>
+          <a:prstGeom prst="rect">
+            <a:avLst/>
+          </a:prstGeom>
+          <a:noFill/>
+          <a:ln>
+            <a:solidFill>
+              <a:srgbClr val="FFFF00"/>
+            </a:solidFill>
+          </a:ln>
+        </p:spPr>
+        <p:txBody>
+          <a:bodyPr wrap="none" rtlCol="0">
+            <a:spAutoFit/>
+          </a:bodyPr>
+          <a:lstStyle/>
+          <a:p>
+            <a:r>
+              <a:rPr lang="en-US" sz="2400" dirty="0" smtClean="0"/>
+              <a:t>Branching hazards  occur when a branch instruction is executed</a:t>
+            </a:r>
+          </a:p>
+          <a:p>
+            <a:r>
+              <a:rPr lang="en-US" sz="2400" dirty="0" smtClean="0"/>
+              <a:t>When a branching happens</a:t>
+            </a:r>
+          </a:p>
+          <a:p>
+            <a:endParaRPr lang="en-US" sz="2400" dirty="0" smtClean="0"/>
+          </a:p>
+          <a:p>
+            <a:r>
+              <a:rPr lang="en-US" sz="2400" dirty="0" smtClean="0"/>
+              <a:t>When a branching takes place, the pipeline is flushed, pipe</a:t>
+            </a:r>
+          </a:p>
+          <a:p>
+            <a:r>
+              <a:rPr lang="en-US" sz="2400" dirty="0" smtClean="0"/>
+              <a:t>Lining cannot resume until the instruction to which the </a:t>
+            </a:r>
+          </a:p>
+          <a:p>
+            <a:r>
+              <a:rPr lang="en-US" sz="2400" dirty="0" smtClean="0"/>
+              <a:t>“branching” has to happen is fetched</a:t>
+            </a:r>
+          </a:p>
+          <a:p>
+            <a:endParaRPr lang="en-US" sz="2400" dirty="0" smtClean="0"/>
+          </a:p>
+          <a:p>
+            <a:r>
+              <a:rPr lang="en-US" sz="2400" dirty="0" smtClean="0"/>
+              <a:t>Common solution is to introduce bubbles till the instruction is</a:t>
+            </a:r>
+          </a:p>
+          <a:p>
+            <a:r>
+              <a:rPr lang="en-US" sz="2400" dirty="0" smtClean="0"/>
+              <a:t>fetched</a:t>
+            </a:r>
           </a:p>
         </p:txBody>
       </p:sp>
@@ -37404,6 +45138,941 @@
           </a:p>
         </p:txBody>
       </p:sp>
+      <p:sp>
+        <p:nvSpPr>
+          <p:cNvPr id="3" name="TextBox 2"/>
+          <p:cNvSpPr txBox="1"/>
+          <p:nvPr/>
+        </p:nvSpPr>
+        <p:spPr>
+          <a:xfrm>
+            <a:off x="257542" y="1676400"/>
+            <a:ext cx="8773556" cy="1938992"/>
+          </a:xfrm>
+          <a:prstGeom prst="rect">
+            <a:avLst/>
+          </a:prstGeom>
+          <a:noFill/>
+          <a:ln>
+            <a:solidFill>
+              <a:srgbClr val="FFFF00"/>
+            </a:solidFill>
+          </a:ln>
+        </p:spPr>
+        <p:txBody>
+          <a:bodyPr wrap="none" rtlCol="0">
+            <a:spAutoFit/>
+          </a:bodyPr>
+          <a:lstStyle/>
+          <a:p>
+            <a:r>
+              <a:rPr lang="en-US" sz="2400" dirty="0" smtClean="0"/>
+              <a:t>Hazards arising due to resource conflicts</a:t>
+            </a:r>
+          </a:p>
+          <a:p>
+            <a:r>
+              <a:rPr lang="en-US" sz="2400" dirty="0" smtClean="0"/>
+              <a:t>A good example is  memory unit that is  accessed both in the </a:t>
+            </a:r>
+          </a:p>
+          <a:p>
+            <a:r>
+              <a:rPr lang="en-US" sz="2400" dirty="0" smtClean="0"/>
+              <a:t>fetch stage where an instruction is  retrieved from  memory, </a:t>
+            </a:r>
+          </a:p>
+          <a:p>
+            <a:r>
+              <a:rPr lang="en-US" sz="2400" dirty="0" smtClean="0"/>
+              <a:t>and the memory stage  where data is written  and/or read from </a:t>
+            </a:r>
+          </a:p>
+          <a:p>
+            <a:r>
+              <a:rPr lang="en-US" sz="2400" dirty="0" smtClean="0"/>
+              <a:t>memory</a:t>
+            </a:r>
+            <a:endParaRPr lang="en-US" sz="2400" dirty="0"/>
+          </a:p>
+        </p:txBody>
+      </p:sp>
+      <p:sp>
+        <p:nvSpPr>
+          <p:cNvPr id="4" name="Rectangle 3"/>
+          <p:cNvSpPr/>
+          <p:nvPr/>
+        </p:nvSpPr>
+        <p:spPr bwMode="auto">
+          <a:xfrm>
+            <a:off x="2987040" y="4041577"/>
+            <a:ext cx="1188720" cy="533400"/>
+          </a:xfrm>
+          <a:prstGeom prst="rect">
+            <a:avLst/>
+          </a:prstGeom>
+          <a:solidFill>
+            <a:schemeClr val="accent1"/>
+          </a:solidFill>
+          <a:ln w="9525" cap="flat" cmpd="sng" algn="ctr">
+            <a:noFill/>
+            <a:prstDash val="solid"/>
+            <a:round/>
+            <a:headEnd type="none" w="med" len="med"/>
+            <a:tailEnd type="none" w="med" len="med"/>
+          </a:ln>
+          <a:effectLst>
+            <a:outerShdw blurRad="44450" dist="27940" dir="5400000" algn="ctr">
+              <a:srgbClr val="000000">
+                <a:alpha val="32000"/>
+              </a:srgbClr>
+            </a:outerShdw>
+          </a:effectLst>
+          <a:scene3d>
+            <a:camera prst="orthographicFront">
+              <a:rot lat="0" lon="0" rev="0"/>
+            </a:camera>
+            <a:lightRig rig="balanced" dir="t">
+              <a:rot lat="0" lon="0" rev="8700000"/>
+            </a:lightRig>
+          </a:scene3d>
+          <a:sp3d>
+            <a:bevelT w="190500" h="38100"/>
+          </a:sp3d>
+        </p:spPr>
+        <p:txBody>
+          <a:bodyPr vert="horz" wrap="square" lIns="91440" tIns="45720" rIns="91440" bIns="45720" numCol="1" rtlCol="0" anchor="t" anchorCtr="0" compatLnSpc="1">
+            <a:prstTxWarp prst="textNoShape">
+              <a:avLst/>
+            </a:prstTxWarp>
+          </a:bodyPr>
+          <a:lstStyle/>
+          <a:p>
+            <a:pPr algn="ctr"/>
+            <a:r>
+              <a:rPr lang="en-US" sz="1600" b="1" dirty="0" smtClean="0"/>
+              <a:t>Fetch</a:t>
+            </a:r>
+            <a:endParaRPr lang="en-US" b="1" dirty="0" smtClean="0"/>
+          </a:p>
+        </p:txBody>
+      </p:sp>
+      <p:sp>
+        <p:nvSpPr>
+          <p:cNvPr id="5" name="Rectangle 4"/>
+          <p:cNvSpPr/>
+          <p:nvPr/>
+        </p:nvSpPr>
+        <p:spPr bwMode="auto">
+          <a:xfrm>
+            <a:off x="4191000" y="4041577"/>
+            <a:ext cx="1188720" cy="533400"/>
+          </a:xfrm>
+          <a:prstGeom prst="rect">
+            <a:avLst/>
+          </a:prstGeom>
+          <a:solidFill>
+            <a:srgbClr val="00B050"/>
+          </a:solidFill>
+          <a:ln w="9525" cap="flat" cmpd="sng" algn="ctr">
+            <a:noFill/>
+            <a:prstDash val="solid"/>
+            <a:round/>
+            <a:headEnd type="none" w="med" len="med"/>
+            <a:tailEnd type="none" w="med" len="med"/>
+          </a:ln>
+          <a:effectLst>
+            <a:outerShdw blurRad="44450" dist="27940" dir="5400000" algn="ctr">
+              <a:srgbClr val="000000">
+                <a:alpha val="32000"/>
+              </a:srgbClr>
+            </a:outerShdw>
+          </a:effectLst>
+          <a:scene3d>
+            <a:camera prst="orthographicFront">
+              <a:rot lat="0" lon="0" rev="0"/>
+            </a:camera>
+            <a:lightRig rig="balanced" dir="t">
+              <a:rot lat="0" lon="0" rev="8700000"/>
+            </a:lightRig>
+          </a:scene3d>
+          <a:sp3d>
+            <a:bevelT w="190500" h="38100"/>
+          </a:sp3d>
+        </p:spPr>
+        <p:txBody>
+          <a:bodyPr vert="horz" wrap="square" lIns="91440" tIns="45720" rIns="91440" bIns="45720" numCol="1" rtlCol="0" anchor="t" anchorCtr="0" compatLnSpc="1">
+            <a:prstTxWarp prst="textNoShape">
+              <a:avLst/>
+            </a:prstTxWarp>
+          </a:bodyPr>
+          <a:lstStyle/>
+          <a:p>
+            <a:pPr marL="0" marR="0" indent="0" algn="ctr" defTabSz="914400" rtl="0" eaLnBrk="0" fontAlgn="base" latinLnBrk="0" hangingPunct="0">
+              <a:lnSpc>
+                <a:spcPct val="100000"/>
+              </a:lnSpc>
+              <a:spcBef>
+                <a:spcPct val="0"/>
+              </a:spcBef>
+              <a:spcAft>
+                <a:spcPct val="0"/>
+              </a:spcAft>
+              <a:buClrTx/>
+              <a:buSzTx/>
+              <a:buFontTx/>
+              <a:buNone/>
+              <a:tabLst/>
+            </a:pPr>
+            <a:r>
+              <a:rPr kumimoji="0" lang="en-US" sz="1800" b="0" i="0" u="none" strike="noStrike" cap="none" normalizeH="0" baseline="0" dirty="0" smtClean="0">
+                <a:ln>
+                  <a:noFill/>
+                </a:ln>
+                <a:solidFill>
+                  <a:schemeClr val="tx1"/>
+                </a:solidFill>
+                <a:effectLst/>
+                <a:latin typeface="Arial" charset="0"/>
+              </a:rPr>
+              <a:t>‘</a:t>
+            </a:r>
+            <a:r>
+              <a:rPr kumimoji="0" lang="en-US" sz="1600" b="0" i="0" u="none" strike="noStrike" cap="none" normalizeH="0" baseline="0" dirty="0" smtClean="0">
+                <a:ln>
+                  <a:noFill/>
+                </a:ln>
+                <a:solidFill>
+                  <a:schemeClr val="tx1"/>
+                </a:solidFill>
+                <a:effectLst/>
+                <a:latin typeface="Arial" charset="0"/>
+              </a:rPr>
+              <a:t>Decode</a:t>
+            </a:r>
+            <a:r>
+              <a:rPr kumimoji="0" lang="en-US" sz="1800" b="0" i="0" u="none" strike="noStrike" cap="none" normalizeH="0" baseline="0" dirty="0" smtClean="0">
+                <a:ln>
+                  <a:noFill/>
+                </a:ln>
+                <a:solidFill>
+                  <a:schemeClr val="tx1"/>
+                </a:solidFill>
+                <a:effectLst/>
+                <a:latin typeface="Arial" charset="0"/>
+              </a:rPr>
+              <a:t>	</a:t>
+            </a:r>
+          </a:p>
+        </p:txBody>
+      </p:sp>
+      <p:sp>
+        <p:nvSpPr>
+          <p:cNvPr id="6" name="Rectangle 5"/>
+          <p:cNvSpPr/>
+          <p:nvPr/>
+        </p:nvSpPr>
+        <p:spPr bwMode="auto">
+          <a:xfrm>
+            <a:off x="5379720" y="4041577"/>
+            <a:ext cx="1188720" cy="533400"/>
+          </a:xfrm>
+          <a:prstGeom prst="rect">
+            <a:avLst/>
+          </a:prstGeom>
+          <a:solidFill>
+            <a:srgbClr val="FF0000"/>
+          </a:solidFill>
+          <a:ln w="9525" cap="flat" cmpd="sng" algn="ctr">
+            <a:noFill/>
+            <a:prstDash val="solid"/>
+            <a:round/>
+            <a:headEnd type="none" w="med" len="med"/>
+            <a:tailEnd type="none" w="med" len="med"/>
+          </a:ln>
+          <a:effectLst>
+            <a:outerShdw blurRad="44450" dist="27940" dir="5400000" algn="ctr">
+              <a:srgbClr val="000000">
+                <a:alpha val="32000"/>
+              </a:srgbClr>
+            </a:outerShdw>
+          </a:effectLst>
+          <a:scene3d>
+            <a:camera prst="orthographicFront">
+              <a:rot lat="0" lon="0" rev="0"/>
+            </a:camera>
+            <a:lightRig rig="balanced" dir="t">
+              <a:rot lat="0" lon="0" rev="8700000"/>
+            </a:lightRig>
+          </a:scene3d>
+          <a:sp3d>
+            <a:bevelT w="190500" h="38100"/>
+          </a:sp3d>
+        </p:spPr>
+        <p:txBody>
+          <a:bodyPr vert="horz" wrap="square" lIns="91440" tIns="45720" rIns="91440" bIns="45720" numCol="1" rtlCol="0" anchor="t" anchorCtr="0" compatLnSpc="1">
+            <a:prstTxWarp prst="textNoShape">
+              <a:avLst/>
+            </a:prstTxWarp>
+          </a:bodyPr>
+          <a:lstStyle/>
+          <a:p>
+            <a:pPr marL="0" marR="0" indent="0" algn="ctr" defTabSz="914400" rtl="0" eaLnBrk="0" fontAlgn="base" latinLnBrk="0" hangingPunct="0">
+              <a:lnSpc>
+                <a:spcPct val="100000"/>
+              </a:lnSpc>
+              <a:spcBef>
+                <a:spcPct val="0"/>
+              </a:spcBef>
+              <a:spcAft>
+                <a:spcPct val="0"/>
+              </a:spcAft>
+              <a:buClrTx/>
+              <a:buSzTx/>
+              <a:buFontTx/>
+              <a:buNone/>
+              <a:tabLst/>
+            </a:pPr>
+            <a:r>
+              <a:rPr kumimoji="0" lang="en-US" sz="1600" b="0" i="0" u="none" strike="noStrike" cap="none" normalizeH="0" baseline="0" dirty="0" smtClean="0">
+                <a:ln>
+                  <a:noFill/>
+                </a:ln>
+                <a:solidFill>
+                  <a:schemeClr val="tx1"/>
+                </a:solidFill>
+                <a:effectLst/>
+                <a:latin typeface="Arial" charset="0"/>
+              </a:rPr>
+              <a:t>Execute</a:t>
+            </a:r>
+            <a:endParaRPr kumimoji="0" lang="en-US" sz="1800" b="0" i="0" u="none" strike="noStrike" cap="none" normalizeH="0" baseline="0" dirty="0" smtClean="0">
+              <a:ln>
+                <a:noFill/>
+              </a:ln>
+              <a:solidFill>
+                <a:schemeClr val="tx1"/>
+              </a:solidFill>
+              <a:effectLst/>
+              <a:latin typeface="Arial" charset="0"/>
+            </a:endParaRPr>
+          </a:p>
+        </p:txBody>
+      </p:sp>
+      <p:sp>
+        <p:nvSpPr>
+          <p:cNvPr id="7" name="TextBox 6"/>
+          <p:cNvSpPr txBox="1"/>
+          <p:nvPr/>
+        </p:nvSpPr>
+        <p:spPr>
+          <a:xfrm>
+            <a:off x="2971800" y="3733800"/>
+            <a:ext cx="1300356" cy="307777"/>
+          </a:xfrm>
+          <a:prstGeom prst="rect">
+            <a:avLst/>
+          </a:prstGeom>
+          <a:noFill/>
+        </p:spPr>
+        <p:txBody>
+          <a:bodyPr wrap="none" rtlCol="0">
+            <a:spAutoFit/>
+          </a:bodyPr>
+          <a:lstStyle/>
+          <a:p>
+            <a:r>
+              <a:rPr lang="en-US" sz="1400" dirty="0" smtClean="0"/>
+              <a:t>STR  R3, [R2]</a:t>
+            </a:r>
+            <a:endParaRPr lang="en-US" sz="1400" dirty="0"/>
+          </a:p>
+        </p:txBody>
+      </p:sp>
+      <p:sp>
+        <p:nvSpPr>
+          <p:cNvPr id="8" name="TextBox 7"/>
+          <p:cNvSpPr txBox="1"/>
+          <p:nvPr/>
+        </p:nvSpPr>
+        <p:spPr>
+          <a:xfrm>
+            <a:off x="4114800" y="4724400"/>
+            <a:ext cx="1529586" cy="307777"/>
+          </a:xfrm>
+          <a:prstGeom prst="rect">
+            <a:avLst/>
+          </a:prstGeom>
+          <a:noFill/>
+        </p:spPr>
+        <p:txBody>
+          <a:bodyPr wrap="none" rtlCol="0">
+            <a:spAutoFit/>
+          </a:bodyPr>
+          <a:lstStyle/>
+          <a:p>
+            <a:r>
+              <a:rPr lang="en-US" sz="1400" dirty="0" smtClean="0"/>
+              <a:t>LDR  R4, R3, R1</a:t>
+            </a:r>
+            <a:endParaRPr lang="en-US" sz="1400" dirty="0"/>
+          </a:p>
+        </p:txBody>
+      </p:sp>
+      <p:sp>
+        <p:nvSpPr>
+          <p:cNvPr id="9" name="TextBox 8"/>
+          <p:cNvSpPr txBox="1"/>
+          <p:nvPr/>
+        </p:nvSpPr>
+        <p:spPr>
+          <a:xfrm>
+            <a:off x="5334000" y="5867400"/>
+            <a:ext cx="973343" cy="307777"/>
+          </a:xfrm>
+          <a:prstGeom prst="rect">
+            <a:avLst/>
+          </a:prstGeom>
+          <a:noFill/>
+        </p:spPr>
+        <p:txBody>
+          <a:bodyPr wrap="none" rtlCol="0">
+            <a:spAutoFit/>
+          </a:bodyPr>
+          <a:lstStyle/>
+          <a:p>
+            <a:r>
+              <a:rPr lang="en-US" sz="1400" dirty="0" smtClean="0"/>
+              <a:t>ADD ……</a:t>
+            </a:r>
+            <a:endParaRPr lang="en-US" sz="1400" dirty="0"/>
+          </a:p>
+        </p:txBody>
+      </p:sp>
+      <p:sp>
+        <p:nvSpPr>
+          <p:cNvPr id="10" name="Rectangle 9"/>
+          <p:cNvSpPr/>
+          <p:nvPr/>
+        </p:nvSpPr>
+        <p:spPr bwMode="auto">
+          <a:xfrm>
+            <a:off x="4114800" y="5105400"/>
+            <a:ext cx="1188720" cy="533400"/>
+          </a:xfrm>
+          <a:prstGeom prst="rect">
+            <a:avLst/>
+          </a:prstGeom>
+          <a:solidFill>
+            <a:schemeClr val="accent1"/>
+          </a:solidFill>
+          <a:ln w="9525" cap="flat" cmpd="sng" algn="ctr">
+            <a:noFill/>
+            <a:prstDash val="solid"/>
+            <a:round/>
+            <a:headEnd type="none" w="med" len="med"/>
+            <a:tailEnd type="none" w="med" len="med"/>
+          </a:ln>
+          <a:effectLst>
+            <a:outerShdw blurRad="44450" dist="27940" dir="5400000" algn="ctr">
+              <a:srgbClr val="000000">
+                <a:alpha val="32000"/>
+              </a:srgbClr>
+            </a:outerShdw>
+          </a:effectLst>
+          <a:scene3d>
+            <a:camera prst="orthographicFront">
+              <a:rot lat="0" lon="0" rev="0"/>
+            </a:camera>
+            <a:lightRig rig="balanced" dir="t">
+              <a:rot lat="0" lon="0" rev="8700000"/>
+            </a:lightRig>
+          </a:scene3d>
+          <a:sp3d>
+            <a:bevelT w="190500" h="38100"/>
+          </a:sp3d>
+        </p:spPr>
+        <p:txBody>
+          <a:bodyPr vert="horz" wrap="square" lIns="91440" tIns="45720" rIns="91440" bIns="45720" numCol="1" rtlCol="0" anchor="t" anchorCtr="0" compatLnSpc="1">
+            <a:prstTxWarp prst="textNoShape">
+              <a:avLst/>
+            </a:prstTxWarp>
+          </a:bodyPr>
+          <a:lstStyle/>
+          <a:p>
+            <a:pPr algn="ctr"/>
+            <a:r>
+              <a:rPr lang="en-US" sz="1600" b="1" dirty="0" smtClean="0"/>
+              <a:t>Fetch</a:t>
+            </a:r>
+            <a:endParaRPr lang="en-US" b="1" dirty="0" smtClean="0"/>
+          </a:p>
+        </p:txBody>
+      </p:sp>
+      <p:sp>
+        <p:nvSpPr>
+          <p:cNvPr id="11" name="Rectangle 10"/>
+          <p:cNvSpPr/>
+          <p:nvPr/>
+        </p:nvSpPr>
+        <p:spPr bwMode="auto">
+          <a:xfrm>
+            <a:off x="5318760" y="5105400"/>
+            <a:ext cx="1188720" cy="533400"/>
+          </a:xfrm>
+          <a:prstGeom prst="rect">
+            <a:avLst/>
+          </a:prstGeom>
+          <a:solidFill>
+            <a:srgbClr val="00B050"/>
+          </a:solidFill>
+          <a:ln w="9525" cap="flat" cmpd="sng" algn="ctr">
+            <a:noFill/>
+            <a:prstDash val="solid"/>
+            <a:round/>
+            <a:headEnd type="none" w="med" len="med"/>
+            <a:tailEnd type="none" w="med" len="med"/>
+          </a:ln>
+          <a:effectLst>
+            <a:outerShdw blurRad="44450" dist="27940" dir="5400000" algn="ctr">
+              <a:srgbClr val="000000">
+                <a:alpha val="32000"/>
+              </a:srgbClr>
+            </a:outerShdw>
+          </a:effectLst>
+          <a:scene3d>
+            <a:camera prst="orthographicFront">
+              <a:rot lat="0" lon="0" rev="0"/>
+            </a:camera>
+            <a:lightRig rig="balanced" dir="t">
+              <a:rot lat="0" lon="0" rev="8700000"/>
+            </a:lightRig>
+          </a:scene3d>
+          <a:sp3d>
+            <a:bevelT w="190500" h="38100"/>
+          </a:sp3d>
+        </p:spPr>
+        <p:txBody>
+          <a:bodyPr vert="horz" wrap="square" lIns="91440" tIns="45720" rIns="91440" bIns="45720" numCol="1" rtlCol="0" anchor="t" anchorCtr="0" compatLnSpc="1">
+            <a:prstTxWarp prst="textNoShape">
+              <a:avLst/>
+            </a:prstTxWarp>
+          </a:bodyPr>
+          <a:lstStyle/>
+          <a:p>
+            <a:pPr marL="0" marR="0" indent="0" algn="ctr" defTabSz="914400" rtl="0" eaLnBrk="0" fontAlgn="base" latinLnBrk="0" hangingPunct="0">
+              <a:lnSpc>
+                <a:spcPct val="100000"/>
+              </a:lnSpc>
+              <a:spcBef>
+                <a:spcPct val="0"/>
+              </a:spcBef>
+              <a:spcAft>
+                <a:spcPct val="0"/>
+              </a:spcAft>
+              <a:buClrTx/>
+              <a:buSzTx/>
+              <a:buFontTx/>
+              <a:buNone/>
+              <a:tabLst/>
+            </a:pPr>
+            <a:r>
+              <a:rPr kumimoji="0" lang="en-US" sz="1800" b="0" i="0" u="none" strike="noStrike" cap="none" normalizeH="0" baseline="0" dirty="0" smtClean="0">
+                <a:ln>
+                  <a:noFill/>
+                </a:ln>
+                <a:solidFill>
+                  <a:schemeClr val="tx1"/>
+                </a:solidFill>
+                <a:effectLst/>
+                <a:latin typeface="Arial" charset="0"/>
+              </a:rPr>
+              <a:t>‘</a:t>
+            </a:r>
+            <a:r>
+              <a:rPr kumimoji="0" lang="en-US" sz="1600" b="0" i="0" u="none" strike="noStrike" cap="none" normalizeH="0" baseline="0" dirty="0" smtClean="0">
+                <a:ln>
+                  <a:noFill/>
+                </a:ln>
+                <a:solidFill>
+                  <a:schemeClr val="tx1"/>
+                </a:solidFill>
+                <a:effectLst/>
+                <a:latin typeface="Arial" charset="0"/>
+              </a:rPr>
+              <a:t>Decode</a:t>
+            </a:r>
+            <a:r>
+              <a:rPr kumimoji="0" lang="en-US" sz="1800" b="0" i="0" u="none" strike="noStrike" cap="none" normalizeH="0" baseline="0" dirty="0" smtClean="0">
+                <a:ln>
+                  <a:noFill/>
+                </a:ln>
+                <a:solidFill>
+                  <a:schemeClr val="tx1"/>
+                </a:solidFill>
+                <a:effectLst/>
+                <a:latin typeface="Arial" charset="0"/>
+              </a:rPr>
+              <a:t>	</a:t>
+            </a:r>
+          </a:p>
+        </p:txBody>
+      </p:sp>
+      <p:sp>
+        <p:nvSpPr>
+          <p:cNvPr id="12" name="Rectangle 11"/>
+          <p:cNvSpPr/>
+          <p:nvPr/>
+        </p:nvSpPr>
+        <p:spPr bwMode="auto">
+          <a:xfrm>
+            <a:off x="6507480" y="5105400"/>
+            <a:ext cx="1188720" cy="533400"/>
+          </a:xfrm>
+          <a:prstGeom prst="rect">
+            <a:avLst/>
+          </a:prstGeom>
+          <a:solidFill>
+            <a:srgbClr val="FF0000"/>
+          </a:solidFill>
+          <a:ln w="9525" cap="flat" cmpd="sng" algn="ctr">
+            <a:noFill/>
+            <a:prstDash val="solid"/>
+            <a:round/>
+            <a:headEnd type="none" w="med" len="med"/>
+            <a:tailEnd type="none" w="med" len="med"/>
+          </a:ln>
+          <a:effectLst>
+            <a:outerShdw blurRad="44450" dist="27940" dir="5400000" algn="ctr">
+              <a:srgbClr val="000000">
+                <a:alpha val="32000"/>
+              </a:srgbClr>
+            </a:outerShdw>
+          </a:effectLst>
+          <a:scene3d>
+            <a:camera prst="orthographicFront">
+              <a:rot lat="0" lon="0" rev="0"/>
+            </a:camera>
+            <a:lightRig rig="balanced" dir="t">
+              <a:rot lat="0" lon="0" rev="8700000"/>
+            </a:lightRig>
+          </a:scene3d>
+          <a:sp3d>
+            <a:bevelT w="190500" h="38100"/>
+          </a:sp3d>
+        </p:spPr>
+        <p:txBody>
+          <a:bodyPr vert="horz" wrap="square" lIns="91440" tIns="45720" rIns="91440" bIns="45720" numCol="1" rtlCol="0" anchor="t" anchorCtr="0" compatLnSpc="1">
+            <a:prstTxWarp prst="textNoShape">
+              <a:avLst/>
+            </a:prstTxWarp>
+          </a:bodyPr>
+          <a:lstStyle/>
+          <a:p>
+            <a:pPr marL="0" marR="0" indent="0" algn="ctr" defTabSz="914400" rtl="0" eaLnBrk="0" fontAlgn="base" latinLnBrk="0" hangingPunct="0">
+              <a:lnSpc>
+                <a:spcPct val="100000"/>
+              </a:lnSpc>
+              <a:spcBef>
+                <a:spcPct val="0"/>
+              </a:spcBef>
+              <a:spcAft>
+                <a:spcPct val="0"/>
+              </a:spcAft>
+              <a:buClrTx/>
+              <a:buSzTx/>
+              <a:buFontTx/>
+              <a:buNone/>
+              <a:tabLst/>
+            </a:pPr>
+            <a:r>
+              <a:rPr kumimoji="0" lang="en-US" sz="1600" b="0" i="0" u="none" strike="noStrike" cap="none" normalizeH="0" baseline="0" dirty="0" smtClean="0">
+                <a:ln>
+                  <a:noFill/>
+                </a:ln>
+                <a:solidFill>
+                  <a:schemeClr val="tx1"/>
+                </a:solidFill>
+                <a:effectLst/>
+                <a:latin typeface="Arial" charset="0"/>
+              </a:rPr>
+              <a:t>Execute</a:t>
+            </a:r>
+            <a:endParaRPr kumimoji="0" lang="en-US" sz="1800" b="0" i="0" u="none" strike="noStrike" cap="none" normalizeH="0" baseline="0" dirty="0" smtClean="0">
+              <a:ln>
+                <a:noFill/>
+              </a:ln>
+              <a:solidFill>
+                <a:schemeClr val="tx1"/>
+              </a:solidFill>
+              <a:effectLst/>
+              <a:latin typeface="Arial" charset="0"/>
+            </a:endParaRPr>
+          </a:p>
+        </p:txBody>
+      </p:sp>
+      <p:sp>
+        <p:nvSpPr>
+          <p:cNvPr id="13" name="Rectangle 12"/>
+          <p:cNvSpPr/>
+          <p:nvPr/>
+        </p:nvSpPr>
+        <p:spPr bwMode="auto">
+          <a:xfrm>
+            <a:off x="5288280" y="6172200"/>
+            <a:ext cx="1188720" cy="533400"/>
+          </a:xfrm>
+          <a:prstGeom prst="rect">
+            <a:avLst/>
+          </a:prstGeom>
+          <a:solidFill>
+            <a:schemeClr val="accent1"/>
+          </a:solidFill>
+          <a:ln w="9525" cap="flat" cmpd="sng" algn="ctr">
+            <a:noFill/>
+            <a:prstDash val="solid"/>
+            <a:round/>
+            <a:headEnd type="none" w="med" len="med"/>
+            <a:tailEnd type="none" w="med" len="med"/>
+          </a:ln>
+          <a:effectLst>
+            <a:outerShdw blurRad="44450" dist="27940" dir="5400000" algn="ctr">
+              <a:srgbClr val="000000">
+                <a:alpha val="32000"/>
+              </a:srgbClr>
+            </a:outerShdw>
+          </a:effectLst>
+          <a:scene3d>
+            <a:camera prst="orthographicFront">
+              <a:rot lat="0" lon="0" rev="0"/>
+            </a:camera>
+            <a:lightRig rig="balanced" dir="t">
+              <a:rot lat="0" lon="0" rev="8700000"/>
+            </a:lightRig>
+          </a:scene3d>
+          <a:sp3d>
+            <a:bevelT w="190500" h="38100"/>
+          </a:sp3d>
+        </p:spPr>
+        <p:txBody>
+          <a:bodyPr vert="horz" wrap="square" lIns="91440" tIns="45720" rIns="91440" bIns="45720" numCol="1" rtlCol="0" anchor="t" anchorCtr="0" compatLnSpc="1">
+            <a:prstTxWarp prst="textNoShape">
+              <a:avLst/>
+            </a:prstTxWarp>
+          </a:bodyPr>
+          <a:lstStyle/>
+          <a:p>
+            <a:pPr algn="ctr"/>
+            <a:r>
+              <a:rPr lang="en-US" sz="1600" b="1" dirty="0" smtClean="0"/>
+              <a:t>Fetch</a:t>
+            </a:r>
+            <a:endParaRPr lang="en-US" b="1" dirty="0" smtClean="0"/>
+          </a:p>
+        </p:txBody>
+      </p:sp>
+      <p:sp>
+        <p:nvSpPr>
+          <p:cNvPr id="14" name="Rectangle 13"/>
+          <p:cNvSpPr/>
+          <p:nvPr/>
+        </p:nvSpPr>
+        <p:spPr bwMode="auto">
+          <a:xfrm>
+            <a:off x="6492240" y="6172200"/>
+            <a:ext cx="1188720" cy="533400"/>
+          </a:xfrm>
+          <a:prstGeom prst="rect">
+            <a:avLst/>
+          </a:prstGeom>
+          <a:solidFill>
+            <a:srgbClr val="00B050"/>
+          </a:solidFill>
+          <a:ln w="9525" cap="flat" cmpd="sng" algn="ctr">
+            <a:noFill/>
+            <a:prstDash val="solid"/>
+            <a:round/>
+            <a:headEnd type="none" w="med" len="med"/>
+            <a:tailEnd type="none" w="med" len="med"/>
+          </a:ln>
+          <a:effectLst>
+            <a:outerShdw blurRad="44450" dist="27940" dir="5400000" algn="ctr">
+              <a:srgbClr val="000000">
+                <a:alpha val="32000"/>
+              </a:srgbClr>
+            </a:outerShdw>
+          </a:effectLst>
+          <a:scene3d>
+            <a:camera prst="orthographicFront">
+              <a:rot lat="0" lon="0" rev="0"/>
+            </a:camera>
+            <a:lightRig rig="balanced" dir="t">
+              <a:rot lat="0" lon="0" rev="8700000"/>
+            </a:lightRig>
+          </a:scene3d>
+          <a:sp3d>
+            <a:bevelT w="190500" h="38100"/>
+          </a:sp3d>
+        </p:spPr>
+        <p:txBody>
+          <a:bodyPr vert="horz" wrap="square" lIns="91440" tIns="45720" rIns="91440" bIns="45720" numCol="1" rtlCol="0" anchor="t" anchorCtr="0" compatLnSpc="1">
+            <a:prstTxWarp prst="textNoShape">
+              <a:avLst/>
+            </a:prstTxWarp>
+          </a:bodyPr>
+          <a:lstStyle/>
+          <a:p>
+            <a:pPr marL="0" marR="0" indent="0" algn="ctr" defTabSz="914400" rtl="0" eaLnBrk="0" fontAlgn="base" latinLnBrk="0" hangingPunct="0">
+              <a:lnSpc>
+                <a:spcPct val="100000"/>
+              </a:lnSpc>
+              <a:spcBef>
+                <a:spcPct val="0"/>
+              </a:spcBef>
+              <a:spcAft>
+                <a:spcPct val="0"/>
+              </a:spcAft>
+              <a:buClrTx/>
+              <a:buSzTx/>
+              <a:buFontTx/>
+              <a:buNone/>
+              <a:tabLst/>
+            </a:pPr>
+            <a:r>
+              <a:rPr kumimoji="0" lang="en-US" sz="1800" b="0" i="0" u="none" strike="noStrike" cap="none" normalizeH="0" baseline="0" dirty="0" smtClean="0">
+                <a:ln>
+                  <a:noFill/>
+                </a:ln>
+                <a:solidFill>
+                  <a:schemeClr val="tx1"/>
+                </a:solidFill>
+                <a:effectLst/>
+                <a:latin typeface="Arial" charset="0"/>
+              </a:rPr>
+              <a:t>‘</a:t>
+            </a:r>
+            <a:r>
+              <a:rPr kumimoji="0" lang="en-US" sz="1600" b="0" i="0" u="none" strike="noStrike" cap="none" normalizeH="0" baseline="0" dirty="0" smtClean="0">
+                <a:ln>
+                  <a:noFill/>
+                </a:ln>
+                <a:solidFill>
+                  <a:schemeClr val="tx1"/>
+                </a:solidFill>
+                <a:effectLst/>
+                <a:latin typeface="Arial" charset="0"/>
+              </a:rPr>
+              <a:t>Decode</a:t>
+            </a:r>
+            <a:r>
+              <a:rPr kumimoji="0" lang="en-US" sz="1800" b="0" i="0" u="none" strike="noStrike" cap="none" normalizeH="0" baseline="0" dirty="0" smtClean="0">
+                <a:ln>
+                  <a:noFill/>
+                </a:ln>
+                <a:solidFill>
+                  <a:schemeClr val="tx1"/>
+                </a:solidFill>
+                <a:effectLst/>
+                <a:latin typeface="Arial" charset="0"/>
+              </a:rPr>
+              <a:t>	</a:t>
+            </a:r>
+          </a:p>
+        </p:txBody>
+      </p:sp>
+      <p:sp>
+        <p:nvSpPr>
+          <p:cNvPr id="15" name="Rectangle 14"/>
+          <p:cNvSpPr/>
+          <p:nvPr/>
+        </p:nvSpPr>
+        <p:spPr bwMode="auto">
+          <a:xfrm>
+            <a:off x="7680960" y="6172200"/>
+            <a:ext cx="1188720" cy="533400"/>
+          </a:xfrm>
+          <a:prstGeom prst="rect">
+            <a:avLst/>
+          </a:prstGeom>
+          <a:solidFill>
+            <a:srgbClr val="FF0000"/>
+          </a:solidFill>
+          <a:ln w="9525" cap="flat" cmpd="sng" algn="ctr">
+            <a:noFill/>
+            <a:prstDash val="solid"/>
+            <a:round/>
+            <a:headEnd type="none" w="med" len="med"/>
+            <a:tailEnd type="none" w="med" len="med"/>
+          </a:ln>
+          <a:effectLst>
+            <a:outerShdw blurRad="44450" dist="27940" dir="5400000" algn="ctr">
+              <a:srgbClr val="000000">
+                <a:alpha val="32000"/>
+              </a:srgbClr>
+            </a:outerShdw>
+          </a:effectLst>
+          <a:scene3d>
+            <a:camera prst="orthographicFront">
+              <a:rot lat="0" lon="0" rev="0"/>
+            </a:camera>
+            <a:lightRig rig="balanced" dir="t">
+              <a:rot lat="0" lon="0" rev="8700000"/>
+            </a:lightRig>
+          </a:scene3d>
+          <a:sp3d>
+            <a:bevelT w="190500" h="38100"/>
+          </a:sp3d>
+        </p:spPr>
+        <p:txBody>
+          <a:bodyPr vert="horz" wrap="square" lIns="91440" tIns="45720" rIns="91440" bIns="45720" numCol="1" rtlCol="0" anchor="t" anchorCtr="0" compatLnSpc="1">
+            <a:prstTxWarp prst="textNoShape">
+              <a:avLst/>
+            </a:prstTxWarp>
+          </a:bodyPr>
+          <a:lstStyle/>
+          <a:p>
+            <a:pPr marL="0" marR="0" indent="0" algn="ctr" defTabSz="914400" rtl="0" eaLnBrk="0" fontAlgn="base" latinLnBrk="0" hangingPunct="0">
+              <a:lnSpc>
+                <a:spcPct val="100000"/>
+              </a:lnSpc>
+              <a:spcBef>
+                <a:spcPct val="0"/>
+              </a:spcBef>
+              <a:spcAft>
+                <a:spcPct val="0"/>
+              </a:spcAft>
+              <a:buClrTx/>
+              <a:buSzTx/>
+              <a:buFontTx/>
+              <a:buNone/>
+              <a:tabLst/>
+            </a:pPr>
+            <a:r>
+              <a:rPr kumimoji="0" lang="en-US" sz="1600" b="0" i="0" u="none" strike="noStrike" cap="none" normalizeH="0" baseline="0" dirty="0" smtClean="0">
+                <a:ln>
+                  <a:noFill/>
+                </a:ln>
+                <a:solidFill>
+                  <a:schemeClr val="tx1"/>
+                </a:solidFill>
+                <a:effectLst/>
+                <a:latin typeface="Arial" charset="0"/>
+              </a:rPr>
+              <a:t>Execute</a:t>
+            </a:r>
+            <a:endParaRPr kumimoji="0" lang="en-US" sz="1800" b="0" i="0" u="none" strike="noStrike" cap="none" normalizeH="0" baseline="0" dirty="0" smtClean="0">
+              <a:ln>
+                <a:noFill/>
+              </a:ln>
+              <a:solidFill>
+                <a:schemeClr val="tx1"/>
+              </a:solidFill>
+              <a:effectLst/>
+              <a:latin typeface="Arial" charset="0"/>
+            </a:endParaRPr>
+          </a:p>
+        </p:txBody>
+      </p:sp>
     </p:spTree>
   </p:cSld>
   <p:clrMapOvr>
@@ -37429,6 +46098,88 @@
           <a:chExt cx="0" cy="0"/>
         </a:xfrm>
       </p:grpSpPr>
+      <p:sp>
+        <p:nvSpPr>
+          <p:cNvPr id="2" name="Title 1"/>
+          <p:cNvSpPr txBox="1">
+            <a:spLocks/>
+          </p:cNvSpPr>
+          <p:nvPr/>
+        </p:nvSpPr>
+        <p:spPr>
+          <a:xfrm>
+            <a:off x="304800" y="304800"/>
+            <a:ext cx="7543800" cy="685800"/>
+          </a:xfrm>
+          <a:prstGeom prst="rect">
+            <a:avLst/>
+          </a:prstGeom>
+        </p:spPr>
+        <p:txBody>
+          <a:bodyPr/>
+          <a:lstStyle/>
+          <a:p>
+            <a:pPr marL="0" marR="0" lvl="0" indent="0" algn="ctr" defTabSz="914400" rtl="0" eaLnBrk="1" fontAlgn="base" latinLnBrk="0" hangingPunct="1">
+              <a:lnSpc>
+                <a:spcPct val="100000"/>
+              </a:lnSpc>
+              <a:spcBef>
+                <a:spcPct val="0"/>
+              </a:spcBef>
+              <a:spcAft>
+                <a:spcPct val="0"/>
+              </a:spcAft>
+              <a:buClrTx/>
+              <a:buSzTx/>
+              <a:buFontTx/>
+              <a:buNone/>
+              <a:tabLst/>
+              <a:defRPr/>
+            </a:pPr>
+            <a:r>
+              <a:rPr lang="en-US" sz="3900" b="1" kern="0" dirty="0" smtClean="0">
+                <a:solidFill>
+                  <a:schemeClr val="tx2"/>
+                </a:solidFill>
+                <a:latin typeface="+mj-lt"/>
+                <a:ea typeface="+mj-ea"/>
+                <a:cs typeface="+mj-cs"/>
+              </a:rPr>
+              <a:t>Solution to Hazards</a:t>
+            </a:r>
+            <a:endParaRPr kumimoji="0" lang="en-US" sz="3900" b="1" i="0" u="none" strike="noStrike" kern="0" cap="none" spc="0" normalizeH="0" baseline="0" noProof="0" dirty="0">
+              <a:ln>
+                <a:noFill/>
+              </a:ln>
+              <a:solidFill>
+                <a:schemeClr val="tx2"/>
+              </a:solidFill>
+              <a:effectLst/>
+              <a:uLnTx/>
+              <a:uFillTx/>
+              <a:latin typeface="+mj-lt"/>
+              <a:ea typeface="+mj-ea"/>
+              <a:cs typeface="+mj-cs"/>
+            </a:endParaRPr>
+          </a:p>
+        </p:txBody>
+      </p:sp>
+      <p:graphicFrame>
+        <p:nvGraphicFramePr>
+          <p:cNvPr id="4" name="Diagram 3"/>
+          <p:cNvGraphicFramePr/>
+          <p:nvPr/>
+        </p:nvGraphicFramePr>
+        <p:xfrm>
+          <a:off x="381000" y="1143000"/>
+          <a:ext cx="8382000" cy="5334000"/>
+        </p:xfrm>
+        <a:graphic>
+          <a:graphicData uri="http://schemas.openxmlformats.org/drawingml/2006/diagram">
+            <dgm:relIds xmlns:dgm="http://schemas.openxmlformats.org/drawingml/2006/diagram" xmlns:r="http://schemas.openxmlformats.org/officeDocument/2006/relationships" r:dm="rId2" r:lo="rId3" r:qs="rId4" r:cs="rId5"/>
+          </a:graphicData>
+        </a:graphic>
+      </p:graphicFrame>
     </p:spTree>
   </p:cSld>
   <p:clrMapOvr>
@@ -37456,24 +46207,104 @@
       </p:grpSpPr>
       <p:sp>
         <p:nvSpPr>
-          <p:cNvPr id="44034" name="Rectangle 2"/>
-          <p:cNvSpPr>
-            <a:spLocks noGrp="1" noChangeArrowheads="1"/>
+          <p:cNvPr id="3" name="Rectangle 2"/>
+          <p:cNvSpPr/>
+          <p:nvPr/>
+        </p:nvSpPr>
+        <p:spPr>
+          <a:xfrm>
+            <a:off x="381000" y="2209800"/>
+            <a:ext cx="7848600" cy="923330"/>
+          </a:xfrm>
+          <a:prstGeom prst="rect">
+            <a:avLst/>
+          </a:prstGeom>
+        </p:spPr>
+        <p:txBody>
+          <a:bodyPr wrap="square">
+            <a:spAutoFit/>
+          </a:bodyPr>
+          <a:lstStyle/>
+          <a:p>
+            <a:r>
+              <a:rPr lang="en-US" dirty="0" smtClean="0"/>
+              <a:t>The CPU control unit must implement </a:t>
+            </a:r>
+            <a:r>
+              <a:rPr lang="en-US" b="1" u="sng" dirty="0" smtClean="0"/>
+              <a:t>logic to detect dependencies </a:t>
+            </a:r>
+            <a:r>
+              <a:rPr lang="en-US" dirty="0" smtClean="0"/>
+              <a:t>where  operand forwarding makes sense. A multiplexer can then be used to select the  proper register or flip-flop to read the operand from.</a:t>
+            </a:r>
+            <a:endParaRPr lang="en-US" dirty="0"/>
+          </a:p>
+        </p:txBody>
+      </p:sp>
+      <p:sp>
+        <p:nvSpPr>
+          <p:cNvPr id="4" name="Title 1"/>
+          <p:cNvSpPr txBox="1">
+            <a:spLocks/>
           </p:cNvSpPr>
-          <p:nvPr>
-            <p:ph type="title"/>
-          </p:nvPr>
+          <p:nvPr/>
         </p:nvSpPr>
-        <p:spPr/>
+        <p:spPr>
+          <a:xfrm>
+            <a:off x="304800" y="304800"/>
+            <a:ext cx="7543800" cy="685800"/>
+          </a:xfrm>
+          <a:prstGeom prst="rect">
+            <a:avLst/>
+          </a:prstGeom>
+        </p:spPr>
         <p:txBody>
           <a:bodyPr/>
           <a:lstStyle/>
           <a:p>
-            <a:r>
-              <a:rPr lang="en-US" dirty="0" smtClean="0"/>
-              <a:t>Limitation of ARM 7</a:t>
-            </a:r>
-            <a:endParaRPr lang="en-US" dirty="0"/>
+            <a:pPr marL="0" marR="0" lvl="0" indent="0" algn="ctr" defTabSz="914400" rtl="0" eaLnBrk="1" fontAlgn="base" latinLnBrk="0" hangingPunct="1">
+              <a:lnSpc>
+                <a:spcPct val="100000"/>
+              </a:lnSpc>
+              <a:spcBef>
+                <a:spcPct val="0"/>
+              </a:spcBef>
+              <a:spcAft>
+                <a:spcPct val="0"/>
+              </a:spcAft>
+              <a:buClrTx/>
+              <a:buSzTx/>
+              <a:buFontTx/>
+              <a:buNone/>
+              <a:tabLst/>
+              <a:defRPr/>
+            </a:pPr>
+            <a:r>
+              <a:rPr lang="en-US" sz="3900" b="1" kern="0" dirty="0" smtClean="0">
+                <a:solidFill>
+                  <a:schemeClr val="tx2"/>
+                </a:solidFill>
+                <a:latin typeface="+mj-lt"/>
+                <a:ea typeface="+mj-ea"/>
+                <a:cs typeface="+mj-cs"/>
+              </a:rPr>
+              <a:t>Solution to Hazards</a:t>
+            </a:r>
+            <a:endParaRPr kumimoji="0" lang="en-US" sz="3900" b="1" i="0" u="none" strike="noStrike" kern="0" cap="none" spc="0" normalizeH="0" baseline="0" noProof="0" dirty="0">
+              <a:ln>
+                <a:noFill/>
+              </a:ln>
+              <a:solidFill>
+                <a:schemeClr val="tx2"/>
+              </a:solidFill>
+              <a:effectLst/>
+              <a:uLnTx/>
+              <a:uFillTx/>
+              <a:latin typeface="+mj-lt"/>
+              <a:ea typeface="+mj-ea"/>
+              <a:cs typeface="+mj-cs"/>
+            </a:endParaRPr>
           </a:p>
         </p:txBody>
       </p:sp>
@@ -37482,13 +46313,6 @@
   <p:clrMapOvr>
     <a:masterClrMapping/>
   </p:clrMapOvr>
-  <p:timing>
-    <p:tnLst>
-      <p:par>
-        <p:cTn id="1" dur="indefinite" restart="never" nodeType="tmRoot"/>
-      </p:par>
-    </p:tnLst>
-  </p:timing>
 </p:sld>
 </file>
 
@@ -37511,9 +46335,9 @@
       </p:grpSpPr>
       <p:sp>
         <p:nvSpPr>
-          <p:cNvPr id="36866" name="Rectangle 2"/>
+          <p:cNvPr id="2" name="Title 1"/>
           <p:cNvSpPr>
-            <a:spLocks noGrp="1" noChangeArrowheads="1"/>
+            <a:spLocks noGrp="1"/>
           </p:cNvSpPr>
           <p:nvPr>
             <p:ph type="title"/>
@@ -37526,24 +46350,33 @@
           <a:p>
             <a:r>
               <a:rPr lang="en-US" dirty="0" smtClean="0"/>
-              <a:t>Comparison of different ARM Architecture</a:t>
+              <a:t>Five Stage Pipeline</a:t>
             </a:r>
             <a:endParaRPr lang="en-US" dirty="0"/>
           </a:p>
         </p:txBody>
       </p:sp>
+      <p:graphicFrame>
+        <p:nvGraphicFramePr>
+          <p:cNvPr id="3" name="Diagram 2"/>
+          <p:cNvGraphicFramePr/>
+          <p:nvPr/>
+        </p:nvGraphicFramePr>
+        <p:xfrm>
+          <a:off x="381000" y="1600200"/>
+          <a:ext cx="8458200" cy="5181600"/>
+        </p:xfrm>
+        <a:graphic>
+          <a:graphicData uri="http://schemas.openxmlformats.org/drawingml/2006/diagram">
+            <dgm:relIds xmlns:dgm="http://schemas.openxmlformats.org/drawingml/2006/diagram" xmlns:r="http://schemas.openxmlformats.org/officeDocument/2006/relationships" r:dm="rId2" r:lo="rId3" r:qs="rId4" r:cs="rId5"/>
+          </a:graphicData>
+        </a:graphic>
+      </p:graphicFrame>
     </p:spTree>
   </p:cSld>
   <p:clrMapOvr>
     <a:masterClrMapping/>
   </p:clrMapOvr>
-  <p:timing>
-    <p:tnLst>
-      <p:par>
-        <p:cTn id="1" dur="indefinite" restart="never" nodeType="tmRoot"/>
-      </p:par>
-    </p:tnLst>
-  </p:timing>
 </p:sld>
 </file>
 
@@ -37725,25 +46558,101 @@
           <a:chExt cx="0" cy="0"/>
         </a:xfrm>
       </p:grpSpPr>
+      <p:pic>
+        <p:nvPicPr>
+          <p:cNvPr id="1026" name="Picture 2" descr="https://upload.wikimedia.org/wikipedia/commons/thumb/6/67/5_Stage_Pipeline.svg/300px-5_Stage_Pipeline.svg.png"/>
+          <p:cNvPicPr>
+            <a:picLocks noChangeAspect="1" noChangeArrowheads="1"/>
+          </p:cNvPicPr>
+          <p:nvPr/>
+        </p:nvPicPr>
+        <p:blipFill>
+          <a:blip r:embed="rId2" cstate="print"/>
+          <a:srcRect/>
+          <a:stretch>
+            <a:fillRect/>
+          </a:stretch>
+        </p:blipFill>
+        <p:spPr bwMode="auto">
+          <a:xfrm>
+            <a:off x="762000" y="2057400"/>
+            <a:ext cx="7315200" cy="4632963"/>
+          </a:xfrm>
+          <a:prstGeom prst="rect">
+            <a:avLst/>
+          </a:prstGeom>
+          <a:noFill/>
+        </p:spPr>
+      </p:pic>
       <p:sp>
         <p:nvSpPr>
-          <p:cNvPr id="40962" name="Rectangle 2"/>
-          <p:cNvSpPr>
-            <a:spLocks noGrp="1" noChangeArrowheads="1"/>
+          <p:cNvPr id="3" name="Title 1"/>
+          <p:cNvSpPr txBox="1">
+            <a:spLocks/>
           </p:cNvSpPr>
-          <p:nvPr>
-            <p:ph type="title"/>
-          </p:nvPr>
+          <p:nvPr/>
         </p:nvSpPr>
-        <p:spPr/>
+        <p:spPr>
+          <a:xfrm>
+            <a:off x="457200" y="122238"/>
+            <a:ext cx="7543800" cy="1295400"/>
+          </a:xfrm>
+          <a:prstGeom prst="rect">
+            <a:avLst/>
+          </a:prstGeom>
+        </p:spPr>
         <p:txBody>
           <a:bodyPr/>
           <a:lstStyle/>
           <a:p>
-            <a:r>
-              <a:rPr lang="en-US"/>
-              <a:t>Lesson 3: Wrap-up</a:t>
-            </a:r>
+            <a:pPr marL="0" marR="0" lvl="0" indent="0" algn="l" defTabSz="914400" rtl="0" eaLnBrk="1" fontAlgn="base" latinLnBrk="0" hangingPunct="1">
+              <a:lnSpc>
+                <a:spcPct val="100000"/>
+              </a:lnSpc>
+              <a:spcBef>
+                <a:spcPct val="0"/>
+              </a:spcBef>
+              <a:spcAft>
+                <a:spcPct val="0"/>
+              </a:spcAft>
+              <a:buClrTx/>
+              <a:buSzTx/>
+              <a:buFontTx/>
+              <a:buNone/>
+              <a:tabLst/>
+              <a:defRPr/>
+            </a:pPr>
+            <a:r>
+              <a:rPr kumimoji="0" lang="en-US" sz="3900" b="1" i="0" u="none" strike="noStrike" kern="0" cap="none" spc="0" normalizeH="0" baseline="0" noProof="0" dirty="0" smtClean="0">
+                <a:ln>
+                  <a:noFill/>
+                </a:ln>
+                <a:solidFill>
+                  <a:schemeClr val="tx2"/>
+                </a:solidFill>
+                <a:effectLst/>
+                <a:uLnTx/>
+                <a:uFillTx/>
+                <a:latin typeface="+mj-lt"/>
+                <a:ea typeface="+mj-ea"/>
+                <a:cs typeface="+mj-cs"/>
+              </a:rPr>
+              <a:t>Five Stage Pipeline</a:t>
+            </a:r>
+            <a:endParaRPr kumimoji="0" lang="en-US" sz="3900" b="1" i="0" u="none" strike="noStrike" kern="0" cap="none" spc="0" normalizeH="0" baseline="0" noProof="0" dirty="0">
+              <a:ln>
+                <a:noFill/>
+              </a:ln>
+              <a:solidFill>
+                <a:schemeClr val="tx2"/>
+              </a:solidFill>
+              <a:effectLst/>
+              <a:uLnTx/>
+              <a:uFillTx/>
+              <a:latin typeface="+mj-lt"/>
+              <a:ea typeface="+mj-ea"/>
+              <a:cs typeface="+mj-cs"/>
+            </a:endParaRPr>
           </a:p>
         </p:txBody>
       </p:sp>
@@ -37752,13 +46661,6 @@
   <p:clrMapOvr>
     <a:masterClrMapping/>
   </p:clrMapOvr>
-  <p:timing>
-    <p:tnLst>
-      <p:par>
-        <p:cTn id="1" dur="indefinite" restart="never" nodeType="tmRoot"/>
-      </p:par>
-    </p:tnLst>
-  </p:timing>
 </p:sld>
 </file>
 
@@ -37781,7 +46683,7 @@
       </p:grpSpPr>
       <p:sp>
         <p:nvSpPr>
-          <p:cNvPr id="37890" name="Rectangle 2"/>
+          <p:cNvPr id="36866" name="Rectangle 2"/>
           <p:cNvSpPr>
             <a:spLocks noGrp="1" noChangeArrowheads="1"/>
           </p:cNvSpPr>
@@ -37795,12 +46697,482 @@
           <a:lstStyle/>
           <a:p>
             <a:r>
-              <a:rPr lang="en-US"/>
-              <a:t>Summary of Training</a:t>
-            </a:r>
+              <a:rPr lang="en-US" dirty="0" smtClean="0"/>
+              <a:t>Comparison of different ARM Architecture</a:t>
+            </a:r>
+            <a:endParaRPr lang="en-US" dirty="0"/>
           </a:p>
         </p:txBody>
       </p:sp>
+      <p:graphicFrame>
+        <p:nvGraphicFramePr>
+          <p:cNvPr id="3" name="Table 2"/>
+          <p:cNvGraphicFramePr>
+            <a:graphicFrameLocks noGrp="1"/>
+          </p:cNvGraphicFramePr>
+          <p:nvPr/>
+        </p:nvGraphicFramePr>
+        <p:xfrm>
+          <a:off x="685800" y="2133600"/>
+          <a:ext cx="7924800" cy="4267200"/>
+        </p:xfrm>
+        <a:graphic>
+          <a:graphicData uri="http://schemas.openxmlformats.org/drawingml/2006/table">
+            <a:tbl>
+              <a:tblPr firstRow="1" bandRow="1">
+                <a:tableStyleId>{5C22544A-7EE6-4342-B048-85BDC9FD1C3A}</a:tableStyleId>
+              </a:tblPr>
+              <a:tblGrid>
+                <a:gridCol w="1584960"/>
+                <a:gridCol w="1584960"/>
+                <a:gridCol w="1584960"/>
+                <a:gridCol w="1584960"/>
+                <a:gridCol w="1584960"/>
+              </a:tblGrid>
+              <a:tr h="711200">
+                <a:tc>
+                  <a:txBody>
+                    <a:bodyPr/>
+                    <a:lstStyle/>
+                    <a:p>
+                      <a:r>
+                        <a:rPr lang="en-US" dirty="0" smtClean="0"/>
+                        <a:t>Feature</a:t>
+                      </a:r>
+                      <a:endParaRPr lang="en-US" dirty="0"/>
+                    </a:p>
+                  </a:txBody>
+                  <a:tcPr/>
+                </a:tc>
+                <a:tc>
+                  <a:txBody>
+                    <a:bodyPr/>
+                    <a:lstStyle/>
+                    <a:p>
+                      <a:r>
+                        <a:rPr lang="en-US" dirty="0" smtClean="0"/>
+                        <a:t>ARM7</a:t>
+                      </a:r>
+                      <a:endParaRPr lang="en-US" dirty="0"/>
+                    </a:p>
+                  </a:txBody>
+                  <a:tcPr/>
+                </a:tc>
+                <a:tc>
+                  <a:txBody>
+                    <a:bodyPr/>
+                    <a:lstStyle/>
+                    <a:p>
+                      <a:r>
+                        <a:rPr lang="en-US" dirty="0" smtClean="0"/>
+                        <a:t>ARM9</a:t>
+                      </a:r>
+                      <a:endParaRPr lang="en-US" dirty="0"/>
+                    </a:p>
+                  </a:txBody>
+                  <a:tcPr/>
+                </a:tc>
+                <a:tc>
+                  <a:txBody>
+                    <a:bodyPr/>
+                    <a:lstStyle/>
+                    <a:p>
+                      <a:r>
+                        <a:rPr lang="en-US" dirty="0" smtClean="0"/>
+                        <a:t>ARM10</a:t>
+                      </a:r>
+                      <a:endParaRPr lang="en-US" dirty="0"/>
+                    </a:p>
+                  </a:txBody>
+                  <a:tcPr/>
+                </a:tc>
+                <a:tc>
+                  <a:txBody>
+                    <a:bodyPr/>
+                    <a:lstStyle/>
+                    <a:p>
+                      <a:r>
+                        <a:rPr lang="en-US" dirty="0" smtClean="0"/>
+                        <a:t>ARM11</a:t>
+                      </a:r>
+                      <a:endParaRPr lang="en-US" dirty="0"/>
+                    </a:p>
+                  </a:txBody>
+                  <a:tcPr/>
+                </a:tc>
+              </a:tr>
+              <a:tr h="711200">
+                <a:tc>
+                  <a:txBody>
+                    <a:bodyPr/>
+                    <a:lstStyle/>
+                    <a:p>
+                      <a:r>
+                        <a:rPr lang="en-US" dirty="0" smtClean="0"/>
+                        <a:t>Pipeline</a:t>
+                      </a:r>
+                      <a:endParaRPr lang="en-US" dirty="0"/>
+                    </a:p>
+                  </a:txBody>
+                  <a:tcPr/>
+                </a:tc>
+                <a:tc>
+                  <a:txBody>
+                    <a:bodyPr/>
+                    <a:lstStyle/>
+                    <a:p>
+                      <a:r>
+                        <a:rPr lang="en-US" dirty="0" smtClean="0"/>
+                        <a:t>3 stages</a:t>
+                      </a:r>
+                      <a:endParaRPr lang="en-US" dirty="0"/>
+                    </a:p>
+                  </a:txBody>
+                  <a:tcPr/>
+                </a:tc>
+                <a:tc>
+                  <a:txBody>
+                    <a:bodyPr/>
+                    <a:lstStyle/>
+                    <a:p>
+                      <a:r>
+                        <a:rPr lang="en-US" dirty="0" smtClean="0"/>
+                        <a:t>5 stages</a:t>
+                      </a:r>
+                      <a:endParaRPr lang="en-US" dirty="0"/>
+                    </a:p>
+                  </a:txBody>
+                  <a:tcPr/>
+                </a:tc>
+                <a:tc>
+                  <a:txBody>
+                    <a:bodyPr/>
+                    <a:lstStyle/>
+                    <a:p>
+                      <a:r>
+                        <a:rPr lang="en-US" dirty="0" smtClean="0"/>
+                        <a:t>6 stages</a:t>
+                      </a:r>
+                      <a:endParaRPr lang="en-US" dirty="0"/>
+                    </a:p>
+                  </a:txBody>
+                  <a:tcPr/>
+                </a:tc>
+                <a:tc>
+                  <a:txBody>
+                    <a:bodyPr/>
+                    <a:lstStyle/>
+                    <a:p>
+                      <a:r>
+                        <a:rPr lang="en-US" dirty="0" smtClean="0"/>
+                        <a:t>8 stages</a:t>
+                      </a:r>
+                      <a:endParaRPr lang="en-US" dirty="0"/>
+                    </a:p>
+                  </a:txBody>
+                  <a:tcPr/>
+                </a:tc>
+              </a:tr>
+              <a:tr h="711200">
+                <a:tc>
+                  <a:txBody>
+                    <a:bodyPr/>
+                    <a:lstStyle/>
+                    <a:p>
+                      <a:r>
+                        <a:rPr lang="en-US" dirty="0" smtClean="0"/>
+                        <a:t>Arch</a:t>
+                      </a:r>
+                      <a:endParaRPr lang="en-US" dirty="0"/>
+                    </a:p>
+                  </a:txBody>
+                  <a:tcPr/>
+                </a:tc>
+                <a:tc>
+                  <a:txBody>
+                    <a:bodyPr/>
+                    <a:lstStyle/>
+                    <a:p>
+                      <a:r>
+                        <a:rPr lang="en-US" dirty="0" smtClean="0"/>
+                        <a:t>Von</a:t>
+                      </a:r>
+                      <a:r>
+                        <a:rPr lang="en-US" baseline="0" dirty="0" smtClean="0"/>
+                        <a:t> </a:t>
+                      </a:r>
+                      <a:r>
+                        <a:rPr lang="en-US" baseline="0" dirty="0" err="1" smtClean="0"/>
+                        <a:t>Neumman</a:t>
+                      </a:r>
+                      <a:endParaRPr lang="en-US" dirty="0"/>
+                    </a:p>
+                  </a:txBody>
+                  <a:tcPr/>
+                </a:tc>
+                <a:tc>
+                  <a:txBody>
+                    <a:bodyPr/>
+                    <a:lstStyle/>
+                    <a:p>
+                      <a:r>
+                        <a:rPr lang="en-US" dirty="0" smtClean="0"/>
+                        <a:t>HARDARD</a:t>
+                      </a:r>
+                      <a:endParaRPr lang="en-US" dirty="0"/>
+                    </a:p>
+                  </a:txBody>
+                  <a:tcPr/>
+                </a:tc>
+                <a:tc>
+                  <a:txBody>
+                    <a:bodyPr/>
+                    <a:lstStyle/>
+                    <a:p>
+                      <a:r>
+                        <a:rPr lang="en-US" dirty="0" err="1" smtClean="0"/>
+                        <a:t>HARward</a:t>
+                      </a:r>
+                      <a:endParaRPr lang="en-US" dirty="0"/>
+                    </a:p>
+                  </a:txBody>
+                  <a:tcPr/>
+                </a:tc>
+                <a:tc>
+                  <a:txBody>
+                    <a:bodyPr/>
+                    <a:lstStyle/>
+                    <a:p>
+                      <a:r>
+                        <a:rPr lang="en-US" dirty="0" smtClean="0"/>
+                        <a:t>HARWARD</a:t>
+                      </a:r>
+                      <a:endParaRPr lang="en-US" dirty="0"/>
+                    </a:p>
+                  </a:txBody>
+                  <a:tcPr/>
+                </a:tc>
+              </a:tr>
+              <a:tr h="711200">
+                <a:tc>
+                  <a:txBody>
+                    <a:bodyPr/>
+                    <a:lstStyle/>
+                    <a:p>
+                      <a:r>
+                        <a:rPr lang="en-US" dirty="0" smtClean="0"/>
+                        <a:t>MIPS</a:t>
+                      </a:r>
+                      <a:endParaRPr lang="en-US" dirty="0"/>
+                    </a:p>
+                  </a:txBody>
+                  <a:tcPr/>
+                </a:tc>
+                <a:tc>
+                  <a:txBody>
+                    <a:bodyPr/>
+                    <a:lstStyle/>
+                    <a:p>
+                      <a:r>
+                        <a:rPr lang="en-US" dirty="0" smtClean="0"/>
+                        <a:t>0.97</a:t>
+                      </a:r>
+                      <a:endParaRPr lang="en-US" dirty="0"/>
+                    </a:p>
+                  </a:txBody>
+                  <a:tcPr/>
+                </a:tc>
+                <a:tc>
+                  <a:txBody>
+                    <a:bodyPr/>
+                    <a:lstStyle/>
+                    <a:p>
+                      <a:r>
+                        <a:rPr lang="en-US" dirty="0" smtClean="0"/>
+                        <a:t>1.1</a:t>
+                      </a:r>
+                      <a:endParaRPr lang="en-US" dirty="0"/>
+                    </a:p>
+                  </a:txBody>
+                  <a:tcPr/>
+                </a:tc>
+                <a:tc>
+                  <a:txBody>
+                    <a:bodyPr/>
+                    <a:lstStyle/>
+                    <a:p>
+                      <a:r>
+                        <a:rPr lang="en-US" dirty="0" smtClean="0"/>
+                        <a:t>1.3</a:t>
+                      </a:r>
+                      <a:endParaRPr lang="en-US" dirty="0"/>
+                    </a:p>
+                  </a:txBody>
+                  <a:tcPr/>
+                </a:tc>
+                <a:tc>
+                  <a:txBody>
+                    <a:bodyPr/>
+                    <a:lstStyle/>
+                    <a:p>
+                      <a:r>
+                        <a:rPr lang="en-US" dirty="0" smtClean="0"/>
+                        <a:t>1.2</a:t>
+                      </a:r>
+                      <a:endParaRPr lang="en-US" dirty="0"/>
+                    </a:p>
+                  </a:txBody>
+                  <a:tcPr/>
+                </a:tc>
+              </a:tr>
+              <a:tr h="711200">
+                <a:tc>
+                  <a:txBody>
+                    <a:bodyPr/>
+                    <a:lstStyle/>
+                    <a:p>
+                      <a:r>
+                        <a:rPr lang="en-US" dirty="0" smtClean="0"/>
+                        <a:t>MHz</a:t>
+                      </a:r>
+                      <a:endParaRPr lang="en-US" dirty="0"/>
+                    </a:p>
+                  </a:txBody>
+                  <a:tcPr/>
+                </a:tc>
+                <a:tc>
+                  <a:txBody>
+                    <a:bodyPr/>
+                    <a:lstStyle/>
+                    <a:p>
+                      <a:r>
+                        <a:rPr lang="en-US" dirty="0" smtClean="0"/>
+                        <a:t>80</a:t>
+                      </a:r>
+                      <a:endParaRPr lang="en-US" dirty="0"/>
+                    </a:p>
+                  </a:txBody>
+                  <a:tcPr/>
+                </a:tc>
+                <a:tc>
+                  <a:txBody>
+                    <a:bodyPr/>
+                    <a:lstStyle/>
+                    <a:p>
+                      <a:r>
+                        <a:rPr lang="en-US" dirty="0" smtClean="0"/>
+                        <a:t>150</a:t>
+                      </a:r>
+                      <a:endParaRPr lang="en-US" dirty="0"/>
+                    </a:p>
+                  </a:txBody>
+                  <a:tcPr/>
+                </a:tc>
+                <a:tc>
+                  <a:txBody>
+                    <a:bodyPr/>
+                    <a:lstStyle/>
+                    <a:p>
+                      <a:r>
+                        <a:rPr lang="en-US" dirty="0" smtClean="0"/>
+                        <a:t>260</a:t>
+                      </a:r>
+                      <a:endParaRPr lang="en-US" dirty="0"/>
+                    </a:p>
+                  </a:txBody>
+                  <a:tcPr/>
+                </a:tc>
+                <a:tc>
+                  <a:txBody>
+                    <a:bodyPr/>
+                    <a:lstStyle/>
+                    <a:p>
+                      <a:r>
+                        <a:rPr lang="en-US" dirty="0" smtClean="0"/>
+                        <a:t>331</a:t>
+                      </a:r>
+                      <a:endParaRPr lang="en-US" dirty="0"/>
+                    </a:p>
+                  </a:txBody>
+                  <a:tcPr/>
+                </a:tc>
+              </a:tr>
+              <a:tr h="711200">
+                <a:tc>
+                  <a:txBody>
+                    <a:bodyPr/>
+                    <a:lstStyle/>
+                    <a:p>
+                      <a:r>
+                        <a:rPr lang="en-US" dirty="0" smtClean="0"/>
+                        <a:t>MAC</a:t>
+                      </a:r>
+                      <a:endParaRPr lang="en-US" dirty="0"/>
+                    </a:p>
+                  </a:txBody>
+                  <a:tcPr/>
+                </a:tc>
+                <a:tc>
+                  <a:txBody>
+                    <a:bodyPr/>
+                    <a:lstStyle/>
+                    <a:p>
+                      <a:r>
+                        <a:rPr lang="en-US" dirty="0" smtClean="0"/>
+                        <a:t>8 X 32</a:t>
+                      </a:r>
+                      <a:endParaRPr lang="en-US" dirty="0"/>
+                    </a:p>
+                  </a:txBody>
+                  <a:tcPr/>
+                </a:tc>
+                <a:tc>
+                  <a:txBody>
+                    <a:bodyPr/>
+                    <a:lstStyle/>
+                    <a:p>
+                      <a:r>
+                        <a:rPr lang="en-US" dirty="0" smtClean="0"/>
+                        <a:t>8X32</a:t>
+                      </a:r>
+                      <a:endParaRPr lang="en-US" dirty="0"/>
+                    </a:p>
+                  </a:txBody>
+                  <a:tcPr/>
+                </a:tc>
+                <a:tc>
+                  <a:txBody>
+                    <a:bodyPr/>
+                    <a:lstStyle/>
+                    <a:p>
+                      <a:r>
+                        <a:rPr lang="en-US" dirty="0" smtClean="0"/>
+                        <a:t>8X 32</a:t>
+                      </a:r>
+                      <a:endParaRPr lang="en-US" dirty="0"/>
+                    </a:p>
+                  </a:txBody>
+                  <a:tcPr/>
+                </a:tc>
+                <a:tc>
+                  <a:txBody>
+                    <a:bodyPr/>
+                    <a:lstStyle/>
+                    <a:p>
+                      <a:r>
+                        <a:rPr lang="en-US" dirty="0" smtClean="0"/>
+                        <a:t>8 X 32</a:t>
+                      </a:r>
+                      <a:endParaRPr lang="en-US" dirty="0"/>
+                    </a:p>
+                  </a:txBody>
+                  <a:tcPr/>
+                </a:tc>
+              </a:tr>
+            </a:tbl>
+          </a:graphicData>
+        </a:graphic>
+      </p:graphicFrame>
     </p:spTree>
   </p:cSld>
   <p:clrMapOvr>
